--- a/doc/pre-thesis/presentation/pre-thesis_presentation.pptx
+++ b/doc/pre-thesis/presentation/pre-thesis_presentation.pptx
@@ -5814,7 +5814,7 @@
         </p:blipFill>
         <p:spPr>
           <a:xfrm>
-            <a:off x="347307" y="2438400"/>
+            <a:off x="3218720" y="2060430"/>
             <a:ext cx="4305118" cy="3967462"/>
           </a:xfrm>
         </p:spPr>
@@ -5844,7 +5844,7 @@
         </p:blipFill>
         <p:spPr>
           <a:xfrm>
-            <a:off x="4652425" y="2438400"/>
+            <a:off x="5618765" y="2038034"/>
             <a:ext cx="4134045" cy="3809806"/>
           </a:xfrm>
         </p:spPr>
@@ -5876,25 +5876,6 @@
       </p:sp>
       <p:sp>
         <p:nvSpPr>
-          <p:cNvPr id="7" name="Footer Placeholder 6"/>
-          <p:cNvSpPr>
-            <a:spLocks noGrp="1"/>
-          </p:cNvSpPr>
-          <p:nvPr>
-            <p:ph type="ftr" sz="quarter" idx="17"/>
-          </p:nvPr>
-        </p:nvSpPr>
-        <p:spPr/>
-        <p:txBody>
-          <a:bodyPr/>
-          <a:lstStyle/>
-          <a:p>
-            <a:endParaRPr lang="en-US" dirty="0"/>
-          </a:p>
-        </p:txBody>
-      </p:sp>
-      <p:sp>
-        <p:nvSpPr>
           <p:cNvPr id="3" name="Text Placeholder 2"/>
           <p:cNvSpPr>
             <a:spLocks noGrp="1"/>
@@ -5905,7 +5886,7 @@
         </p:nvSpPr>
         <p:spPr>
           <a:xfrm>
-            <a:off x="347307" y="1798320"/>
+            <a:off x="3356769" y="1514765"/>
             <a:ext cx="3886200" cy="640080"/>
           </a:xfrm>
           <a:ln>
@@ -5960,6 +5941,10 @@
           </p:nvPr>
         </p:nvSpPr>
         <p:spPr>
+          <a:xfrm>
+            <a:off x="6336390" y="1512832"/>
+            <a:ext cx="2595774" cy="640080"/>
+          </a:xfrm>
           <a:ln>
             <a:noFill/>
           </a:ln>
@@ -5997,6 +5982,217 @@
               <a:solidFill>
                 <a:srgbClr val="000000"/>
               </a:solidFill>
+            </a:endParaRPr>
+          </a:p>
+        </p:txBody>
+      </p:sp>
+      <p:sp>
+        <p:nvSpPr>
+          <p:cNvPr id="13" name="Content Placeholder 2"/>
+          <p:cNvSpPr txBox="1">
+            <a:spLocks/>
+          </p:cNvSpPr>
+          <p:nvPr/>
+        </p:nvSpPr>
+        <p:spPr>
+          <a:xfrm>
+            <a:off x="0" y="672187"/>
+            <a:ext cx="4224290" cy="4057966"/>
+          </a:xfrm>
+          <a:prstGeom prst="rect">
+            <a:avLst/>
+          </a:prstGeom>
+          <a:noFill/>
+        </p:spPr>
+        <p:txBody>
+          <a:bodyPr vert="horz" rtlCol="0" anchor="ctr">
+            <a:normAutofit/>
+          </a:bodyPr>
+          <a:lstStyle>
+            <a:lvl1pPr marL="0" indent="0" algn="l" rtl="0" eaLnBrk="1" latinLnBrk="0" hangingPunct="1">
+              <a:spcBef>
+                <a:spcPts val="700"/>
+              </a:spcBef>
+              <a:buClr>
+                <a:schemeClr val="accent2"/>
+              </a:buClr>
+              <a:buSzPct val="60000"/>
+              <a:buFontTx/>
+              <a:buNone/>
+              <a:defRPr kumimoji="0" sz="2000" b="1" kern="1200">
+                <a:solidFill>
+                  <a:srgbClr val="FFFFFF"/>
+                </a:solidFill>
+                <a:latin typeface="+mn-lt"/>
+                <a:ea typeface="+mn-ea"/>
+                <a:cs typeface="+mn-cs"/>
+              </a:defRPr>
+            </a:lvl1pPr>
+            <a:lvl2pPr marL="640080" indent="-274320" algn="l" rtl="0" eaLnBrk="1" latinLnBrk="0" hangingPunct="1">
+              <a:spcBef>
+                <a:spcPts val="550"/>
+              </a:spcBef>
+              <a:buClr>
+                <a:schemeClr val="accent1"/>
+              </a:buClr>
+              <a:buSzPct val="70000"/>
+              <a:buFont typeface="Wingdings 2"/>
+              <a:buChar char=""/>
+              <a:defRPr kumimoji="0" sz="2600" kern="1200">
+                <a:solidFill>
+                  <a:schemeClr val="tx1"/>
+                </a:solidFill>
+                <a:latin typeface="+mn-lt"/>
+                <a:ea typeface="+mn-ea"/>
+                <a:cs typeface="+mn-cs"/>
+              </a:defRPr>
+            </a:lvl2pPr>
+            <a:lvl3pPr marL="914400" indent="-228600" algn="l" rtl="0" eaLnBrk="1" latinLnBrk="0" hangingPunct="1">
+              <a:spcBef>
+                <a:spcPts val="500"/>
+              </a:spcBef>
+              <a:buClr>
+                <a:schemeClr val="accent2"/>
+              </a:buClr>
+              <a:buSzPct val="75000"/>
+              <a:buFont typeface="Wingdings"/>
+              <a:buChar char=""/>
+              <a:defRPr kumimoji="0" sz="2300" kern="1200">
+                <a:solidFill>
+                  <a:schemeClr val="tx1"/>
+                </a:solidFill>
+                <a:latin typeface="+mn-lt"/>
+                <a:ea typeface="+mn-ea"/>
+                <a:cs typeface="+mn-cs"/>
+              </a:defRPr>
+            </a:lvl3pPr>
+            <a:lvl4pPr marL="1371600" indent="-228600" algn="l" rtl="0" eaLnBrk="1" latinLnBrk="0" hangingPunct="1">
+              <a:spcBef>
+                <a:spcPts val="400"/>
+              </a:spcBef>
+              <a:buClr>
+                <a:schemeClr val="accent3"/>
+              </a:buClr>
+              <a:buSzPct val="75000"/>
+              <a:buFont typeface="Wingdings"/>
+              <a:buChar char=""/>
+              <a:defRPr kumimoji="0" sz="2000" kern="1200">
+                <a:solidFill>
+                  <a:schemeClr val="tx1"/>
+                </a:solidFill>
+                <a:latin typeface="+mn-lt"/>
+                <a:ea typeface="+mn-ea"/>
+                <a:cs typeface="+mn-cs"/>
+              </a:defRPr>
+            </a:lvl4pPr>
+            <a:lvl5pPr marL="1828800" indent="-228600" algn="l" rtl="0" eaLnBrk="1" latinLnBrk="0" hangingPunct="1">
+              <a:spcBef>
+                <a:spcPts val="400"/>
+              </a:spcBef>
+              <a:buClr>
+                <a:schemeClr val="accent4"/>
+              </a:buClr>
+              <a:buSzPct val="65000"/>
+              <a:buFont typeface="Wingdings"/>
+              <a:buChar char=""/>
+              <a:defRPr kumimoji="0" sz="2000" kern="1200">
+                <a:solidFill>
+                  <a:schemeClr val="tx1"/>
+                </a:solidFill>
+                <a:latin typeface="+mn-lt"/>
+                <a:ea typeface="+mn-ea"/>
+                <a:cs typeface="+mn-cs"/>
+              </a:defRPr>
+            </a:lvl5pPr>
+            <a:lvl6pPr marL="2103120" indent="-228600" algn="l" rtl="0" eaLnBrk="1" latinLnBrk="0" hangingPunct="1">
+              <a:spcBef>
+                <a:spcPct val="20000"/>
+              </a:spcBef>
+              <a:buClr>
+                <a:schemeClr val="accent1"/>
+              </a:buClr>
+              <a:buFont typeface="Wingdings"/>
+              <a:buChar char="§"/>
+              <a:defRPr kumimoji="0" sz="1800" kern="1200" baseline="0">
+                <a:solidFill>
+                  <a:schemeClr val="tx1"/>
+                </a:solidFill>
+                <a:latin typeface="+mn-lt"/>
+                <a:ea typeface="+mn-ea"/>
+                <a:cs typeface="+mn-cs"/>
+              </a:defRPr>
+            </a:lvl6pPr>
+            <a:lvl7pPr marL="2377440" indent="-228600" algn="l" rtl="0" eaLnBrk="1" latinLnBrk="0" hangingPunct="1">
+              <a:spcBef>
+                <a:spcPct val="20000"/>
+              </a:spcBef>
+              <a:buClr>
+                <a:schemeClr val="accent2"/>
+              </a:buClr>
+              <a:buFont typeface="Wingdings"/>
+              <a:buChar char="§"/>
+              <a:defRPr kumimoji="0" sz="1800" kern="1200" baseline="0">
+                <a:solidFill>
+                  <a:schemeClr val="tx1"/>
+                </a:solidFill>
+                <a:latin typeface="+mn-lt"/>
+                <a:ea typeface="+mn-ea"/>
+                <a:cs typeface="+mn-cs"/>
+              </a:defRPr>
+            </a:lvl7pPr>
+            <a:lvl8pPr marL="2651760" indent="-228600" algn="l" rtl="0" eaLnBrk="1" latinLnBrk="0" hangingPunct="1">
+              <a:spcBef>
+                <a:spcPct val="20000"/>
+              </a:spcBef>
+              <a:buClr>
+                <a:schemeClr val="accent3"/>
+              </a:buClr>
+              <a:buFont typeface="Wingdings"/>
+              <a:buChar char="§"/>
+              <a:defRPr kumimoji="0" sz="1800" kern="1200" baseline="0">
+                <a:solidFill>
+                  <a:schemeClr val="tx1"/>
+                </a:solidFill>
+                <a:latin typeface="+mn-lt"/>
+                <a:ea typeface="+mn-ea"/>
+                <a:cs typeface="+mn-cs"/>
+              </a:defRPr>
+            </a:lvl8pPr>
+            <a:lvl9pPr marL="2926080" indent="-228600" algn="l" rtl="0" eaLnBrk="1" latinLnBrk="0" hangingPunct="1">
+              <a:spcBef>
+                <a:spcPct val="20000"/>
+              </a:spcBef>
+              <a:buClr>
+                <a:schemeClr val="accent4"/>
+              </a:buClr>
+              <a:buFont typeface="Wingdings"/>
+              <a:buChar char="§"/>
+              <a:defRPr kumimoji="0" sz="1800" kern="1200" baseline="0">
+                <a:solidFill>
+                  <a:schemeClr val="tx1"/>
+                </a:solidFill>
+                <a:latin typeface="+mn-lt"/>
+                <a:ea typeface="+mn-ea"/>
+                <a:cs typeface="+mn-cs"/>
+              </a:defRPr>
+            </a:lvl9pPr>
+          </a:lstStyle>
+          <a:p>
+            <a:pPr lvl="1"/>
+            <a:r>
+              <a:rPr lang="en-US" sz="2800" dirty="0" smtClean="0"/>
+              <a:t>Refactor </a:t>
+            </a:r>
+            <a:r>
+              <a:rPr lang="en-US" sz="2000" dirty="0" err="1" smtClean="0">
+                <a:latin typeface="Lucida Console"/>
+                <a:cs typeface="Lucida Console"/>
+              </a:rPr>
+              <a:t>ttDilepKinFit</a:t>
+            </a:r>
+            <a:endParaRPr lang="en-US" sz="2000" dirty="0" smtClean="0">
+              <a:latin typeface="Lucida Console"/>
+              <a:cs typeface="Lucida Console"/>
             </a:endParaRPr>
           </a:p>
         </p:txBody>
@@ -6047,10 +6243,18 @@
           <a:lstStyle/>
           <a:p>
             <a:r>
-              <a:rPr lang="en-US" dirty="0" smtClean="0"/>
+              <a:rPr lang="en-US" dirty="0" smtClean="0">
+                <a:solidFill>
+                  <a:srgbClr val="1F497D"/>
+                </a:solidFill>
+              </a:rPr>
               <a:t>Future Work</a:t>
             </a:r>
-            <a:endParaRPr lang="en-US" dirty="0"/>
+            <a:endParaRPr lang="en-US" dirty="0">
+              <a:solidFill>
+                <a:srgbClr val="1F497D"/>
+              </a:solidFill>
+            </a:endParaRPr>
           </a:p>
         </p:txBody>
       </p:sp>
@@ -6113,6 +6317,9 @@
           <a:bodyPr/>
           <a:lstStyle/>
           <a:p>
+            <a:pPr marL="0" indent="0">
+              <a:buNone/>
+            </a:pPr>
             <a:endParaRPr lang="en-US" sz="2800" dirty="0" smtClean="0"/>
           </a:p>
           <a:p>
@@ -6408,10 +6615,18 @@
           <a:lstStyle/>
           <a:p>
             <a:r>
-              <a:rPr lang="en-US" dirty="0" smtClean="0"/>
+              <a:rPr lang="en-US" dirty="0" smtClean="0">
+                <a:solidFill>
+                  <a:srgbClr val="1F497D"/>
+                </a:solidFill>
+              </a:rPr>
               <a:t>Index</a:t>
             </a:r>
-            <a:endParaRPr lang="en-US" dirty="0"/>
+            <a:endParaRPr lang="en-US" dirty="0">
+              <a:solidFill>
+                <a:srgbClr val="1F497D"/>
+              </a:solidFill>
+            </a:endParaRPr>
           </a:p>
         </p:txBody>
       </p:sp>
@@ -6571,10 +6786,18 @@
           <a:lstStyle/>
           <a:p>
             <a:r>
-              <a:rPr lang="en-US" dirty="0" smtClean="0"/>
+              <a:rPr lang="en-US" dirty="0" smtClean="0">
+                <a:solidFill>
+                  <a:srgbClr val="1F497D"/>
+                </a:solidFill>
+              </a:rPr>
               <a:t>Motivation</a:t>
             </a:r>
-            <a:endParaRPr lang="en-US" dirty="0"/>
+            <a:endParaRPr lang="en-US" dirty="0">
+              <a:solidFill>
+                <a:srgbClr val="1F497D"/>
+              </a:solidFill>
+            </a:endParaRPr>
           </a:p>
         </p:txBody>
       </p:sp>
@@ -7256,10 +7479,18 @@
           <a:lstStyle/>
           <a:p>
             <a:r>
-              <a:rPr lang="en-US" dirty="0" smtClean="0"/>
+              <a:rPr lang="en-US" dirty="0" smtClean="0">
+                <a:solidFill>
+                  <a:srgbClr val="1F497D"/>
+                </a:solidFill>
+              </a:rPr>
               <a:t>Accelerator Devices</a:t>
             </a:r>
-            <a:endParaRPr lang="en-US" dirty="0"/>
+            <a:endParaRPr lang="en-US" dirty="0">
+              <a:solidFill>
+                <a:srgbClr val="1F497D"/>
+              </a:solidFill>
+            </a:endParaRPr>
           </a:p>
         </p:txBody>
       </p:sp>
@@ -7457,10 +7688,18 @@
           <a:lstStyle/>
           <a:p>
             <a:r>
-              <a:rPr lang="en-US" dirty="0" smtClean="0"/>
-              <a:t>Software</a:t>
-            </a:r>
-            <a:endParaRPr lang="en-US" dirty="0"/>
+              <a:rPr lang="en-US" dirty="0" smtClean="0">
+                <a:solidFill>
+                  <a:srgbClr val="1F497D"/>
+                </a:solidFill>
+              </a:rPr>
+              <a:t>Development Frameworks</a:t>
+            </a:r>
+            <a:endParaRPr lang="en-US" dirty="0">
+              <a:solidFill>
+                <a:srgbClr val="1F497D"/>
+              </a:solidFill>
+            </a:endParaRPr>
           </a:p>
         </p:txBody>
       </p:sp>

--- a/doc/pre-thesis/presentation/pre-thesis_presentation.pptx
+++ b/doc/pre-thesis/presentation/pre-thesis_presentation.pptx
@@ -5,24 +5,26 @@
     <p:sldMasterId id="2147483766" r:id="rId1"/>
   </p:sldMasterIdLst>
   <p:notesMasterIdLst>
-    <p:notesMasterId r:id="rId14"/>
+    <p:notesMasterId r:id="rId16"/>
   </p:notesMasterIdLst>
   <p:handoutMasterIdLst>
-    <p:handoutMasterId r:id="rId15"/>
+    <p:handoutMasterId r:id="rId17"/>
   </p:handoutMasterIdLst>
   <p:sldIdLst>
     <p:sldId id="256" r:id="rId2"/>
     <p:sldId id="269" r:id="rId3"/>
-    <p:sldId id="268" r:id="rId4"/>
-    <p:sldId id="259" r:id="rId5"/>
-    <p:sldId id="267" r:id="rId6"/>
-    <p:sldId id="271" r:id="rId7"/>
-    <p:sldId id="265" r:id="rId8"/>
-    <p:sldId id="264" r:id="rId9"/>
-    <p:sldId id="262" r:id="rId10"/>
-    <p:sldId id="270" r:id="rId11"/>
-    <p:sldId id="266" r:id="rId12"/>
-    <p:sldId id="272" r:id="rId13"/>
+    <p:sldId id="259" r:id="rId4"/>
+    <p:sldId id="262" r:id="rId5"/>
+    <p:sldId id="274" r:id="rId6"/>
+    <p:sldId id="279" r:id="rId7"/>
+    <p:sldId id="266" r:id="rId8"/>
+    <p:sldId id="271" r:id="rId9"/>
+    <p:sldId id="276" r:id="rId10"/>
+    <p:sldId id="277" r:id="rId11"/>
+    <p:sldId id="265" r:id="rId12"/>
+    <p:sldId id="275" r:id="rId13"/>
+    <p:sldId id="264" r:id="rId14"/>
+    <p:sldId id="278" r:id="rId15"/>
   </p:sldIdLst>
   <p:sldSz cx="9144000" cy="6858000" type="screen4x3"/>
   <p:notesSz cx="6858000" cy="9144000"/>
@@ -206,7 +208,7 @@
           <a:p>
             <a:fld id="{6A2E8799-AB43-2B49-B174-EA2922AE8430}" type="datetime1">
               <a:rPr lang="pt-PT" smtClean="0"/>
-              <a:t>12/02/13</a:t>
+              <a:t>18/02/13</a:t>
             </a:fld>
             <a:endParaRPr lang="en-US"/>
           </a:p>
@@ -372,7 +374,7 @@
           <a:p>
             <a:fld id="{DB45264F-2348-A448-9001-BE25E1EF061F}" type="datetime1">
               <a:rPr lang="pt-PT" smtClean="0"/>
-              <a:t>12/02/13</a:t>
+              <a:t>18/02/13</a:t>
             </a:fld>
             <a:endParaRPr lang="en-US"/>
           </a:p>
@@ -725,6 +727,1141 @@
 </p:notes>
 </file>
 
+<file path=ppt/notesSlides/notesSlide10.xml><?xml version="1.0" encoding="utf-8"?>
+<p:notes xmlns:a="http://schemas.openxmlformats.org/drawingml/2006/main" xmlns:r="http://schemas.openxmlformats.org/officeDocument/2006/relationships" xmlns:p="http://schemas.openxmlformats.org/presentationml/2006/main">
+  <p:cSld>
+    <p:spTree>
+      <p:nvGrpSpPr>
+        <p:cNvPr id="1" name=""/>
+        <p:cNvGrpSpPr/>
+        <p:nvPr/>
+      </p:nvGrpSpPr>
+      <p:grpSpPr>
+        <a:xfrm>
+          <a:off x="0" y="0"/>
+          <a:ext cx="0" cy="0"/>
+          <a:chOff x="0" y="0"/>
+          <a:chExt cx="0" cy="0"/>
+        </a:xfrm>
+      </p:grpSpPr>
+      <p:sp>
+        <p:nvSpPr>
+          <p:cNvPr id="2" name="Slide Image Placeholder 1"/>
+          <p:cNvSpPr>
+            <a:spLocks noGrp="1" noRot="1" noChangeAspect="1"/>
+          </p:cNvSpPr>
+          <p:nvPr>
+            <p:ph type="sldImg"/>
+          </p:nvPr>
+        </p:nvSpPr>
+        <p:spPr/>
+      </p:sp>
+      <p:sp>
+        <p:nvSpPr>
+          <p:cNvPr id="3" name="Notes Placeholder 2"/>
+          <p:cNvSpPr>
+            <a:spLocks noGrp="1"/>
+          </p:cNvSpPr>
+          <p:nvPr>
+            <p:ph type="body" idx="1"/>
+          </p:nvPr>
+        </p:nvSpPr>
+        <p:spPr/>
+        <p:txBody>
+          <a:bodyPr/>
+          <a:lstStyle/>
+          <a:p>
+            <a:pPr marL="228600" indent="-228600">
+              <a:buAutoNum type="arabicPeriod"/>
+            </a:pPr>
+            <a:r>
+              <a:rPr lang="en-US" baseline="0" dirty="0" smtClean="0"/>
+              <a:t>2 </a:t>
+            </a:r>
+            <a:r>
+              <a:rPr lang="en-US" baseline="0" dirty="0" err="1" smtClean="0"/>
+              <a:t>tipos</a:t>
+            </a:r>
+            <a:r>
+              <a:rPr lang="en-US" baseline="0" dirty="0" smtClean="0"/>
+              <a:t> de </a:t>
+            </a:r>
+            <a:r>
+              <a:rPr lang="en-US" baseline="0" dirty="0" err="1" smtClean="0"/>
+              <a:t>aceleradores</a:t>
+            </a:r>
+            <a:r>
+              <a:rPr lang="en-US" baseline="0" dirty="0" smtClean="0"/>
+              <a:t> </a:t>
+            </a:r>
+            <a:r>
+              <a:rPr lang="en-US" baseline="0" dirty="0" err="1" smtClean="0"/>
+              <a:t>que</a:t>
+            </a:r>
+            <a:r>
+              <a:rPr lang="en-US" baseline="0" dirty="0" smtClean="0"/>
+              <a:t> </a:t>
+            </a:r>
+            <a:r>
+              <a:rPr lang="en-US" baseline="0" dirty="0" err="1" smtClean="0"/>
+              <a:t>ser</a:t>
+            </a:r>
+            <a:r>
+              <a:rPr lang="en-US" baseline="0" dirty="0" err="1" smtClean="0"/>
+              <a:t>ão</a:t>
+            </a:r>
+            <a:r>
+              <a:rPr lang="en-US" baseline="0" dirty="0" smtClean="0"/>
+              <a:t> </a:t>
+            </a:r>
+            <a:r>
+              <a:rPr lang="en-US" baseline="0" dirty="0" err="1" smtClean="0"/>
+              <a:t>estudados</a:t>
+            </a:r>
+            <a:endParaRPr lang="en-US" baseline="0" dirty="0" smtClean="0"/>
+          </a:p>
+          <a:p>
+            <a:pPr marL="228600" indent="-228600">
+              <a:buAutoNum type="arabicPeriod"/>
+            </a:pPr>
+            <a:r>
+              <a:rPr lang="en-US" dirty="0" smtClean="0"/>
+              <a:t>GPUs</a:t>
+            </a:r>
+            <a:r>
+              <a:rPr lang="en-US" dirty="0" smtClean="0"/>
+              <a:t>: NVidia</a:t>
+            </a:r>
+            <a:r>
+              <a:rPr lang="en-US" baseline="0" dirty="0" smtClean="0"/>
+              <a:t> </a:t>
+            </a:r>
+            <a:r>
+              <a:rPr lang="en-US" baseline="0" dirty="0" err="1" smtClean="0"/>
+              <a:t>oferece</a:t>
+            </a:r>
+            <a:r>
+              <a:rPr lang="en-US" baseline="0" dirty="0" smtClean="0"/>
+              <a:t> </a:t>
+            </a:r>
+            <a:r>
+              <a:rPr lang="en-US" baseline="0" dirty="0" err="1" smtClean="0"/>
+              <a:t>arquitecturas</a:t>
+            </a:r>
+            <a:r>
+              <a:rPr lang="en-US" dirty="0" smtClean="0"/>
+              <a:t> com </a:t>
+            </a:r>
+            <a:r>
+              <a:rPr lang="en-US" dirty="0" err="1" smtClean="0"/>
+              <a:t>aceleradores</a:t>
+            </a:r>
+            <a:r>
+              <a:rPr lang="en-US" dirty="0" smtClean="0"/>
+              <a:t> </a:t>
+            </a:r>
+            <a:r>
+              <a:rPr lang="en-US" dirty="0" err="1" smtClean="0"/>
+              <a:t>orientados</a:t>
+            </a:r>
+            <a:r>
+              <a:rPr lang="en-US" dirty="0" smtClean="0"/>
+              <a:t> </a:t>
+            </a:r>
+            <a:r>
+              <a:rPr lang="en-US" dirty="0" err="1" smtClean="0"/>
+              <a:t>para</a:t>
+            </a:r>
+            <a:r>
+              <a:rPr lang="en-US" dirty="0" smtClean="0"/>
+              <a:t> scientific computing; </a:t>
+            </a:r>
+            <a:r>
+              <a:rPr lang="en-US" dirty="0" err="1" smtClean="0"/>
+              <a:t>bons</a:t>
+            </a:r>
+            <a:r>
+              <a:rPr lang="en-US" dirty="0" smtClean="0"/>
+              <a:t> </a:t>
+            </a:r>
+            <a:r>
+              <a:rPr lang="en-US" dirty="0" err="1" smtClean="0"/>
+              <a:t>para</a:t>
+            </a:r>
+            <a:r>
+              <a:rPr lang="en-US" dirty="0" smtClean="0"/>
+              <a:t> </a:t>
+            </a:r>
+            <a:r>
+              <a:rPr lang="en-US" dirty="0" err="1" smtClean="0"/>
+              <a:t>problemas</a:t>
+            </a:r>
+            <a:r>
+              <a:rPr lang="en-US" dirty="0" smtClean="0"/>
+              <a:t> compute bound</a:t>
+            </a:r>
+          </a:p>
+          <a:p>
+            <a:r>
+              <a:rPr lang="en-US" dirty="0" smtClean="0"/>
+              <a:t>4.  MIC: </a:t>
+            </a:r>
+            <a:r>
+              <a:rPr lang="en-US" dirty="0" err="1" smtClean="0"/>
+              <a:t>resposta</a:t>
+            </a:r>
+            <a:r>
+              <a:rPr lang="en-US" dirty="0" smtClean="0"/>
+              <a:t> da Intel, um</a:t>
+            </a:r>
+            <a:r>
+              <a:rPr lang="en-US" baseline="0" dirty="0" smtClean="0"/>
+              <a:t> </a:t>
+            </a:r>
+            <a:r>
+              <a:rPr lang="en-US" baseline="0" dirty="0" err="1" smtClean="0"/>
+              <a:t>pouco</a:t>
+            </a:r>
+            <a:r>
+              <a:rPr lang="en-US" baseline="0" dirty="0" smtClean="0"/>
+              <a:t> </a:t>
+            </a:r>
+            <a:r>
+              <a:rPr lang="en-US" baseline="0" dirty="0" err="1" smtClean="0"/>
+              <a:t>diferente</a:t>
+            </a:r>
+            <a:r>
+              <a:rPr lang="en-US" baseline="0" dirty="0" smtClean="0"/>
+              <a:t> </a:t>
+            </a:r>
+            <a:r>
+              <a:rPr lang="en-US" baseline="0" dirty="0" err="1" smtClean="0"/>
+              <a:t>já</a:t>
+            </a:r>
+            <a:r>
+              <a:rPr lang="en-US" baseline="0" dirty="0" smtClean="0"/>
+              <a:t> </a:t>
+            </a:r>
+            <a:r>
+              <a:rPr lang="en-US" baseline="0" dirty="0" err="1" smtClean="0"/>
+              <a:t>que</a:t>
+            </a:r>
+            <a:r>
+              <a:rPr lang="en-US" baseline="0" dirty="0" smtClean="0"/>
+              <a:t> </a:t>
+            </a:r>
+            <a:r>
+              <a:rPr lang="en-US" baseline="0" dirty="0" err="1" smtClean="0"/>
+              <a:t>não</a:t>
+            </a:r>
+            <a:r>
+              <a:rPr lang="en-US" baseline="0" dirty="0" smtClean="0"/>
+              <a:t> </a:t>
+            </a:r>
+            <a:r>
+              <a:rPr lang="en-US" baseline="0" dirty="0" err="1" smtClean="0"/>
+              <a:t>oferece</a:t>
+            </a:r>
+            <a:r>
+              <a:rPr lang="en-US" baseline="0" dirty="0" smtClean="0"/>
+              <a:t> um </a:t>
+            </a:r>
+            <a:r>
+              <a:rPr lang="en-US" baseline="0" dirty="0" err="1" smtClean="0"/>
+              <a:t>grau</a:t>
+            </a:r>
+            <a:r>
+              <a:rPr lang="en-US" baseline="0" dirty="0" smtClean="0"/>
+              <a:t> </a:t>
+            </a:r>
+            <a:r>
+              <a:rPr lang="en-US" baseline="0" dirty="0" err="1" smtClean="0"/>
+              <a:t>tão</a:t>
+            </a:r>
+            <a:r>
+              <a:rPr lang="en-US" baseline="0" dirty="0" smtClean="0"/>
+              <a:t> </a:t>
+            </a:r>
+            <a:r>
+              <a:rPr lang="en-US" baseline="0" dirty="0" err="1" smtClean="0"/>
+              <a:t>grande</a:t>
+            </a:r>
+            <a:r>
+              <a:rPr lang="en-US" baseline="0" dirty="0" smtClean="0"/>
+              <a:t> de </a:t>
+            </a:r>
+            <a:r>
+              <a:rPr lang="en-US" baseline="0" dirty="0" err="1" smtClean="0"/>
+              <a:t>paralelismo</a:t>
+            </a:r>
+            <a:r>
+              <a:rPr lang="en-US" baseline="0" dirty="0" smtClean="0"/>
+              <a:t>, </a:t>
+            </a:r>
+            <a:r>
+              <a:rPr lang="en-US" baseline="0" dirty="0" err="1" smtClean="0"/>
+              <a:t>apenas</a:t>
+            </a:r>
+            <a:r>
+              <a:rPr lang="en-US" baseline="0" dirty="0" smtClean="0"/>
+              <a:t> um </a:t>
+            </a:r>
+            <a:r>
+              <a:rPr lang="en-US" baseline="0" dirty="0" err="1" smtClean="0"/>
+              <a:t>acelerador</a:t>
+            </a:r>
+            <a:r>
+              <a:rPr lang="en-US" baseline="0" dirty="0" smtClean="0"/>
+              <a:t> </a:t>
+            </a:r>
+            <a:r>
+              <a:rPr lang="en-US" baseline="0" dirty="0" err="1" smtClean="0"/>
+              <a:t>para</a:t>
+            </a:r>
+            <a:r>
+              <a:rPr lang="en-US" baseline="0" dirty="0" smtClean="0"/>
+              <a:t> memory bound </a:t>
+            </a:r>
+            <a:r>
+              <a:rPr lang="en-US" baseline="0" dirty="0" smtClean="0"/>
+              <a:t>problems</a:t>
+            </a:r>
+            <a:endParaRPr lang="en-US" baseline="0" dirty="0" smtClean="0"/>
+          </a:p>
+        </p:txBody>
+      </p:sp>
+      <p:sp>
+        <p:nvSpPr>
+          <p:cNvPr id="4" name="Slide Number Placeholder 3"/>
+          <p:cNvSpPr>
+            <a:spLocks noGrp="1"/>
+          </p:cNvSpPr>
+          <p:nvPr>
+            <p:ph type="sldNum" sz="quarter" idx="10"/>
+          </p:nvPr>
+        </p:nvSpPr>
+        <p:spPr/>
+        <p:txBody>
+          <a:bodyPr/>
+          <a:lstStyle/>
+          <a:p>
+            <a:fld id="{A9A0AF8B-7AB8-1E42-BD6E-C06D71D719CD}" type="slidenum">
+              <a:rPr lang="en-US" smtClean="0"/>
+              <a:t>11</a:t>
+            </a:fld>
+            <a:endParaRPr lang="en-US"/>
+          </a:p>
+        </p:txBody>
+      </p:sp>
+    </p:spTree>
+    <p:extLst>
+      <p:ext uri="{BB962C8B-B14F-4D97-AF65-F5344CB8AC3E}">
+        <p14:creationId xmlns:p14="http://schemas.microsoft.com/office/powerpoint/2010/main" val="2247672862"/>
+      </p:ext>
+    </p:extLst>
+  </p:cSld>
+  <p:clrMapOvr>
+    <a:masterClrMapping/>
+  </p:clrMapOvr>
+</p:notes>
+</file>
+
+<file path=ppt/notesSlides/notesSlide11.xml><?xml version="1.0" encoding="utf-8"?>
+<p:notes xmlns:a="http://schemas.openxmlformats.org/drawingml/2006/main" xmlns:r="http://schemas.openxmlformats.org/officeDocument/2006/relationships" xmlns:p="http://schemas.openxmlformats.org/presentationml/2006/main">
+  <p:cSld>
+    <p:spTree>
+      <p:nvGrpSpPr>
+        <p:cNvPr id="1" name=""/>
+        <p:cNvGrpSpPr/>
+        <p:nvPr/>
+      </p:nvGrpSpPr>
+      <p:grpSpPr>
+        <a:xfrm>
+          <a:off x="0" y="0"/>
+          <a:ext cx="0" cy="0"/>
+          <a:chOff x="0" y="0"/>
+          <a:chExt cx="0" cy="0"/>
+        </a:xfrm>
+      </p:grpSpPr>
+      <p:sp>
+        <p:nvSpPr>
+          <p:cNvPr id="2" name="Slide Image Placeholder 1"/>
+          <p:cNvSpPr>
+            <a:spLocks noGrp="1" noRot="1" noChangeAspect="1"/>
+          </p:cNvSpPr>
+          <p:nvPr>
+            <p:ph type="sldImg"/>
+          </p:nvPr>
+        </p:nvSpPr>
+        <p:spPr/>
+      </p:sp>
+      <p:sp>
+        <p:nvSpPr>
+          <p:cNvPr id="3" name="Notes Placeholder 2"/>
+          <p:cNvSpPr>
+            <a:spLocks noGrp="1"/>
+          </p:cNvSpPr>
+          <p:nvPr>
+            <p:ph type="body" idx="1"/>
+          </p:nvPr>
+        </p:nvSpPr>
+        <p:spPr/>
+        <p:txBody>
+          <a:bodyPr/>
+          <a:lstStyle/>
+          <a:p>
+            <a:pPr marL="228600" indent="-228600">
+              <a:buAutoNum type="arabicPeriod"/>
+            </a:pPr>
+            <a:r>
+              <a:rPr lang="en-US" baseline="0" dirty="0" err="1" smtClean="0"/>
+              <a:t>Implementações</a:t>
+            </a:r>
+            <a:r>
+              <a:rPr lang="en-US" baseline="0" dirty="0" smtClean="0"/>
+              <a:t> </a:t>
+            </a:r>
+            <a:r>
+              <a:rPr lang="en-US" baseline="0" dirty="0" err="1" smtClean="0"/>
+              <a:t>alternativas</a:t>
+            </a:r>
+            <a:r>
+              <a:rPr lang="en-US" baseline="0" dirty="0" smtClean="0"/>
+              <a:t> </a:t>
+            </a:r>
+            <a:r>
+              <a:rPr lang="en-US" baseline="0" dirty="0" err="1" smtClean="0"/>
+              <a:t>usando</a:t>
+            </a:r>
+            <a:r>
+              <a:rPr lang="en-US" baseline="0" dirty="0" smtClean="0"/>
+              <a:t> as frameworks </a:t>
+            </a:r>
+            <a:r>
+              <a:rPr lang="en-US" baseline="0" dirty="0" err="1" smtClean="0"/>
+              <a:t>openacc</a:t>
+            </a:r>
+            <a:r>
+              <a:rPr lang="en-US" baseline="0" dirty="0" smtClean="0"/>
+              <a:t> e </a:t>
+            </a:r>
+            <a:r>
+              <a:rPr lang="en-US" baseline="0" dirty="0" err="1" smtClean="0"/>
+              <a:t>gama</a:t>
+            </a:r>
+            <a:r>
+              <a:rPr lang="en-US" baseline="0" dirty="0" smtClean="0"/>
+              <a:t> </a:t>
+            </a:r>
+            <a:r>
+              <a:rPr lang="en-US" baseline="0" dirty="0" err="1" smtClean="0"/>
+              <a:t>para</a:t>
+            </a:r>
+            <a:r>
+              <a:rPr lang="en-US" baseline="0" dirty="0" smtClean="0"/>
+              <a:t> </a:t>
+            </a:r>
+            <a:r>
+              <a:rPr lang="en-US" baseline="0" dirty="0" err="1" smtClean="0"/>
+              <a:t>avaliar</a:t>
+            </a:r>
+            <a:r>
+              <a:rPr lang="en-US" baseline="0" dirty="0" smtClean="0"/>
+              <a:t> a </a:t>
+            </a:r>
+            <a:r>
+              <a:rPr lang="en-US" baseline="0" dirty="0" err="1" smtClean="0"/>
+              <a:t>sua</a:t>
+            </a:r>
+            <a:r>
+              <a:rPr lang="en-US" baseline="0" dirty="0" smtClean="0"/>
+              <a:t> </a:t>
+            </a:r>
+            <a:r>
+              <a:rPr lang="en-US" baseline="0" dirty="0" err="1" smtClean="0"/>
+              <a:t>usabilidade</a:t>
+            </a:r>
+            <a:r>
+              <a:rPr lang="en-US" baseline="0" dirty="0" smtClean="0"/>
+              <a:t> e performance</a:t>
+            </a:r>
+            <a:endParaRPr lang="en-US" baseline="0" dirty="0" smtClean="0"/>
+          </a:p>
+        </p:txBody>
+      </p:sp>
+      <p:sp>
+        <p:nvSpPr>
+          <p:cNvPr id="4" name="Slide Number Placeholder 3"/>
+          <p:cNvSpPr>
+            <a:spLocks noGrp="1"/>
+          </p:cNvSpPr>
+          <p:nvPr>
+            <p:ph type="sldNum" sz="quarter" idx="10"/>
+          </p:nvPr>
+        </p:nvSpPr>
+        <p:spPr/>
+        <p:txBody>
+          <a:bodyPr/>
+          <a:lstStyle/>
+          <a:p>
+            <a:fld id="{A9A0AF8B-7AB8-1E42-BD6E-C06D71D719CD}" type="slidenum">
+              <a:rPr lang="en-US" smtClean="0"/>
+              <a:t>12</a:t>
+            </a:fld>
+            <a:endParaRPr lang="en-US"/>
+          </a:p>
+        </p:txBody>
+      </p:sp>
+    </p:spTree>
+    <p:extLst>
+      <p:ext uri="{BB962C8B-B14F-4D97-AF65-F5344CB8AC3E}">
+        <p14:creationId xmlns:p14="http://schemas.microsoft.com/office/powerpoint/2010/main" val="604166467"/>
+      </p:ext>
+    </p:extLst>
+  </p:cSld>
+  <p:clrMapOvr>
+    <a:masterClrMapping/>
+  </p:clrMapOvr>
+</p:notes>
+</file>
+
+<file path=ppt/notesSlides/notesSlide12.xml><?xml version="1.0" encoding="utf-8"?>
+<p:notes xmlns:a="http://schemas.openxmlformats.org/drawingml/2006/main" xmlns:r="http://schemas.openxmlformats.org/officeDocument/2006/relationships" xmlns:p="http://schemas.openxmlformats.org/presentationml/2006/main">
+  <p:cSld>
+    <p:spTree>
+      <p:nvGrpSpPr>
+        <p:cNvPr id="1" name=""/>
+        <p:cNvGrpSpPr/>
+        <p:nvPr/>
+      </p:nvGrpSpPr>
+      <p:grpSpPr>
+        <a:xfrm>
+          <a:off x="0" y="0"/>
+          <a:ext cx="0" cy="0"/>
+          <a:chOff x="0" y="0"/>
+          <a:chExt cx="0" cy="0"/>
+        </a:xfrm>
+      </p:grpSpPr>
+      <p:sp>
+        <p:nvSpPr>
+          <p:cNvPr id="2" name="Slide Image Placeholder 1"/>
+          <p:cNvSpPr>
+            <a:spLocks noGrp="1" noRot="1" noChangeAspect="1"/>
+          </p:cNvSpPr>
+          <p:nvPr>
+            <p:ph type="sldImg"/>
+          </p:nvPr>
+        </p:nvSpPr>
+        <p:spPr/>
+      </p:sp>
+      <p:sp>
+        <p:nvSpPr>
+          <p:cNvPr id="3" name="Notes Placeholder 2"/>
+          <p:cNvSpPr>
+            <a:spLocks noGrp="1"/>
+          </p:cNvSpPr>
+          <p:nvPr>
+            <p:ph type="body" idx="1"/>
+          </p:nvPr>
+        </p:nvSpPr>
+        <p:spPr/>
+        <p:txBody>
+          <a:bodyPr/>
+          <a:lstStyle/>
+          <a:p>
+            <a:pPr marL="228600" indent="-228600">
+              <a:buAutoNum type="arabicPeriod"/>
+            </a:pPr>
+            <a:r>
+              <a:rPr lang="en-US" dirty="0" err="1" smtClean="0"/>
+              <a:t>Objectivo</a:t>
+            </a:r>
+            <a:r>
+              <a:rPr lang="en-US" dirty="0" smtClean="0"/>
+              <a:t> </a:t>
+            </a:r>
+            <a:r>
+              <a:rPr lang="en-US" dirty="0" smtClean="0"/>
+              <a:t>de </a:t>
+            </a:r>
+            <a:r>
+              <a:rPr lang="en-US" dirty="0" err="1" smtClean="0"/>
+              <a:t>abstrair</a:t>
+            </a:r>
+            <a:r>
+              <a:rPr lang="en-US" dirty="0" smtClean="0"/>
+              <a:t> as </a:t>
+            </a:r>
+            <a:r>
+              <a:rPr lang="en-US" dirty="0" err="1" smtClean="0"/>
+              <a:t>complexidades</a:t>
+            </a:r>
+            <a:r>
+              <a:rPr lang="en-US" dirty="0" smtClean="0"/>
+              <a:t> das </a:t>
+            </a:r>
+            <a:r>
+              <a:rPr lang="en-US" dirty="0" err="1" smtClean="0"/>
+              <a:t>arquitecturas</a:t>
+            </a:r>
+            <a:r>
+              <a:rPr lang="en-US" dirty="0" smtClean="0"/>
+              <a:t>, </a:t>
+            </a:r>
+            <a:r>
+              <a:rPr lang="en-US" dirty="0" err="1" smtClean="0"/>
+              <a:t>facilitando</a:t>
+            </a:r>
+            <a:r>
+              <a:rPr lang="en-US" dirty="0" smtClean="0"/>
+              <a:t> a </a:t>
+            </a:r>
+            <a:r>
+              <a:rPr lang="en-US" dirty="0" err="1" smtClean="0"/>
+              <a:t>tarefa</a:t>
+            </a:r>
+            <a:r>
+              <a:rPr lang="en-US" dirty="0" smtClean="0"/>
+              <a:t> dos </a:t>
+            </a:r>
+            <a:r>
+              <a:rPr lang="en-US" dirty="0" err="1" smtClean="0"/>
+              <a:t>programadores</a:t>
+            </a:r>
+            <a:r>
+              <a:rPr lang="en-US" dirty="0" smtClean="0"/>
+              <a:t> </a:t>
+            </a:r>
+            <a:r>
+              <a:rPr lang="en-US" dirty="0" err="1" smtClean="0"/>
+              <a:t>inexperientes</a:t>
+            </a:r>
+            <a:r>
+              <a:rPr lang="en-US" dirty="0" smtClean="0"/>
+              <a:t> e </a:t>
+            </a:r>
+            <a:r>
+              <a:rPr lang="en-US" dirty="0" err="1" smtClean="0"/>
+              <a:t>aumentar</a:t>
+            </a:r>
+            <a:r>
+              <a:rPr lang="en-US" dirty="0" smtClean="0"/>
+              <a:t> a</a:t>
+            </a:r>
+            <a:r>
+              <a:rPr lang="en-US" baseline="0" dirty="0" smtClean="0"/>
+              <a:t> </a:t>
+            </a:r>
+            <a:r>
+              <a:rPr lang="en-US" baseline="0" dirty="0" err="1" smtClean="0"/>
+              <a:t>productividade</a:t>
+            </a:r>
+            <a:endParaRPr lang="en-US" dirty="0" smtClean="0"/>
+          </a:p>
+          <a:p>
+            <a:pPr marL="228600" indent="-228600">
+              <a:buAutoNum type="arabicPeriod"/>
+            </a:pPr>
+            <a:r>
+              <a:rPr lang="en-US" dirty="0" err="1" smtClean="0"/>
+              <a:t>OpenMP</a:t>
+            </a:r>
+            <a:r>
+              <a:rPr lang="en-US" dirty="0" smtClean="0"/>
+              <a:t>:</a:t>
+            </a:r>
+            <a:r>
+              <a:rPr lang="en-US" baseline="0" dirty="0" smtClean="0"/>
+              <a:t> Open Multi-Processing, framework </a:t>
+            </a:r>
+            <a:r>
+              <a:rPr lang="en-US" baseline="0" dirty="0" err="1" smtClean="0"/>
+              <a:t>baseada</a:t>
+            </a:r>
+            <a:r>
+              <a:rPr lang="en-US" baseline="0" dirty="0" smtClean="0"/>
+              <a:t> </a:t>
+            </a:r>
+            <a:r>
+              <a:rPr lang="en-US" baseline="0" dirty="0" err="1" smtClean="0"/>
+              <a:t>em</a:t>
+            </a:r>
+            <a:r>
+              <a:rPr lang="en-US" baseline="0" dirty="0" smtClean="0"/>
+              <a:t> pragmas </a:t>
+            </a:r>
+            <a:r>
+              <a:rPr lang="en-US" baseline="0" dirty="0" err="1" smtClean="0"/>
+              <a:t>para</a:t>
+            </a:r>
+            <a:r>
+              <a:rPr lang="en-US" baseline="0" dirty="0" smtClean="0"/>
+              <a:t> </a:t>
+            </a:r>
+            <a:r>
+              <a:rPr lang="en-US" baseline="0" dirty="0" err="1" smtClean="0"/>
+              <a:t>paralelizaçao</a:t>
+            </a:r>
+            <a:r>
+              <a:rPr lang="en-US" baseline="0" dirty="0" smtClean="0"/>
+              <a:t> de </a:t>
+            </a:r>
+            <a:r>
+              <a:rPr lang="en-US" baseline="0" dirty="0" err="1" smtClean="0"/>
+              <a:t>tarefas</a:t>
+            </a:r>
+            <a:r>
+              <a:rPr lang="en-US" baseline="0" dirty="0" smtClean="0"/>
+              <a:t> </a:t>
+            </a:r>
+            <a:r>
+              <a:rPr lang="en-US" baseline="0" dirty="0" err="1" smtClean="0"/>
+              <a:t>em</a:t>
+            </a:r>
+            <a:r>
+              <a:rPr lang="en-US" baseline="0" dirty="0" smtClean="0"/>
+              <a:t> </a:t>
+            </a:r>
+            <a:r>
+              <a:rPr lang="en-US" baseline="0" dirty="0" err="1" smtClean="0"/>
+              <a:t>ambientes</a:t>
+            </a:r>
+            <a:r>
+              <a:rPr lang="en-US" baseline="0" dirty="0" smtClean="0"/>
+              <a:t> shared memory entre cores de 1 </a:t>
+            </a:r>
+            <a:r>
+              <a:rPr lang="en-US" baseline="0" dirty="0" err="1" smtClean="0"/>
+              <a:t>ou</a:t>
+            </a:r>
+            <a:r>
+              <a:rPr lang="en-US" baseline="0" dirty="0" smtClean="0"/>
+              <a:t> </a:t>
+            </a:r>
+            <a:r>
+              <a:rPr lang="en-US" baseline="0" dirty="0" err="1" smtClean="0"/>
+              <a:t>mais</a:t>
+            </a:r>
+            <a:r>
+              <a:rPr lang="en-US" baseline="0" dirty="0" smtClean="0"/>
+              <a:t> </a:t>
+            </a:r>
+            <a:r>
+              <a:rPr lang="en-US" baseline="0" dirty="0" smtClean="0"/>
+              <a:t>CPUs</a:t>
+            </a:r>
+          </a:p>
+          <a:p>
+            <a:pPr marL="228600" indent="-228600">
+              <a:buAutoNum type="arabicPeriod" startAt="4"/>
+            </a:pPr>
+            <a:r>
+              <a:rPr lang="en-US" baseline="0" dirty="0" smtClean="0"/>
+              <a:t>CUDA: Compute Unified Device Architecture, </a:t>
+            </a:r>
+            <a:r>
+              <a:rPr lang="en-US" baseline="0" dirty="0" err="1" smtClean="0"/>
+              <a:t>linguagem</a:t>
+            </a:r>
+            <a:r>
+              <a:rPr lang="en-US" baseline="0" dirty="0" smtClean="0"/>
+              <a:t> </a:t>
+            </a:r>
+            <a:r>
+              <a:rPr lang="en-US" baseline="0" dirty="0" err="1" smtClean="0"/>
+              <a:t>criada</a:t>
+            </a:r>
+            <a:r>
+              <a:rPr lang="en-US" baseline="0" dirty="0" smtClean="0"/>
+              <a:t> </a:t>
+            </a:r>
+            <a:r>
+              <a:rPr lang="en-US" baseline="0" dirty="0" err="1" smtClean="0"/>
+              <a:t>pela</a:t>
+            </a:r>
+            <a:r>
+              <a:rPr lang="en-US" baseline="0" dirty="0" smtClean="0"/>
+              <a:t> NVidia </a:t>
+            </a:r>
+            <a:r>
+              <a:rPr lang="en-US" baseline="0" dirty="0" err="1" smtClean="0"/>
+              <a:t>para</a:t>
+            </a:r>
+            <a:r>
+              <a:rPr lang="en-US" baseline="0" dirty="0" smtClean="0"/>
+              <a:t> </a:t>
+            </a:r>
+            <a:r>
+              <a:rPr lang="en-US" baseline="0" dirty="0" err="1" smtClean="0"/>
+              <a:t>programação</a:t>
+            </a:r>
+            <a:r>
+              <a:rPr lang="en-US" baseline="0" dirty="0" smtClean="0"/>
+              <a:t> </a:t>
+            </a:r>
+            <a:r>
+              <a:rPr lang="en-US" baseline="0" dirty="0" err="1" smtClean="0"/>
+              <a:t>para</a:t>
+            </a:r>
+            <a:r>
+              <a:rPr lang="en-US" baseline="0" dirty="0" smtClean="0"/>
+              <a:t> </a:t>
+            </a:r>
+            <a:r>
+              <a:rPr lang="en-US" baseline="0" dirty="0" err="1" smtClean="0"/>
+              <a:t>os</a:t>
+            </a:r>
+            <a:r>
+              <a:rPr lang="en-US" baseline="0" dirty="0" smtClean="0"/>
+              <a:t> </a:t>
+            </a:r>
+            <a:r>
+              <a:rPr lang="en-US" baseline="0" dirty="0" err="1" smtClean="0"/>
+              <a:t>seus</a:t>
+            </a:r>
+            <a:r>
+              <a:rPr lang="en-US" baseline="0" dirty="0" smtClean="0"/>
+              <a:t> GPUs</a:t>
+            </a:r>
+            <a:endParaRPr lang="en-US" baseline="0" dirty="0" smtClean="0"/>
+          </a:p>
+          <a:p>
+            <a:r>
+              <a:rPr lang="en-US" baseline="0" dirty="0" smtClean="0"/>
+              <a:t>3.  </a:t>
+            </a:r>
+            <a:r>
+              <a:rPr lang="en-US" baseline="0" dirty="0" err="1" smtClean="0"/>
+              <a:t>OpenACC</a:t>
+            </a:r>
+            <a:r>
+              <a:rPr lang="en-US" baseline="0" dirty="0" smtClean="0"/>
+              <a:t>: Open Accelerator, </a:t>
+            </a:r>
+            <a:r>
+              <a:rPr lang="en-US" baseline="0" dirty="0" err="1" smtClean="0"/>
+              <a:t>também</a:t>
+            </a:r>
+            <a:r>
+              <a:rPr lang="en-US" baseline="0" dirty="0" smtClean="0"/>
+              <a:t> </a:t>
+            </a:r>
+            <a:r>
+              <a:rPr lang="en-US" baseline="0" dirty="0" err="1" smtClean="0"/>
+              <a:t>baseada</a:t>
+            </a:r>
+            <a:r>
+              <a:rPr lang="en-US" baseline="0" dirty="0" smtClean="0"/>
+              <a:t> </a:t>
+            </a:r>
+            <a:r>
+              <a:rPr lang="en-US" baseline="0" dirty="0" err="1" smtClean="0"/>
+              <a:t>em</a:t>
+            </a:r>
+            <a:r>
+              <a:rPr lang="en-US" baseline="0" dirty="0" smtClean="0"/>
+              <a:t> pragmas </a:t>
+            </a:r>
+            <a:r>
+              <a:rPr lang="en-US" baseline="0" dirty="0" err="1" smtClean="0"/>
+              <a:t>para</a:t>
+            </a:r>
+            <a:r>
+              <a:rPr lang="en-US" baseline="0" dirty="0" smtClean="0"/>
+              <a:t> </a:t>
+            </a:r>
+            <a:r>
+              <a:rPr lang="en-US" baseline="0" dirty="0" err="1" smtClean="0"/>
+              <a:t>paralelização</a:t>
+            </a:r>
+            <a:r>
+              <a:rPr lang="en-US" baseline="0" dirty="0" smtClean="0"/>
+              <a:t> de </a:t>
+            </a:r>
+            <a:r>
+              <a:rPr lang="en-US" baseline="0" dirty="0" err="1" smtClean="0"/>
+              <a:t>tarefas</a:t>
+            </a:r>
+            <a:r>
+              <a:rPr lang="en-US" baseline="0" dirty="0" smtClean="0"/>
+              <a:t> </a:t>
+            </a:r>
+            <a:r>
+              <a:rPr lang="en-US" baseline="0" dirty="0" err="1" smtClean="0"/>
+              <a:t>em</a:t>
+            </a:r>
+            <a:r>
+              <a:rPr lang="en-US" baseline="0" dirty="0" smtClean="0"/>
+              <a:t> </a:t>
+            </a:r>
+            <a:r>
+              <a:rPr lang="en-US" baseline="0" dirty="0" err="1" smtClean="0"/>
+              <a:t>ambientes</a:t>
+            </a:r>
+            <a:r>
+              <a:rPr lang="en-US" baseline="0" dirty="0" smtClean="0"/>
+              <a:t> </a:t>
+            </a:r>
+            <a:r>
+              <a:rPr lang="en-US" baseline="0" dirty="0" err="1" smtClean="0"/>
+              <a:t>heterogeneos</a:t>
+            </a:r>
+            <a:r>
+              <a:rPr lang="en-US" baseline="0" dirty="0" smtClean="0"/>
+              <a:t>, </a:t>
+            </a:r>
+            <a:r>
+              <a:rPr lang="en-US" baseline="0" dirty="0" err="1" smtClean="0"/>
+              <a:t>para</a:t>
+            </a:r>
+            <a:r>
+              <a:rPr lang="en-US" baseline="0" dirty="0" smtClean="0"/>
+              <a:t> </a:t>
+            </a:r>
+            <a:r>
+              <a:rPr lang="en-US" baseline="0" dirty="0" err="1" smtClean="0"/>
+              <a:t>ja</a:t>
+            </a:r>
+            <a:r>
+              <a:rPr lang="en-US" baseline="0" dirty="0" smtClean="0"/>
+              <a:t> </a:t>
+            </a:r>
+            <a:r>
+              <a:rPr lang="en-US" baseline="0" dirty="0" err="1" smtClean="0"/>
+              <a:t>apenas</a:t>
+            </a:r>
+            <a:r>
+              <a:rPr lang="en-US" baseline="0" dirty="0" smtClean="0"/>
+              <a:t> com GPUs</a:t>
+            </a:r>
+          </a:p>
+          <a:p>
+            <a:pPr marL="228600" indent="-228600">
+              <a:buAutoNum type="arabicPeriod" startAt="4"/>
+            </a:pPr>
+            <a:r>
+              <a:rPr lang="en-US" baseline="0" dirty="0" smtClean="0"/>
+              <a:t>GAMA: GPU and Multicore Aware, </a:t>
+            </a:r>
+            <a:r>
+              <a:rPr lang="en-US" baseline="0" dirty="0" smtClean="0"/>
+              <a:t>framework in-house </a:t>
+            </a:r>
+            <a:r>
+              <a:rPr lang="en-US" baseline="0" dirty="0" err="1" smtClean="0"/>
+              <a:t>mais</a:t>
+            </a:r>
+            <a:r>
+              <a:rPr lang="en-US" baseline="0" dirty="0" smtClean="0"/>
+              <a:t> “low-level” </a:t>
+            </a:r>
+            <a:r>
+              <a:rPr lang="en-US" baseline="0" dirty="0" err="1" smtClean="0"/>
+              <a:t>que</a:t>
+            </a:r>
+            <a:r>
+              <a:rPr lang="en-US" baseline="0" dirty="0" smtClean="0"/>
+              <a:t> as </a:t>
+            </a:r>
+            <a:r>
+              <a:rPr lang="en-US" baseline="0" dirty="0" err="1" smtClean="0"/>
+              <a:t>restantes</a:t>
+            </a:r>
+            <a:r>
+              <a:rPr lang="en-US" baseline="0" dirty="0" smtClean="0"/>
+              <a:t>, com </a:t>
+            </a:r>
+            <a:r>
+              <a:rPr lang="en-US" baseline="0" dirty="0" err="1" smtClean="0"/>
+              <a:t>uma</a:t>
+            </a:r>
+            <a:r>
+              <a:rPr lang="en-US" baseline="0" dirty="0" smtClean="0"/>
+              <a:t> </a:t>
+            </a:r>
+            <a:r>
+              <a:rPr lang="en-US" baseline="0" dirty="0" err="1" smtClean="0"/>
+              <a:t>curva</a:t>
+            </a:r>
+            <a:r>
+              <a:rPr lang="en-US" baseline="0" dirty="0" smtClean="0"/>
+              <a:t> de </a:t>
+            </a:r>
+            <a:r>
+              <a:rPr lang="en-US" baseline="0" dirty="0" err="1" smtClean="0"/>
+              <a:t>aprendizagem</a:t>
+            </a:r>
+            <a:r>
+              <a:rPr lang="en-US" baseline="0" dirty="0" smtClean="0"/>
+              <a:t> </a:t>
+            </a:r>
+            <a:r>
+              <a:rPr lang="en-US" baseline="0" dirty="0" err="1" smtClean="0"/>
+              <a:t>maior</a:t>
+            </a:r>
+            <a:r>
+              <a:rPr lang="en-US" baseline="0" dirty="0" smtClean="0"/>
+              <a:t> mas </a:t>
+            </a:r>
+            <a:r>
+              <a:rPr lang="en-US" baseline="0" dirty="0" err="1" smtClean="0"/>
+              <a:t>que</a:t>
+            </a:r>
+            <a:r>
+              <a:rPr lang="en-US" baseline="0" dirty="0" smtClean="0"/>
+              <a:t> </a:t>
+            </a:r>
+            <a:r>
+              <a:rPr lang="en-US" baseline="0" dirty="0" err="1" smtClean="0"/>
+              <a:t>teoricamente</a:t>
+            </a:r>
+            <a:r>
+              <a:rPr lang="en-US" baseline="0" dirty="0" smtClean="0"/>
+              <a:t> </a:t>
+            </a:r>
+            <a:r>
+              <a:rPr lang="en-US" baseline="0" dirty="0" err="1" smtClean="0"/>
+              <a:t>oferece</a:t>
+            </a:r>
+            <a:r>
+              <a:rPr lang="en-US" baseline="0" dirty="0" smtClean="0"/>
+              <a:t> </a:t>
+            </a:r>
+            <a:r>
+              <a:rPr lang="en-US" baseline="0" dirty="0" err="1" smtClean="0"/>
+              <a:t>melhor</a:t>
+            </a:r>
+            <a:r>
+              <a:rPr lang="en-US" baseline="0" dirty="0" smtClean="0"/>
+              <a:t> </a:t>
+            </a:r>
+            <a:r>
+              <a:rPr lang="en-US" baseline="0" dirty="0" smtClean="0"/>
+              <a:t>performance</a:t>
+            </a:r>
+          </a:p>
+        </p:txBody>
+      </p:sp>
+      <p:sp>
+        <p:nvSpPr>
+          <p:cNvPr id="4" name="Slide Number Placeholder 3"/>
+          <p:cNvSpPr>
+            <a:spLocks noGrp="1"/>
+          </p:cNvSpPr>
+          <p:nvPr>
+            <p:ph type="sldNum" sz="quarter" idx="10"/>
+          </p:nvPr>
+        </p:nvSpPr>
+        <p:spPr/>
+        <p:txBody>
+          <a:bodyPr/>
+          <a:lstStyle/>
+          <a:p>
+            <a:fld id="{A9A0AF8B-7AB8-1E42-BD6E-C06D71D719CD}" type="slidenum">
+              <a:rPr lang="en-US" smtClean="0"/>
+              <a:t>13</a:t>
+            </a:fld>
+            <a:endParaRPr lang="en-US"/>
+          </a:p>
+        </p:txBody>
+      </p:sp>
+    </p:spTree>
+    <p:extLst>
+      <p:ext uri="{BB962C8B-B14F-4D97-AF65-F5344CB8AC3E}">
+        <p14:creationId xmlns:p14="http://schemas.microsoft.com/office/powerpoint/2010/main" val="1259879322"/>
+      </p:ext>
+    </p:extLst>
+  </p:cSld>
+  <p:clrMapOvr>
+    <a:masterClrMapping/>
+  </p:clrMapOvr>
+</p:notes>
+</file>
+
+<file path=ppt/notesSlides/notesSlide13.xml><?xml version="1.0" encoding="utf-8"?>
+<p:notes xmlns:a="http://schemas.openxmlformats.org/drawingml/2006/main" xmlns:r="http://schemas.openxmlformats.org/officeDocument/2006/relationships" xmlns:p="http://schemas.openxmlformats.org/presentationml/2006/main">
+  <p:cSld>
+    <p:spTree>
+      <p:nvGrpSpPr>
+        <p:cNvPr id="1" name=""/>
+        <p:cNvGrpSpPr/>
+        <p:nvPr/>
+      </p:nvGrpSpPr>
+      <p:grpSpPr>
+        <a:xfrm>
+          <a:off x="0" y="0"/>
+          <a:ext cx="0" cy="0"/>
+          <a:chOff x="0" y="0"/>
+          <a:chExt cx="0" cy="0"/>
+        </a:xfrm>
+      </p:grpSpPr>
+      <p:sp>
+        <p:nvSpPr>
+          <p:cNvPr id="2" name="Slide Image Placeholder 1"/>
+          <p:cNvSpPr>
+            <a:spLocks noGrp="1" noRot="1" noChangeAspect="1"/>
+          </p:cNvSpPr>
+          <p:nvPr>
+            <p:ph type="sldImg"/>
+          </p:nvPr>
+        </p:nvSpPr>
+        <p:spPr/>
+      </p:sp>
+      <p:sp>
+        <p:nvSpPr>
+          <p:cNvPr id="3" name="Notes Placeholder 2"/>
+          <p:cNvSpPr>
+            <a:spLocks noGrp="1"/>
+          </p:cNvSpPr>
+          <p:nvPr>
+            <p:ph type="body" idx="1"/>
+          </p:nvPr>
+        </p:nvSpPr>
+        <p:spPr/>
+        <p:txBody>
+          <a:bodyPr/>
+          <a:lstStyle/>
+          <a:p>
+            <a:endParaRPr lang="en-US"/>
+          </a:p>
+        </p:txBody>
+      </p:sp>
+      <p:sp>
+        <p:nvSpPr>
+          <p:cNvPr id="4" name="Slide Number Placeholder 3"/>
+          <p:cNvSpPr>
+            <a:spLocks noGrp="1"/>
+          </p:cNvSpPr>
+          <p:nvPr>
+            <p:ph type="sldNum" sz="quarter" idx="10"/>
+          </p:nvPr>
+        </p:nvSpPr>
+        <p:spPr/>
+        <p:txBody>
+          <a:bodyPr/>
+          <a:lstStyle/>
+          <a:p>
+            <a:fld id="{A9A0AF8B-7AB8-1E42-BD6E-C06D71D719CD}" type="slidenum">
+              <a:rPr lang="en-US" smtClean="0"/>
+              <a:t>14</a:t>
+            </a:fld>
+            <a:endParaRPr lang="en-US"/>
+          </a:p>
+        </p:txBody>
+      </p:sp>
+    </p:spTree>
+    <p:extLst>
+      <p:ext uri="{BB962C8B-B14F-4D97-AF65-F5344CB8AC3E}">
+        <p14:creationId xmlns:p14="http://schemas.microsoft.com/office/powerpoint/2010/main" val="546440609"/>
+      </p:ext>
+    </p:extLst>
+  </p:cSld>
+  <p:clrMapOvr>
+    <a:masterClrMapping/>
+  </p:clrMapOvr>
+</p:notes>
+</file>
+
 <file path=ppt/notesSlides/notesSlide2.xml><?xml version="1.0" encoding="utf-8"?>
 <p:notes xmlns:a="http://schemas.openxmlformats.org/drawingml/2006/main" xmlns:r="http://schemas.openxmlformats.org/officeDocument/2006/relationships" xmlns:p="http://schemas.openxmlformats.org/presentationml/2006/main">
   <p:cSld>
@@ -769,35 +1906,458 @@
           <a:bodyPr/>
           <a:lstStyle/>
           <a:p>
+            <a:pPr marL="228600" indent="-228600">
+              <a:buAutoNum type="arabicPeriod"/>
+            </a:pPr>
+            <a:r>
+              <a:rPr lang="en-US" dirty="0" err="1" smtClean="0"/>
+              <a:t>Representação</a:t>
+            </a:r>
             <a:r>
               <a:rPr lang="en-US" dirty="0" smtClean="0"/>
-              <a:t>1. </a:t>
+              <a:t> </a:t>
             </a:r>
             <a:r>
               <a:rPr lang="en-US" dirty="0" err="1" smtClean="0"/>
-              <a:t>Hierarquias</a:t>
+              <a:t>esquemática</a:t>
             </a:r>
             <a:r>
               <a:rPr lang="en-US" dirty="0" smtClean="0"/>
+              <a:t> </a:t>
+            </a:r>
+            <a:r>
+              <a:rPr lang="en-US" dirty="0" err="1" smtClean="0"/>
+              <a:t>actualmente</a:t>
+            </a:r>
+            <a:r>
+              <a:rPr lang="en-US" dirty="0" smtClean="0"/>
+              <a:t> </a:t>
+            </a:r>
+            <a:r>
+              <a:rPr lang="en-US" dirty="0" err="1" smtClean="0"/>
+              <a:t>aceite</a:t>
+            </a:r>
+            <a:r>
+              <a:rPr lang="en-US" dirty="0" smtClean="0"/>
+              <a:t> do </a:t>
+            </a:r>
+            <a:r>
+              <a:rPr lang="en-US" dirty="0" err="1" smtClean="0"/>
+              <a:t>sistema</a:t>
+            </a:r>
+            <a:r>
+              <a:rPr lang="en-US" baseline="0" dirty="0" smtClean="0"/>
+              <a:t> </a:t>
+            </a:r>
+            <a:r>
+              <a:rPr lang="en-US" baseline="0" dirty="0" err="1" smtClean="0"/>
+              <a:t>ttbar</a:t>
+            </a:r>
+            <a:r>
+              <a:rPr lang="en-US" baseline="0" dirty="0" smtClean="0"/>
+              <a:t> e do </a:t>
+            </a:r>
+            <a:r>
+              <a:rPr lang="en-US" baseline="0" dirty="0" err="1" smtClean="0"/>
+              <a:t>decaímento</a:t>
+            </a:r>
+            <a:r>
+              <a:rPr lang="en-US" baseline="0" dirty="0" smtClean="0"/>
+              <a:t> do </a:t>
+            </a:r>
+            <a:r>
+              <a:rPr lang="en-US" baseline="0" dirty="0" err="1" smtClean="0"/>
+              <a:t>bosão</a:t>
+            </a:r>
+            <a:r>
+              <a:rPr lang="en-US" baseline="0" dirty="0" smtClean="0"/>
+              <a:t> de Higgs </a:t>
+            </a:r>
+            <a:r>
+              <a:rPr lang="en-US" baseline="0" dirty="0" err="1" smtClean="0"/>
+              <a:t>resultante</a:t>
+            </a:r>
+            <a:r>
+              <a:rPr lang="en-US" baseline="0" dirty="0" smtClean="0"/>
+              <a:t> do </a:t>
+            </a:r>
+            <a:r>
+              <a:rPr lang="en-US" baseline="0" dirty="0" err="1" smtClean="0"/>
+              <a:t>evento</a:t>
+            </a:r>
+            <a:endParaRPr lang="en-US" baseline="0" dirty="0" smtClean="0"/>
+          </a:p>
+          <a:p>
+            <a:pPr marL="228600" indent="-228600">
+              <a:buAutoNum type="arabicPeriod"/>
+            </a:pPr>
+            <a:r>
+              <a:rPr lang="en-US" baseline="0" dirty="0" err="1" smtClean="0"/>
+              <a:t>Objectivo</a:t>
+            </a:r>
+            <a:r>
+              <a:rPr lang="en-US" baseline="0" dirty="0" smtClean="0"/>
+              <a:t>: </a:t>
+            </a:r>
+            <a:r>
+              <a:rPr lang="en-US" baseline="0" dirty="0" err="1" smtClean="0"/>
+              <a:t>reconstruir</a:t>
+            </a:r>
+            <a:r>
+              <a:rPr lang="en-US" baseline="0" dirty="0" smtClean="0"/>
+              <a:t> </a:t>
+            </a:r>
+            <a:r>
+              <a:rPr lang="en-US" baseline="0" dirty="0" err="1" smtClean="0"/>
+              <a:t>os</a:t>
+            </a:r>
+            <a:r>
+              <a:rPr lang="en-US" baseline="0" dirty="0" smtClean="0"/>
+              <a:t> t t e </a:t>
+            </a:r>
+            <a:r>
+              <a:rPr lang="en-US" baseline="0" dirty="0" err="1" smtClean="0"/>
+              <a:t>os</a:t>
+            </a:r>
+            <a:r>
+              <a:rPr lang="en-US" baseline="0" dirty="0" smtClean="0"/>
+              <a:t> </a:t>
+            </a:r>
+            <a:r>
+              <a:rPr lang="en-US" baseline="0" dirty="0" err="1" smtClean="0"/>
+              <a:t>bosoes</a:t>
+            </a:r>
+            <a:r>
+              <a:rPr lang="en-US" baseline="0" dirty="0" smtClean="0"/>
+              <a:t> de Higgs</a:t>
+            </a:r>
+          </a:p>
+          <a:p>
+            <a:pPr marL="228600" indent="-228600">
+              <a:buAutoNum type="arabicPeriod"/>
+            </a:pPr>
+            <a:r>
+              <a:rPr lang="en-US" baseline="0" dirty="0" err="1" smtClean="0"/>
+              <a:t>Desafios</a:t>
+            </a:r>
+            <a:r>
+              <a:rPr lang="en-US" baseline="0" dirty="0" smtClean="0"/>
+              <a:t>:</a:t>
+            </a:r>
+          </a:p>
+          <a:p>
+            <a:pPr marL="0" indent="0">
+              <a:buNone/>
+            </a:pPr>
+            <a:r>
+              <a:rPr lang="en-US" baseline="0" dirty="0" smtClean="0"/>
+              <a:t>	 - As </a:t>
+            </a:r>
+            <a:r>
+              <a:rPr lang="en-US" baseline="0" dirty="0" err="1" smtClean="0"/>
+              <a:t>características</a:t>
+            </a:r>
+            <a:r>
+              <a:rPr lang="en-US" baseline="0" dirty="0" smtClean="0"/>
+              <a:t> das </a:t>
+            </a:r>
+            <a:r>
+              <a:rPr lang="en-US" baseline="0" dirty="0" err="1" smtClean="0"/>
+              <a:t>partículas</a:t>
+            </a:r>
+            <a:r>
+              <a:rPr lang="en-US" baseline="0" dirty="0" smtClean="0"/>
+              <a:t> </a:t>
+            </a:r>
+            <a:r>
+              <a:rPr lang="en-US" baseline="0" dirty="0" err="1" smtClean="0"/>
+              <a:t>finais</a:t>
+            </a:r>
+            <a:r>
+              <a:rPr lang="en-US" baseline="0" dirty="0" smtClean="0"/>
+              <a:t> </a:t>
+            </a:r>
+            <a:r>
+              <a:rPr lang="en-US" baseline="0" dirty="0" err="1" smtClean="0"/>
+              <a:t>são</a:t>
+            </a:r>
+            <a:r>
+              <a:rPr lang="en-US" baseline="0" dirty="0" smtClean="0"/>
+              <a:t> </a:t>
+            </a:r>
+            <a:r>
+              <a:rPr lang="en-US" baseline="0" dirty="0" err="1" smtClean="0"/>
+              <a:t>gravadas</a:t>
+            </a:r>
+            <a:r>
+              <a:rPr lang="en-US" baseline="0" dirty="0" smtClean="0"/>
+              <a:t> </a:t>
+            </a:r>
+            <a:r>
+              <a:rPr lang="en-US" baseline="0" dirty="0" err="1" smtClean="0"/>
+              <a:t>pelo</a:t>
+            </a:r>
+            <a:r>
+              <a:rPr lang="en-US" baseline="0" dirty="0" smtClean="0"/>
+              <a:t> </a:t>
+            </a:r>
+            <a:r>
+              <a:rPr lang="en-US" baseline="0" dirty="0" smtClean="0"/>
+              <a:t>detector. Estes </a:t>
+            </a:r>
+            <a:r>
+              <a:rPr lang="en-US" baseline="0" dirty="0" err="1" smtClean="0"/>
+              <a:t>detectores</a:t>
+            </a:r>
+            <a:r>
+              <a:rPr lang="en-US" baseline="0" dirty="0" smtClean="0"/>
+              <a:t> tem </a:t>
+            </a:r>
+            <a:r>
+              <a:rPr lang="en-US" baseline="0" dirty="0" err="1" smtClean="0"/>
+              <a:t>uma</a:t>
+            </a:r>
+            <a:r>
+              <a:rPr lang="en-US" baseline="0" dirty="0" smtClean="0"/>
+              <a:t> </a:t>
+            </a:r>
+            <a:r>
+              <a:rPr lang="en-US" baseline="0" dirty="0" err="1" smtClean="0"/>
+              <a:t>resoluçao</a:t>
+            </a:r>
+            <a:r>
+              <a:rPr lang="en-US" baseline="0" dirty="0" smtClean="0"/>
+              <a:t> experimental </a:t>
+            </a:r>
+            <a:r>
+              <a:rPr lang="en-US" baseline="0" dirty="0" err="1" smtClean="0"/>
+              <a:t>que</a:t>
+            </a:r>
+            <a:r>
+              <a:rPr lang="en-US" baseline="0" dirty="0" smtClean="0"/>
+              <a:t> </a:t>
+            </a:r>
+            <a:r>
+              <a:rPr lang="en-US" baseline="0" dirty="0" err="1" smtClean="0"/>
+              <a:t>introduz</a:t>
+            </a:r>
+            <a:r>
+              <a:rPr lang="en-US" baseline="0" dirty="0" smtClean="0"/>
+              <a:t> um </a:t>
+            </a:r>
+            <a:r>
+              <a:rPr lang="en-US" baseline="0" dirty="0" err="1" smtClean="0"/>
+              <a:t>erro</a:t>
+            </a:r>
+            <a:r>
+              <a:rPr lang="en-US" baseline="0" dirty="0" smtClean="0"/>
+              <a:t> de 2% </a:t>
+            </a:r>
+            <a:r>
+              <a:rPr lang="en-US" baseline="0" dirty="0" err="1" smtClean="0"/>
+              <a:t>aos</a:t>
+            </a:r>
+            <a:r>
+              <a:rPr lang="en-US" baseline="0" dirty="0" smtClean="0"/>
+              <a:t> dados </a:t>
+            </a:r>
+            <a:r>
+              <a:rPr lang="en-US" baseline="0" dirty="0" err="1" smtClean="0"/>
+              <a:t>medidos</a:t>
+            </a:r>
+            <a:endParaRPr lang="en-US" baseline="0" dirty="0" smtClean="0"/>
+          </a:p>
+          <a:p>
+            <a:pPr marL="0" indent="0">
+              <a:buNone/>
+            </a:pPr>
+            <a:r>
+              <a:rPr lang="en-US" baseline="0" dirty="0" smtClean="0"/>
+              <a:t>	 - Neutrinos </a:t>
+            </a:r>
+            <a:r>
+              <a:rPr lang="en-US" baseline="0" dirty="0" err="1" smtClean="0"/>
+              <a:t>não</a:t>
+            </a:r>
+            <a:r>
+              <a:rPr lang="en-US" baseline="0" dirty="0" smtClean="0"/>
+              <a:t> </a:t>
+            </a:r>
+            <a:r>
+              <a:rPr lang="en-US" baseline="0" dirty="0" err="1" smtClean="0"/>
+              <a:t>são</a:t>
+            </a:r>
+            <a:r>
+              <a:rPr lang="en-US" baseline="0" dirty="0" smtClean="0"/>
+              <a:t> </a:t>
+            </a:r>
+            <a:r>
+              <a:rPr lang="en-US" baseline="0" dirty="0" err="1" smtClean="0"/>
+              <a:t>detectados</a:t>
+            </a:r>
+            <a:r>
+              <a:rPr lang="en-US" baseline="0" dirty="0" smtClean="0"/>
+              <a:t> mas </a:t>
+            </a:r>
+            <a:r>
+              <a:rPr lang="en-US" baseline="0" dirty="0" err="1" smtClean="0"/>
+              <a:t>podem</a:t>
+            </a:r>
+            <a:r>
+              <a:rPr lang="en-US" baseline="0" dirty="0" smtClean="0"/>
+              <a:t> </a:t>
+            </a:r>
+            <a:r>
+              <a:rPr lang="en-US" baseline="0" dirty="0" err="1" smtClean="0"/>
+              <a:t>ser</a:t>
+            </a:r>
+            <a:r>
+              <a:rPr lang="en-US" baseline="0" dirty="0" smtClean="0"/>
+              <a:t> </a:t>
+            </a:r>
+            <a:r>
+              <a:rPr lang="en-US" baseline="0" dirty="0" err="1" smtClean="0"/>
+              <a:t>reconstruídos</a:t>
+            </a:r>
+            <a:r>
+              <a:rPr lang="en-US" baseline="0" dirty="0" smtClean="0"/>
+              <a:t> </a:t>
+            </a:r>
+            <a:r>
+              <a:rPr lang="en-US" baseline="0" dirty="0" err="1" smtClean="0"/>
+              <a:t>por</a:t>
+            </a:r>
+            <a:r>
+              <a:rPr lang="en-US" baseline="0" dirty="0" smtClean="0"/>
+              <a:t> um </a:t>
+            </a:r>
+            <a:r>
+              <a:rPr lang="en-US" baseline="0" dirty="0" err="1" smtClean="0"/>
+              <a:t>processo</a:t>
+            </a:r>
+            <a:r>
+              <a:rPr lang="en-US" baseline="0" dirty="0" smtClean="0"/>
+              <a:t> </a:t>
+            </a:r>
+            <a:r>
+              <a:rPr lang="en-US" baseline="0" dirty="0" err="1" smtClean="0"/>
+              <a:t>denominado</a:t>
+            </a:r>
+            <a:r>
+              <a:rPr lang="en-US" baseline="0" dirty="0" smtClean="0"/>
               <a:t> de </a:t>
             </a:r>
             <a:r>
-              <a:rPr lang="en-US" dirty="0" err="1" smtClean="0"/>
-              <a:t>mem</a:t>
-            </a:r>
-            <a:r>
-              <a:rPr lang="en-US" dirty="0" err="1" smtClean="0"/>
-              <a:t>ória</a:t>
-            </a:r>
-            <a:r>
-              <a:rPr lang="en-US" dirty="0" smtClean="0"/>
-              <a:t> </a:t>
-            </a:r>
-            <a:r>
-              <a:rPr lang="en-US" dirty="0" err="1" smtClean="0"/>
-              <a:t>diferentes</a:t>
-            </a:r>
-            <a:endParaRPr lang="en-US" dirty="0"/>
+              <a:rPr lang="en-US" baseline="0" dirty="0" err="1" smtClean="0"/>
+              <a:t>reconstrução</a:t>
+            </a:r>
+            <a:r>
+              <a:rPr lang="en-US" baseline="0" dirty="0" smtClean="0"/>
+              <a:t> </a:t>
+            </a:r>
+            <a:r>
+              <a:rPr lang="en-US" baseline="0" dirty="0" err="1" smtClean="0"/>
+              <a:t>cinemática</a:t>
+            </a:r>
+            <a:endParaRPr lang="en-US" baseline="0" dirty="0" smtClean="0"/>
+          </a:p>
+          <a:p>
+            <a:pPr marL="457200" lvl="1" indent="0">
+              <a:buNone/>
+            </a:pPr>
+            <a:r>
+              <a:rPr lang="en-US" baseline="0" dirty="0" smtClean="0"/>
+              <a:t> - Software de </a:t>
+            </a:r>
+            <a:r>
+              <a:rPr lang="en-US" baseline="0" dirty="0" err="1" smtClean="0"/>
+              <a:t>an</a:t>
+            </a:r>
+            <a:r>
+              <a:rPr lang="en-US" baseline="0" dirty="0" err="1" smtClean="0"/>
+              <a:t>álise</a:t>
+            </a:r>
+            <a:r>
+              <a:rPr lang="en-US" baseline="0" dirty="0" smtClean="0"/>
+              <a:t> </a:t>
+            </a:r>
+            <a:r>
+              <a:rPr lang="en-US" baseline="0" dirty="0" err="1" smtClean="0"/>
+              <a:t>perceber</a:t>
+            </a:r>
+            <a:r>
+              <a:rPr lang="en-US" baseline="0" dirty="0" smtClean="0"/>
+              <a:t> </a:t>
+            </a:r>
+            <a:r>
+              <a:rPr lang="en-US" baseline="0" dirty="0" err="1" smtClean="0"/>
+              <a:t>quais</a:t>
+            </a:r>
+            <a:r>
+              <a:rPr lang="en-US" baseline="0" dirty="0" smtClean="0"/>
+              <a:t> </a:t>
+            </a:r>
+            <a:r>
+              <a:rPr lang="en-US" baseline="0" dirty="0" err="1" smtClean="0"/>
+              <a:t>jactos</a:t>
+            </a:r>
+            <a:r>
+              <a:rPr lang="en-US" baseline="0" dirty="0" smtClean="0"/>
+              <a:t> </a:t>
+            </a:r>
+            <a:r>
+              <a:rPr lang="en-US" baseline="0" dirty="0" err="1" smtClean="0"/>
+              <a:t>pertencem</a:t>
+            </a:r>
+            <a:r>
+              <a:rPr lang="en-US" baseline="0" dirty="0" smtClean="0"/>
+              <a:t> </a:t>
+            </a:r>
+            <a:r>
+              <a:rPr lang="en-US" baseline="0" dirty="0" err="1" smtClean="0"/>
+              <a:t>ao</a:t>
+            </a:r>
+            <a:r>
+              <a:rPr lang="en-US" baseline="0" dirty="0" smtClean="0"/>
+              <a:t> </a:t>
+            </a:r>
+            <a:r>
+              <a:rPr lang="en-US" baseline="0" dirty="0" err="1" smtClean="0"/>
+              <a:t>ttbar</a:t>
+            </a:r>
+            <a:r>
+              <a:rPr lang="en-US" baseline="0" dirty="0" smtClean="0"/>
+              <a:t> </a:t>
+            </a:r>
+            <a:r>
+              <a:rPr lang="en-US" baseline="0" dirty="0" err="1" smtClean="0"/>
+              <a:t>ou</a:t>
+            </a:r>
+            <a:r>
+              <a:rPr lang="en-US" baseline="0" dirty="0" smtClean="0"/>
+              <a:t> </a:t>
+            </a:r>
+            <a:r>
+              <a:rPr lang="en-US" baseline="0" dirty="0" err="1" smtClean="0"/>
+              <a:t>à</a:t>
+            </a:r>
+            <a:r>
+              <a:rPr lang="en-US" baseline="0" dirty="0" smtClean="0"/>
+              <a:t> </a:t>
+            </a:r>
+            <a:r>
+              <a:rPr lang="en-US" baseline="0" dirty="0" err="1" smtClean="0"/>
+              <a:t>reconstrução</a:t>
+            </a:r>
+            <a:r>
+              <a:rPr lang="en-US" baseline="0" dirty="0" smtClean="0"/>
+              <a:t> de </a:t>
+            </a:r>
+            <a:r>
+              <a:rPr lang="en-US" baseline="0" dirty="0" smtClean="0"/>
+              <a:t>Higgs</a:t>
+            </a:r>
+            <a:endParaRPr lang="en-US" baseline="0" dirty="0" smtClean="0"/>
           </a:p>
         </p:txBody>
       </p:sp>
@@ -818,7 +2378,7 @@
           <a:p>
             <a:fld id="{A9A0AF8B-7AB8-1E42-BD6E-C06D71D719CD}" type="slidenum">
               <a:rPr lang="en-US" smtClean="0"/>
-              <a:t>6</a:t>
+              <a:t>3</a:t>
             </a:fld>
             <a:endParaRPr lang="en-US"/>
           </a:p>
@@ -827,7 +2387,7 @@
     </p:spTree>
     <p:extLst>
       <p:ext uri="{BB962C8B-B14F-4D97-AF65-F5344CB8AC3E}">
-        <p14:creationId xmlns:p14="http://schemas.microsoft.com/office/powerpoint/2010/main" val="96697361"/>
+        <p14:creationId xmlns:p14="http://schemas.microsoft.com/office/powerpoint/2010/main" val="4208026906"/>
       </p:ext>
     </p:extLst>
   </p:cSld>
@@ -881,168 +2441,225 @@
           <a:bodyPr/>
           <a:lstStyle/>
           <a:p>
+            <a:pPr marL="228600" indent="-228600">
+              <a:buAutoNum type="arabicPeriod"/>
+            </a:pPr>
             <a:r>
               <a:rPr lang="en-US" dirty="0" err="1" smtClean="0"/>
-              <a:t>Normalmente</a:t>
-            </a:r>
-            <a:r>
-              <a:rPr lang="en-US" baseline="0" dirty="0" smtClean="0"/>
-              <a:t> </a:t>
-            </a:r>
-            <a:r>
-              <a:rPr lang="en-US" baseline="0" dirty="0" err="1" smtClean="0"/>
-              <a:t>orientados</a:t>
-            </a:r>
-            <a:r>
-              <a:rPr lang="en-US" baseline="0" dirty="0" smtClean="0"/>
-              <a:t> </a:t>
-            </a:r>
-            <a:r>
-              <a:rPr lang="en-US" baseline="0" dirty="0" err="1" smtClean="0"/>
-              <a:t>para</a:t>
-            </a:r>
-            <a:r>
-              <a:rPr lang="en-US" baseline="0" dirty="0" smtClean="0"/>
-              <a:t> </a:t>
-            </a:r>
-            <a:r>
-              <a:rPr lang="en-US" baseline="0" dirty="0" err="1" smtClean="0"/>
-              <a:t>tarefas</a:t>
-            </a:r>
-            <a:r>
-              <a:rPr lang="en-US" baseline="0" dirty="0" smtClean="0"/>
-              <a:t> </a:t>
-            </a:r>
-            <a:r>
-              <a:rPr lang="en-US" baseline="0" dirty="0" err="1" smtClean="0"/>
-              <a:t>especificas</a:t>
-            </a:r>
-            <a:r>
-              <a:rPr lang="en-US" baseline="0" dirty="0" smtClean="0"/>
-              <a:t> – GPU </a:t>
-            </a:r>
-            <a:r>
-              <a:rPr lang="en-US" baseline="0" dirty="0" err="1" smtClean="0"/>
-              <a:t>para</a:t>
-            </a:r>
-            <a:r>
-              <a:rPr lang="en-US" baseline="0" dirty="0" smtClean="0"/>
-              <a:t> image rendering</a:t>
-            </a:r>
-            <a:endParaRPr lang="en-US" dirty="0" smtClean="0"/>
-          </a:p>
-          <a:p>
+              <a:t>Analisa</a:t>
+            </a:r>
             <a:r>
               <a:rPr lang="en-US" dirty="0" smtClean="0"/>
-              <a:t>GPUs: </a:t>
+              <a:t> um </a:t>
             </a:r>
             <a:r>
               <a:rPr lang="en-US" dirty="0" err="1" smtClean="0"/>
-              <a:t>Archs</a:t>
+              <a:t>conjunto</a:t>
             </a:r>
             <a:r>
               <a:rPr lang="en-US" dirty="0" smtClean="0"/>
-              <a:t> com devices </a:t>
+              <a:t> de </a:t>
             </a:r>
             <a:r>
               <a:rPr lang="en-US" dirty="0" err="1" smtClean="0"/>
-              <a:t>orientados</a:t>
-            </a:r>
-            <a:r>
-              <a:rPr lang="en-US" dirty="0" smtClean="0"/>
-              <a:t> </a:t>
-            </a:r>
-            <a:r>
-              <a:rPr lang="en-US" dirty="0" err="1" smtClean="0"/>
-              <a:t>para</a:t>
-            </a:r>
-            <a:r>
-              <a:rPr lang="en-US" dirty="0" smtClean="0"/>
-              <a:t> scientific computing; </a:t>
-            </a:r>
-            <a:r>
-              <a:rPr lang="en-US" dirty="0" err="1" smtClean="0"/>
-              <a:t>bons</a:t>
-            </a:r>
-            <a:r>
-              <a:rPr lang="en-US" dirty="0" smtClean="0"/>
-              <a:t> </a:t>
-            </a:r>
-            <a:r>
-              <a:rPr lang="en-US" dirty="0" err="1" smtClean="0"/>
-              <a:t>para</a:t>
-            </a:r>
-            <a:r>
-              <a:rPr lang="en-US" dirty="0" smtClean="0"/>
-              <a:t> </a:t>
-            </a:r>
-            <a:r>
-              <a:rPr lang="en-US" dirty="0" err="1" smtClean="0"/>
-              <a:t>problemas</a:t>
-            </a:r>
-            <a:r>
-              <a:rPr lang="en-US" dirty="0" smtClean="0"/>
-              <a:t> compute bound</a:t>
-            </a:r>
-          </a:p>
-          <a:p>
-            <a:r>
-              <a:rPr lang="en-US" dirty="0" smtClean="0"/>
-              <a:t>MIC: </a:t>
-            </a:r>
-            <a:r>
-              <a:rPr lang="en-US" dirty="0" err="1" smtClean="0"/>
-              <a:t>resposta</a:t>
-            </a:r>
-            <a:r>
-              <a:rPr lang="en-US" dirty="0" smtClean="0"/>
-              <a:t> da </a:t>
-            </a:r>
-            <a:r>
-              <a:rPr lang="en-US" dirty="0" err="1" smtClean="0"/>
-              <a:t>intel</a:t>
-            </a:r>
-            <a:r>
-              <a:rPr lang="en-US" dirty="0" smtClean="0"/>
-              <a:t>, um</a:t>
-            </a:r>
-            <a:r>
-              <a:rPr lang="en-US" baseline="0" dirty="0" smtClean="0"/>
-              <a:t> </a:t>
-            </a:r>
-            <a:r>
-              <a:rPr lang="en-US" baseline="0" dirty="0" err="1" smtClean="0"/>
-              <a:t>pouco</a:t>
-            </a:r>
-            <a:r>
-              <a:rPr lang="en-US" baseline="0" dirty="0" smtClean="0"/>
-              <a:t> </a:t>
-            </a:r>
-            <a:r>
-              <a:rPr lang="en-US" baseline="0" dirty="0" err="1" smtClean="0"/>
-              <a:t>diferente</a:t>
-            </a:r>
-            <a:r>
-              <a:rPr lang="en-US" baseline="0" dirty="0" smtClean="0"/>
-              <a:t>, </a:t>
-            </a:r>
-            <a:r>
-              <a:rPr lang="en-US" baseline="0" dirty="0" err="1" smtClean="0"/>
-              <a:t>apenas</a:t>
-            </a:r>
-            <a:r>
-              <a:rPr lang="en-US" baseline="0" dirty="0" smtClean="0"/>
-              <a:t> um device </a:t>
-            </a:r>
-            <a:r>
-              <a:rPr lang="en-US" baseline="0" dirty="0" err="1" smtClean="0"/>
-              <a:t>para</a:t>
-            </a:r>
-            <a:r>
-              <a:rPr lang="en-US" baseline="0" dirty="0" smtClean="0"/>
-              <a:t> memory bound problems</a:t>
-            </a:r>
-            <a:endParaRPr lang="en-US" dirty="0"/>
+              <a:t>eventos</a:t>
+            </a:r>
+            <a:r>
+              <a:rPr lang="en-US" baseline="0" dirty="0" smtClean="0"/>
+              <a:t> </a:t>
+            </a:r>
+            <a:r>
+              <a:rPr lang="en-US" baseline="0" dirty="0" err="1" smtClean="0"/>
+              <a:t>passados</a:t>
+            </a:r>
+            <a:r>
+              <a:rPr lang="en-US" baseline="0" dirty="0" smtClean="0"/>
+              <a:t> </a:t>
+            </a:r>
+            <a:r>
+              <a:rPr lang="en-US" baseline="0" dirty="0" err="1" smtClean="0"/>
+              <a:t>como</a:t>
+            </a:r>
+            <a:r>
+              <a:rPr lang="en-US" baseline="0" dirty="0" smtClean="0"/>
+              <a:t> </a:t>
+            </a:r>
+            <a:r>
+              <a:rPr lang="en-US" baseline="0" dirty="0" smtClean="0"/>
+              <a:t>inputs</a:t>
+            </a:r>
+          </a:p>
+          <a:p>
+            <a:pPr marL="228600" indent="-228600">
+              <a:buAutoNum type="arabicPeriod"/>
+            </a:pPr>
+            <a:r>
+              <a:rPr lang="en-US" baseline="0" dirty="0" smtClean="0"/>
+              <a:t>Para </a:t>
+            </a:r>
+            <a:r>
+              <a:rPr lang="en-US" baseline="0" dirty="0" err="1" smtClean="0"/>
+              <a:t>cada</a:t>
+            </a:r>
+            <a:r>
+              <a:rPr lang="en-US" baseline="0" dirty="0" smtClean="0"/>
+              <a:t> comb jet/</a:t>
+            </a:r>
+            <a:r>
+              <a:rPr lang="en-US" baseline="0" dirty="0" err="1" smtClean="0"/>
+              <a:t>lep</a:t>
+            </a:r>
+            <a:r>
+              <a:rPr lang="en-US" baseline="0" dirty="0" smtClean="0"/>
+              <a:t>:</a:t>
+            </a:r>
+          </a:p>
+          <a:p>
+            <a:pPr marL="457200" lvl="1" indent="0">
+              <a:buNone/>
+            </a:pPr>
+            <a:r>
+              <a:rPr lang="en-US" baseline="0" dirty="0" smtClean="0"/>
+              <a:t>- </a:t>
+            </a:r>
+            <a:r>
+              <a:rPr lang="en-US" baseline="0" dirty="0" err="1" smtClean="0"/>
+              <a:t>Aplicar</a:t>
+            </a:r>
+            <a:r>
+              <a:rPr lang="en-US" baseline="0" dirty="0" smtClean="0"/>
+              <a:t> a </a:t>
+            </a:r>
+            <a:r>
+              <a:rPr lang="en-US" baseline="0" dirty="0" err="1" smtClean="0"/>
+              <a:t>variancia</a:t>
+            </a:r>
+            <a:r>
+              <a:rPr lang="en-US" baseline="0" dirty="0" smtClean="0"/>
+              <a:t> um </a:t>
+            </a:r>
+            <a:r>
+              <a:rPr lang="en-US" baseline="0" dirty="0" err="1" smtClean="0"/>
+              <a:t>num</a:t>
+            </a:r>
+            <a:r>
+              <a:rPr lang="en-US" baseline="0" dirty="0" smtClean="0"/>
+              <a:t> </a:t>
+            </a:r>
+            <a:r>
+              <a:rPr lang="en-US" baseline="0" dirty="0" err="1" smtClean="0"/>
+              <a:t>arbitrario</a:t>
+            </a:r>
+            <a:r>
+              <a:rPr lang="en-US" baseline="0" dirty="0" smtClean="0"/>
+              <a:t> de </a:t>
+            </a:r>
+            <a:r>
+              <a:rPr lang="en-US" baseline="0" dirty="0" err="1" smtClean="0"/>
+              <a:t>vezes</a:t>
+            </a:r>
+            <a:endParaRPr lang="en-US" baseline="0" dirty="0" smtClean="0"/>
+          </a:p>
+          <a:p>
+            <a:pPr marL="628650" lvl="1" indent="-171450">
+              <a:buFontTx/>
+              <a:buChar char="-"/>
+            </a:pPr>
+            <a:r>
+              <a:rPr lang="en-US" baseline="0" dirty="0" err="1" smtClean="0"/>
+              <a:t>ttDilepKinFit</a:t>
+            </a:r>
+            <a:r>
+              <a:rPr lang="en-US" baseline="0" dirty="0" smtClean="0"/>
+              <a:t> </a:t>
+            </a:r>
+            <a:r>
+              <a:rPr lang="en-US" baseline="0" dirty="0" err="1" smtClean="0"/>
+              <a:t>reconstrução</a:t>
+            </a:r>
+            <a:r>
+              <a:rPr lang="en-US" baseline="0" dirty="0" smtClean="0"/>
+              <a:t> </a:t>
+            </a:r>
+            <a:r>
+              <a:rPr lang="en-US" baseline="0" dirty="0" err="1" smtClean="0"/>
+              <a:t>cinemática</a:t>
+            </a:r>
+            <a:r>
+              <a:rPr lang="en-US" baseline="0" dirty="0" smtClean="0"/>
+              <a:t> </a:t>
+            </a:r>
+            <a:r>
+              <a:rPr lang="en-US" baseline="0" dirty="0" smtClean="0"/>
+              <a:t>e </a:t>
+            </a:r>
+            <a:r>
+              <a:rPr lang="en-US" baseline="0" dirty="0" err="1" smtClean="0"/>
+              <a:t>reconstrução</a:t>
+            </a:r>
+            <a:r>
+              <a:rPr lang="en-US" baseline="0" dirty="0" smtClean="0"/>
+              <a:t> do </a:t>
+            </a:r>
+            <a:r>
+              <a:rPr lang="en-US" baseline="0" dirty="0" err="1" smtClean="0"/>
+              <a:t>bosão</a:t>
+            </a:r>
+            <a:r>
+              <a:rPr lang="en-US" baseline="0" dirty="0" smtClean="0"/>
+              <a:t> de </a:t>
+            </a:r>
+            <a:r>
+              <a:rPr lang="en-US" baseline="0" dirty="0" smtClean="0"/>
+              <a:t>Higgs</a:t>
+            </a:r>
+          </a:p>
+          <a:p>
+            <a:pPr marL="228600" lvl="0" indent="-228600">
+              <a:buFont typeface="+mj-lt"/>
+              <a:buAutoNum type="arabicPeriod"/>
+            </a:pPr>
+            <a:r>
+              <a:rPr lang="en-US" baseline="0" dirty="0" smtClean="0"/>
+              <a:t>Tradeoff entre </a:t>
+            </a:r>
+            <a:r>
+              <a:rPr lang="en-US" baseline="0" dirty="0" err="1" smtClean="0"/>
+              <a:t>qualidade</a:t>
+            </a:r>
+            <a:r>
+              <a:rPr lang="en-US" baseline="0" dirty="0" smtClean="0"/>
+              <a:t> e </a:t>
+            </a:r>
+            <a:r>
+              <a:rPr lang="en-US" baseline="0" dirty="0" err="1" smtClean="0"/>
+              <a:t>velocidade</a:t>
+            </a:r>
+            <a:r>
+              <a:rPr lang="en-US" baseline="0" dirty="0" smtClean="0"/>
+              <a:t> </a:t>
+            </a:r>
+            <a:r>
+              <a:rPr lang="en-US" baseline="0" dirty="0" err="1" smtClean="0"/>
+              <a:t>existem</a:t>
+            </a:r>
+            <a:r>
+              <a:rPr lang="en-US" baseline="0" dirty="0" smtClean="0"/>
+              <a:t> </a:t>
+            </a:r>
+            <a:r>
+              <a:rPr lang="en-US" baseline="0" dirty="0" err="1" smtClean="0"/>
+              <a:t>muitos</a:t>
+            </a:r>
+            <a:r>
+              <a:rPr lang="en-US" baseline="0" dirty="0" smtClean="0"/>
+              <a:t> dados a </a:t>
+            </a:r>
+            <a:r>
+              <a:rPr lang="en-US" baseline="0" dirty="0" err="1" smtClean="0"/>
+              <a:t>processar</a:t>
+            </a:r>
+            <a:endParaRPr lang="en-US" baseline="0" dirty="0" smtClean="0"/>
           </a:p>
         </p:txBody>
       </p:sp>
@@ -1063,7 +2680,7 @@
           <a:p>
             <a:fld id="{A9A0AF8B-7AB8-1E42-BD6E-C06D71D719CD}" type="slidenum">
               <a:rPr lang="en-US" smtClean="0"/>
-              <a:t>7</a:t>
+              <a:t>4</a:t>
             </a:fld>
             <a:endParaRPr lang="en-US"/>
           </a:p>
@@ -1072,7 +2689,7 @@
     </p:spTree>
     <p:extLst>
       <p:ext uri="{BB962C8B-B14F-4D97-AF65-F5344CB8AC3E}">
-        <p14:creationId xmlns:p14="http://schemas.microsoft.com/office/powerpoint/2010/main" val="2247672862"/>
+        <p14:creationId xmlns:p14="http://schemas.microsoft.com/office/powerpoint/2010/main" val="2903330668"/>
       </p:ext>
     </p:extLst>
   </p:cSld>
@@ -1126,96 +2743,138 @@
           <a:bodyPr/>
           <a:lstStyle/>
           <a:p>
+            <a:pPr marL="228600" indent="-228600">
+              <a:buAutoNum type="arabicPeriod"/>
+            </a:pPr>
             <a:r>
               <a:rPr lang="en-US" dirty="0" err="1" smtClean="0"/>
-              <a:t>Objectivo</a:t>
-            </a:r>
-            <a:r>
-              <a:rPr lang="en-US" dirty="0" smtClean="0"/>
-              <a:t> de </a:t>
-            </a:r>
-            <a:r>
-              <a:rPr lang="en-US" dirty="0" err="1" smtClean="0"/>
-              <a:t>abstrair</a:t>
-            </a:r>
-            <a:r>
-              <a:rPr lang="en-US" dirty="0" smtClean="0"/>
-              <a:t> as </a:t>
-            </a:r>
-            <a:r>
-              <a:rPr lang="en-US" dirty="0" err="1" smtClean="0"/>
-              <a:t>complexidades</a:t>
-            </a:r>
-            <a:r>
-              <a:rPr lang="en-US" dirty="0" smtClean="0"/>
-              <a:t> das </a:t>
-            </a:r>
-            <a:r>
-              <a:rPr lang="en-US" dirty="0" err="1" smtClean="0"/>
-              <a:t>arquitecturas</a:t>
-            </a:r>
-            <a:r>
-              <a:rPr lang="en-US" dirty="0" smtClean="0"/>
-              <a:t>, </a:t>
-            </a:r>
-            <a:r>
-              <a:rPr lang="en-US" dirty="0" err="1" smtClean="0"/>
-              <a:t>facilitando</a:t>
-            </a:r>
-            <a:r>
-              <a:rPr lang="en-US" dirty="0" smtClean="0"/>
+              <a:t>Trabalho</a:t>
+            </a:r>
+            <a:r>
+              <a:rPr lang="en-US" baseline="0" dirty="0" smtClean="0"/>
               <a:t> a </a:t>
             </a:r>
             <a:r>
-              <a:rPr lang="en-US" dirty="0" err="1" smtClean="0"/>
-              <a:t>tarefa</a:t>
-            </a:r>
-            <a:r>
-              <a:rPr lang="en-US" dirty="0" smtClean="0"/>
-              <a:t> dos </a:t>
-            </a:r>
-            <a:r>
-              <a:rPr lang="en-US" dirty="0" err="1" smtClean="0"/>
-              <a:t>programadores</a:t>
-            </a:r>
-            <a:r>
-              <a:rPr lang="en-US" dirty="0" smtClean="0"/>
-              <a:t> </a:t>
-            </a:r>
-            <a:r>
-              <a:rPr lang="en-US" dirty="0" err="1" smtClean="0"/>
-              <a:t>inexperientes</a:t>
-            </a:r>
-            <a:endParaRPr lang="en-US" dirty="0" smtClean="0"/>
-          </a:p>
-          <a:p>
-            <a:r>
-              <a:rPr lang="en-US" dirty="0" err="1" smtClean="0"/>
-              <a:t>OpenMP</a:t>
-            </a:r>
-            <a:r>
-              <a:rPr lang="en-US" dirty="0" smtClean="0"/>
-              <a:t>:</a:t>
-            </a:r>
-            <a:r>
-              <a:rPr lang="en-US" baseline="0" dirty="0" smtClean="0"/>
-              <a:t> Open Multi-Processing, framework </a:t>
-            </a:r>
-            <a:r>
-              <a:rPr lang="en-US" baseline="0" dirty="0" err="1" smtClean="0"/>
-              <a:t>baseada</a:t>
-            </a:r>
-            <a:r>
-              <a:rPr lang="en-US" baseline="0" dirty="0" smtClean="0"/>
-              <a:t> </a:t>
-            </a:r>
-            <a:r>
-              <a:rPr lang="en-US" baseline="0" dirty="0" err="1" smtClean="0"/>
-              <a:t>em</a:t>
-            </a:r>
-            <a:r>
-              <a:rPr lang="en-US" baseline="0" dirty="0" smtClean="0"/>
-              <a:t> pragmas </a:t>
+              <a:rPr lang="en-US" baseline="0" dirty="0" err="1" smtClean="0"/>
+              <a:t>que</a:t>
+            </a:r>
+            <a:r>
+              <a:rPr lang="en-US" baseline="0" dirty="0" smtClean="0"/>
+              <a:t> me </a:t>
+            </a:r>
+            <a:r>
+              <a:rPr lang="en-US" baseline="0" dirty="0" err="1" smtClean="0"/>
+              <a:t>prupos</a:t>
+            </a:r>
+            <a:r>
+              <a:rPr lang="en-US" baseline="0" dirty="0" smtClean="0"/>
+              <a:t> </a:t>
+            </a:r>
+            <a:r>
+              <a:rPr lang="en-US" baseline="0" dirty="0" err="1" smtClean="0"/>
+              <a:t>numa</a:t>
+            </a:r>
+            <a:r>
+              <a:rPr lang="en-US" baseline="0" dirty="0" smtClean="0"/>
+              <a:t> </a:t>
+            </a:r>
+            <a:r>
+              <a:rPr lang="en-US" baseline="0" dirty="0" err="1" smtClean="0"/>
+              <a:t>primeira</a:t>
+            </a:r>
+            <a:r>
+              <a:rPr lang="en-US" baseline="0" dirty="0" smtClean="0"/>
+              <a:t> </a:t>
+            </a:r>
+            <a:r>
+              <a:rPr lang="en-US" baseline="0" dirty="0" err="1" smtClean="0"/>
+              <a:t>fase</a:t>
+            </a:r>
+            <a:r>
+              <a:rPr lang="en-US" baseline="0" dirty="0" smtClean="0"/>
+              <a:t> </a:t>
+            </a:r>
+            <a:r>
+              <a:rPr lang="en-US" baseline="0" dirty="0" err="1" smtClean="0"/>
+              <a:t>depois</a:t>
+            </a:r>
+            <a:r>
+              <a:rPr lang="en-US" baseline="0" dirty="0" smtClean="0"/>
+              <a:t> da </a:t>
+            </a:r>
+            <a:r>
+              <a:rPr lang="en-US" baseline="0" dirty="0" err="1" smtClean="0"/>
+              <a:t>an</a:t>
+            </a:r>
+            <a:r>
+              <a:rPr lang="en-US" baseline="0" dirty="0" err="1" smtClean="0"/>
+              <a:t>álise</a:t>
+            </a:r>
+            <a:r>
+              <a:rPr lang="en-US" baseline="0" dirty="0" smtClean="0"/>
+              <a:t> </a:t>
+            </a:r>
+            <a:r>
+              <a:rPr lang="en-US" baseline="0" dirty="0" err="1" smtClean="0"/>
+              <a:t>inicial</a:t>
+            </a:r>
+            <a:r>
+              <a:rPr lang="en-US" baseline="0" dirty="0" smtClean="0"/>
+              <a:t> do </a:t>
+            </a:r>
+            <a:r>
+              <a:rPr lang="en-US" baseline="0" dirty="0" err="1" smtClean="0"/>
+              <a:t>código</a:t>
+            </a:r>
+            <a:endParaRPr lang="en-US" baseline="0" dirty="0" smtClean="0"/>
+          </a:p>
+          <a:p>
+            <a:pPr marL="228600" indent="-228600">
+              <a:buAutoNum type="arabicPeriod"/>
+            </a:pPr>
+            <a:r>
+              <a:rPr lang="en-US" baseline="0" dirty="0" smtClean="0"/>
+              <a:t>A </a:t>
+            </a:r>
+            <a:r>
+              <a:rPr lang="en-US" baseline="0" dirty="0" err="1" smtClean="0"/>
+              <a:t>imagem</a:t>
+            </a:r>
+            <a:r>
+              <a:rPr lang="en-US" baseline="0" dirty="0" smtClean="0"/>
+              <a:t> </a:t>
+            </a:r>
+            <a:r>
+              <a:rPr lang="en-US" baseline="0" dirty="0" err="1" smtClean="0"/>
+              <a:t>mostra</a:t>
+            </a:r>
+            <a:r>
+              <a:rPr lang="en-US" baseline="0" dirty="0" smtClean="0"/>
+              <a:t> a </a:t>
+            </a:r>
+            <a:r>
+              <a:rPr lang="en-US" baseline="0" dirty="0" err="1" smtClean="0"/>
+              <a:t>alteraçao</a:t>
+            </a:r>
+            <a:r>
+              <a:rPr lang="en-US" baseline="0" dirty="0" smtClean="0"/>
+              <a:t> </a:t>
+            </a:r>
+            <a:r>
+              <a:rPr lang="en-US" baseline="0" dirty="0" err="1" smtClean="0"/>
+              <a:t>necessaria</a:t>
+            </a:r>
+            <a:r>
+              <a:rPr lang="en-US" baseline="0" dirty="0" smtClean="0"/>
+              <a:t> do </a:t>
+            </a:r>
+            <a:r>
+              <a:rPr lang="en-US" baseline="0" dirty="0" err="1" smtClean="0"/>
+              <a:t>codigo</a:t>
+            </a:r>
+            <a:r>
+              <a:rPr lang="en-US" baseline="0" dirty="0" smtClean="0"/>
+              <a:t> </a:t>
             </a:r>
             <a:r>
               <a:rPr lang="en-US" baseline="0" dirty="0" err="1" smtClean="0"/>
@@ -1227,233 +2886,57 @@
             </a:r>
             <a:r>
               <a:rPr lang="en-US" baseline="0" dirty="0" err="1" smtClean="0"/>
+              <a:t>que</a:t>
+            </a:r>
+            <a:r>
+              <a:rPr lang="en-US" baseline="0" dirty="0" smtClean="0"/>
+              <a:t> </a:t>
+            </a:r>
+            <a:r>
+              <a:rPr lang="en-US" baseline="0" dirty="0" err="1" smtClean="0"/>
+              <a:t>seja</a:t>
+            </a:r>
+            <a:r>
+              <a:rPr lang="en-US" baseline="0" dirty="0" smtClean="0"/>
+              <a:t> </a:t>
+            </a:r>
+            <a:r>
+              <a:rPr lang="en-US" baseline="0" dirty="0" err="1" smtClean="0"/>
+              <a:t>possivel</a:t>
+            </a:r>
+            <a:r>
+              <a:rPr lang="en-US" baseline="0" dirty="0" smtClean="0"/>
+              <a:t> </a:t>
+            </a:r>
+            <a:r>
+              <a:rPr lang="en-US" baseline="0" dirty="0" err="1" smtClean="0"/>
+              <a:t>fazer</a:t>
+            </a:r>
+            <a:r>
+              <a:rPr lang="en-US" baseline="0" dirty="0" smtClean="0"/>
+              <a:t> </a:t>
+            </a:r>
+            <a:r>
+              <a:rPr lang="en-US" baseline="0" dirty="0" err="1" smtClean="0"/>
+              <a:t>uma</a:t>
+            </a:r>
+            <a:r>
+              <a:rPr lang="en-US" baseline="0" dirty="0" smtClean="0"/>
+              <a:t> </a:t>
+            </a:r>
+            <a:r>
+              <a:rPr lang="en-US" baseline="0" dirty="0" err="1" smtClean="0"/>
               <a:t>paralelizaçao</a:t>
             </a:r>
             <a:r>
               <a:rPr lang="en-US" baseline="0" dirty="0" smtClean="0"/>
-              <a:t> de </a:t>
-            </a:r>
-            <a:r>
-              <a:rPr lang="en-US" baseline="0" dirty="0" err="1" smtClean="0"/>
-              <a:t>tarefas</a:t>
-            </a:r>
-            <a:r>
-              <a:rPr lang="en-US" baseline="0" dirty="0" smtClean="0"/>
-              <a:t> </a:t>
-            </a:r>
-            <a:r>
-              <a:rPr lang="en-US" baseline="0" dirty="0" err="1" smtClean="0"/>
-              <a:t>em</a:t>
-            </a:r>
-            <a:r>
-              <a:rPr lang="en-US" baseline="0" dirty="0" smtClean="0"/>
-              <a:t> </a:t>
-            </a:r>
-            <a:r>
-              <a:rPr lang="en-US" baseline="0" dirty="0" err="1" smtClean="0"/>
-              <a:t>ambientes</a:t>
-            </a:r>
-            <a:r>
-              <a:rPr lang="en-US" baseline="0" dirty="0" smtClean="0"/>
-              <a:t> shared memory CPU</a:t>
-            </a:r>
-          </a:p>
-          <a:p>
-            <a:r>
-              <a:rPr lang="en-US" baseline="0" dirty="0" err="1" smtClean="0"/>
-              <a:t>OpenACC</a:t>
-            </a:r>
-            <a:r>
-              <a:rPr lang="en-US" baseline="0" dirty="0" smtClean="0"/>
-              <a:t>: Open Accelerator, framework </a:t>
-            </a:r>
-            <a:r>
-              <a:rPr lang="en-US" baseline="0" dirty="0" err="1" smtClean="0"/>
-              <a:t>baseada</a:t>
-            </a:r>
-            <a:r>
-              <a:rPr lang="en-US" baseline="0" dirty="0" smtClean="0"/>
-              <a:t> </a:t>
-            </a:r>
-            <a:r>
-              <a:rPr lang="en-US" baseline="0" dirty="0" err="1" smtClean="0"/>
-              <a:t>em</a:t>
-            </a:r>
-            <a:r>
-              <a:rPr lang="en-US" baseline="0" dirty="0" smtClean="0"/>
-              <a:t> pragmas </a:t>
-            </a:r>
-            <a:r>
-              <a:rPr lang="en-US" baseline="0" dirty="0" err="1" smtClean="0"/>
-              <a:t>para</a:t>
-            </a:r>
-            <a:r>
-              <a:rPr lang="en-US" baseline="0" dirty="0" smtClean="0"/>
-              <a:t> </a:t>
-            </a:r>
-            <a:r>
-              <a:rPr lang="en-US" baseline="0" dirty="0" err="1" smtClean="0"/>
-              <a:t>paralelizaç</a:t>
-            </a:r>
-            <a:r>
-              <a:rPr lang="en-US" baseline="0" dirty="0" err="1" smtClean="0"/>
-              <a:t>ão</a:t>
-            </a:r>
-            <a:r>
-              <a:rPr lang="en-US" baseline="0" dirty="0" smtClean="0"/>
-              <a:t> de </a:t>
-            </a:r>
-            <a:r>
-              <a:rPr lang="en-US" baseline="0" dirty="0" err="1" smtClean="0"/>
-              <a:t>tarefas</a:t>
-            </a:r>
-            <a:r>
-              <a:rPr lang="en-US" baseline="0" dirty="0" smtClean="0"/>
-              <a:t> </a:t>
-            </a:r>
-            <a:r>
-              <a:rPr lang="en-US" baseline="0" dirty="0" err="1" smtClean="0"/>
-              <a:t>em</a:t>
-            </a:r>
-            <a:r>
-              <a:rPr lang="en-US" baseline="0" dirty="0" smtClean="0"/>
-              <a:t> </a:t>
-            </a:r>
-            <a:r>
-              <a:rPr lang="en-US" baseline="0" dirty="0" err="1" smtClean="0"/>
-              <a:t>ambientes</a:t>
-            </a:r>
-            <a:r>
-              <a:rPr lang="en-US" baseline="0" dirty="0" smtClean="0"/>
-              <a:t> </a:t>
-            </a:r>
-            <a:r>
-              <a:rPr lang="en-US" baseline="0" dirty="0" err="1" smtClean="0"/>
-              <a:t>heterogeneos</a:t>
-            </a:r>
-            <a:r>
-              <a:rPr lang="en-US" baseline="0" dirty="0" smtClean="0"/>
-              <a:t>, </a:t>
-            </a:r>
-            <a:r>
-              <a:rPr lang="en-US" baseline="0" dirty="0" err="1" smtClean="0"/>
-              <a:t>para</a:t>
-            </a:r>
-            <a:r>
-              <a:rPr lang="en-US" baseline="0" dirty="0" smtClean="0"/>
-              <a:t> </a:t>
-            </a:r>
-            <a:r>
-              <a:rPr lang="en-US" baseline="0" dirty="0" err="1" smtClean="0"/>
-              <a:t>ja</a:t>
-            </a:r>
-            <a:r>
-              <a:rPr lang="en-US" baseline="0" dirty="0" smtClean="0"/>
-              <a:t> </a:t>
-            </a:r>
-            <a:r>
-              <a:rPr lang="en-US" baseline="0" dirty="0" err="1" smtClean="0"/>
-              <a:t>apenas</a:t>
-            </a:r>
-            <a:r>
-              <a:rPr lang="en-US" baseline="0" dirty="0" smtClean="0"/>
-              <a:t> com GPUs</a:t>
-            </a:r>
-          </a:p>
-          <a:p>
-            <a:r>
-              <a:rPr lang="en-US" baseline="0" dirty="0" smtClean="0"/>
-              <a:t>GAMA: GPU and Multicore Aware, framework </a:t>
-            </a:r>
-            <a:r>
-              <a:rPr lang="en-US" baseline="0" dirty="0" err="1" smtClean="0"/>
-              <a:t>mais</a:t>
-            </a:r>
-            <a:r>
-              <a:rPr lang="en-US" baseline="0" dirty="0" smtClean="0"/>
-              <a:t> “low-level” </a:t>
-            </a:r>
-            <a:r>
-              <a:rPr lang="en-US" baseline="0" dirty="0" err="1" smtClean="0"/>
-              <a:t>que</a:t>
-            </a:r>
-            <a:r>
-              <a:rPr lang="en-US" baseline="0" dirty="0" smtClean="0"/>
-              <a:t> as </a:t>
-            </a:r>
-            <a:r>
-              <a:rPr lang="en-US" baseline="0" dirty="0" err="1" smtClean="0"/>
-              <a:t>restantes</a:t>
-            </a:r>
-            <a:r>
-              <a:rPr lang="en-US" baseline="0" dirty="0" smtClean="0"/>
-              <a:t>, com </a:t>
-            </a:r>
-            <a:r>
-              <a:rPr lang="en-US" baseline="0" dirty="0" err="1" smtClean="0"/>
-              <a:t>uma</a:t>
-            </a:r>
-            <a:r>
-              <a:rPr lang="en-US" baseline="0" dirty="0" smtClean="0"/>
-              <a:t> </a:t>
-            </a:r>
-            <a:r>
-              <a:rPr lang="en-US" baseline="0" dirty="0" err="1" smtClean="0"/>
-              <a:t>curva</a:t>
-            </a:r>
-            <a:r>
-              <a:rPr lang="en-US" baseline="0" dirty="0" smtClean="0"/>
-              <a:t> de </a:t>
-            </a:r>
-            <a:r>
-              <a:rPr lang="en-US" baseline="0" dirty="0" err="1" smtClean="0"/>
-              <a:t>aprendizagem</a:t>
-            </a:r>
-            <a:r>
-              <a:rPr lang="en-US" baseline="0" dirty="0" smtClean="0"/>
-              <a:t> </a:t>
-            </a:r>
-            <a:r>
-              <a:rPr lang="en-US" baseline="0" dirty="0" err="1" smtClean="0"/>
-              <a:t>maior</a:t>
-            </a:r>
-            <a:r>
-              <a:rPr lang="en-US" baseline="0" dirty="0" smtClean="0"/>
-              <a:t> mas </a:t>
-            </a:r>
-            <a:r>
-              <a:rPr lang="en-US" baseline="0" dirty="0" err="1" smtClean="0"/>
-              <a:t>que</a:t>
-            </a:r>
-            <a:r>
-              <a:rPr lang="en-US" baseline="0" dirty="0" smtClean="0"/>
-              <a:t> </a:t>
-            </a:r>
-            <a:r>
-              <a:rPr lang="en-US" baseline="0" dirty="0" err="1" smtClean="0"/>
-              <a:t>teoricamente</a:t>
-            </a:r>
-            <a:r>
-              <a:rPr lang="en-US" baseline="0" dirty="0" smtClean="0"/>
-              <a:t> </a:t>
-            </a:r>
-            <a:r>
-              <a:rPr lang="en-US" baseline="0" dirty="0" err="1" smtClean="0"/>
-              <a:t>oferece</a:t>
-            </a:r>
-            <a:r>
-              <a:rPr lang="en-US" baseline="0" dirty="0" smtClean="0"/>
-              <a:t> </a:t>
-            </a:r>
-            <a:r>
-              <a:rPr lang="en-US" baseline="0" dirty="0" err="1" smtClean="0"/>
-              <a:t>melhor</a:t>
-            </a:r>
-            <a:r>
-              <a:rPr lang="en-US" baseline="0" dirty="0" smtClean="0"/>
-              <a:t> performance</a:t>
-            </a:r>
-            <a:endParaRPr lang="en-US" dirty="0"/>
+              <a:t> </a:t>
+            </a:r>
+            <a:r>
+              <a:rPr lang="en-US" baseline="0" dirty="0" err="1" smtClean="0"/>
+              <a:t>eficiente</a:t>
+            </a:r>
+            <a:endParaRPr lang="en-US" baseline="0" dirty="0" smtClean="0"/>
           </a:p>
         </p:txBody>
       </p:sp>
@@ -1474,7 +2957,7 @@
           <a:p>
             <a:fld id="{A9A0AF8B-7AB8-1E42-BD6E-C06D71D719CD}" type="slidenum">
               <a:rPr lang="en-US" smtClean="0"/>
-              <a:t>8</a:t>
+              <a:t>5</a:t>
             </a:fld>
             <a:endParaRPr lang="en-US"/>
           </a:p>
@@ -1483,7 +2966,7 @@
     </p:spTree>
     <p:extLst>
       <p:ext uri="{BB962C8B-B14F-4D97-AF65-F5344CB8AC3E}">
-        <p14:creationId xmlns:p14="http://schemas.microsoft.com/office/powerpoint/2010/main" val="1259879322"/>
+        <p14:creationId xmlns:p14="http://schemas.microsoft.com/office/powerpoint/2010/main" val="4143030063"/>
       </p:ext>
     </p:extLst>
   </p:cSld>
@@ -1537,182 +3020,22 @@
           <a:bodyPr/>
           <a:lstStyle/>
           <a:p>
-            <a:r>
-              <a:rPr lang="en-US" dirty="0" err="1" smtClean="0"/>
-              <a:t>Tenta</a:t>
-            </a:r>
-            <a:r>
-              <a:rPr lang="en-US" dirty="0" smtClean="0"/>
-              <a:t> </a:t>
-            </a:r>
-            <a:r>
-              <a:rPr lang="en-US" dirty="0" err="1" smtClean="0"/>
-              <a:t>reconstruir</a:t>
-            </a:r>
-            <a:r>
-              <a:rPr lang="en-US" dirty="0" smtClean="0"/>
-              <a:t> o </a:t>
-            </a:r>
-            <a:r>
-              <a:rPr lang="en-US" dirty="0" err="1" smtClean="0"/>
-              <a:t>sistem</a:t>
-            </a:r>
-            <a:r>
-              <a:rPr lang="en-US" dirty="0" smtClean="0"/>
-              <a:t> </a:t>
-            </a:r>
-            <a:r>
-              <a:rPr lang="en-US" dirty="0" err="1" smtClean="0"/>
-              <a:t>ttbar</a:t>
-            </a:r>
-            <a:r>
-              <a:rPr lang="en-US" dirty="0" smtClean="0"/>
-              <a:t> e </a:t>
-            </a:r>
-            <a:r>
-              <a:rPr lang="en-US" dirty="0" err="1" smtClean="0"/>
-              <a:t>bos</a:t>
-            </a:r>
-            <a:r>
-              <a:rPr lang="en-US" dirty="0" err="1" smtClean="0"/>
-              <a:t>ões</a:t>
-            </a:r>
-            <a:r>
-              <a:rPr lang="en-US" dirty="0" smtClean="0"/>
-              <a:t> de Higgs, </a:t>
-            </a:r>
-            <a:r>
-              <a:rPr lang="en-US" dirty="0" err="1" smtClean="0"/>
-              <a:t>cada</a:t>
-            </a:r>
-            <a:r>
-              <a:rPr lang="en-US" baseline="0" dirty="0" smtClean="0"/>
-              <a:t> </a:t>
-            </a:r>
-            <a:r>
-              <a:rPr lang="en-US" baseline="0" dirty="0" err="1" smtClean="0"/>
-              <a:t>evento</a:t>
-            </a:r>
-            <a:r>
-              <a:rPr lang="en-US" baseline="0" dirty="0" smtClean="0"/>
-              <a:t> </a:t>
-            </a:r>
-            <a:r>
-              <a:rPr lang="en-US" baseline="0" dirty="0" err="1" smtClean="0"/>
-              <a:t>deve</a:t>
-            </a:r>
-            <a:r>
-              <a:rPr lang="en-US" baseline="0" dirty="0" smtClean="0"/>
-              <a:t> </a:t>
-            </a:r>
-            <a:r>
-              <a:rPr lang="en-US" baseline="0" dirty="0" err="1" smtClean="0"/>
-              <a:t>passar</a:t>
-            </a:r>
-            <a:r>
-              <a:rPr lang="en-US" baseline="0" dirty="0" smtClean="0"/>
-              <a:t> </a:t>
-            </a:r>
-            <a:r>
-              <a:rPr lang="en-US" baseline="0" dirty="0" err="1" smtClean="0"/>
-              <a:t>uma</a:t>
-            </a:r>
-            <a:r>
-              <a:rPr lang="en-US" baseline="0" dirty="0" smtClean="0"/>
-              <a:t> </a:t>
-            </a:r>
-            <a:r>
-              <a:rPr lang="en-US" baseline="0" dirty="0" err="1" smtClean="0"/>
-              <a:t>série</a:t>
-            </a:r>
-            <a:r>
-              <a:rPr lang="en-US" baseline="0" dirty="0" smtClean="0"/>
-              <a:t> de </a:t>
-            </a:r>
-            <a:r>
-              <a:rPr lang="en-US" baseline="0" dirty="0" err="1" smtClean="0"/>
-              <a:t>filtros</a:t>
-            </a:r>
-            <a:r>
-              <a:rPr lang="en-US" baseline="0" dirty="0" smtClean="0"/>
-              <a:t> </a:t>
-            </a:r>
-            <a:r>
-              <a:rPr lang="en-US" baseline="0" dirty="0" err="1" smtClean="0"/>
-              <a:t>até</a:t>
-            </a:r>
-            <a:r>
-              <a:rPr lang="en-US" baseline="0" dirty="0" smtClean="0"/>
-              <a:t> </a:t>
-            </a:r>
-            <a:r>
-              <a:rPr lang="en-US" baseline="0" dirty="0" err="1" smtClean="0"/>
-              <a:t>poder</a:t>
-            </a:r>
-            <a:r>
-              <a:rPr lang="en-US" baseline="0" dirty="0" smtClean="0"/>
-              <a:t> </a:t>
-            </a:r>
-            <a:r>
-              <a:rPr lang="en-US" baseline="0" dirty="0" err="1" smtClean="0"/>
-              <a:t>ser</a:t>
-            </a:r>
-            <a:r>
-              <a:rPr lang="en-US" baseline="0" dirty="0" smtClean="0"/>
-              <a:t> </a:t>
-            </a:r>
-            <a:r>
-              <a:rPr lang="en-US" baseline="0" dirty="0" err="1" smtClean="0"/>
-              <a:t>reconstruído</a:t>
-            </a:r>
-            <a:r>
-              <a:rPr lang="en-US" baseline="0" dirty="0" smtClean="0"/>
-              <a:t>;</a:t>
-            </a:r>
-            <a:endParaRPr lang="en-US" dirty="0" smtClean="0"/>
-          </a:p>
-          <a:p>
-            <a:r>
-              <a:rPr lang="en-US" dirty="0" err="1" smtClean="0"/>
-              <a:t>Impossivel</a:t>
-            </a:r>
-            <a:r>
-              <a:rPr lang="en-US" baseline="0" dirty="0" smtClean="0"/>
-              <a:t> de </a:t>
-            </a:r>
-            <a:r>
-              <a:rPr lang="en-US" baseline="0" dirty="0" err="1" smtClean="0"/>
-              <a:t>paralelizar</a:t>
-            </a:r>
-            <a:r>
-              <a:rPr lang="en-US" baseline="0" dirty="0" smtClean="0"/>
-              <a:t> </a:t>
-            </a:r>
-            <a:r>
-              <a:rPr lang="en-US" baseline="0" dirty="0" err="1" smtClean="0"/>
-              <a:t>porque</a:t>
-            </a:r>
-            <a:r>
-              <a:rPr lang="en-US" baseline="0" dirty="0" smtClean="0"/>
-              <a:t> as tasks </a:t>
-            </a:r>
-            <a:r>
-              <a:rPr lang="en-US" baseline="0" dirty="0" err="1" smtClean="0"/>
-              <a:t>sao</a:t>
-            </a:r>
-            <a:r>
-              <a:rPr lang="en-US" baseline="0" dirty="0" smtClean="0"/>
-              <a:t> </a:t>
-            </a:r>
-            <a:r>
-              <a:rPr lang="en-US" baseline="0" dirty="0" err="1" smtClean="0"/>
-              <a:t>repetidas</a:t>
-            </a:r>
-            <a:r>
-              <a:rPr lang="en-US" baseline="0" dirty="0" smtClean="0"/>
-              <a:t> no loop</a:t>
-            </a:r>
-            <a:endParaRPr lang="en-US" dirty="0"/>
+            <a:pPr marL="228600" indent="-228600">
+              <a:buAutoNum type="arabicPeriod"/>
+            </a:pPr>
+            <a:r>
+              <a:rPr lang="en-US" baseline="0" dirty="0" err="1" smtClean="0"/>
+              <a:t>Já</a:t>
+            </a:r>
+            <a:r>
+              <a:rPr lang="en-US" baseline="0" dirty="0" smtClean="0"/>
+              <a:t> </a:t>
+            </a:r>
+            <a:r>
+              <a:rPr lang="en-US" baseline="0" dirty="0" err="1" smtClean="0"/>
+              <a:t>feito</a:t>
+            </a:r>
+            <a:endParaRPr lang="en-US" baseline="0" dirty="0" smtClean="0"/>
           </a:p>
         </p:txBody>
       </p:sp>
@@ -1733,7 +3056,7 @@
           <a:p>
             <a:fld id="{A9A0AF8B-7AB8-1E42-BD6E-C06D71D719CD}" type="slidenum">
               <a:rPr lang="en-US" smtClean="0"/>
-              <a:t>9</a:t>
+              <a:t>6</a:t>
             </a:fld>
             <a:endParaRPr lang="en-US"/>
           </a:p>
@@ -1742,7 +3065,7 @@
     </p:spTree>
     <p:extLst>
       <p:ext uri="{BB962C8B-B14F-4D97-AF65-F5344CB8AC3E}">
-        <p14:creationId xmlns:p14="http://schemas.microsoft.com/office/powerpoint/2010/main" val="2903330668"/>
+        <p14:creationId xmlns:p14="http://schemas.microsoft.com/office/powerpoint/2010/main" val="4143030063"/>
       </p:ext>
     </p:extLst>
   </p:cSld>
@@ -1796,13 +3119,106 @@
           <a:bodyPr/>
           <a:lstStyle/>
           <a:p>
+            <a:pPr marL="228600" indent="-228600">
+              <a:buAutoNum type="arabicPeriod"/>
+            </a:pPr>
+            <a:r>
+              <a:rPr lang="en-US" dirty="0" err="1" smtClean="0"/>
+              <a:t>Paralelizaç</a:t>
+            </a:r>
+            <a:r>
+              <a:rPr lang="en-US" dirty="0" err="1" smtClean="0"/>
+              <a:t>ão</a:t>
+            </a:r>
             <a:r>
               <a:rPr lang="en-US" dirty="0" smtClean="0"/>
-              <a:t>Parallelization: </a:t>
+              <a:t> das </a:t>
             </a:r>
             <a:r>
               <a:rPr lang="en-US" dirty="0" err="1" smtClean="0"/>
-              <a:t>Usar</a:t>
+              <a:t>tarefas</a:t>
+            </a:r>
+            <a:r>
+              <a:rPr lang="en-US" dirty="0" smtClean="0"/>
+              <a:t> </a:t>
+            </a:r>
+            <a:r>
+              <a:rPr lang="en-US" dirty="0" err="1" smtClean="0"/>
+              <a:t>usando</a:t>
+            </a:r>
+            <a:r>
+              <a:rPr lang="en-US" dirty="0" smtClean="0"/>
+              <a:t> </a:t>
+            </a:r>
+            <a:r>
+              <a:rPr lang="en-US" dirty="0" err="1" smtClean="0"/>
+              <a:t>ambientes</a:t>
+            </a:r>
+            <a:r>
+              <a:rPr lang="en-US" dirty="0" smtClean="0"/>
+              <a:t> </a:t>
+            </a:r>
+            <a:r>
+              <a:rPr lang="en-US" dirty="0" err="1" smtClean="0"/>
+              <a:t>heterogeneos</a:t>
+            </a:r>
+            <a:endParaRPr lang="en-US" dirty="0" smtClean="0"/>
+          </a:p>
+          <a:p>
+            <a:pPr marL="228600" indent="-228600">
+              <a:buAutoNum type="arabicPeriod"/>
+            </a:pPr>
+            <a:r>
+              <a:rPr lang="en-US" baseline="0" dirty="0" err="1" smtClean="0"/>
+              <a:t>Obter</a:t>
+            </a:r>
+            <a:r>
+              <a:rPr lang="en-US" baseline="0" dirty="0" smtClean="0"/>
+              <a:t> a </a:t>
+            </a:r>
+            <a:r>
+              <a:rPr lang="en-US" baseline="0" dirty="0" err="1" smtClean="0"/>
+              <a:t>implementação</a:t>
+            </a:r>
+            <a:r>
+              <a:rPr lang="en-US" baseline="0" dirty="0" smtClean="0"/>
+              <a:t> </a:t>
+            </a:r>
+            <a:r>
+              <a:rPr lang="en-US" baseline="0" dirty="0" err="1" smtClean="0"/>
+              <a:t>mais</a:t>
+            </a:r>
+            <a:r>
+              <a:rPr lang="en-US" baseline="0" dirty="0" smtClean="0"/>
+              <a:t> </a:t>
+            </a:r>
+            <a:r>
+              <a:rPr lang="en-US" baseline="0" dirty="0" err="1" smtClean="0"/>
+              <a:t>eficiente</a:t>
+            </a:r>
+            <a:r>
+              <a:rPr lang="en-US" baseline="0" dirty="0" smtClean="0"/>
+              <a:t> </a:t>
+            </a:r>
+            <a:r>
+              <a:rPr lang="en-US" baseline="0" dirty="0" err="1" smtClean="0"/>
+              <a:t>possível</a:t>
+            </a:r>
+            <a:r>
+              <a:rPr lang="en-US" baseline="0" dirty="0" smtClean="0"/>
+              <a:t> </a:t>
+            </a:r>
+            <a:r>
+              <a:rPr lang="en-US" baseline="0" dirty="0" err="1" smtClean="0"/>
+              <a:t>hibrida</a:t>
+            </a:r>
+            <a:r>
+              <a:rPr lang="en-US" baseline="0" dirty="0" smtClean="0"/>
+              <a:t> </a:t>
+            </a:r>
+            <a:r>
+              <a:rPr lang="en-US" baseline="0" dirty="0" err="1" smtClean="0"/>
+              <a:t>para</a:t>
             </a:r>
             <a:r>
               <a:rPr lang="en-US" baseline="0" dirty="0" smtClean="0"/>
@@ -1814,11 +3230,35 @@
             </a:r>
             <a:r>
               <a:rPr lang="en-US" baseline="0" dirty="0" smtClean="0"/>
-              <a:t> devices </a:t>
-            </a:r>
-            <a:r>
-              <a:rPr lang="en-US" baseline="0" dirty="0" err="1" smtClean="0"/>
-              <a:t>apresentados</a:t>
+              <a:t> </a:t>
+            </a:r>
+            <a:r>
+              <a:rPr lang="en-US" baseline="0" dirty="0" err="1" smtClean="0"/>
+              <a:t>diversos</a:t>
+            </a:r>
+            <a:r>
+              <a:rPr lang="en-US" baseline="0" dirty="0" smtClean="0"/>
+              <a:t> </a:t>
+            </a:r>
+            <a:r>
+              <a:rPr lang="en-US" baseline="0" dirty="0" err="1" smtClean="0"/>
+              <a:t>aceleradores</a:t>
+            </a:r>
+            <a:r>
+              <a:rPr lang="en-US" baseline="0" dirty="0" smtClean="0"/>
+              <a:t> </a:t>
+            </a:r>
+            <a:r>
+              <a:rPr lang="en-US" baseline="0" dirty="0" err="1" smtClean="0"/>
+              <a:t>usando</a:t>
+            </a:r>
+            <a:r>
+              <a:rPr lang="en-US" baseline="0" dirty="0" smtClean="0"/>
+              <a:t> </a:t>
+            </a:r>
+            <a:r>
+              <a:rPr lang="en-US" baseline="0" dirty="0" err="1" smtClean="0"/>
+              <a:t>openmp</a:t>
             </a:r>
             <a:r>
               <a:rPr lang="en-US" baseline="0" dirty="0" smtClean="0"/>
@@ -1826,7 +3266,17 @@
             </a:r>
             <a:r>
               <a:rPr lang="en-US" baseline="0" dirty="0" err="1" smtClean="0"/>
-              <a:t>comparar</a:t>
+              <a:t>cuda</a:t>
+            </a:r>
+            <a:endParaRPr lang="en-US" baseline="0" dirty="0" smtClean="0"/>
+          </a:p>
+          <a:p>
+            <a:pPr marL="228600" indent="-228600">
+              <a:buAutoNum type="arabicPeriod"/>
+            </a:pPr>
+            <a:r>
+              <a:rPr lang="en-US" baseline="0" dirty="0" err="1" smtClean="0"/>
+              <a:t>Comparar</a:t>
             </a:r>
             <a:r>
               <a:rPr lang="en-US" baseline="0" dirty="0" smtClean="0"/>
@@ -1842,9 +3292,52 @@
             </a:r>
           </a:p>
           <a:p>
-            <a:r>
-              <a:rPr lang="en-US" baseline="0" dirty="0" err="1" smtClean="0"/>
-              <a:t>Avaliar</a:t>
+            <a:pPr marL="228600" indent="-228600">
+              <a:buAutoNum type="arabicPeriod"/>
+            </a:pPr>
+            <a:r>
+              <a:rPr lang="en-US" baseline="0" dirty="0" err="1" smtClean="0"/>
+              <a:t>Implementações</a:t>
+            </a:r>
+            <a:r>
+              <a:rPr lang="en-US" baseline="0" dirty="0" smtClean="0"/>
+              <a:t> </a:t>
+            </a:r>
+            <a:r>
+              <a:rPr lang="en-US" baseline="0" dirty="0" err="1" smtClean="0"/>
+              <a:t>usando</a:t>
+            </a:r>
+            <a:r>
+              <a:rPr lang="en-US" baseline="0" dirty="0" smtClean="0"/>
+              <a:t> as frameworks </a:t>
+            </a:r>
+            <a:r>
+              <a:rPr lang="en-US" baseline="0" dirty="0" err="1" smtClean="0"/>
+              <a:t>openacc</a:t>
+            </a:r>
+            <a:r>
+              <a:rPr lang="en-US" baseline="0" dirty="0" smtClean="0"/>
+              <a:t> e </a:t>
+            </a:r>
+            <a:r>
+              <a:rPr lang="en-US" baseline="0" dirty="0" err="1" smtClean="0"/>
+              <a:t>gama</a:t>
+            </a:r>
+            <a:r>
+              <a:rPr lang="en-US" baseline="0" dirty="0" smtClean="0"/>
+              <a:t> </a:t>
+            </a:r>
+            <a:r>
+              <a:rPr lang="en-US" baseline="0" dirty="0" err="1" smtClean="0"/>
+              <a:t>para</a:t>
+            </a:r>
+            <a:r>
+              <a:rPr lang="en-US" baseline="0" dirty="0" smtClean="0"/>
+              <a:t> </a:t>
+            </a:r>
+            <a:r>
+              <a:rPr lang="en-US" baseline="0" dirty="0" err="1" smtClean="0"/>
+              <a:t>avaliar</a:t>
             </a:r>
             <a:r>
               <a:rPr lang="en-US" baseline="0" dirty="0" smtClean="0"/>
@@ -1852,20 +3345,21 @@
             </a:r>
             <a:r>
               <a:rPr lang="en-US" baseline="0" dirty="0" err="1" smtClean="0"/>
+              <a:t>sua</a:t>
+            </a:r>
+            <a:r>
+              <a:rPr lang="en-US" baseline="0" dirty="0" smtClean="0"/>
+              <a:t> </a:t>
+            </a:r>
+            <a:r>
+              <a:rPr lang="en-US" baseline="0" dirty="0" err="1" smtClean="0"/>
               <a:t>usabilidade</a:t>
             </a:r>
             <a:r>
               <a:rPr lang="en-US" baseline="0" dirty="0" smtClean="0"/>
-              <a:t> e performance do </a:t>
-            </a:r>
-            <a:r>
-              <a:rPr lang="en-US" baseline="0" dirty="0" err="1" smtClean="0"/>
-              <a:t>OpenACC</a:t>
-            </a:r>
-            <a:r>
-              <a:rPr lang="en-US" baseline="0" dirty="0" smtClean="0"/>
-              <a:t> e GAMA</a:t>
-            </a:r>
+              <a:t> e performance</a:t>
+            </a:r>
+            <a:endParaRPr lang="en-US" baseline="0" dirty="0" smtClean="0"/>
           </a:p>
         </p:txBody>
       </p:sp>
@@ -1886,7 +3380,7 @@
           <a:p>
             <a:fld id="{A9A0AF8B-7AB8-1E42-BD6E-C06D71D719CD}" type="slidenum">
               <a:rPr lang="en-US" smtClean="0"/>
-              <a:t>11</a:t>
+              <a:t>7</a:t>
             </a:fld>
             <a:endParaRPr lang="en-US"/>
           </a:p>
@@ -1949,7 +3443,65 @@
           <a:bodyPr/>
           <a:lstStyle/>
           <a:p>
-            <a:endParaRPr lang="en-US"/>
+            <a:pPr marL="228600" indent="-228600">
+              <a:buAutoNum type="arabicPeriod"/>
+            </a:pPr>
+            <a:r>
+              <a:rPr lang="en-US" dirty="0" err="1" smtClean="0"/>
+              <a:t>Arquitecturas</a:t>
+            </a:r>
+            <a:r>
+              <a:rPr lang="en-US" dirty="0" smtClean="0"/>
+              <a:t> e </a:t>
+            </a:r>
+            <a:r>
+              <a:rPr lang="en-US" dirty="0" err="1" smtClean="0"/>
+              <a:t>hierarquias</a:t>
+            </a:r>
+            <a:r>
+              <a:rPr lang="en-US" dirty="0" smtClean="0"/>
+              <a:t> de </a:t>
+            </a:r>
+            <a:r>
+              <a:rPr lang="en-US" dirty="0" err="1" smtClean="0"/>
+              <a:t>memória</a:t>
+            </a:r>
+            <a:r>
+              <a:rPr lang="en-US" dirty="0" smtClean="0"/>
+              <a:t> </a:t>
+            </a:r>
+            <a:r>
+              <a:rPr lang="en-US" dirty="0" err="1" smtClean="0"/>
+              <a:t>diferentes</a:t>
+            </a:r>
+            <a:r>
+              <a:rPr lang="en-US" baseline="0" dirty="0" smtClean="0"/>
+              <a:t> entre CPUs e </a:t>
+            </a:r>
+            <a:r>
+              <a:rPr lang="en-US" baseline="0" dirty="0" err="1" smtClean="0"/>
+              <a:t>aceleradores</a:t>
+            </a:r>
+            <a:r>
+              <a:rPr lang="en-US" baseline="0" dirty="0" smtClean="0"/>
+              <a:t> </a:t>
+            </a:r>
+            <a:r>
+              <a:rPr lang="en-US" baseline="0" dirty="0" err="1" smtClean="0"/>
+              <a:t>baseados</a:t>
+            </a:r>
+            <a:r>
+              <a:rPr lang="en-US" baseline="0" dirty="0" smtClean="0"/>
+              <a:t> no </a:t>
+            </a:r>
+            <a:r>
+              <a:rPr lang="en-US" baseline="0" dirty="0" err="1" smtClean="0"/>
+              <a:t>modelo</a:t>
+            </a:r>
+            <a:r>
+              <a:rPr lang="en-US" baseline="0" dirty="0" smtClean="0"/>
+              <a:t> SIMD</a:t>
+            </a:r>
           </a:p>
         </p:txBody>
       </p:sp>
@@ -1970,7 +3522,7 @@
           <a:p>
             <a:fld id="{A9A0AF8B-7AB8-1E42-BD6E-C06D71D719CD}" type="slidenum">
               <a:rPr lang="en-US" smtClean="0"/>
-              <a:t>12</a:t>
+              <a:t>8</a:t>
             </a:fld>
             <a:endParaRPr lang="en-US"/>
           </a:p>
@@ -1979,7 +3531,404 @@
     </p:spTree>
     <p:extLst>
       <p:ext uri="{BB962C8B-B14F-4D97-AF65-F5344CB8AC3E}">
-        <p14:creationId xmlns:p14="http://schemas.microsoft.com/office/powerpoint/2010/main" val="546440609"/>
+        <p14:creationId xmlns:p14="http://schemas.microsoft.com/office/powerpoint/2010/main" val="96697361"/>
+      </p:ext>
+    </p:extLst>
+  </p:cSld>
+  <p:clrMapOvr>
+    <a:masterClrMapping/>
+  </p:clrMapOvr>
+</p:notes>
+</file>
+
+<file path=ppt/notesSlides/notesSlide8.xml><?xml version="1.0" encoding="utf-8"?>
+<p:notes xmlns:a="http://schemas.openxmlformats.org/drawingml/2006/main" xmlns:r="http://schemas.openxmlformats.org/officeDocument/2006/relationships" xmlns:p="http://schemas.openxmlformats.org/presentationml/2006/main">
+  <p:cSld>
+    <p:spTree>
+      <p:nvGrpSpPr>
+        <p:cNvPr id="1" name=""/>
+        <p:cNvGrpSpPr/>
+        <p:nvPr/>
+      </p:nvGrpSpPr>
+      <p:grpSpPr>
+        <a:xfrm>
+          <a:off x="0" y="0"/>
+          <a:ext cx="0" cy="0"/>
+          <a:chOff x="0" y="0"/>
+          <a:chExt cx="0" cy="0"/>
+        </a:xfrm>
+      </p:grpSpPr>
+      <p:sp>
+        <p:nvSpPr>
+          <p:cNvPr id="2" name="Slide Image Placeholder 1"/>
+          <p:cNvSpPr>
+            <a:spLocks noGrp="1" noRot="1" noChangeAspect="1"/>
+          </p:cNvSpPr>
+          <p:nvPr>
+            <p:ph type="sldImg"/>
+          </p:nvPr>
+        </p:nvSpPr>
+        <p:spPr/>
+      </p:sp>
+      <p:sp>
+        <p:nvSpPr>
+          <p:cNvPr id="3" name="Notes Placeholder 2"/>
+          <p:cNvSpPr>
+            <a:spLocks noGrp="1"/>
+          </p:cNvSpPr>
+          <p:nvPr>
+            <p:ph type="body" idx="1"/>
+          </p:nvPr>
+        </p:nvSpPr>
+        <p:spPr/>
+        <p:txBody>
+          <a:bodyPr/>
+          <a:lstStyle/>
+          <a:p>
+            <a:pPr marL="228600" indent="-228600">
+              <a:buAutoNum type="arabicPeriod"/>
+            </a:pPr>
+            <a:r>
+              <a:rPr lang="en-US" dirty="0" err="1" smtClean="0"/>
+              <a:t>Arquitecturas</a:t>
+            </a:r>
+            <a:r>
+              <a:rPr lang="en-US" dirty="0" smtClean="0"/>
+              <a:t> e </a:t>
+            </a:r>
+            <a:r>
+              <a:rPr lang="en-US" dirty="0" err="1" smtClean="0"/>
+              <a:t>hierarquias</a:t>
+            </a:r>
+            <a:r>
+              <a:rPr lang="en-US" dirty="0" smtClean="0"/>
+              <a:t> de </a:t>
+            </a:r>
+            <a:r>
+              <a:rPr lang="en-US" dirty="0" err="1" smtClean="0"/>
+              <a:t>memória</a:t>
+            </a:r>
+            <a:r>
+              <a:rPr lang="en-US" dirty="0" smtClean="0"/>
+              <a:t> </a:t>
+            </a:r>
+            <a:r>
+              <a:rPr lang="en-US" dirty="0" err="1" smtClean="0"/>
+              <a:t>diferentes</a:t>
+            </a:r>
+            <a:r>
+              <a:rPr lang="en-US" baseline="0" dirty="0" smtClean="0"/>
+              <a:t> entre </a:t>
+            </a:r>
+            <a:r>
+              <a:rPr lang="en-US" baseline="0" dirty="0" smtClean="0"/>
+              <a:t>multicore CPUs </a:t>
+            </a:r>
+            <a:r>
+              <a:rPr lang="en-US" baseline="0" dirty="0" smtClean="0"/>
+              <a:t>e </a:t>
+            </a:r>
+            <a:r>
+              <a:rPr lang="en-US" baseline="0" dirty="0" err="1" smtClean="0"/>
+              <a:t>aceleradores</a:t>
+            </a:r>
+            <a:endParaRPr lang="en-US" baseline="0" dirty="0" smtClean="0"/>
+          </a:p>
+          <a:p>
+            <a:pPr marL="228600" indent="-228600">
+              <a:buAutoNum type="arabicPeriod"/>
+            </a:pPr>
+            <a:r>
+              <a:rPr lang="en-US" baseline="0" dirty="0" err="1" smtClean="0"/>
+              <a:t>modelo</a:t>
+            </a:r>
+            <a:r>
+              <a:rPr lang="en-US" baseline="0" dirty="0" smtClean="0"/>
+              <a:t> SIMD</a:t>
+            </a:r>
+          </a:p>
+          <a:p>
+            <a:pPr marL="228600" indent="-228600">
+              <a:buAutoNum type="arabicPeriod"/>
+            </a:pPr>
+            <a:r>
+              <a:rPr lang="en-US" baseline="0" dirty="0" err="1" smtClean="0"/>
+              <a:t>Balanceamento</a:t>
+            </a:r>
+            <a:r>
+              <a:rPr lang="en-US" baseline="0" dirty="0" smtClean="0"/>
+              <a:t> </a:t>
+            </a:r>
+            <a:r>
+              <a:rPr lang="en-US" baseline="0" dirty="0" smtClean="0"/>
+              <a:t>da </a:t>
+            </a:r>
+            <a:r>
+              <a:rPr lang="en-US" baseline="0" dirty="0" err="1" smtClean="0"/>
+              <a:t>quantidade</a:t>
+            </a:r>
+            <a:r>
+              <a:rPr lang="en-US" baseline="0" dirty="0" smtClean="0"/>
+              <a:t> de dados e </a:t>
+            </a:r>
+            <a:r>
+              <a:rPr lang="en-US" baseline="0" dirty="0" err="1" smtClean="0"/>
+              <a:t>duração</a:t>
+            </a:r>
+            <a:r>
+              <a:rPr lang="en-US" baseline="0" dirty="0" smtClean="0"/>
+              <a:t> das </a:t>
+            </a:r>
+            <a:r>
+              <a:rPr lang="en-US" baseline="0" dirty="0" err="1" smtClean="0"/>
+              <a:t>tarefas</a:t>
+            </a:r>
+            <a:r>
+              <a:rPr lang="en-US" baseline="0" dirty="0" smtClean="0"/>
+              <a:t> a </a:t>
+            </a:r>
+            <a:r>
+              <a:rPr lang="en-US" baseline="0" dirty="0" err="1" smtClean="0"/>
+              <a:t>processar</a:t>
+            </a:r>
+            <a:r>
+              <a:rPr lang="en-US" baseline="0" dirty="0" smtClean="0"/>
+              <a:t>, </a:t>
+            </a:r>
+            <a:r>
+              <a:rPr lang="en-US" baseline="0" dirty="0" err="1" smtClean="0"/>
+              <a:t>além</a:t>
+            </a:r>
+            <a:r>
+              <a:rPr lang="en-US" baseline="0" dirty="0" smtClean="0"/>
+              <a:t> de entre cores do CPU e entre cores </a:t>
+            </a:r>
+            <a:r>
+              <a:rPr lang="en-US" baseline="0" dirty="0" err="1" smtClean="0"/>
+              <a:t>aceleradores</a:t>
+            </a:r>
+            <a:r>
+              <a:rPr lang="en-US" baseline="0" dirty="0" smtClean="0"/>
+              <a:t> + entre CPU e </a:t>
+            </a:r>
+            <a:r>
+              <a:rPr lang="en-US" baseline="0" dirty="0" err="1" smtClean="0"/>
+              <a:t>acelerador</a:t>
+            </a:r>
+            <a:endParaRPr lang="en-US" baseline="0" dirty="0" smtClean="0"/>
+          </a:p>
+        </p:txBody>
+      </p:sp>
+      <p:sp>
+        <p:nvSpPr>
+          <p:cNvPr id="4" name="Slide Number Placeholder 3"/>
+          <p:cNvSpPr>
+            <a:spLocks noGrp="1"/>
+          </p:cNvSpPr>
+          <p:nvPr>
+            <p:ph type="sldNum" sz="quarter" idx="10"/>
+          </p:nvPr>
+        </p:nvSpPr>
+        <p:spPr/>
+        <p:txBody>
+          <a:bodyPr/>
+          <a:lstStyle/>
+          <a:p>
+            <a:fld id="{A9A0AF8B-7AB8-1E42-BD6E-C06D71D719CD}" type="slidenum">
+              <a:rPr lang="en-US" smtClean="0"/>
+              <a:t>9</a:t>
+            </a:fld>
+            <a:endParaRPr lang="en-US"/>
+          </a:p>
+        </p:txBody>
+      </p:sp>
+    </p:spTree>
+    <p:extLst>
+      <p:ext uri="{BB962C8B-B14F-4D97-AF65-F5344CB8AC3E}">
+        <p14:creationId xmlns:p14="http://schemas.microsoft.com/office/powerpoint/2010/main" val="96697361"/>
+      </p:ext>
+    </p:extLst>
+  </p:cSld>
+  <p:clrMapOvr>
+    <a:masterClrMapping/>
+  </p:clrMapOvr>
+</p:notes>
+</file>
+
+<file path=ppt/notesSlides/notesSlide9.xml><?xml version="1.0" encoding="utf-8"?>
+<p:notes xmlns:a="http://schemas.openxmlformats.org/drawingml/2006/main" xmlns:r="http://schemas.openxmlformats.org/officeDocument/2006/relationships" xmlns:p="http://schemas.openxmlformats.org/presentationml/2006/main">
+  <p:cSld>
+    <p:spTree>
+      <p:nvGrpSpPr>
+        <p:cNvPr id="1" name=""/>
+        <p:cNvGrpSpPr/>
+        <p:nvPr/>
+      </p:nvGrpSpPr>
+      <p:grpSpPr>
+        <a:xfrm>
+          <a:off x="0" y="0"/>
+          <a:ext cx="0" cy="0"/>
+          <a:chOff x="0" y="0"/>
+          <a:chExt cx="0" cy="0"/>
+        </a:xfrm>
+      </p:grpSpPr>
+      <p:sp>
+        <p:nvSpPr>
+          <p:cNvPr id="2" name="Slide Image Placeholder 1"/>
+          <p:cNvSpPr>
+            <a:spLocks noGrp="1" noRot="1" noChangeAspect="1"/>
+          </p:cNvSpPr>
+          <p:nvPr>
+            <p:ph type="sldImg"/>
+          </p:nvPr>
+        </p:nvSpPr>
+        <p:spPr/>
+      </p:sp>
+      <p:sp>
+        <p:nvSpPr>
+          <p:cNvPr id="3" name="Notes Placeholder 2"/>
+          <p:cNvSpPr>
+            <a:spLocks noGrp="1"/>
+          </p:cNvSpPr>
+          <p:nvPr>
+            <p:ph type="body" idx="1"/>
+          </p:nvPr>
+        </p:nvSpPr>
+        <p:spPr/>
+        <p:txBody>
+          <a:bodyPr/>
+          <a:lstStyle/>
+          <a:p>
+            <a:pPr marL="228600" indent="-228600">
+              <a:buAutoNum type="arabicPeriod"/>
+            </a:pPr>
+            <a:r>
+              <a:rPr lang="en-US" baseline="0" dirty="0" smtClean="0"/>
+              <a:t>Debugging </a:t>
+            </a:r>
+            <a:r>
+              <a:rPr lang="en-US" baseline="0" dirty="0" err="1" smtClean="0"/>
+              <a:t>complexo</a:t>
+            </a:r>
+            <a:r>
+              <a:rPr lang="en-US" baseline="0" dirty="0" smtClean="0"/>
+              <a:t> e </a:t>
+            </a:r>
+            <a:r>
+              <a:rPr lang="en-US" baseline="0" dirty="0" err="1" smtClean="0"/>
+              <a:t>limitado</a:t>
+            </a:r>
+            <a:r>
+              <a:rPr lang="en-US" baseline="0" dirty="0" smtClean="0"/>
+              <a:t> </a:t>
+            </a:r>
+            <a:r>
+              <a:rPr lang="en-US" baseline="0" dirty="0" err="1" smtClean="0"/>
+              <a:t>quando</a:t>
+            </a:r>
+            <a:r>
+              <a:rPr lang="en-US" baseline="0" dirty="0" smtClean="0"/>
+              <a:t> se </a:t>
+            </a:r>
+            <a:r>
+              <a:rPr lang="en-US" baseline="0" dirty="0" err="1" smtClean="0"/>
+              <a:t>usa</a:t>
+            </a:r>
+            <a:r>
+              <a:rPr lang="en-US" baseline="0" dirty="0" smtClean="0"/>
+              <a:t> </a:t>
+            </a:r>
+            <a:r>
+              <a:rPr lang="en-US" baseline="0" dirty="0" err="1" smtClean="0"/>
+              <a:t>vários</a:t>
+            </a:r>
+            <a:r>
+              <a:rPr lang="en-US" baseline="0" dirty="0" smtClean="0"/>
+              <a:t> cores e </a:t>
+            </a:r>
+            <a:r>
+              <a:rPr lang="en-US" baseline="0" dirty="0" err="1" smtClean="0"/>
+              <a:t>não</a:t>
+            </a:r>
+            <a:r>
+              <a:rPr lang="en-US" baseline="0" dirty="0" smtClean="0"/>
+              <a:t> </a:t>
+            </a:r>
+            <a:r>
+              <a:rPr lang="en-US" baseline="0" dirty="0" err="1" smtClean="0"/>
+              <a:t>existem</a:t>
+            </a:r>
+            <a:r>
+              <a:rPr lang="en-US" baseline="0" dirty="0" smtClean="0"/>
+              <a:t> </a:t>
+            </a:r>
+            <a:r>
+              <a:rPr lang="en-US" baseline="0" dirty="0" err="1" smtClean="0"/>
+              <a:t>ferramentas</a:t>
+            </a:r>
+            <a:r>
+              <a:rPr lang="en-US" baseline="0" dirty="0" smtClean="0"/>
+              <a:t> </a:t>
+            </a:r>
+            <a:r>
+              <a:rPr lang="en-US" baseline="0" dirty="0" err="1" smtClean="0"/>
+              <a:t>úteis</a:t>
+            </a:r>
+            <a:r>
+              <a:rPr lang="en-US" baseline="0" dirty="0" smtClean="0"/>
+              <a:t> </a:t>
+            </a:r>
+            <a:r>
+              <a:rPr lang="en-US" baseline="0" dirty="0" err="1" smtClean="0"/>
+              <a:t>para</a:t>
+            </a:r>
+            <a:r>
+              <a:rPr lang="en-US" baseline="0" dirty="0" smtClean="0"/>
+              <a:t> </a:t>
+            </a:r>
+            <a:r>
+              <a:rPr lang="en-US" baseline="0" dirty="0" err="1" smtClean="0"/>
+              <a:t>auxiliar</a:t>
+            </a:r>
+            <a:r>
+              <a:rPr lang="en-US" baseline="0" dirty="0" smtClean="0"/>
+              <a:t> o </a:t>
+            </a:r>
+            <a:r>
+              <a:rPr lang="en-US" baseline="0" dirty="0" err="1" smtClean="0"/>
+              <a:t>processo</a:t>
+            </a:r>
+            <a:endParaRPr lang="en-US" baseline="0" dirty="0" smtClean="0"/>
+          </a:p>
+        </p:txBody>
+      </p:sp>
+      <p:sp>
+        <p:nvSpPr>
+          <p:cNvPr id="4" name="Slide Number Placeholder 3"/>
+          <p:cNvSpPr>
+            <a:spLocks noGrp="1"/>
+          </p:cNvSpPr>
+          <p:nvPr>
+            <p:ph type="sldNum" sz="quarter" idx="10"/>
+          </p:nvPr>
+        </p:nvSpPr>
+        <p:spPr/>
+        <p:txBody>
+          <a:bodyPr/>
+          <a:lstStyle/>
+          <a:p>
+            <a:fld id="{A9A0AF8B-7AB8-1E42-BD6E-C06D71D719CD}" type="slidenum">
+              <a:rPr lang="en-US" smtClean="0"/>
+              <a:t>10</a:t>
+            </a:fld>
+            <a:endParaRPr lang="en-US"/>
+          </a:p>
+        </p:txBody>
+      </p:sp>
+    </p:spTree>
+    <p:extLst>
+      <p:ext uri="{BB962C8B-B14F-4D97-AF65-F5344CB8AC3E}">
+        <p14:creationId xmlns:p14="http://schemas.microsoft.com/office/powerpoint/2010/main" val="96697361"/>
       </p:ext>
     </p:extLst>
   </p:cSld>
@@ -2280,7 +4229,7 @@
           <a:p>
             <a:fld id="{698A196A-D1E5-4340-8BE3-B866CF21B8F2}" type="datetime1">
               <a:rPr lang="pt-PT" smtClean="0"/>
-              <a:t>12/02/13</a:t>
+              <a:t>18/02/13</a:t>
             </a:fld>
             <a:endParaRPr lang="en-US"/>
           </a:p>
@@ -2471,7 +4420,7 @@
           <a:p>
             <a:fld id="{EA06EC9D-7BE1-BB4B-8BF2-9C3028D32265}" type="datetime1">
               <a:rPr lang="pt-PT" smtClean="0"/>
-              <a:t>12/02/13</a:t>
+              <a:t>18/02/13</a:t>
             </a:fld>
             <a:endParaRPr lang="en-US"/>
           </a:p>
@@ -2656,7 +4605,7 @@
           <a:p>
             <a:fld id="{F547368A-8DB1-584C-98BB-A837081FF51B}" type="datetime1">
               <a:rPr lang="pt-PT" smtClean="0"/>
-              <a:t>12/02/13</a:t>
+              <a:t>18/02/13</a:t>
             </a:fld>
             <a:endParaRPr lang="en-US"/>
           </a:p>
@@ -2919,7 +4868,7 @@
           <a:p>
             <a:fld id="{6C93BBA0-4CEB-6543-A2C5-55B6B9ACDD71}" type="datetime1">
               <a:rPr lang="pt-PT" smtClean="0"/>
-              <a:t>12/02/13</a:t>
+              <a:t>18/02/13</a:t>
             </a:fld>
             <a:endParaRPr lang="en-US"/>
           </a:p>
@@ -3335,7 +5284,7 @@
           <a:p>
             <a:fld id="{AB436747-84A9-2541-AEEB-6D0EB5BA80A6}" type="datetime1">
               <a:rPr lang="pt-PT" smtClean="0"/>
-              <a:t>12/02/13</a:t>
+              <a:t>18/02/13</a:t>
             </a:fld>
             <a:endParaRPr lang="en-US"/>
           </a:p>
@@ -3577,7 +5526,7 @@
           <a:p>
             <a:fld id="{94C05F9E-3D3E-4D4C-B397-C26386612109}" type="datetime1">
               <a:rPr lang="pt-PT" smtClean="0"/>
-              <a:t>12/02/13</a:t>
+              <a:t>18/02/13</a:t>
             </a:fld>
             <a:endParaRPr lang="en-US"/>
           </a:p>
@@ -3813,7 +5762,7 @@
           <a:p>
             <a:fld id="{8C61650D-5624-F240-8414-01FAD79630CE}" type="datetime1">
               <a:rPr lang="pt-PT" smtClean="0"/>
-              <a:t>12/02/13</a:t>
+              <a:t>18/02/13</a:t>
             </a:fld>
             <a:endParaRPr lang="en-US"/>
           </a:p>
@@ -4008,7 +5957,7 @@
           <a:p>
             <a:fld id="{1C769D5D-B1BE-734E-9F7A-7C11301FE3ED}" type="datetime1">
               <a:rPr lang="pt-PT" smtClean="0"/>
-              <a:t>12/02/13</a:t>
+              <a:t>18/02/13</a:t>
             </a:fld>
             <a:endParaRPr lang="en-US"/>
           </a:p>
@@ -4106,7 +6055,7 @@
           <a:p>
             <a:fld id="{2C9B0DCB-9A71-4641-9D2C-CD31FD221208}" type="datetime1">
               <a:rPr lang="pt-PT" smtClean="0"/>
-              <a:t>12/02/13</a:t>
+              <a:t>18/02/13</a:t>
             </a:fld>
             <a:endParaRPr lang="en-US"/>
           </a:p>
@@ -4242,7 +6191,7 @@
           <a:p>
             <a:fld id="{DA74B8EE-6C65-2D4E-A8C6-BB77A48159F6}" type="datetime1">
               <a:rPr lang="pt-PT" smtClean="0"/>
-              <a:t>12/02/13</a:t>
+              <a:t>18/02/13</a:t>
             </a:fld>
             <a:endParaRPr lang="en-US"/>
           </a:p>
@@ -4760,7 +6709,7 @@
           <a:p>
             <a:fld id="{CFB562F7-F8CF-2447-8ED7-A1B5C21E542A}" type="datetime1">
               <a:rPr lang="pt-PT" smtClean="0"/>
-              <a:t>12/02/13</a:t>
+              <a:t>18/02/13</a:t>
             </a:fld>
             <a:endParaRPr lang="en-US"/>
           </a:p>
@@ -5021,7 +6970,7 @@
           <a:p>
             <a:fld id="{19F4885C-3C53-1047-BC44-878C9835E565}" type="datetime1">
               <a:rPr lang="pt-PT" smtClean="0"/>
-              <a:t>12/02/13</a:t>
+              <a:t>18/02/13</a:t>
             </a:fld>
             <a:endParaRPr lang="en-US"/>
           </a:p>
@@ -5593,15 +7542,6 @@
               </a:rPr>
               <a:t>Efficient processing of ATLAS events analysis in platforms with accelerator devices </a:t>
             </a:r>
-            <a:endParaRPr lang="en-US" sz="3600" dirty="0">
-              <a:effectLst>
-                <a:outerShdw blurRad="50800" dist="38100" dir="2700000" algn="tl" rotWithShape="0">
-                  <a:prstClr val="black">
-                    <a:alpha val="40000"/>
-                  </a:prstClr>
-                </a:outerShdw>
-              </a:effectLst>
-            </a:endParaRPr>
           </a:p>
         </p:txBody>
       </p:sp>
@@ -5630,13 +7570,8 @@
             <a:pPr algn="r"/>
             <a:r>
               <a:rPr lang="en-US" dirty="0" smtClean="0"/>
-              <a:t>Andr</a:t>
-            </a:r>
-            <a:r>
-              <a:rPr lang="en-US" dirty="0" smtClean="0"/>
-              <a:t>é Pereira</a:t>
-            </a:r>
-            <a:endParaRPr lang="en-US" dirty="0" smtClean="0"/>
+              <a:t>André Pereira</a:t>
+            </a:r>
           </a:p>
           <a:p>
             <a:pPr algn="r"/>
@@ -5661,11 +7596,7 @@
             </a:r>
             <a:r>
               <a:rPr lang="en-US" dirty="0" err="1" smtClean="0"/>
-              <a:t>Ant</a:t>
-            </a:r>
-            <a:r>
-              <a:rPr lang="en-US" dirty="0" err="1" smtClean="0"/>
-              <a:t>ónio</a:t>
+              <a:t>António</a:t>
             </a:r>
             <a:r>
               <a:rPr lang="en-US" dirty="0" smtClean="0"/>
@@ -5729,6 +7660,96 @@
           </a:fontRef>
         </p:style>
       </p:cxnSp>
+      <p:pic>
+        <p:nvPicPr>
+          <p:cNvPr id="4" name="Picture 3" descr="UM-Eng.png"/>
+          <p:cNvPicPr>
+            <a:picLocks noChangeAspect="1"/>
+          </p:cNvPicPr>
+          <p:nvPr/>
+        </p:nvPicPr>
+        <p:blipFill>
+          <a:blip r:embed="rId3">
+            <a:extLst>
+              <a:ext uri="{28A0092B-C50C-407E-A947-70E740481C1C}">
+                <a14:useLocalDpi xmlns:a14="http://schemas.microsoft.com/office/drawing/2010/main" val="0"/>
+              </a:ext>
+            </a:extLst>
+          </a:blip>
+          <a:stretch>
+            <a:fillRect/>
+          </a:stretch>
+        </p:blipFill>
+        <p:spPr>
+          <a:xfrm>
+            <a:off x="249898" y="243306"/>
+            <a:ext cx="1782926" cy="889346"/>
+          </a:xfrm>
+          <a:prstGeom prst="rect">
+            <a:avLst/>
+          </a:prstGeom>
+        </p:spPr>
+      </p:pic>
+      <p:sp>
+        <p:nvSpPr>
+          <p:cNvPr id="5" name="TextBox 4"/>
+          <p:cNvSpPr txBox="1"/>
+          <p:nvPr/>
+        </p:nvSpPr>
+        <p:spPr>
+          <a:xfrm>
+            <a:off x="2032824" y="261194"/>
+            <a:ext cx="2844899" cy="707886"/>
+          </a:xfrm>
+          <a:prstGeom prst="rect">
+            <a:avLst/>
+          </a:prstGeom>
+          <a:noFill/>
+        </p:spPr>
+        <p:txBody>
+          <a:bodyPr wrap="none" rtlCol="0">
+            <a:spAutoFit/>
+          </a:bodyPr>
+          <a:lstStyle/>
+          <a:p>
+            <a:r>
+              <a:rPr lang="en-US" sz="2000" dirty="0" smtClean="0">
+                <a:effectLst>
+                  <a:outerShdw blurRad="50800" dist="38100" dir="2700000" algn="tl" rotWithShape="0">
+                    <a:prstClr val="black">
+                      <a:alpha val="40000"/>
+                    </a:prstClr>
+                  </a:outerShdw>
+                </a:effectLst>
+              </a:rPr>
+              <a:t>University of Minho</a:t>
+            </a:r>
+          </a:p>
+          <a:p>
+            <a:r>
+              <a:rPr lang="en-US" sz="2000" dirty="0" smtClean="0">
+                <a:effectLst>
+                  <a:outerShdw blurRad="50800" dist="38100" dir="2700000" algn="tl" rotWithShape="0">
+                    <a:prstClr val="black">
+                      <a:alpha val="40000"/>
+                    </a:prstClr>
+                  </a:outerShdw>
+                </a:effectLst>
+              </a:rPr>
+              <a:t>Department of Informatics</a:t>
+            </a:r>
+            <a:endParaRPr lang="en-US" sz="2000" dirty="0">
+              <a:effectLst>
+                <a:outerShdw blurRad="50800" dist="38100" dir="2700000" algn="tl" rotWithShape="0">
+                  <a:prstClr val="black">
+                    <a:alpha val="40000"/>
+                  </a:prstClr>
+                </a:outerShdw>
+              </a:effectLst>
+            </a:endParaRPr>
+          </a:p>
+        </p:txBody>
+      </p:sp>
     </p:spTree>
     <p:extLst>
       <p:ext uri="{BB962C8B-B14F-4D97-AF65-F5344CB8AC3E}">
@@ -5783,51 +7804,929 @@
           <a:p>
             <a:r>
               <a:rPr lang="en-US" dirty="0" smtClean="0"/>
-              <a:t>Future Work</a:t>
+              <a:t>Heterogeneous Platforms</a:t>
             </a:r>
             <a:endParaRPr lang="en-US" dirty="0"/>
           </a:p>
         </p:txBody>
       </p:sp>
+      <p:sp>
+        <p:nvSpPr>
+          <p:cNvPr id="3" name="Footer Placeholder 2"/>
+          <p:cNvSpPr>
+            <a:spLocks noGrp="1"/>
+          </p:cNvSpPr>
+          <p:nvPr>
+            <p:ph type="ftr" sz="quarter" idx="11"/>
+          </p:nvPr>
+        </p:nvSpPr>
+        <p:spPr/>
+        <p:txBody>
+          <a:bodyPr/>
+          <a:lstStyle/>
+          <a:p>
+            <a:endParaRPr lang="en-US"/>
+          </a:p>
+        </p:txBody>
+      </p:sp>
+      <p:sp>
+        <p:nvSpPr>
+          <p:cNvPr id="4" name="Slide Number Placeholder 3"/>
+          <p:cNvSpPr>
+            <a:spLocks noGrp="1"/>
+          </p:cNvSpPr>
+          <p:nvPr>
+            <p:ph type="sldNum" sz="quarter" idx="12"/>
+          </p:nvPr>
+        </p:nvSpPr>
+        <p:spPr/>
+        <p:txBody>
+          <a:bodyPr>
+            <a:normAutofit fontScale="85000" lnSpcReduction="20000"/>
+          </a:bodyPr>
+          <a:lstStyle/>
+          <a:p>
+            <a:fld id="{9C1F5A0A-F6FC-4FFD-9B49-0DA8697211D9}" type="slidenum">
+              <a:rPr lang="en-US" smtClean="0"/>
+              <a:t>10</a:t>
+            </a:fld>
+            <a:endParaRPr lang="en-US"/>
+          </a:p>
+        </p:txBody>
+      </p:sp>
+      <p:sp>
+        <p:nvSpPr>
+          <p:cNvPr id="5" name="Content Placeholder 4"/>
+          <p:cNvSpPr>
+            <a:spLocks noGrp="1"/>
+          </p:cNvSpPr>
+          <p:nvPr>
+            <p:ph sz="quarter" idx="1"/>
+          </p:nvPr>
+        </p:nvSpPr>
+        <p:spPr>
+          <a:xfrm>
+            <a:off x="612648" y="1600200"/>
+            <a:ext cx="3626233" cy="4495800"/>
+          </a:xfrm>
+        </p:spPr>
+        <p:txBody>
+          <a:bodyPr>
+            <a:normAutofit/>
+          </a:bodyPr>
+          <a:lstStyle/>
+          <a:p>
+            <a:endParaRPr lang="en-US" sz="2800" dirty="0" smtClean="0"/>
+          </a:p>
+          <a:p>
+            <a:r>
+              <a:rPr lang="en-US" sz="2800" dirty="0" smtClean="0"/>
+              <a:t>Specific details</a:t>
+            </a:r>
+            <a:endParaRPr lang="en-US" sz="2800" dirty="0" smtClean="0"/>
+          </a:p>
+          <a:p>
+            <a:pPr lvl="1"/>
+            <a:r>
+              <a:rPr lang="en-US" sz="2400" dirty="0"/>
+              <a:t>Different </a:t>
+            </a:r>
+            <a:r>
+              <a:rPr lang="en-US" sz="2400" dirty="0" smtClean="0"/>
+              <a:t>architectures</a:t>
+            </a:r>
+          </a:p>
+          <a:p>
+            <a:pPr lvl="1"/>
+            <a:r>
+              <a:rPr lang="en-US" sz="2400" dirty="0" smtClean="0"/>
+              <a:t>Different programming models</a:t>
+            </a:r>
+          </a:p>
+          <a:p>
+            <a:pPr lvl="1"/>
+            <a:r>
+              <a:rPr lang="en-US" sz="2400" dirty="0" smtClean="0"/>
+              <a:t>Load balancing</a:t>
+            </a:r>
+          </a:p>
+          <a:p>
+            <a:pPr lvl="1"/>
+            <a:r>
+              <a:rPr lang="en-US" sz="2400" dirty="0" smtClean="0"/>
+              <a:t>Debugging</a:t>
+            </a:r>
+            <a:endParaRPr lang="en-US" sz="2400" dirty="0"/>
+          </a:p>
+        </p:txBody>
+      </p:sp>
+    </p:spTree>
+    <p:extLst>
+      <p:ext uri="{BB962C8B-B14F-4D97-AF65-F5344CB8AC3E}">
+        <p14:creationId xmlns:p14="http://schemas.microsoft.com/office/powerpoint/2010/main" val="2075040760"/>
+      </p:ext>
+    </p:extLst>
+  </p:cSld>
+  <p:clrMapOvr>
+    <a:masterClrMapping/>
+  </p:clrMapOvr>
+  <p:timing>
+    <p:tnLst>
+      <p:par>
+        <p:cTn xmlns:p14="http://schemas.microsoft.com/office/powerpoint/2010/main" id="1" dur="indefinite" restart="never" nodeType="tmRoot"/>
+      </p:par>
+    </p:tnLst>
+  </p:timing>
+</p:sld>
+</file>
+
+<file path=ppt/slides/slide11.xml><?xml version="1.0" encoding="utf-8"?>
+<p:sld xmlns:a="http://schemas.openxmlformats.org/drawingml/2006/main" xmlns:r="http://schemas.openxmlformats.org/officeDocument/2006/relationships" xmlns:p="http://schemas.openxmlformats.org/presentationml/2006/main">
+  <p:cSld>
+    <p:spTree>
+      <p:nvGrpSpPr>
+        <p:cNvPr id="1" name=""/>
+        <p:cNvGrpSpPr/>
+        <p:nvPr/>
+      </p:nvGrpSpPr>
+      <p:grpSpPr>
+        <a:xfrm>
+          <a:off x="0" y="0"/>
+          <a:ext cx="0" cy="0"/>
+          <a:chOff x="0" y="0"/>
+          <a:chExt cx="0" cy="0"/>
+        </a:xfrm>
+      </p:grpSpPr>
+      <p:sp>
+        <p:nvSpPr>
+          <p:cNvPr id="2" name="Title 1"/>
+          <p:cNvSpPr>
+            <a:spLocks noGrp="1"/>
+          </p:cNvSpPr>
+          <p:nvPr>
+            <p:ph type="title"/>
+          </p:nvPr>
+        </p:nvSpPr>
+        <p:spPr/>
+        <p:txBody>
+          <a:bodyPr/>
+          <a:lstStyle/>
+          <a:p>
+            <a:r>
+              <a:rPr lang="en-US" dirty="0" smtClean="0">
+                <a:solidFill>
+                  <a:srgbClr val="1F497D"/>
+                </a:solidFill>
+              </a:rPr>
+              <a:t>Accelerator Devices</a:t>
+            </a:r>
+            <a:endParaRPr lang="en-US" dirty="0">
+              <a:solidFill>
+                <a:srgbClr val="1F497D"/>
+              </a:solidFill>
+            </a:endParaRPr>
+          </a:p>
+        </p:txBody>
+      </p:sp>
+      <p:sp>
+        <p:nvSpPr>
+          <p:cNvPr id="4" name="Footer Placeholder 3"/>
+          <p:cNvSpPr>
+            <a:spLocks noGrp="1"/>
+          </p:cNvSpPr>
+          <p:nvPr>
+            <p:ph type="ftr" sz="quarter" idx="11"/>
+          </p:nvPr>
+        </p:nvSpPr>
+        <p:spPr/>
+        <p:txBody>
+          <a:bodyPr/>
+          <a:lstStyle/>
+          <a:p>
+            <a:endParaRPr lang="en-US"/>
+          </a:p>
+        </p:txBody>
+      </p:sp>
+      <p:sp>
+        <p:nvSpPr>
+          <p:cNvPr id="5" name="Slide Number Placeholder 4"/>
+          <p:cNvSpPr>
+            <a:spLocks noGrp="1"/>
+          </p:cNvSpPr>
+          <p:nvPr>
+            <p:ph type="sldNum" sz="quarter" idx="12"/>
+          </p:nvPr>
+        </p:nvSpPr>
+        <p:spPr/>
+        <p:txBody>
+          <a:bodyPr>
+            <a:normAutofit fontScale="85000" lnSpcReduction="20000"/>
+          </a:bodyPr>
+          <a:lstStyle/>
+          <a:p>
+            <a:fld id="{9C1F5A0A-F6FC-4FFD-9B49-0DA8697211D9}" type="slidenum">
+              <a:rPr lang="en-US" smtClean="0"/>
+              <a:t>11</a:t>
+            </a:fld>
+            <a:endParaRPr lang="en-US"/>
+          </a:p>
+        </p:txBody>
+      </p:sp>
+      <p:sp>
+        <p:nvSpPr>
+          <p:cNvPr id="3" name="Content Placeholder 2"/>
+          <p:cNvSpPr>
+            <a:spLocks noGrp="1"/>
+          </p:cNvSpPr>
+          <p:nvPr>
+            <p:ph sz="quarter" idx="1"/>
+          </p:nvPr>
+        </p:nvSpPr>
+        <p:spPr/>
+        <p:txBody>
+          <a:bodyPr>
+            <a:normAutofit/>
+          </a:bodyPr>
+          <a:lstStyle/>
+          <a:p>
+            <a:pPr marL="0" indent="0">
+              <a:buNone/>
+            </a:pPr>
+            <a:endParaRPr lang="en-US" sz="2800" dirty="0" smtClean="0"/>
+          </a:p>
+          <a:p>
+            <a:r>
+              <a:rPr lang="en-US" sz="2800" b="1" dirty="0" smtClean="0"/>
+              <a:t>G</a:t>
+            </a:r>
+            <a:r>
+              <a:rPr lang="en-US" sz="2800" dirty="0" smtClean="0"/>
+              <a:t>raphics </a:t>
+            </a:r>
+            <a:r>
+              <a:rPr lang="en-US" sz="2800" b="1" dirty="0" smtClean="0"/>
+              <a:t>P</a:t>
+            </a:r>
+            <a:r>
+              <a:rPr lang="en-US" sz="2800" dirty="0" smtClean="0"/>
+              <a:t>rocessing </a:t>
+            </a:r>
+            <a:r>
+              <a:rPr lang="en-US" sz="2800" b="1" dirty="0" smtClean="0"/>
+              <a:t>U</a:t>
+            </a:r>
+            <a:r>
+              <a:rPr lang="en-US" sz="2800" dirty="0" smtClean="0"/>
+              <a:t>nits architectures</a:t>
+            </a:r>
+          </a:p>
+          <a:p>
+            <a:pPr lvl="1"/>
+            <a:r>
+              <a:rPr lang="en-US" sz="2400" dirty="0" smtClean="0"/>
+              <a:t>NVidia Fermi</a:t>
+            </a:r>
+          </a:p>
+          <a:p>
+            <a:pPr lvl="1"/>
+            <a:r>
+              <a:rPr lang="en-US" sz="2400" dirty="0" smtClean="0"/>
+              <a:t>NVidia Kepler</a:t>
+            </a:r>
+          </a:p>
+          <a:p>
+            <a:r>
+              <a:rPr lang="en-US" sz="2800" dirty="0" smtClean="0"/>
+              <a:t>Intel </a:t>
+            </a:r>
+            <a:r>
+              <a:rPr lang="en-US" sz="2800" b="1" dirty="0" smtClean="0"/>
+              <a:t>M</a:t>
+            </a:r>
+            <a:r>
+              <a:rPr lang="en-US" sz="2800" dirty="0" smtClean="0"/>
+              <a:t>any </a:t>
+            </a:r>
+            <a:r>
+              <a:rPr lang="en-US" sz="2800" b="1" dirty="0" smtClean="0"/>
+              <a:t>I</a:t>
+            </a:r>
+            <a:r>
+              <a:rPr lang="en-US" sz="2800" dirty="0" smtClean="0"/>
+              <a:t>ntegrated </a:t>
+            </a:r>
+            <a:r>
+              <a:rPr lang="en-US" sz="2800" b="1" dirty="0" smtClean="0"/>
+              <a:t>C</a:t>
+            </a:r>
+            <a:r>
+              <a:rPr lang="en-US" sz="2800" dirty="0" smtClean="0"/>
+              <a:t>ore architecture</a:t>
+            </a:r>
+          </a:p>
+          <a:p>
+            <a:pPr lvl="1"/>
+            <a:r>
+              <a:rPr lang="en-US" sz="2400" dirty="0" smtClean="0"/>
+              <a:t>Intel Xeon Phi</a:t>
+            </a:r>
+          </a:p>
+        </p:txBody>
+      </p:sp>
+    </p:spTree>
+    <p:extLst>
+      <p:ext uri="{BB962C8B-B14F-4D97-AF65-F5344CB8AC3E}">
+        <p14:creationId xmlns:p14="http://schemas.microsoft.com/office/powerpoint/2010/main" val="2811149403"/>
+      </p:ext>
+    </p:extLst>
+  </p:cSld>
+  <p:clrMapOvr>
+    <a:masterClrMapping/>
+  </p:clrMapOvr>
+  <p:timing>
+    <p:tnLst>
+      <p:par>
+        <p:cTn xmlns:p14="http://schemas.microsoft.com/office/powerpoint/2010/main" id="1" dur="indefinite" restart="never" nodeType="tmRoot"/>
+      </p:par>
+    </p:tnLst>
+  </p:timing>
+</p:sld>
+</file>
+
+<file path=ppt/slides/slide12.xml><?xml version="1.0" encoding="utf-8"?>
+<p:sld xmlns:a="http://schemas.openxmlformats.org/drawingml/2006/main" xmlns:r="http://schemas.openxmlformats.org/officeDocument/2006/relationships" xmlns:p="http://schemas.openxmlformats.org/presentationml/2006/main">
+  <p:cSld>
+    <p:spTree>
+      <p:nvGrpSpPr>
+        <p:cNvPr id="1" name=""/>
+        <p:cNvGrpSpPr/>
+        <p:nvPr/>
+      </p:nvGrpSpPr>
+      <p:grpSpPr>
+        <a:xfrm>
+          <a:off x="0" y="0"/>
+          <a:ext cx="0" cy="0"/>
+          <a:chOff x="0" y="0"/>
+          <a:chExt cx="0" cy="0"/>
+        </a:xfrm>
+      </p:grpSpPr>
+      <p:sp>
+        <p:nvSpPr>
+          <p:cNvPr id="2" name="Title 1"/>
+          <p:cNvSpPr>
+            <a:spLocks noGrp="1"/>
+          </p:cNvSpPr>
+          <p:nvPr>
+            <p:ph type="title"/>
+          </p:nvPr>
+        </p:nvSpPr>
+        <p:spPr/>
+        <p:txBody>
+          <a:bodyPr/>
+          <a:lstStyle/>
+          <a:p>
+            <a:r>
+              <a:rPr lang="en-US" dirty="0" smtClean="0">
+                <a:solidFill>
+                  <a:srgbClr val="1F497D"/>
+                </a:solidFill>
+              </a:rPr>
+              <a:t>Proposed Work</a:t>
+            </a:r>
+            <a:endParaRPr lang="en-US" dirty="0">
+              <a:solidFill>
+                <a:srgbClr val="1F497D"/>
+              </a:solidFill>
+            </a:endParaRPr>
+          </a:p>
+        </p:txBody>
+      </p:sp>
+      <p:sp>
+        <p:nvSpPr>
+          <p:cNvPr id="4" name="Footer Placeholder 3"/>
+          <p:cNvSpPr>
+            <a:spLocks noGrp="1"/>
+          </p:cNvSpPr>
+          <p:nvPr>
+            <p:ph type="ftr" sz="quarter" idx="11"/>
+          </p:nvPr>
+        </p:nvSpPr>
+        <p:spPr/>
+        <p:txBody>
+          <a:bodyPr/>
+          <a:lstStyle/>
+          <a:p>
+            <a:endParaRPr lang="en-US"/>
+          </a:p>
+        </p:txBody>
+      </p:sp>
+      <p:sp>
+        <p:nvSpPr>
+          <p:cNvPr id="5" name="Slide Number Placeholder 4"/>
+          <p:cNvSpPr>
+            <a:spLocks noGrp="1"/>
+          </p:cNvSpPr>
+          <p:nvPr>
+            <p:ph type="sldNum" sz="quarter" idx="12"/>
+          </p:nvPr>
+        </p:nvSpPr>
+        <p:spPr/>
+        <p:txBody>
+          <a:bodyPr>
+            <a:normAutofit fontScale="85000" lnSpcReduction="20000"/>
+          </a:bodyPr>
+          <a:lstStyle/>
+          <a:p>
+            <a:fld id="{9C1F5A0A-F6FC-4FFD-9B49-0DA8697211D9}" type="slidenum">
+              <a:rPr lang="en-US" smtClean="0"/>
+              <a:t>12</a:t>
+            </a:fld>
+            <a:endParaRPr lang="en-US"/>
+          </a:p>
+        </p:txBody>
+      </p:sp>
+      <p:sp>
+        <p:nvSpPr>
+          <p:cNvPr id="3" name="Content Placeholder 2"/>
+          <p:cNvSpPr>
+            <a:spLocks noGrp="1"/>
+          </p:cNvSpPr>
+          <p:nvPr>
+            <p:ph sz="quarter" idx="1"/>
+          </p:nvPr>
+        </p:nvSpPr>
+        <p:spPr/>
+        <p:txBody>
+          <a:bodyPr/>
+          <a:lstStyle/>
+          <a:p>
+            <a:pPr marL="0" indent="0">
+              <a:buNone/>
+            </a:pPr>
+            <a:endParaRPr lang="en-US" sz="2800" dirty="0" smtClean="0"/>
+          </a:p>
+          <a:p>
+            <a:r>
+              <a:rPr lang="en-US" sz="2800" dirty="0" smtClean="0">
+                <a:solidFill>
+                  <a:srgbClr val="BFBFBF"/>
+                </a:solidFill>
+              </a:rPr>
+              <a:t>Parallelization on </a:t>
+            </a:r>
+            <a:r>
+              <a:rPr lang="en-US" sz="2800" dirty="0">
+                <a:solidFill>
+                  <a:srgbClr val="BFBFBF"/>
+                </a:solidFill>
+              </a:rPr>
+              <a:t>heterogeneous </a:t>
+            </a:r>
+            <a:r>
+              <a:rPr lang="en-US" sz="2800" dirty="0" smtClean="0">
+                <a:solidFill>
+                  <a:srgbClr val="BFBFBF"/>
+                </a:solidFill>
+              </a:rPr>
+              <a:t>platforms</a:t>
+            </a:r>
+          </a:p>
+          <a:p>
+            <a:pPr lvl="1"/>
+            <a:r>
+              <a:rPr lang="en-US" sz="2400" dirty="0" smtClean="0">
+                <a:solidFill>
+                  <a:srgbClr val="BFBFBF"/>
+                </a:solidFill>
+              </a:rPr>
+              <a:t>Comparison </a:t>
+            </a:r>
+            <a:r>
+              <a:rPr lang="en-US" sz="2400" dirty="0" smtClean="0">
+                <a:solidFill>
+                  <a:srgbClr val="BFBFBF"/>
+                </a:solidFill>
+              </a:rPr>
+              <a:t>of the accelerator devices used</a:t>
+            </a:r>
+          </a:p>
+          <a:p>
+            <a:r>
+              <a:rPr lang="en-US" sz="2800" dirty="0" err="1" smtClean="0"/>
+              <a:t>OpenACC</a:t>
+            </a:r>
+            <a:r>
+              <a:rPr lang="en-US" sz="2800" dirty="0" smtClean="0"/>
+              <a:t> </a:t>
+            </a:r>
+            <a:r>
+              <a:rPr lang="en-US" sz="2800" dirty="0" err="1" smtClean="0"/>
+              <a:t>vs</a:t>
+            </a:r>
+            <a:r>
+              <a:rPr lang="en-US" sz="2800" dirty="0" smtClean="0"/>
+              <a:t> GAMA</a:t>
+            </a:r>
+            <a:endParaRPr lang="en-US" sz="2800" dirty="0"/>
+          </a:p>
+        </p:txBody>
+      </p:sp>
+    </p:spTree>
+    <p:extLst>
+      <p:ext uri="{BB962C8B-B14F-4D97-AF65-F5344CB8AC3E}">
+        <p14:creationId xmlns:p14="http://schemas.microsoft.com/office/powerpoint/2010/main" val="1500472278"/>
+      </p:ext>
+    </p:extLst>
+  </p:cSld>
+  <p:clrMapOvr>
+    <a:masterClrMapping/>
+  </p:clrMapOvr>
+  <p:timing>
+    <p:tnLst>
+      <p:par>
+        <p:cTn xmlns:p14="http://schemas.microsoft.com/office/powerpoint/2010/main" id="1" dur="indefinite" restart="never" nodeType="tmRoot"/>
+      </p:par>
+    </p:tnLst>
+  </p:timing>
+</p:sld>
+</file>
+
+<file path=ppt/slides/slide13.xml><?xml version="1.0" encoding="utf-8"?>
+<p:sld xmlns:a="http://schemas.openxmlformats.org/drawingml/2006/main" xmlns:r="http://schemas.openxmlformats.org/officeDocument/2006/relationships" xmlns:p="http://schemas.openxmlformats.org/presentationml/2006/main">
+  <p:cSld>
+    <p:spTree>
+      <p:nvGrpSpPr>
+        <p:cNvPr id="1" name=""/>
+        <p:cNvGrpSpPr/>
+        <p:nvPr/>
+      </p:nvGrpSpPr>
+      <p:grpSpPr>
+        <a:xfrm>
+          <a:off x="0" y="0"/>
+          <a:ext cx="0" cy="0"/>
+          <a:chOff x="0" y="0"/>
+          <a:chExt cx="0" cy="0"/>
+        </a:xfrm>
+      </p:grpSpPr>
+      <p:sp>
+        <p:nvSpPr>
+          <p:cNvPr id="2" name="Title 1"/>
+          <p:cNvSpPr>
+            <a:spLocks noGrp="1"/>
+          </p:cNvSpPr>
+          <p:nvPr>
+            <p:ph type="title"/>
+          </p:nvPr>
+        </p:nvSpPr>
+        <p:spPr/>
+        <p:txBody>
+          <a:bodyPr/>
+          <a:lstStyle/>
+          <a:p>
+            <a:r>
+              <a:rPr lang="en-US" dirty="0" smtClean="0">
+                <a:solidFill>
+                  <a:srgbClr val="1F497D"/>
+                </a:solidFill>
+              </a:rPr>
+              <a:t>Development Frameworks</a:t>
+            </a:r>
+            <a:endParaRPr lang="en-US" dirty="0">
+              <a:solidFill>
+                <a:srgbClr val="1F497D"/>
+              </a:solidFill>
+            </a:endParaRPr>
+          </a:p>
+        </p:txBody>
+      </p:sp>
+      <p:sp>
+        <p:nvSpPr>
+          <p:cNvPr id="4" name="Footer Placeholder 3"/>
+          <p:cNvSpPr>
+            <a:spLocks noGrp="1"/>
+          </p:cNvSpPr>
+          <p:nvPr>
+            <p:ph type="ftr" sz="quarter" idx="11"/>
+          </p:nvPr>
+        </p:nvSpPr>
+        <p:spPr/>
+        <p:txBody>
+          <a:bodyPr/>
+          <a:lstStyle/>
+          <a:p>
+            <a:endParaRPr lang="en-US"/>
+          </a:p>
+        </p:txBody>
+      </p:sp>
+      <p:sp>
+        <p:nvSpPr>
+          <p:cNvPr id="5" name="Slide Number Placeholder 4"/>
+          <p:cNvSpPr>
+            <a:spLocks noGrp="1"/>
+          </p:cNvSpPr>
+          <p:nvPr>
+            <p:ph type="sldNum" sz="quarter" idx="12"/>
+          </p:nvPr>
+        </p:nvSpPr>
+        <p:spPr/>
+        <p:txBody>
+          <a:bodyPr>
+            <a:normAutofit fontScale="85000" lnSpcReduction="20000"/>
+          </a:bodyPr>
+          <a:lstStyle/>
+          <a:p>
+            <a:fld id="{9C1F5A0A-F6FC-4FFD-9B49-0DA8697211D9}" type="slidenum">
+              <a:rPr lang="en-US" smtClean="0"/>
+              <a:t>13</a:t>
+            </a:fld>
+            <a:endParaRPr lang="en-US"/>
+          </a:p>
+        </p:txBody>
+      </p:sp>
+      <p:sp>
+        <p:nvSpPr>
+          <p:cNvPr id="3" name="Content Placeholder 2"/>
+          <p:cNvSpPr>
+            <a:spLocks noGrp="1"/>
+          </p:cNvSpPr>
+          <p:nvPr>
+            <p:ph sz="quarter" idx="1"/>
+          </p:nvPr>
+        </p:nvSpPr>
+        <p:spPr/>
+        <p:txBody>
+          <a:bodyPr>
+            <a:normAutofit/>
+          </a:bodyPr>
+          <a:lstStyle/>
+          <a:p>
+            <a:endParaRPr lang="en-US" sz="2800" smtClean="0"/>
+          </a:p>
+          <a:p>
+            <a:r>
+              <a:rPr lang="en-US" sz="2800" smtClean="0"/>
+              <a:t>CPU</a:t>
+            </a:r>
+            <a:r>
+              <a:rPr lang="en-US" sz="2800" dirty="0" smtClean="0"/>
+              <a:t>/Accelerator specific</a:t>
+            </a:r>
+            <a:endParaRPr lang="en-US" sz="3200" dirty="0" smtClean="0"/>
+          </a:p>
+          <a:p>
+            <a:pPr lvl="1"/>
+            <a:r>
+              <a:rPr lang="en-US" sz="2500" dirty="0" err="1" smtClean="0"/>
+              <a:t>OpenMP</a:t>
+            </a:r>
+            <a:r>
+              <a:rPr lang="en-US" sz="2500" dirty="0" smtClean="0"/>
+              <a:t> </a:t>
+            </a:r>
+            <a:r>
+              <a:rPr lang="en-US" sz="2500" dirty="0" smtClean="0"/>
+              <a:t>(Shared Memory CPU</a:t>
+            </a:r>
+            <a:r>
+              <a:rPr lang="en-US" sz="2500" dirty="0" smtClean="0"/>
+              <a:t>)</a:t>
+            </a:r>
+            <a:endParaRPr lang="en-US" sz="2500" dirty="0"/>
+          </a:p>
+          <a:p>
+            <a:pPr lvl="1"/>
+            <a:r>
+              <a:rPr lang="en-US" sz="2500" dirty="0"/>
+              <a:t>CUDA (NVidia GPUs</a:t>
+            </a:r>
+            <a:r>
+              <a:rPr lang="en-US" sz="2500" dirty="0" smtClean="0"/>
+              <a:t>)</a:t>
+            </a:r>
+          </a:p>
+          <a:p>
+            <a:r>
+              <a:rPr lang="en-US" sz="2800" dirty="0" smtClean="0"/>
+              <a:t>Heterogeneous platforms</a:t>
+            </a:r>
+            <a:endParaRPr lang="en-US" sz="2800" dirty="0" smtClean="0"/>
+          </a:p>
+          <a:p>
+            <a:pPr lvl="1"/>
+            <a:r>
+              <a:rPr lang="en-US" sz="2500" dirty="0" err="1" smtClean="0"/>
+              <a:t>OpenACC</a:t>
+            </a:r>
+            <a:r>
+              <a:rPr lang="en-US" sz="2500" dirty="0" smtClean="0"/>
+              <a:t>, …</a:t>
+            </a:r>
+            <a:endParaRPr lang="en-US" sz="2500" dirty="0" smtClean="0"/>
+          </a:p>
+          <a:p>
+            <a:pPr lvl="1"/>
+            <a:r>
+              <a:rPr lang="en-US" sz="2500" dirty="0" smtClean="0"/>
+              <a:t>GAMA, …</a:t>
+            </a:r>
+            <a:endParaRPr lang="en-US" sz="2500" dirty="0" smtClean="0"/>
+          </a:p>
+        </p:txBody>
+      </p:sp>
+    </p:spTree>
+    <p:extLst>
+      <p:ext uri="{BB962C8B-B14F-4D97-AF65-F5344CB8AC3E}">
+        <p14:creationId xmlns:p14="http://schemas.microsoft.com/office/powerpoint/2010/main" val="2550810025"/>
+      </p:ext>
+    </p:extLst>
+  </p:cSld>
+  <p:clrMapOvr>
+    <a:masterClrMapping/>
+  </p:clrMapOvr>
+  <p:timing>
+    <p:tnLst>
+      <p:par>
+        <p:cTn xmlns:p14="http://schemas.microsoft.com/office/powerpoint/2010/main" id="1" dur="indefinite" restart="never" nodeType="tmRoot"/>
+      </p:par>
+    </p:tnLst>
+  </p:timing>
+</p:sld>
+</file>
+
+<file path=ppt/slides/slide14.xml><?xml version="1.0" encoding="utf-8"?>
+<p:sld xmlns:a="http://schemas.openxmlformats.org/drawingml/2006/main" xmlns:r="http://schemas.openxmlformats.org/officeDocument/2006/relationships" xmlns:p="http://schemas.openxmlformats.org/presentationml/2006/main">
+  <p:cSld>
+    <p:spTree>
+      <p:nvGrpSpPr>
+        <p:cNvPr id="1" name=""/>
+        <p:cNvGrpSpPr/>
+        <p:nvPr/>
+      </p:nvGrpSpPr>
+      <p:grpSpPr>
+        <a:xfrm>
+          <a:off x="0" y="0"/>
+          <a:ext cx="0" cy="0"/>
+          <a:chOff x="0" y="0"/>
+          <a:chExt cx="0" cy="0"/>
+        </a:xfrm>
+      </p:grpSpPr>
+      <p:sp>
+        <p:nvSpPr>
+          <p:cNvPr id="2" name="Title 1"/>
+          <p:cNvSpPr>
+            <a:spLocks noGrp="1"/>
+          </p:cNvSpPr>
+          <p:nvPr>
+            <p:ph type="ctrTitle"/>
+          </p:nvPr>
+        </p:nvSpPr>
+        <p:spPr>
+          <a:xfrm>
+            <a:off x="685800" y="2083261"/>
+            <a:ext cx="7772400" cy="2083263"/>
+          </a:xfrm>
+        </p:spPr>
+        <p:txBody>
+          <a:bodyPr/>
+          <a:lstStyle/>
+          <a:p>
+            <a:r>
+              <a:rPr lang="en-US" sz="3600" dirty="0">
+                <a:effectLst>
+                  <a:outerShdw blurRad="50800" dist="38100" dir="2700000" algn="tl" rotWithShape="0">
+                    <a:prstClr val="black">
+                      <a:alpha val="40000"/>
+                    </a:prstClr>
+                  </a:outerShdw>
+                </a:effectLst>
+              </a:rPr>
+              <a:t>Efficient processing of ATLAS events analysis in platforms with accelerator devices </a:t>
+            </a:r>
+          </a:p>
+        </p:txBody>
+      </p:sp>
+      <p:sp>
+        <p:nvSpPr>
+          <p:cNvPr id="3" name="Subtitle 2"/>
+          <p:cNvSpPr>
+            <a:spLocks noGrp="1"/>
+          </p:cNvSpPr>
+          <p:nvPr>
+            <p:ph type="subTitle" idx="1"/>
+          </p:nvPr>
+        </p:nvSpPr>
+        <p:spPr>
+          <a:xfrm>
+            <a:off x="1141361" y="4997150"/>
+            <a:ext cx="7772400" cy="877824"/>
+          </a:xfrm>
+        </p:spPr>
+        <p:txBody>
+          <a:bodyPr>
+            <a:normAutofit fontScale="62500" lnSpcReduction="20000"/>
+          </a:bodyPr>
+          <a:lstStyle/>
+          <a:p>
+            <a:pPr algn="r"/>
+            <a:r>
+              <a:rPr lang="en-US" dirty="0" smtClean="0"/>
+              <a:t>André Pereira</a:t>
+            </a:r>
+          </a:p>
+          <a:p>
+            <a:pPr algn="r"/>
+            <a:r>
+              <a:rPr lang="en-US" dirty="0" smtClean="0"/>
+              <a:t>Prof. Alberto </a:t>
+            </a:r>
+            <a:r>
+              <a:rPr lang="en-US" dirty="0" err="1" smtClean="0"/>
+              <a:t>Proença</a:t>
+            </a:r>
+            <a:r>
+              <a:rPr lang="en-US" dirty="0" smtClean="0"/>
+              <a:t> (Advisor)</a:t>
+            </a:r>
+          </a:p>
+          <a:p>
+            <a:pPr algn="r"/>
+            <a:r>
+              <a:rPr lang="en-US" dirty="0" smtClean="0"/>
+              <a:t>Prof. </a:t>
+            </a:r>
+            <a:r>
+              <a:rPr lang="en-US" dirty="0" err="1" smtClean="0"/>
+              <a:t>António</a:t>
+            </a:r>
+            <a:r>
+              <a:rPr lang="en-US" dirty="0" smtClean="0"/>
+              <a:t> </a:t>
+            </a:r>
+            <a:r>
+              <a:rPr lang="en-US" dirty="0" err="1" smtClean="0"/>
+              <a:t>Onofre</a:t>
+            </a:r>
+            <a:r>
+              <a:rPr lang="en-US" dirty="0" smtClean="0"/>
+              <a:t> (Co-Advisor)</a:t>
+            </a:r>
+            <a:endParaRPr lang="en-US" dirty="0"/>
+          </a:p>
+        </p:txBody>
+      </p:sp>
+      <p:cxnSp>
+        <p:nvCxnSpPr>
+          <p:cNvPr id="6" name="Straight Connector 5"/>
+          <p:cNvCxnSpPr>
+            <a:endCxn id="3" idx="0"/>
+          </p:cNvCxnSpPr>
+          <p:nvPr/>
+        </p:nvCxnSpPr>
+        <p:spPr>
+          <a:xfrm flipH="1">
+            <a:off x="5027561" y="4997150"/>
+            <a:ext cx="3886200" cy="0"/>
+          </a:xfrm>
+          <a:prstGeom prst="line">
+            <a:avLst/>
+          </a:prstGeom>
+          <a:ln>
+            <a:solidFill>
+              <a:schemeClr val="tx1">
+                <a:lumMod val="95000"/>
+              </a:schemeClr>
+            </a:solidFill>
+          </a:ln>
+          <a:effectLst>
+            <a:innerShdw blurRad="63500" dist="50800" dir="16200000">
+              <a:prstClr val="black">
+                <a:alpha val="50000"/>
+              </a:prstClr>
+            </a:innerShdw>
+          </a:effectLst>
+        </p:spPr>
+        <p:style>
+          <a:lnRef idx="2">
+            <a:schemeClr val="accent1"/>
+          </a:lnRef>
+          <a:fillRef idx="0">
+            <a:schemeClr val="accent1"/>
+          </a:fillRef>
+          <a:effectRef idx="1">
+            <a:schemeClr val="accent1"/>
+          </a:effectRef>
+          <a:fontRef idx="minor">
+            <a:schemeClr val="tx1"/>
+          </a:fontRef>
+        </p:style>
+      </p:cxnSp>
       <p:pic>
         <p:nvPicPr>
-          <p:cNvPr id="10" name="Content Placeholder 9" descr="no-pipeline.png"/>
+          <p:cNvPr id="4" name="Picture 3" descr="UM-Eng.png"/>
           <p:cNvPicPr>
-            <a:picLocks noGrp="1" noChangeAspect="1"/>
+            <a:picLocks noChangeAspect="1"/>
           </p:cNvPicPr>
-          <p:nvPr>
-            <p:ph sz="quarter" idx="2"/>
-          </p:nvPr>
-        </p:nvPicPr>
-        <p:blipFill>
-          <a:blip r:embed="rId2">
-            <a:extLst>
-              <a:ext uri="{28A0092B-C50C-407E-A947-70E740481C1C}">
-                <a14:useLocalDpi xmlns:a14="http://schemas.microsoft.com/office/drawing/2010/main" val="0"/>
-              </a:ext>
-            </a:extLst>
-          </a:blip>
-          <a:srcRect l="-39510" r="-39510"/>
-          <a:stretch>
-            <a:fillRect/>
-          </a:stretch>
-        </p:blipFill>
-        <p:spPr>
-          <a:xfrm>
-            <a:off x="3218720" y="2060430"/>
-            <a:ext cx="4305118" cy="3967462"/>
-          </a:xfrm>
-        </p:spPr>
-      </p:pic>
-      <p:pic>
-        <p:nvPicPr>
-          <p:cNvPr id="11" name="Content Placeholder 10" descr="pipeline copy.png"/>
-          <p:cNvPicPr>
-            <a:picLocks noGrp="1" noChangeAspect="1"/>
-          </p:cNvPicPr>
-          <p:nvPr>
-            <p:ph sz="quarter" idx="4"/>
-          </p:nvPr>
+          <p:nvPr/>
         </p:nvPicPr>
         <p:blipFill>
           <a:blip r:embed="rId3">
@@ -5837,18 +8736,883 @@
               </a:ext>
             </a:extLst>
           </a:blip>
-          <a:srcRect l="-57168" r="-57168"/>
           <a:stretch>
             <a:fillRect/>
           </a:stretch>
         </p:blipFill>
         <p:spPr>
           <a:xfrm>
-            <a:off x="5618765" y="2038034"/>
-            <a:ext cx="4134045" cy="3809806"/>
+            <a:off x="249898" y="243306"/>
+            <a:ext cx="1782926" cy="889346"/>
+          </a:xfrm>
+          <a:prstGeom prst="rect">
+            <a:avLst/>
+          </a:prstGeom>
+        </p:spPr>
+      </p:pic>
+      <p:sp>
+        <p:nvSpPr>
+          <p:cNvPr id="5" name="TextBox 4"/>
+          <p:cNvSpPr txBox="1"/>
+          <p:nvPr/>
+        </p:nvSpPr>
+        <p:spPr>
+          <a:xfrm>
+            <a:off x="2032824" y="261194"/>
+            <a:ext cx="2844899" cy="707886"/>
+          </a:xfrm>
+          <a:prstGeom prst="rect">
+            <a:avLst/>
+          </a:prstGeom>
+          <a:noFill/>
+        </p:spPr>
+        <p:txBody>
+          <a:bodyPr wrap="none" rtlCol="0">
+            <a:spAutoFit/>
+          </a:bodyPr>
+          <a:lstStyle/>
+          <a:p>
+            <a:r>
+              <a:rPr lang="en-US" sz="2000" dirty="0" smtClean="0">
+                <a:effectLst>
+                  <a:outerShdw blurRad="50800" dist="38100" dir="2700000" algn="tl" rotWithShape="0">
+                    <a:prstClr val="black">
+                      <a:alpha val="40000"/>
+                    </a:prstClr>
+                  </a:outerShdw>
+                </a:effectLst>
+              </a:rPr>
+              <a:t>University of Minho</a:t>
+            </a:r>
+          </a:p>
+          <a:p>
+            <a:r>
+              <a:rPr lang="en-US" sz="2000" dirty="0" smtClean="0">
+                <a:effectLst>
+                  <a:outerShdw blurRad="50800" dist="38100" dir="2700000" algn="tl" rotWithShape="0">
+                    <a:prstClr val="black">
+                      <a:alpha val="40000"/>
+                    </a:prstClr>
+                  </a:outerShdw>
+                </a:effectLst>
+              </a:rPr>
+              <a:t>Department of Informatics</a:t>
+            </a:r>
+            <a:endParaRPr lang="en-US" sz="2000" dirty="0">
+              <a:effectLst>
+                <a:outerShdw blurRad="50800" dist="38100" dir="2700000" algn="tl" rotWithShape="0">
+                  <a:prstClr val="black">
+                    <a:alpha val="40000"/>
+                  </a:prstClr>
+                </a:outerShdw>
+              </a:effectLst>
+            </a:endParaRPr>
+          </a:p>
+        </p:txBody>
+      </p:sp>
+    </p:spTree>
+    <p:extLst>
+      <p:ext uri="{BB962C8B-B14F-4D97-AF65-F5344CB8AC3E}">
+        <p14:creationId xmlns:p14="http://schemas.microsoft.com/office/powerpoint/2010/main" val="2832677206"/>
+      </p:ext>
+    </p:extLst>
+  </p:cSld>
+  <p:clrMapOvr>
+    <a:masterClrMapping/>
+  </p:clrMapOvr>
+  <p:timing>
+    <p:tnLst>
+      <p:par>
+        <p:cTn xmlns:p14="http://schemas.microsoft.com/office/powerpoint/2010/main" id="1" dur="indefinite" restart="never" nodeType="tmRoot"/>
+      </p:par>
+    </p:tnLst>
+  </p:timing>
+</p:sld>
+</file>
+
+<file path=ppt/slides/slide2.xml><?xml version="1.0" encoding="utf-8"?>
+<p:sld xmlns:a="http://schemas.openxmlformats.org/drawingml/2006/main" xmlns:r="http://schemas.openxmlformats.org/officeDocument/2006/relationships" xmlns:p="http://schemas.openxmlformats.org/presentationml/2006/main">
+  <p:cSld>
+    <p:spTree>
+      <p:nvGrpSpPr>
+        <p:cNvPr id="1" name=""/>
+        <p:cNvGrpSpPr/>
+        <p:nvPr/>
+      </p:nvGrpSpPr>
+      <p:grpSpPr>
+        <a:xfrm>
+          <a:off x="0" y="0"/>
+          <a:ext cx="0" cy="0"/>
+          <a:chOff x="0" y="0"/>
+          <a:chExt cx="0" cy="0"/>
+        </a:xfrm>
+      </p:grpSpPr>
+      <p:sp>
+        <p:nvSpPr>
+          <p:cNvPr id="2" name="Title 1"/>
+          <p:cNvSpPr>
+            <a:spLocks noGrp="1"/>
+          </p:cNvSpPr>
+          <p:nvPr>
+            <p:ph type="title"/>
+          </p:nvPr>
+        </p:nvSpPr>
+        <p:spPr/>
+        <p:txBody>
+          <a:bodyPr/>
+          <a:lstStyle/>
+          <a:p>
+            <a:r>
+              <a:rPr lang="en-US" dirty="0" smtClean="0">
+                <a:solidFill>
+                  <a:srgbClr val="1F497D"/>
+                </a:solidFill>
+              </a:rPr>
+              <a:t>Index</a:t>
+            </a:r>
+            <a:endParaRPr lang="en-US" dirty="0">
+              <a:solidFill>
+                <a:srgbClr val="1F497D"/>
+              </a:solidFill>
+            </a:endParaRPr>
+          </a:p>
+        </p:txBody>
+      </p:sp>
+      <p:sp>
+        <p:nvSpPr>
+          <p:cNvPr id="4" name="Footer Placeholder 3"/>
+          <p:cNvSpPr>
+            <a:spLocks noGrp="1"/>
+          </p:cNvSpPr>
+          <p:nvPr>
+            <p:ph type="ftr" sz="quarter" idx="11"/>
+          </p:nvPr>
+        </p:nvSpPr>
+        <p:spPr/>
+        <p:txBody>
+          <a:bodyPr/>
+          <a:lstStyle/>
+          <a:p>
+            <a:endParaRPr lang="en-US"/>
+          </a:p>
+        </p:txBody>
+      </p:sp>
+      <p:sp>
+        <p:nvSpPr>
+          <p:cNvPr id="5" name="Slide Number Placeholder 4"/>
+          <p:cNvSpPr>
+            <a:spLocks noGrp="1"/>
+          </p:cNvSpPr>
+          <p:nvPr>
+            <p:ph type="sldNum" sz="quarter" idx="12"/>
+          </p:nvPr>
+        </p:nvSpPr>
+        <p:spPr/>
+        <p:txBody>
+          <a:bodyPr>
+            <a:normAutofit fontScale="85000" lnSpcReduction="20000"/>
+          </a:bodyPr>
+          <a:lstStyle/>
+          <a:p>
+            <a:fld id="{9C1F5A0A-F6FC-4FFD-9B49-0DA8697211D9}" type="slidenum">
+              <a:rPr lang="en-US" smtClean="0"/>
+              <a:t>2</a:t>
+            </a:fld>
+            <a:endParaRPr lang="en-US"/>
+          </a:p>
+        </p:txBody>
+      </p:sp>
+      <p:sp>
+        <p:nvSpPr>
+          <p:cNvPr id="3" name="Content Placeholder 2"/>
+          <p:cNvSpPr>
+            <a:spLocks noGrp="1"/>
+          </p:cNvSpPr>
+          <p:nvPr>
+            <p:ph sz="quarter" idx="1"/>
+          </p:nvPr>
+        </p:nvSpPr>
+        <p:spPr/>
+        <p:txBody>
+          <a:bodyPr/>
+          <a:lstStyle/>
+          <a:p>
+            <a:r>
+              <a:rPr lang="en-US" dirty="0"/>
+              <a:t>Motivation</a:t>
+            </a:r>
+          </a:p>
+          <a:p>
+            <a:r>
+              <a:rPr lang="en-US" dirty="0"/>
+              <a:t>The </a:t>
+            </a:r>
+            <a:r>
+              <a:rPr lang="en-US" sz="2000" dirty="0" err="1">
+                <a:latin typeface="Lucida Console"/>
+                <a:cs typeface="Lucida Console"/>
+              </a:rPr>
+              <a:t>ttH_dilep</a:t>
+            </a:r>
+            <a:r>
+              <a:rPr lang="en-US" dirty="0"/>
+              <a:t> Analysis </a:t>
+            </a:r>
+            <a:r>
+              <a:rPr lang="en-US" dirty="0" smtClean="0"/>
+              <a:t>Application</a:t>
+            </a:r>
+            <a:endParaRPr lang="en-US" dirty="0" smtClean="0"/>
+          </a:p>
+          <a:p>
+            <a:r>
+              <a:rPr lang="en-US" dirty="0" smtClean="0"/>
+              <a:t>State of the Art</a:t>
+            </a:r>
+          </a:p>
+          <a:p>
+            <a:pPr lvl="1"/>
+            <a:r>
+              <a:rPr lang="en-US" dirty="0" smtClean="0"/>
+              <a:t>Heterogeneous Platforms</a:t>
+            </a:r>
+          </a:p>
+          <a:p>
+            <a:pPr lvl="1"/>
+            <a:r>
+              <a:rPr lang="en-US" dirty="0" smtClean="0"/>
+              <a:t>Development </a:t>
+            </a:r>
+            <a:r>
+              <a:rPr lang="en-US" dirty="0" smtClean="0"/>
+              <a:t>Frameworks</a:t>
+            </a:r>
+          </a:p>
+          <a:p>
+            <a:r>
+              <a:rPr lang="en-US" dirty="0" smtClean="0"/>
+              <a:t>Proposed Work</a:t>
+            </a:r>
+            <a:endParaRPr lang="en-US" dirty="0"/>
+          </a:p>
+        </p:txBody>
+      </p:sp>
+    </p:spTree>
+    <p:extLst>
+      <p:ext uri="{BB962C8B-B14F-4D97-AF65-F5344CB8AC3E}">
+        <p14:creationId xmlns:p14="http://schemas.microsoft.com/office/powerpoint/2010/main" val="1359746690"/>
+      </p:ext>
+    </p:extLst>
+  </p:cSld>
+  <p:clrMapOvr>
+    <a:masterClrMapping/>
+  </p:clrMapOvr>
+  <p:timing>
+    <p:tnLst>
+      <p:par>
+        <p:cTn xmlns:p14="http://schemas.microsoft.com/office/powerpoint/2010/main" id="1" dur="indefinite" restart="never" nodeType="tmRoot"/>
+      </p:par>
+    </p:tnLst>
+  </p:timing>
+</p:sld>
+</file>
+
+<file path=ppt/slides/slide3.xml><?xml version="1.0" encoding="utf-8"?>
+<p:sld xmlns:a="http://schemas.openxmlformats.org/drawingml/2006/main" xmlns:r="http://schemas.openxmlformats.org/officeDocument/2006/relationships" xmlns:p="http://schemas.openxmlformats.org/presentationml/2006/main">
+  <p:cSld>
+    <p:spTree>
+      <p:nvGrpSpPr>
+        <p:cNvPr id="1" name=""/>
+        <p:cNvGrpSpPr/>
+        <p:nvPr/>
+      </p:nvGrpSpPr>
+      <p:grpSpPr>
+        <a:xfrm>
+          <a:off x="0" y="0"/>
+          <a:ext cx="0" cy="0"/>
+          <a:chOff x="0" y="0"/>
+          <a:chExt cx="0" cy="0"/>
+        </a:xfrm>
+      </p:grpSpPr>
+      <p:sp>
+        <p:nvSpPr>
+          <p:cNvPr id="2" name="Title 1"/>
+          <p:cNvSpPr>
+            <a:spLocks noGrp="1"/>
+          </p:cNvSpPr>
+          <p:nvPr>
+            <p:ph type="title"/>
+          </p:nvPr>
+        </p:nvSpPr>
+        <p:spPr/>
+        <p:txBody>
+          <a:bodyPr/>
+          <a:lstStyle/>
+          <a:p>
+            <a:r>
+              <a:rPr lang="en-US" dirty="0" smtClean="0"/>
+              <a:t>Motivation</a:t>
+            </a:r>
+            <a:endParaRPr lang="en-US" dirty="0"/>
+          </a:p>
+        </p:txBody>
+      </p:sp>
+      <p:sp>
+        <p:nvSpPr>
+          <p:cNvPr id="4" name="Footer Placeholder 3"/>
+          <p:cNvSpPr>
+            <a:spLocks noGrp="1"/>
+          </p:cNvSpPr>
+          <p:nvPr>
+            <p:ph type="ftr" sz="quarter" idx="11"/>
+          </p:nvPr>
+        </p:nvSpPr>
+        <p:spPr/>
+        <p:txBody>
+          <a:bodyPr/>
+          <a:lstStyle/>
+          <a:p>
+            <a:endParaRPr lang="en-US"/>
+          </a:p>
+        </p:txBody>
+      </p:sp>
+      <p:sp>
+        <p:nvSpPr>
+          <p:cNvPr id="5" name="Slide Number Placeholder 4"/>
+          <p:cNvSpPr>
+            <a:spLocks noGrp="1"/>
+          </p:cNvSpPr>
+          <p:nvPr>
+            <p:ph type="sldNum" sz="quarter" idx="12"/>
+          </p:nvPr>
+        </p:nvSpPr>
+        <p:spPr/>
+        <p:txBody>
+          <a:bodyPr>
+            <a:normAutofit fontScale="85000" lnSpcReduction="20000"/>
+          </a:bodyPr>
+          <a:lstStyle/>
+          <a:p>
+            <a:fld id="{9C1F5A0A-F6FC-4FFD-9B49-0DA8697211D9}" type="slidenum">
+              <a:rPr lang="en-US" smtClean="0"/>
+              <a:t>3</a:t>
+            </a:fld>
+            <a:endParaRPr lang="en-US"/>
+          </a:p>
+        </p:txBody>
+      </p:sp>
+      <p:pic>
+        <p:nvPicPr>
+          <p:cNvPr id="6" name="Content Placeholder 5" descr="ttbar_higgs.png"/>
+          <p:cNvPicPr>
+            <a:picLocks noGrp="1" noChangeAspect="1"/>
+          </p:cNvPicPr>
+          <p:nvPr>
+            <p:ph sz="quarter" idx="1"/>
+          </p:nvPr>
+        </p:nvPicPr>
+        <p:blipFill>
+          <a:blip r:embed="rId3">
+            <a:extLst>
+              <a:ext uri="{28A0092B-C50C-407E-A947-70E740481C1C}">
+                <a14:useLocalDpi xmlns:a14="http://schemas.microsoft.com/office/drawing/2010/main" val="0"/>
+              </a:ext>
+            </a:extLst>
+          </a:blip>
+          <a:srcRect l="-9939" r="-9939"/>
+          <a:stretch>
+            <a:fillRect/>
+          </a:stretch>
+        </p:blipFill>
+        <p:spPr>
+          <a:xfrm>
+            <a:off x="483362" y="1550893"/>
+            <a:ext cx="8282686" cy="4537437"/>
+          </a:xfrm>
+          <a:prstGeom prst="rect">
+            <a:avLst/>
+          </a:prstGeom>
+          <a:noFill/>
+          <a:ln>
+            <a:noFill/>
+          </a:ln>
+        </p:spPr>
+      </p:pic>
+      <p:sp>
+        <p:nvSpPr>
+          <p:cNvPr id="7" name="TextBox 6"/>
+          <p:cNvSpPr txBox="1"/>
+          <p:nvPr/>
+        </p:nvSpPr>
+        <p:spPr>
+          <a:xfrm>
+            <a:off x="5135410" y="5917470"/>
+            <a:ext cx="3966809" cy="369332"/>
+          </a:xfrm>
+          <a:prstGeom prst="rect">
+            <a:avLst/>
+          </a:prstGeom>
+          <a:noFill/>
+        </p:spPr>
+        <p:txBody>
+          <a:bodyPr wrap="square" rtlCol="0">
+            <a:spAutoFit/>
+          </a:bodyPr>
+          <a:lstStyle/>
+          <a:p>
+            <a:r>
+              <a:rPr lang="en-US" dirty="0" smtClean="0"/>
+              <a:t> </a:t>
+            </a:r>
+            <a:r>
+              <a:rPr lang="en-US" dirty="0" err="1" smtClean="0"/>
+              <a:t>ttbar</a:t>
+            </a:r>
+            <a:r>
+              <a:rPr lang="en-US" dirty="0" smtClean="0"/>
+              <a:t> system + Higgs decay</a:t>
+            </a:r>
+            <a:endParaRPr lang="en-US" dirty="0"/>
+          </a:p>
+        </p:txBody>
+      </p:sp>
+    </p:spTree>
+    <p:extLst>
+      <p:ext uri="{BB962C8B-B14F-4D97-AF65-F5344CB8AC3E}">
+        <p14:creationId xmlns:p14="http://schemas.microsoft.com/office/powerpoint/2010/main" val="351413301"/>
+      </p:ext>
+    </p:extLst>
+  </p:cSld>
+  <p:clrMapOvr>
+    <a:masterClrMapping/>
+  </p:clrMapOvr>
+  <p:timing>
+    <p:tnLst>
+      <p:par>
+        <p:cTn xmlns:p14="http://schemas.microsoft.com/office/powerpoint/2010/main" id="1" dur="indefinite" restart="never" nodeType="tmRoot"/>
+      </p:par>
+    </p:tnLst>
+  </p:timing>
+</p:sld>
+</file>
+
+<file path=ppt/slides/slide4.xml><?xml version="1.0" encoding="utf-8"?>
+<p:sld xmlns:a="http://schemas.openxmlformats.org/drawingml/2006/main" xmlns:r="http://schemas.openxmlformats.org/officeDocument/2006/relationships" xmlns:p="http://schemas.openxmlformats.org/presentationml/2006/main">
+  <p:cSld>
+    <p:spTree>
+      <p:nvGrpSpPr>
+        <p:cNvPr id="1" name=""/>
+        <p:cNvGrpSpPr/>
+        <p:nvPr/>
+      </p:nvGrpSpPr>
+      <p:grpSpPr>
+        <a:xfrm>
+          <a:off x="0" y="0"/>
+          <a:ext cx="0" cy="0"/>
+          <a:chOff x="0" y="0"/>
+          <a:chExt cx="0" cy="0"/>
+        </a:xfrm>
+      </p:grpSpPr>
+      <p:sp>
+        <p:nvSpPr>
+          <p:cNvPr id="2" name="Title 1"/>
+          <p:cNvSpPr>
+            <a:spLocks noGrp="1"/>
+          </p:cNvSpPr>
+          <p:nvPr>
+            <p:ph type="title"/>
+          </p:nvPr>
+        </p:nvSpPr>
+        <p:spPr/>
+        <p:txBody>
+          <a:bodyPr>
+            <a:normAutofit fontScale="90000"/>
+          </a:bodyPr>
+          <a:lstStyle/>
+          <a:p>
+            <a:r>
+              <a:rPr lang="en-US" dirty="0" smtClean="0"/>
+              <a:t>The </a:t>
+            </a:r>
+            <a:r>
+              <a:rPr lang="en-US" sz="4000" dirty="0" err="1" smtClean="0">
+                <a:latin typeface="Lucida Console"/>
+                <a:cs typeface="Lucida Console"/>
+              </a:rPr>
+              <a:t>ttH_dilep</a:t>
+            </a:r>
+            <a:r>
+              <a:rPr lang="en-US" dirty="0" smtClean="0"/>
+              <a:t> Analysis Application</a:t>
+            </a:r>
+            <a:endParaRPr lang="en-US" dirty="0"/>
+          </a:p>
+        </p:txBody>
+      </p:sp>
+      <p:sp>
+        <p:nvSpPr>
+          <p:cNvPr id="4" name="Footer Placeholder 3"/>
+          <p:cNvSpPr>
+            <a:spLocks noGrp="1"/>
+          </p:cNvSpPr>
+          <p:nvPr>
+            <p:ph type="ftr" sz="quarter" idx="11"/>
+          </p:nvPr>
+        </p:nvSpPr>
+        <p:spPr/>
+        <p:txBody>
+          <a:bodyPr/>
+          <a:lstStyle/>
+          <a:p>
+            <a:endParaRPr lang="en-US"/>
+          </a:p>
+        </p:txBody>
+      </p:sp>
+      <p:sp>
+        <p:nvSpPr>
+          <p:cNvPr id="5" name="Slide Number Placeholder 4"/>
+          <p:cNvSpPr>
+            <a:spLocks noGrp="1"/>
+          </p:cNvSpPr>
+          <p:nvPr>
+            <p:ph type="sldNum" sz="quarter" idx="12"/>
+          </p:nvPr>
+        </p:nvSpPr>
+        <p:spPr/>
+        <p:txBody>
+          <a:bodyPr>
+            <a:normAutofit fontScale="85000" lnSpcReduction="20000"/>
+          </a:bodyPr>
+          <a:lstStyle/>
+          <a:p>
+            <a:fld id="{9C1F5A0A-F6FC-4FFD-9B49-0DA8697211D9}" type="slidenum">
+              <a:rPr lang="en-US" smtClean="0"/>
+              <a:t>4</a:t>
+            </a:fld>
+            <a:endParaRPr lang="en-US"/>
+          </a:p>
+        </p:txBody>
+      </p:sp>
+      <p:sp>
+        <p:nvSpPr>
+          <p:cNvPr id="3" name="Content Placeholder 2"/>
+          <p:cNvSpPr>
+            <a:spLocks noGrp="1"/>
+          </p:cNvSpPr>
+          <p:nvPr>
+            <p:ph sz="quarter" idx="1"/>
+          </p:nvPr>
+        </p:nvSpPr>
+        <p:spPr>
+          <a:xfrm>
+            <a:off x="685801" y="1579101"/>
+            <a:ext cx="4918976" cy="4257022"/>
+          </a:xfrm>
+        </p:spPr>
+        <p:txBody>
+          <a:bodyPr>
+            <a:normAutofit/>
+          </a:bodyPr>
+          <a:lstStyle/>
+          <a:p>
+            <a:pPr algn="just"/>
+            <a:r>
+              <a:rPr lang="en-US" sz="2800" dirty="0" smtClean="0"/>
+              <a:t>Reconstruct </a:t>
+            </a:r>
+            <a:r>
+              <a:rPr lang="en-US" sz="2800" dirty="0"/>
+              <a:t>the </a:t>
+            </a:r>
+            <a:r>
+              <a:rPr lang="en-US" sz="2800" dirty="0" err="1" smtClean="0"/>
+              <a:t>tt</a:t>
+            </a:r>
+            <a:r>
+              <a:rPr lang="en-US" sz="2800" dirty="0" smtClean="0"/>
+              <a:t> system (kinematical reconstruction) </a:t>
+            </a:r>
+            <a:r>
+              <a:rPr lang="en-US" sz="2800" dirty="0"/>
+              <a:t>and Higgs </a:t>
+            </a:r>
+            <a:r>
+              <a:rPr lang="en-US" sz="2800" dirty="0" smtClean="0"/>
+              <a:t>bosons</a:t>
+            </a:r>
+          </a:p>
+          <a:p>
+            <a:pPr lvl="1"/>
+            <a:r>
+              <a:rPr lang="en-US" sz="2400" dirty="0" smtClean="0"/>
+              <a:t>Critical region: </a:t>
+            </a:r>
+            <a:r>
+              <a:rPr lang="en-US" sz="1600" dirty="0" err="1" smtClean="0">
+                <a:latin typeface="Lucida Console"/>
+                <a:cs typeface="Lucida Console"/>
+              </a:rPr>
+              <a:t>ttDilepKinFit</a:t>
+            </a:r>
+            <a:endParaRPr lang="en-US" sz="2400" dirty="0" smtClean="0"/>
+          </a:p>
+        </p:txBody>
+      </p:sp>
+      <p:cxnSp>
+        <p:nvCxnSpPr>
+          <p:cNvPr id="8" name="Straight Connector 7"/>
+          <p:cNvCxnSpPr/>
+          <p:nvPr/>
+        </p:nvCxnSpPr>
+        <p:spPr>
+          <a:xfrm>
+            <a:off x="4095797" y="1770961"/>
+            <a:ext cx="125199" cy="0"/>
+          </a:xfrm>
+          <a:prstGeom prst="line">
+            <a:avLst/>
+          </a:prstGeom>
+        </p:spPr>
+        <p:style>
+          <a:lnRef idx="1">
+            <a:schemeClr val="dk1"/>
+          </a:lnRef>
+          <a:fillRef idx="0">
+            <a:schemeClr val="dk1"/>
+          </a:fillRef>
+          <a:effectRef idx="0">
+            <a:schemeClr val="dk1"/>
+          </a:effectRef>
+          <a:fontRef idx="minor">
+            <a:schemeClr val="tx1"/>
+          </a:fontRef>
+        </p:style>
+      </p:cxnSp>
+      <p:pic>
+        <p:nvPicPr>
+          <p:cNvPr id="10" name="Picture 9" descr="no-pipeline.png"/>
+          <p:cNvPicPr>
+            <a:picLocks noChangeAspect="1"/>
+          </p:cNvPicPr>
+          <p:nvPr/>
+        </p:nvPicPr>
+        <p:blipFill>
+          <a:blip r:embed="rId3">
+            <a:extLst>
+              <a:ext uri="{28A0092B-C50C-407E-A947-70E740481C1C}">
+                <a14:useLocalDpi xmlns:a14="http://schemas.microsoft.com/office/drawing/2010/main" val="0"/>
+              </a:ext>
+            </a:extLst>
+          </a:blip>
+          <a:stretch>
+            <a:fillRect/>
+          </a:stretch>
+        </p:blipFill>
+        <p:spPr>
+          <a:xfrm>
+            <a:off x="6340348" y="1516698"/>
+            <a:ext cx="2425700" cy="4965700"/>
+          </a:xfrm>
+          <a:prstGeom prst="rect">
+            <a:avLst/>
+          </a:prstGeom>
+        </p:spPr>
+      </p:pic>
+      <p:sp>
+        <p:nvSpPr>
+          <p:cNvPr id="11" name="TextBox 10"/>
+          <p:cNvSpPr txBox="1"/>
+          <p:nvPr/>
+        </p:nvSpPr>
+        <p:spPr>
+          <a:xfrm>
+            <a:off x="6578505" y="6297732"/>
+            <a:ext cx="2187543" cy="369332"/>
+          </a:xfrm>
+          <a:prstGeom prst="rect">
+            <a:avLst/>
+          </a:prstGeom>
+          <a:noFill/>
+        </p:spPr>
+        <p:txBody>
+          <a:bodyPr wrap="none" rtlCol="0">
+            <a:spAutoFit/>
+          </a:bodyPr>
+          <a:lstStyle/>
+          <a:p>
+            <a:r>
+              <a:rPr lang="en-US" dirty="0" err="1" smtClean="0"/>
+              <a:t>ttDilepKinFit</a:t>
+            </a:r>
+            <a:r>
+              <a:rPr lang="en-US" dirty="0" smtClean="0"/>
+              <a:t> workflow</a:t>
+            </a:r>
+            <a:endParaRPr lang="en-US" dirty="0"/>
+          </a:p>
+        </p:txBody>
+      </p:sp>
+      <p:pic>
+        <p:nvPicPr>
+          <p:cNvPr id="12" name="Content Placeholder 5" descr="ttbar_higgs.png"/>
+          <p:cNvPicPr>
+            <a:picLocks noChangeAspect="1"/>
+          </p:cNvPicPr>
+          <p:nvPr/>
+        </p:nvPicPr>
+        <p:blipFill>
+          <a:blip r:embed="rId4">
+            <a:extLst>
+              <a:ext uri="{28A0092B-C50C-407E-A947-70E740481C1C}">
+                <a14:useLocalDpi xmlns:a14="http://schemas.microsoft.com/office/drawing/2010/main" val="0"/>
+              </a:ext>
+            </a:extLst>
+          </a:blip>
+          <a:srcRect l="-9939" r="-9939"/>
+          <a:stretch>
+            <a:fillRect/>
+          </a:stretch>
+        </p:blipFill>
+        <p:spPr>
+          <a:xfrm>
+            <a:off x="303458" y="2931944"/>
+            <a:ext cx="6053540" cy="3316262"/>
+          </a:xfrm>
+          <a:prstGeom prst="rect">
+            <a:avLst/>
+          </a:prstGeom>
+          <a:noFill/>
+          <a:ln>
+            <a:noFill/>
+          </a:ln>
+        </p:spPr>
+      </p:pic>
+    </p:spTree>
+    <p:extLst>
+      <p:ext uri="{BB962C8B-B14F-4D97-AF65-F5344CB8AC3E}">
+        <p14:creationId xmlns:p14="http://schemas.microsoft.com/office/powerpoint/2010/main" val="2770156148"/>
+      </p:ext>
+    </p:extLst>
+  </p:cSld>
+  <p:clrMapOvr>
+    <a:masterClrMapping/>
+  </p:clrMapOvr>
+  <p:timing>
+    <p:tnLst>
+      <p:par>
+        <p:cTn xmlns:p14="http://schemas.microsoft.com/office/powerpoint/2010/main" id="1" dur="indefinite" restart="never" nodeType="tmRoot"/>
+      </p:par>
+    </p:tnLst>
+  </p:timing>
+</p:sld>
+</file>
+
+<file path=ppt/slides/slide5.xml><?xml version="1.0" encoding="utf-8"?>
+<p:sld xmlns:a="http://schemas.openxmlformats.org/drawingml/2006/main" xmlns:r="http://schemas.openxmlformats.org/officeDocument/2006/relationships" xmlns:p="http://schemas.openxmlformats.org/presentationml/2006/main">
+  <p:cSld>
+    <p:spTree>
+      <p:nvGrpSpPr>
+        <p:cNvPr id="1" name=""/>
+        <p:cNvGrpSpPr/>
+        <p:nvPr/>
+      </p:nvGrpSpPr>
+      <p:grpSpPr>
+        <a:xfrm>
+          <a:off x="0" y="0"/>
+          <a:ext cx="0" cy="0"/>
+          <a:chOff x="0" y="0"/>
+          <a:chExt cx="0" cy="0"/>
+        </a:xfrm>
+      </p:grpSpPr>
+      <p:sp>
+        <p:nvSpPr>
+          <p:cNvPr id="2" name="Title 1"/>
+          <p:cNvSpPr>
+            <a:spLocks noGrp="1"/>
+          </p:cNvSpPr>
+          <p:nvPr>
+            <p:ph type="title"/>
+          </p:nvPr>
+        </p:nvSpPr>
+        <p:spPr/>
+        <p:txBody>
+          <a:bodyPr/>
+          <a:lstStyle/>
+          <a:p>
+            <a:r>
+              <a:rPr lang="en-US" dirty="0" smtClean="0"/>
+              <a:t>Proposed</a:t>
+            </a:r>
+            <a:r>
+              <a:rPr lang="en-US" dirty="0" smtClean="0"/>
+              <a:t> </a:t>
+            </a:r>
+            <a:r>
+              <a:rPr lang="en-US" dirty="0" smtClean="0"/>
+              <a:t>Work</a:t>
+            </a:r>
+            <a:endParaRPr lang="en-US" dirty="0"/>
+          </a:p>
+        </p:txBody>
+      </p:sp>
+      <p:pic>
+        <p:nvPicPr>
+          <p:cNvPr id="10" name="Content Placeholder 9"/>
+          <p:cNvPicPr>
+            <a:picLocks noGrp="1" noChangeAspect="1"/>
+          </p:cNvPicPr>
+          <p:nvPr>
+            <p:ph sz="quarter" idx="2"/>
+          </p:nvPr>
+        </p:nvPicPr>
+        <p:blipFill>
+          <a:blip r:embed="rId3">
+            <a:extLst>
+              <a:ext uri="{28A0092B-C50C-407E-A947-70E740481C1C}">
+                <a14:useLocalDpi xmlns:a14="http://schemas.microsoft.com/office/drawing/2010/main" val="0"/>
+              </a:ext>
+            </a:extLst>
+          </a:blip>
+          <a:stretch>
+            <a:fillRect/>
+          </a:stretch>
+        </p:blipFill>
+        <p:spPr>
+          <a:xfrm>
+            <a:off x="4402244" y="2060430"/>
+            <a:ext cx="1938069" cy="3967462"/>
           </a:xfrm>
         </p:spPr>
       </p:pic>
+      <p:pic>
+        <p:nvPicPr>
+          <p:cNvPr id="11" name="Content Placeholder 10"/>
+          <p:cNvPicPr>
+            <a:picLocks noGrp="1" noChangeAspect="1"/>
+          </p:cNvPicPr>
+          <p:nvPr>
+            <p:ph sz="quarter" idx="4"/>
+          </p:nvPr>
+        </p:nvPicPr>
+        <p:blipFill>
+          <a:blip r:embed="rId4">
+            <a:extLst>
+              <a:ext uri="{28A0092B-C50C-407E-A947-70E740481C1C}">
+                <a14:useLocalDpi xmlns:a14="http://schemas.microsoft.com/office/drawing/2010/main" val="0"/>
+              </a:ext>
+            </a:extLst>
+          </a:blip>
+          <a:stretch>
+            <a:fillRect/>
+          </a:stretch>
+        </p:blipFill>
+        <p:spPr>
+          <a:xfrm>
+            <a:off x="6807477" y="2038034"/>
+            <a:ext cx="1539945" cy="3989858"/>
+          </a:xfrm>
+        </p:spPr>
+      </p:pic>
       <p:sp>
         <p:nvSpPr>
           <p:cNvPr id="8" name="Slide Number Placeholder 7"/>
@@ -5868,7 +9632,7 @@
           <a:p>
             <a:fld id="{9C1F5A0A-F6FC-4FFD-9B49-0DA8697211D9}" type="slidenum">
               <a:rPr lang="en-US" smtClean="0"/>
-              <a:t>10</a:t>
+              <a:t>5</a:t>
             </a:fld>
             <a:endParaRPr lang="en-US"/>
           </a:p>
@@ -5996,8 +9760,8 @@
         </p:nvSpPr>
         <p:spPr>
           <a:xfrm>
-            <a:off x="0" y="672187"/>
-            <a:ext cx="4224290" cy="4057966"/>
+            <a:off x="-193269" y="672187"/>
+            <a:ext cx="4790290" cy="4057966"/>
           </a:xfrm>
           <a:prstGeom prst="rect">
             <a:avLst/>
@@ -6179,6 +9943,22 @@
           </a:lstStyle>
           <a:p>
             <a:pPr lvl="1"/>
+            <a:endParaRPr lang="en-US" sz="2800" dirty="0" smtClean="0"/>
+          </a:p>
+          <a:p>
+            <a:pPr lvl="1"/>
+            <a:r>
+              <a:rPr lang="en-US" sz="2800" dirty="0" smtClean="0"/>
+              <a:t>Code analysis</a:t>
+            </a:r>
+            <a:endParaRPr lang="en-US" sz="2800" dirty="0" smtClean="0">
+              <a:solidFill>
+                <a:srgbClr val="12BB00"/>
+              </a:solidFill>
+            </a:endParaRPr>
+          </a:p>
+          <a:p>
+            <a:pPr lvl="1"/>
             <a:r>
               <a:rPr lang="en-US" sz="2800" dirty="0" smtClean="0"/>
               <a:t>Refactor </a:t>
@@ -6190,382 +9970,59 @@
               </a:rPr>
               <a:t>ttDilepKinFit</a:t>
             </a:r>
-            <a:endParaRPr lang="en-US" sz="2000" dirty="0" smtClean="0">
-              <a:latin typeface="Lucida Console"/>
+            <a:endParaRPr lang="en-US" sz="2800" dirty="0" smtClean="0">
+              <a:solidFill>
+                <a:srgbClr val="12BB00"/>
+              </a:solidFill>
               <a:cs typeface="Lucida Console"/>
             </a:endParaRPr>
+          </a:p>
+          <a:p>
+            <a:pPr lvl="1"/>
+            <a:endParaRPr lang="en-US" sz="2000" dirty="0" smtClean="0">
+              <a:cs typeface="Lucida Console"/>
+            </a:endParaRPr>
+          </a:p>
+        </p:txBody>
+      </p:sp>
+      <p:sp>
+        <p:nvSpPr>
+          <p:cNvPr id="4" name="TextBox 3"/>
+          <p:cNvSpPr txBox="1"/>
+          <p:nvPr/>
+        </p:nvSpPr>
+        <p:spPr>
+          <a:xfrm>
+            <a:off x="5383557" y="6027892"/>
+            <a:ext cx="2264412" cy="369332"/>
+          </a:xfrm>
+          <a:prstGeom prst="rect">
+            <a:avLst/>
+          </a:prstGeom>
+          <a:noFill/>
+        </p:spPr>
+        <p:txBody>
+          <a:bodyPr wrap="none" rtlCol="0">
+            <a:spAutoFit/>
+          </a:bodyPr>
+          <a:lstStyle/>
+          <a:p>
+            <a:r>
+              <a:rPr lang="en-US" dirty="0" err="1" smtClean="0"/>
+              <a:t>ttDilepKinFit</a:t>
+            </a:r>
+            <a:r>
+              <a:rPr lang="en-US" dirty="0" smtClean="0"/>
+              <a:t> workflows</a:t>
+            </a:r>
+            <a:endParaRPr lang="en-US" dirty="0"/>
           </a:p>
         </p:txBody>
       </p:sp>
     </p:spTree>
     <p:extLst>
       <p:ext uri="{BB962C8B-B14F-4D97-AF65-F5344CB8AC3E}">
-        <p14:creationId xmlns:p14="http://schemas.microsoft.com/office/powerpoint/2010/main" val="2727682606"/>
-      </p:ext>
-    </p:extLst>
-  </p:cSld>
-  <p:clrMapOvr>
-    <a:masterClrMapping/>
-  </p:clrMapOvr>
-</p:sld>
-</file>
-
-<file path=ppt/slides/slide11.xml><?xml version="1.0" encoding="utf-8"?>
-<p:sld xmlns:a="http://schemas.openxmlformats.org/drawingml/2006/main" xmlns:r="http://schemas.openxmlformats.org/officeDocument/2006/relationships" xmlns:p="http://schemas.openxmlformats.org/presentationml/2006/main">
-  <p:cSld>
-    <p:spTree>
-      <p:nvGrpSpPr>
-        <p:cNvPr id="1" name=""/>
-        <p:cNvGrpSpPr/>
-        <p:nvPr/>
-      </p:nvGrpSpPr>
-      <p:grpSpPr>
-        <a:xfrm>
-          <a:off x="0" y="0"/>
-          <a:ext cx="0" cy="0"/>
-          <a:chOff x="0" y="0"/>
-          <a:chExt cx="0" cy="0"/>
-        </a:xfrm>
-      </p:grpSpPr>
-      <p:sp>
-        <p:nvSpPr>
-          <p:cNvPr id="2" name="Title 1"/>
-          <p:cNvSpPr>
-            <a:spLocks noGrp="1"/>
-          </p:cNvSpPr>
-          <p:nvPr>
-            <p:ph type="title"/>
-          </p:nvPr>
-        </p:nvSpPr>
-        <p:spPr/>
-        <p:txBody>
-          <a:bodyPr/>
-          <a:lstStyle/>
-          <a:p>
-            <a:r>
-              <a:rPr lang="en-US" dirty="0" smtClean="0">
-                <a:solidFill>
-                  <a:srgbClr val="1F497D"/>
-                </a:solidFill>
-              </a:rPr>
-              <a:t>Future Work</a:t>
-            </a:r>
-            <a:endParaRPr lang="en-US" dirty="0">
-              <a:solidFill>
-                <a:srgbClr val="1F497D"/>
-              </a:solidFill>
-            </a:endParaRPr>
-          </a:p>
-        </p:txBody>
-      </p:sp>
-      <p:sp>
-        <p:nvSpPr>
-          <p:cNvPr id="4" name="Footer Placeholder 3"/>
-          <p:cNvSpPr>
-            <a:spLocks noGrp="1"/>
-          </p:cNvSpPr>
-          <p:nvPr>
-            <p:ph type="ftr" sz="quarter" idx="11"/>
-          </p:nvPr>
-        </p:nvSpPr>
-        <p:spPr/>
-        <p:txBody>
-          <a:bodyPr/>
-          <a:lstStyle/>
-          <a:p>
-            <a:endParaRPr lang="en-US"/>
-          </a:p>
-        </p:txBody>
-      </p:sp>
-      <p:sp>
-        <p:nvSpPr>
-          <p:cNvPr id="5" name="Slide Number Placeholder 4"/>
-          <p:cNvSpPr>
-            <a:spLocks noGrp="1"/>
-          </p:cNvSpPr>
-          <p:nvPr>
-            <p:ph type="sldNum" sz="quarter" idx="12"/>
-          </p:nvPr>
-        </p:nvSpPr>
-        <p:spPr/>
-        <p:txBody>
-          <a:bodyPr>
-            <a:normAutofit fontScale="85000" lnSpcReduction="20000"/>
-          </a:bodyPr>
-          <a:lstStyle/>
-          <a:p>
-            <a:fld id="{9C1F5A0A-F6FC-4FFD-9B49-0DA8697211D9}" type="slidenum">
-              <a:rPr lang="en-US" smtClean="0"/>
-              <a:t>11</a:t>
-            </a:fld>
-            <a:endParaRPr lang="en-US"/>
-          </a:p>
-        </p:txBody>
-      </p:sp>
-      <p:sp>
-        <p:nvSpPr>
-          <p:cNvPr id="3" name="Content Placeholder 2"/>
-          <p:cNvSpPr>
-            <a:spLocks noGrp="1"/>
-          </p:cNvSpPr>
-          <p:nvPr>
-            <p:ph sz="quarter" idx="1"/>
-          </p:nvPr>
-        </p:nvSpPr>
-        <p:spPr/>
-        <p:txBody>
-          <a:bodyPr/>
-          <a:lstStyle/>
-          <a:p>
-            <a:pPr marL="0" indent="0">
-              <a:buNone/>
-            </a:pPr>
-            <a:endParaRPr lang="en-US" sz="2800" dirty="0" smtClean="0"/>
-          </a:p>
-          <a:p>
-            <a:r>
-              <a:rPr lang="en-US" sz="2800" dirty="0" smtClean="0"/>
-              <a:t>Parallelization on </a:t>
-            </a:r>
-            <a:r>
-              <a:rPr lang="en-US" sz="2800" dirty="0"/>
-              <a:t>heterogeneous </a:t>
-            </a:r>
-            <a:r>
-              <a:rPr lang="en-US" sz="2800" dirty="0" smtClean="0"/>
-              <a:t>platforms</a:t>
-            </a:r>
-          </a:p>
-          <a:p>
-            <a:pPr lvl="1"/>
-            <a:r>
-              <a:rPr lang="en-US" sz="2400" dirty="0" smtClean="0"/>
-              <a:t>Comparing accelerator devices</a:t>
-            </a:r>
-          </a:p>
-          <a:p>
-            <a:r>
-              <a:rPr lang="en-US" sz="2800" dirty="0" err="1" smtClean="0"/>
-              <a:t>OpenACC</a:t>
-            </a:r>
-            <a:r>
-              <a:rPr lang="en-US" sz="2800" dirty="0" smtClean="0"/>
-              <a:t> </a:t>
-            </a:r>
-            <a:r>
-              <a:rPr lang="en-US" sz="2800" dirty="0" err="1" smtClean="0"/>
-              <a:t>vs</a:t>
-            </a:r>
-            <a:r>
-              <a:rPr lang="en-US" sz="2800" dirty="0" smtClean="0"/>
-              <a:t> GAMA</a:t>
-            </a:r>
-            <a:endParaRPr lang="en-US" sz="2800" dirty="0"/>
-          </a:p>
-        </p:txBody>
-      </p:sp>
-    </p:spTree>
-    <p:extLst>
-      <p:ext uri="{BB962C8B-B14F-4D97-AF65-F5344CB8AC3E}">
-        <p14:creationId xmlns:p14="http://schemas.microsoft.com/office/powerpoint/2010/main" val="1880283775"/>
-      </p:ext>
-    </p:extLst>
-  </p:cSld>
-  <p:clrMapOvr>
-    <a:masterClrMapping/>
-  </p:clrMapOvr>
-</p:sld>
-</file>
-
-<file path=ppt/slides/slide12.xml><?xml version="1.0" encoding="utf-8"?>
-<p:sld xmlns:a="http://schemas.openxmlformats.org/drawingml/2006/main" xmlns:r="http://schemas.openxmlformats.org/officeDocument/2006/relationships" xmlns:p="http://schemas.openxmlformats.org/presentationml/2006/main">
-  <p:cSld>
-    <p:spTree>
-      <p:nvGrpSpPr>
-        <p:cNvPr id="1" name=""/>
-        <p:cNvGrpSpPr/>
-        <p:nvPr/>
-      </p:nvGrpSpPr>
-      <p:grpSpPr>
-        <a:xfrm>
-          <a:off x="0" y="0"/>
-          <a:ext cx="0" cy="0"/>
-          <a:chOff x="0" y="0"/>
-          <a:chExt cx="0" cy="0"/>
-        </a:xfrm>
-      </p:grpSpPr>
-      <p:sp>
-        <p:nvSpPr>
-          <p:cNvPr id="2" name="Title 1"/>
-          <p:cNvSpPr>
-            <a:spLocks noGrp="1"/>
-          </p:cNvSpPr>
-          <p:nvPr>
-            <p:ph type="ctrTitle"/>
-          </p:nvPr>
-        </p:nvSpPr>
-        <p:spPr>
-          <a:xfrm>
-            <a:off x="685800" y="2083261"/>
-            <a:ext cx="7772400" cy="2083263"/>
-          </a:xfrm>
-        </p:spPr>
-        <p:txBody>
-          <a:bodyPr/>
-          <a:lstStyle/>
-          <a:p>
-            <a:r>
-              <a:rPr lang="en-US" sz="3600" dirty="0">
-                <a:effectLst>
-                  <a:outerShdw blurRad="50800" dist="38100" dir="2700000" algn="tl" rotWithShape="0">
-                    <a:prstClr val="black">
-                      <a:alpha val="40000"/>
-                    </a:prstClr>
-                  </a:outerShdw>
-                </a:effectLst>
-              </a:rPr>
-              <a:t>Efficient processing of ATLAS events analysis in platforms with accelerator devices </a:t>
-            </a:r>
-            <a:endParaRPr lang="en-US" sz="3600" dirty="0">
-              <a:effectLst>
-                <a:outerShdw blurRad="50800" dist="38100" dir="2700000" algn="tl" rotWithShape="0">
-                  <a:prstClr val="black">
-                    <a:alpha val="40000"/>
-                  </a:prstClr>
-                </a:outerShdw>
-              </a:effectLst>
-            </a:endParaRPr>
-          </a:p>
-        </p:txBody>
-      </p:sp>
-      <p:sp>
-        <p:nvSpPr>
-          <p:cNvPr id="3" name="Subtitle 2"/>
-          <p:cNvSpPr>
-            <a:spLocks noGrp="1"/>
-          </p:cNvSpPr>
-          <p:nvPr>
-            <p:ph type="subTitle" idx="1"/>
-          </p:nvPr>
-        </p:nvSpPr>
-        <p:spPr>
-          <a:xfrm>
-            <a:off x="1141361" y="4997150"/>
-            <a:ext cx="7772400" cy="877824"/>
-          </a:xfrm>
-        </p:spPr>
-        <p:txBody>
-          <a:bodyPr>
-            <a:normAutofit fontScale="62500" lnSpcReduction="20000"/>
-          </a:bodyPr>
-          <a:lstStyle/>
-          <a:p>
-            <a:pPr algn="r"/>
-            <a:r>
-              <a:rPr lang="en-US" dirty="0" smtClean="0"/>
-              <a:t>Andr</a:t>
-            </a:r>
-            <a:r>
-              <a:rPr lang="en-US" dirty="0" smtClean="0"/>
-              <a:t>é Pereira</a:t>
-            </a:r>
-            <a:endParaRPr lang="en-US" dirty="0" smtClean="0"/>
-          </a:p>
-          <a:p>
-            <a:pPr algn="r"/>
-            <a:r>
-              <a:rPr lang="en-US" dirty="0" smtClean="0"/>
-              <a:t>Prof. Alberto </a:t>
-            </a:r>
-            <a:r>
-              <a:rPr lang="en-US" dirty="0" err="1" smtClean="0"/>
-              <a:t>Proença</a:t>
-            </a:r>
-            <a:r>
-              <a:rPr lang="en-US" dirty="0" smtClean="0"/>
-              <a:t> (Advisor)</a:t>
-            </a:r>
-          </a:p>
-          <a:p>
-            <a:pPr algn="r"/>
-            <a:r>
-              <a:rPr lang="en-US" dirty="0" smtClean="0"/>
-              <a:t>Prof. </a:t>
-            </a:r>
-            <a:r>
-              <a:rPr lang="en-US" dirty="0" err="1" smtClean="0"/>
-              <a:t>Ant</a:t>
-            </a:r>
-            <a:r>
-              <a:rPr lang="en-US" dirty="0" err="1" smtClean="0"/>
-              <a:t>ónio</a:t>
-            </a:r>
-            <a:r>
-              <a:rPr lang="en-US" dirty="0" smtClean="0"/>
-              <a:t> </a:t>
-            </a:r>
-            <a:r>
-              <a:rPr lang="en-US" dirty="0" err="1" smtClean="0"/>
-              <a:t>Onofre</a:t>
-            </a:r>
-            <a:r>
-              <a:rPr lang="en-US" dirty="0" smtClean="0"/>
-              <a:t> (Co-Advisor)</a:t>
-            </a:r>
-            <a:endParaRPr lang="en-US" dirty="0"/>
-          </a:p>
-        </p:txBody>
-      </p:sp>
-      <p:cxnSp>
-        <p:nvCxnSpPr>
-          <p:cNvPr id="6" name="Straight Connector 5"/>
-          <p:cNvCxnSpPr>
-            <a:endCxn id="3" idx="0"/>
-          </p:cNvCxnSpPr>
-          <p:nvPr/>
-        </p:nvCxnSpPr>
-        <p:spPr>
-          <a:xfrm flipH="1">
-            <a:off x="5027561" y="4997150"/>
-            <a:ext cx="3886200" cy="0"/>
-          </a:xfrm>
-          <a:prstGeom prst="line">
-            <a:avLst/>
-          </a:prstGeom>
-          <a:ln>
-            <a:solidFill>
-              <a:schemeClr val="tx1">
-                <a:lumMod val="95000"/>
-              </a:schemeClr>
-            </a:solidFill>
-          </a:ln>
-          <a:effectLst>
-            <a:innerShdw blurRad="63500" dist="50800" dir="16200000">
-              <a:prstClr val="black">
-                <a:alpha val="50000"/>
-              </a:prstClr>
-            </a:innerShdw>
-          </a:effectLst>
-        </p:spPr>
-        <p:style>
-          <a:lnRef idx="2">
-            <a:schemeClr val="accent1"/>
-          </a:lnRef>
-          <a:fillRef idx="0">
-            <a:schemeClr val="accent1"/>
-          </a:fillRef>
-          <a:effectRef idx="1">
-            <a:schemeClr val="accent1"/>
-          </a:effectRef>
-          <a:fontRef idx="minor">
-            <a:schemeClr val="tx1"/>
-          </a:fontRef>
-        </p:style>
-      </p:cxnSp>
-    </p:spTree>
-    <p:extLst>
-      <p:ext uri="{BB962C8B-B14F-4D97-AF65-F5344CB8AC3E}">
-        <p14:creationId xmlns:p14="http://schemas.microsoft.com/office/powerpoint/2010/main" val="1967502512"/>
+        <p14:creationId xmlns:p14="http://schemas.microsoft.com/office/powerpoint/2010/main" val="1177743924"/>
       </p:ext>
     </p:extLst>
   </p:cSld>
@@ -6579,713 +10036,6 @@
       </p:par>
     </p:tnLst>
   </p:timing>
-</p:sld>
-</file>
-
-<file path=ppt/slides/slide2.xml><?xml version="1.0" encoding="utf-8"?>
-<p:sld xmlns:a="http://schemas.openxmlformats.org/drawingml/2006/main" xmlns:r="http://schemas.openxmlformats.org/officeDocument/2006/relationships" xmlns:p="http://schemas.openxmlformats.org/presentationml/2006/main">
-  <p:cSld>
-    <p:spTree>
-      <p:nvGrpSpPr>
-        <p:cNvPr id="1" name=""/>
-        <p:cNvGrpSpPr/>
-        <p:nvPr/>
-      </p:nvGrpSpPr>
-      <p:grpSpPr>
-        <a:xfrm>
-          <a:off x="0" y="0"/>
-          <a:ext cx="0" cy="0"/>
-          <a:chOff x="0" y="0"/>
-          <a:chExt cx="0" cy="0"/>
-        </a:xfrm>
-      </p:grpSpPr>
-      <p:sp>
-        <p:nvSpPr>
-          <p:cNvPr id="2" name="Title 1"/>
-          <p:cNvSpPr>
-            <a:spLocks noGrp="1"/>
-          </p:cNvSpPr>
-          <p:nvPr>
-            <p:ph type="title"/>
-          </p:nvPr>
-        </p:nvSpPr>
-        <p:spPr/>
-        <p:txBody>
-          <a:bodyPr/>
-          <a:lstStyle/>
-          <a:p>
-            <a:r>
-              <a:rPr lang="en-US" dirty="0" smtClean="0">
-                <a:solidFill>
-                  <a:srgbClr val="1F497D"/>
-                </a:solidFill>
-              </a:rPr>
-              <a:t>Index</a:t>
-            </a:r>
-            <a:endParaRPr lang="en-US" dirty="0">
-              <a:solidFill>
-                <a:srgbClr val="1F497D"/>
-              </a:solidFill>
-            </a:endParaRPr>
-          </a:p>
-        </p:txBody>
-      </p:sp>
-      <p:sp>
-        <p:nvSpPr>
-          <p:cNvPr id="4" name="Footer Placeholder 3"/>
-          <p:cNvSpPr>
-            <a:spLocks noGrp="1"/>
-          </p:cNvSpPr>
-          <p:nvPr>
-            <p:ph type="ftr" sz="quarter" idx="11"/>
-          </p:nvPr>
-        </p:nvSpPr>
-        <p:spPr/>
-        <p:txBody>
-          <a:bodyPr/>
-          <a:lstStyle/>
-          <a:p>
-            <a:endParaRPr lang="en-US"/>
-          </a:p>
-        </p:txBody>
-      </p:sp>
-      <p:sp>
-        <p:nvSpPr>
-          <p:cNvPr id="5" name="Slide Number Placeholder 4"/>
-          <p:cNvSpPr>
-            <a:spLocks noGrp="1"/>
-          </p:cNvSpPr>
-          <p:nvPr>
-            <p:ph type="sldNum" sz="quarter" idx="12"/>
-          </p:nvPr>
-        </p:nvSpPr>
-        <p:spPr/>
-        <p:txBody>
-          <a:bodyPr>
-            <a:normAutofit fontScale="85000" lnSpcReduction="20000"/>
-          </a:bodyPr>
-          <a:lstStyle/>
-          <a:p>
-            <a:fld id="{9C1F5A0A-F6FC-4FFD-9B49-0DA8697211D9}" type="slidenum">
-              <a:rPr lang="en-US" smtClean="0"/>
-              <a:t>2</a:t>
-            </a:fld>
-            <a:endParaRPr lang="en-US"/>
-          </a:p>
-        </p:txBody>
-      </p:sp>
-      <p:sp>
-        <p:nvSpPr>
-          <p:cNvPr id="3" name="Content Placeholder 2"/>
-          <p:cNvSpPr>
-            <a:spLocks noGrp="1"/>
-          </p:cNvSpPr>
-          <p:nvPr>
-            <p:ph sz="quarter" idx="1"/>
-          </p:nvPr>
-        </p:nvSpPr>
-        <p:spPr/>
-        <p:txBody>
-          <a:bodyPr/>
-          <a:lstStyle/>
-          <a:p>
-            <a:r>
-              <a:rPr lang="en-US" dirty="0" smtClean="0"/>
-              <a:t>Motivation</a:t>
-            </a:r>
-          </a:p>
-          <a:p>
-            <a:r>
-              <a:rPr lang="en-US" dirty="0" smtClean="0"/>
-              <a:t>State of the Art</a:t>
-            </a:r>
-          </a:p>
-          <a:p>
-            <a:pPr lvl="1"/>
-            <a:r>
-              <a:rPr lang="en-US" dirty="0" smtClean="0"/>
-              <a:t>Heterogeneous Platforms</a:t>
-            </a:r>
-          </a:p>
-          <a:p>
-            <a:pPr lvl="1"/>
-            <a:r>
-              <a:rPr lang="en-US" dirty="0" smtClean="0"/>
-              <a:t>Software</a:t>
-            </a:r>
-          </a:p>
-          <a:p>
-            <a:r>
-              <a:rPr lang="en-US" dirty="0" smtClean="0"/>
-              <a:t>The </a:t>
-            </a:r>
-            <a:r>
-              <a:rPr lang="en-US" sz="2000" dirty="0" err="1" smtClean="0">
-                <a:latin typeface="Lucida Console"/>
-                <a:cs typeface="Lucida Console"/>
-              </a:rPr>
-              <a:t>ttH_dilep</a:t>
-            </a:r>
-            <a:r>
-              <a:rPr lang="en-US" dirty="0" smtClean="0"/>
-              <a:t> Analysis Application</a:t>
-            </a:r>
-          </a:p>
-          <a:p>
-            <a:r>
-              <a:rPr lang="en-US" dirty="0" smtClean="0"/>
-              <a:t>Future Work</a:t>
-            </a:r>
-            <a:endParaRPr lang="en-US" dirty="0"/>
-          </a:p>
-        </p:txBody>
-      </p:sp>
-    </p:spTree>
-    <p:extLst>
-      <p:ext uri="{BB962C8B-B14F-4D97-AF65-F5344CB8AC3E}">
-        <p14:creationId xmlns:p14="http://schemas.microsoft.com/office/powerpoint/2010/main" val="1359746690"/>
-      </p:ext>
-    </p:extLst>
-  </p:cSld>
-  <p:clrMapOvr>
-    <a:masterClrMapping/>
-  </p:clrMapOvr>
-</p:sld>
-</file>
-
-<file path=ppt/slides/slide3.xml><?xml version="1.0" encoding="utf-8"?>
-<p:sld xmlns:a="http://schemas.openxmlformats.org/drawingml/2006/main" xmlns:r="http://schemas.openxmlformats.org/officeDocument/2006/relationships" xmlns:p="http://schemas.openxmlformats.org/presentationml/2006/main">
-  <p:cSld>
-    <p:spTree>
-      <p:nvGrpSpPr>
-        <p:cNvPr id="1" name=""/>
-        <p:cNvGrpSpPr/>
-        <p:nvPr/>
-      </p:nvGrpSpPr>
-      <p:grpSpPr>
-        <a:xfrm>
-          <a:off x="0" y="0"/>
-          <a:ext cx="0" cy="0"/>
-          <a:chOff x="0" y="0"/>
-          <a:chExt cx="0" cy="0"/>
-        </a:xfrm>
-      </p:grpSpPr>
-      <p:sp>
-        <p:nvSpPr>
-          <p:cNvPr id="2" name="Title 1"/>
-          <p:cNvSpPr>
-            <a:spLocks noGrp="1"/>
-          </p:cNvSpPr>
-          <p:nvPr>
-            <p:ph type="title"/>
-          </p:nvPr>
-        </p:nvSpPr>
-        <p:spPr/>
-        <p:txBody>
-          <a:bodyPr/>
-          <a:lstStyle/>
-          <a:p>
-            <a:r>
-              <a:rPr lang="en-US" dirty="0" smtClean="0">
-                <a:solidFill>
-                  <a:srgbClr val="1F497D"/>
-                </a:solidFill>
-              </a:rPr>
-              <a:t>Motivation</a:t>
-            </a:r>
-            <a:endParaRPr lang="en-US" dirty="0">
-              <a:solidFill>
-                <a:srgbClr val="1F497D"/>
-              </a:solidFill>
-            </a:endParaRPr>
-          </a:p>
-        </p:txBody>
-      </p:sp>
-      <p:sp>
-        <p:nvSpPr>
-          <p:cNvPr id="4" name="Footer Placeholder 3"/>
-          <p:cNvSpPr>
-            <a:spLocks noGrp="1"/>
-          </p:cNvSpPr>
-          <p:nvPr>
-            <p:ph type="ftr" sz="quarter" idx="11"/>
-          </p:nvPr>
-        </p:nvSpPr>
-        <p:spPr/>
-        <p:txBody>
-          <a:bodyPr/>
-          <a:lstStyle/>
-          <a:p>
-            <a:endParaRPr lang="en-US"/>
-          </a:p>
-        </p:txBody>
-      </p:sp>
-      <p:sp>
-        <p:nvSpPr>
-          <p:cNvPr id="5" name="Slide Number Placeholder 4"/>
-          <p:cNvSpPr>
-            <a:spLocks noGrp="1"/>
-          </p:cNvSpPr>
-          <p:nvPr>
-            <p:ph type="sldNum" sz="quarter" idx="12"/>
-          </p:nvPr>
-        </p:nvSpPr>
-        <p:spPr/>
-        <p:txBody>
-          <a:bodyPr>
-            <a:normAutofit fontScale="85000" lnSpcReduction="20000"/>
-          </a:bodyPr>
-          <a:lstStyle/>
-          <a:p>
-            <a:fld id="{9C1F5A0A-F6FC-4FFD-9B49-0DA8697211D9}" type="slidenum">
-              <a:rPr lang="en-US" smtClean="0"/>
-              <a:t>3</a:t>
-            </a:fld>
-            <a:endParaRPr lang="en-US"/>
-          </a:p>
-        </p:txBody>
-      </p:sp>
-      <p:pic>
-        <p:nvPicPr>
-          <p:cNvPr id="6" name="7 TeV Collisions in the Large Hadron Collider to Be Made on March 30, CERN.mp4">
-            <a:hlinkClick r:id="" action="ppaction://media"/>
-          </p:cNvPr>
-          <p:cNvPicPr>
-            <a:picLocks noGrp="1" noChangeAspect="1"/>
-          </p:cNvPicPr>
-          <p:nvPr>
-            <p:ph sz="quarter" idx="1"/>
-            <a:videoFile r:link="rId2"/>
-            <p:extLst>
-              <p:ext uri="{DAA4B4D4-6D71-4841-9C94-3DE7FCFB9230}">
-                <p14:media xmlns:p14="http://schemas.microsoft.com/office/powerpoint/2010/main" r:embed="rId1"/>
-              </p:ext>
-            </p:extLst>
-          </p:nvPr>
-        </p:nvPicPr>
-        <p:blipFill>
-          <a:blip r:embed="rId4"/>
-          <a:srcRect t="986" b="986"/>
-          <a:stretch>
-            <a:fillRect/>
-          </a:stretch>
-        </p:blipFill>
-        <p:spPr>
-          <a:xfrm>
-            <a:off x="692150" y="1600200"/>
-            <a:ext cx="7993063" cy="4495800"/>
-          </a:xfrm>
-          <a:prstGeom prst="rect">
-            <a:avLst/>
-          </a:prstGeom>
-          <a:ln>
-            <a:noFill/>
-          </a:ln>
-          <a:effectLst>
-            <a:outerShdw blurRad="190500" algn="tl" rotWithShape="0">
-              <a:srgbClr val="000000">
-                <a:alpha val="70000"/>
-              </a:srgbClr>
-            </a:outerShdw>
-          </a:effectLst>
-        </p:spPr>
-      </p:pic>
-    </p:spTree>
-    <p:extLst>
-      <p:ext uri="{BB962C8B-B14F-4D97-AF65-F5344CB8AC3E}">
-        <p14:creationId xmlns:p14="http://schemas.microsoft.com/office/powerpoint/2010/main" val="1946771515"/>
-      </p:ext>
-    </p:extLst>
-  </p:cSld>
-  <p:clrMapOvr>
-    <a:masterClrMapping/>
-  </p:clrMapOvr>
-  <p:timing>
-    <p:tnLst>
-      <p:par>
-        <p:cTn xmlns:p14="http://schemas.microsoft.com/office/powerpoint/2010/main" id="1" dur="indefinite" restart="never" nodeType="tmRoot">
-          <p:childTnLst>
-            <p:seq concurrent="1" nextAc="seek">
-              <p:cTn id="2" restart="whenNotActive" fill="hold" evtFilter="cancelBubble" nodeType="interactiveSeq">
-                <p:stCondLst>
-                  <p:cond evt="onClick" delay="0">
-                    <p:tgtEl>
-                      <p:spTgt spid="6"/>
-                    </p:tgtEl>
-                  </p:cond>
-                </p:stCondLst>
-                <p:endSync evt="end" delay="0">
-                  <p:rtn val="all"/>
-                </p:endSync>
-                <p:childTnLst>
-                  <p:par>
-                    <p:cTn id="3" fill="hold">
-                      <p:stCondLst>
-                        <p:cond delay="0"/>
-                      </p:stCondLst>
-                      <p:childTnLst>
-                        <p:par>
-                          <p:cTn id="4" fill="hold">
-                            <p:stCondLst>
-                              <p:cond delay="0"/>
-                            </p:stCondLst>
-                            <p:childTnLst>
-                              <p:par>
-                                <p:cTn id="5" presetID="2" presetClass="mediacall" presetSubtype="0" fill="hold" nodeType="clickEffect">
-                                  <p:stCondLst>
-                                    <p:cond delay="0"/>
-                                  </p:stCondLst>
-                                  <p:childTnLst>
-                                    <p:cmd type="call" cmd="togglePause">
-                                      <p:cBhvr>
-                                        <p:cTn id="6" dur="1" fill="hold"/>
-                                        <p:tgtEl>
-                                          <p:spTgt spid="6"/>
-                                        </p:tgtEl>
-                                      </p:cBhvr>
-                                    </p:cmd>
-                                  </p:childTnLst>
-                                </p:cTn>
-                              </p:par>
-                            </p:childTnLst>
-                          </p:cTn>
-                        </p:par>
-                      </p:childTnLst>
-                    </p:cTn>
-                  </p:par>
-                </p:childTnLst>
-              </p:cTn>
-              <p:nextCondLst>
-                <p:cond evt="onClick" delay="0">
-                  <p:tgtEl>
-                    <p:spTgt spid="6"/>
-                  </p:tgtEl>
-                </p:cond>
-              </p:nextCondLst>
-            </p:seq>
-            <p:video>
-              <p:cMediaNode vol="80000">
-                <p:cTn id="7" fill="hold" display="0">
-                  <p:stCondLst>
-                    <p:cond delay="indefinite"/>
-                  </p:stCondLst>
-                </p:cTn>
-                <p:tgtEl>
-                  <p:spTgt spid="6"/>
-                </p:tgtEl>
-              </p:cMediaNode>
-            </p:video>
-          </p:childTnLst>
-        </p:cTn>
-      </p:par>
-    </p:tnLst>
-  </p:timing>
-</p:sld>
-</file>
-
-<file path=ppt/slides/slide4.xml><?xml version="1.0" encoding="utf-8"?>
-<p:sld xmlns:a="http://schemas.openxmlformats.org/drawingml/2006/main" xmlns:r="http://schemas.openxmlformats.org/officeDocument/2006/relationships" xmlns:p="http://schemas.openxmlformats.org/presentationml/2006/main">
-  <p:cSld>
-    <p:spTree>
-      <p:nvGrpSpPr>
-        <p:cNvPr id="1" name=""/>
-        <p:cNvGrpSpPr/>
-        <p:nvPr/>
-      </p:nvGrpSpPr>
-      <p:grpSpPr>
-        <a:xfrm>
-          <a:off x="0" y="0"/>
-          <a:ext cx="0" cy="0"/>
-          <a:chOff x="0" y="0"/>
-          <a:chExt cx="0" cy="0"/>
-        </a:xfrm>
-      </p:grpSpPr>
-      <p:sp>
-        <p:nvSpPr>
-          <p:cNvPr id="2" name="Title 1"/>
-          <p:cNvSpPr>
-            <a:spLocks noGrp="1"/>
-          </p:cNvSpPr>
-          <p:nvPr>
-            <p:ph type="title"/>
-          </p:nvPr>
-        </p:nvSpPr>
-        <p:spPr/>
-        <p:txBody>
-          <a:bodyPr/>
-          <a:lstStyle/>
-          <a:p>
-            <a:r>
-              <a:rPr lang="en-US" dirty="0" smtClean="0"/>
-              <a:t>Motivation</a:t>
-            </a:r>
-            <a:endParaRPr lang="en-US" dirty="0"/>
-          </a:p>
-        </p:txBody>
-      </p:sp>
-      <p:sp>
-        <p:nvSpPr>
-          <p:cNvPr id="4" name="Footer Placeholder 3"/>
-          <p:cNvSpPr>
-            <a:spLocks noGrp="1"/>
-          </p:cNvSpPr>
-          <p:nvPr>
-            <p:ph type="ftr" sz="quarter" idx="11"/>
-          </p:nvPr>
-        </p:nvSpPr>
-        <p:spPr/>
-        <p:txBody>
-          <a:bodyPr/>
-          <a:lstStyle/>
-          <a:p>
-            <a:endParaRPr lang="en-US"/>
-          </a:p>
-        </p:txBody>
-      </p:sp>
-      <p:sp>
-        <p:nvSpPr>
-          <p:cNvPr id="5" name="Slide Number Placeholder 4"/>
-          <p:cNvSpPr>
-            <a:spLocks noGrp="1"/>
-          </p:cNvSpPr>
-          <p:nvPr>
-            <p:ph type="sldNum" sz="quarter" idx="12"/>
-          </p:nvPr>
-        </p:nvSpPr>
-        <p:spPr/>
-        <p:txBody>
-          <a:bodyPr>
-            <a:normAutofit fontScale="85000" lnSpcReduction="20000"/>
-          </a:bodyPr>
-          <a:lstStyle/>
-          <a:p>
-            <a:fld id="{9C1F5A0A-F6FC-4FFD-9B49-0DA8697211D9}" type="slidenum">
-              <a:rPr lang="en-US" smtClean="0"/>
-              <a:t>4</a:t>
-            </a:fld>
-            <a:endParaRPr lang="en-US"/>
-          </a:p>
-        </p:txBody>
-      </p:sp>
-      <p:pic>
-        <p:nvPicPr>
-          <p:cNvPr id="6" name="Content Placeholder 5" descr="ttbar_higgs.png"/>
-          <p:cNvPicPr>
-            <a:picLocks noGrp="1" noChangeAspect="1"/>
-          </p:cNvPicPr>
-          <p:nvPr>
-            <p:ph sz="quarter" idx="1"/>
-          </p:nvPr>
-        </p:nvPicPr>
-        <p:blipFill>
-          <a:blip r:embed="rId2">
-            <a:extLst>
-              <a:ext uri="{28A0092B-C50C-407E-A947-70E740481C1C}">
-                <a14:useLocalDpi xmlns:a14="http://schemas.microsoft.com/office/drawing/2010/main" val="0"/>
-              </a:ext>
-            </a:extLst>
-          </a:blip>
-          <a:srcRect l="-9939" r="-9939"/>
-          <a:stretch>
-            <a:fillRect/>
-          </a:stretch>
-        </p:blipFill>
-        <p:spPr>
-          <a:xfrm>
-            <a:off x="483362" y="1550893"/>
-            <a:ext cx="8282686" cy="4537437"/>
-          </a:xfrm>
-          <a:prstGeom prst="rect">
-            <a:avLst/>
-          </a:prstGeom>
-          <a:noFill/>
-          <a:ln>
-            <a:noFill/>
-          </a:ln>
-        </p:spPr>
-      </p:pic>
-      <p:sp>
-        <p:nvSpPr>
-          <p:cNvPr id="7" name="TextBox 6"/>
-          <p:cNvSpPr txBox="1"/>
-          <p:nvPr/>
-        </p:nvSpPr>
-        <p:spPr>
-          <a:xfrm>
-            <a:off x="5135410" y="5917470"/>
-            <a:ext cx="3966809" cy="369332"/>
-          </a:xfrm>
-          <a:prstGeom prst="rect">
-            <a:avLst/>
-          </a:prstGeom>
-          <a:noFill/>
-        </p:spPr>
-        <p:txBody>
-          <a:bodyPr wrap="square" rtlCol="0">
-            <a:spAutoFit/>
-          </a:bodyPr>
-          <a:lstStyle/>
-          <a:p>
-            <a:r>
-              <a:rPr lang="en-US" dirty="0" smtClean="0"/>
-              <a:t> </a:t>
-            </a:r>
-            <a:r>
-              <a:rPr lang="en-US" dirty="0" err="1" smtClean="0"/>
-              <a:t>ttbar</a:t>
-            </a:r>
-            <a:r>
-              <a:rPr lang="en-US" dirty="0" smtClean="0"/>
-              <a:t> system + Higgs decay</a:t>
-            </a:r>
-            <a:endParaRPr lang="en-US" dirty="0"/>
-          </a:p>
-        </p:txBody>
-      </p:sp>
-    </p:spTree>
-    <p:extLst>
-      <p:ext uri="{BB962C8B-B14F-4D97-AF65-F5344CB8AC3E}">
-        <p14:creationId xmlns:p14="http://schemas.microsoft.com/office/powerpoint/2010/main" val="351413301"/>
-      </p:ext>
-    </p:extLst>
-  </p:cSld>
-  <p:clrMapOvr>
-    <a:masterClrMapping/>
-  </p:clrMapOvr>
-  <p:timing>
-    <p:tnLst>
-      <p:par>
-        <p:cTn xmlns:p14="http://schemas.microsoft.com/office/powerpoint/2010/main" id="1" dur="indefinite" restart="never" nodeType="tmRoot"/>
-      </p:par>
-    </p:tnLst>
-  </p:timing>
-</p:sld>
-</file>
-
-<file path=ppt/slides/slide5.xml><?xml version="1.0" encoding="utf-8"?>
-<p:sld xmlns:a="http://schemas.openxmlformats.org/drawingml/2006/main" xmlns:r="http://schemas.openxmlformats.org/officeDocument/2006/relationships" xmlns:p="http://schemas.openxmlformats.org/presentationml/2006/main">
-  <p:cSld>
-    <p:spTree>
-      <p:nvGrpSpPr>
-        <p:cNvPr id="1" name=""/>
-        <p:cNvGrpSpPr/>
-        <p:nvPr/>
-      </p:nvGrpSpPr>
-      <p:grpSpPr>
-        <a:xfrm>
-          <a:off x="0" y="0"/>
-          <a:ext cx="0" cy="0"/>
-          <a:chOff x="0" y="0"/>
-          <a:chExt cx="0" cy="0"/>
-        </a:xfrm>
-      </p:grpSpPr>
-      <p:sp>
-        <p:nvSpPr>
-          <p:cNvPr id="2" name="Title 1"/>
-          <p:cNvSpPr>
-            <a:spLocks noGrp="1"/>
-          </p:cNvSpPr>
-          <p:nvPr>
-            <p:ph type="title"/>
-          </p:nvPr>
-        </p:nvSpPr>
-        <p:spPr/>
-        <p:txBody>
-          <a:bodyPr/>
-          <a:lstStyle/>
-          <a:p>
-            <a:r>
-              <a:rPr lang="en-US" dirty="0" smtClean="0"/>
-              <a:t>Heterogeneous Platforms</a:t>
-            </a:r>
-            <a:endParaRPr lang="en-US" dirty="0"/>
-          </a:p>
-        </p:txBody>
-      </p:sp>
-      <p:sp>
-        <p:nvSpPr>
-          <p:cNvPr id="4" name="Footer Placeholder 3"/>
-          <p:cNvSpPr>
-            <a:spLocks noGrp="1"/>
-          </p:cNvSpPr>
-          <p:nvPr>
-            <p:ph type="ftr" sz="quarter" idx="11"/>
-          </p:nvPr>
-        </p:nvSpPr>
-        <p:spPr/>
-        <p:txBody>
-          <a:bodyPr/>
-          <a:lstStyle/>
-          <a:p>
-            <a:endParaRPr lang="en-US"/>
-          </a:p>
-        </p:txBody>
-      </p:sp>
-      <p:sp>
-        <p:nvSpPr>
-          <p:cNvPr id="5" name="Slide Number Placeholder 4"/>
-          <p:cNvSpPr>
-            <a:spLocks noGrp="1"/>
-          </p:cNvSpPr>
-          <p:nvPr>
-            <p:ph type="sldNum" sz="quarter" idx="12"/>
-          </p:nvPr>
-        </p:nvSpPr>
-        <p:spPr/>
-        <p:txBody>
-          <a:bodyPr>
-            <a:normAutofit fontScale="85000" lnSpcReduction="20000"/>
-          </a:bodyPr>
-          <a:lstStyle/>
-          <a:p>
-            <a:fld id="{9C1F5A0A-F6FC-4FFD-9B49-0DA8697211D9}" type="slidenum">
-              <a:rPr lang="en-US" smtClean="0"/>
-              <a:t>5</a:t>
-            </a:fld>
-            <a:endParaRPr lang="en-US"/>
-          </a:p>
-        </p:txBody>
-      </p:sp>
-      <p:pic>
-        <p:nvPicPr>
-          <p:cNvPr id="14" name="Picture 13" descr="hetplats2.png"/>
-          <p:cNvPicPr>
-            <a:picLocks noChangeAspect="1"/>
-          </p:cNvPicPr>
-          <p:nvPr/>
-        </p:nvPicPr>
-        <p:blipFill>
-          <a:blip r:embed="rId2">
-            <a:extLst>
-              <a:ext uri="{28A0092B-C50C-407E-A947-70E740481C1C}">
-                <a14:useLocalDpi xmlns:a14="http://schemas.microsoft.com/office/drawing/2010/main" val="0"/>
-              </a:ext>
-            </a:extLst>
-          </a:blip>
-          <a:stretch>
-            <a:fillRect/>
-          </a:stretch>
-        </p:blipFill>
-        <p:spPr>
-          <a:xfrm>
-            <a:off x="-345121" y="611684"/>
-            <a:ext cx="8633220" cy="6474915"/>
-          </a:xfrm>
-          <a:prstGeom prst="rect">
-            <a:avLst/>
-          </a:prstGeom>
-        </p:spPr>
-      </p:pic>
-    </p:spTree>
-    <p:extLst>
-      <p:ext uri="{BB962C8B-B14F-4D97-AF65-F5344CB8AC3E}">
-        <p14:creationId xmlns:p14="http://schemas.microsoft.com/office/powerpoint/2010/main" val="2426088686"/>
-      </p:ext>
-    </p:extLst>
-  </p:cSld>
-  <p:clrMapOvr>
-    <a:masterClrMapping/>
-  </p:clrMapOvr>
 </p:sld>
 </file>
 
@@ -7323,39 +10073,86 @@
           <a:p>
             <a:r>
               <a:rPr lang="en-US" dirty="0" smtClean="0"/>
-              <a:t>Heterogeneous Platforms</a:t>
+              <a:t>Proposed</a:t>
+            </a:r>
+            <a:r>
+              <a:rPr lang="en-US" dirty="0" smtClean="0"/>
+              <a:t> </a:t>
+            </a:r>
+            <a:r>
+              <a:rPr lang="en-US" dirty="0" smtClean="0"/>
+              <a:t>Work</a:t>
             </a:r>
             <a:endParaRPr lang="en-US" dirty="0"/>
           </a:p>
         </p:txBody>
       </p:sp>
-      <p:sp>
-        <p:nvSpPr>
-          <p:cNvPr id="3" name="Footer Placeholder 2"/>
-          <p:cNvSpPr>
-            <a:spLocks noGrp="1"/>
-          </p:cNvSpPr>
-          <p:nvPr>
-            <p:ph type="ftr" sz="quarter" idx="11"/>
-          </p:nvPr>
-        </p:nvSpPr>
-        <p:spPr/>
-        <p:txBody>
-          <a:bodyPr/>
-          <a:lstStyle/>
-          <a:p>
-            <a:endParaRPr lang="en-US"/>
-          </a:p>
-        </p:txBody>
-      </p:sp>
-      <p:sp>
-        <p:nvSpPr>
-          <p:cNvPr id="4" name="Slide Number Placeholder 3"/>
-          <p:cNvSpPr>
-            <a:spLocks noGrp="1"/>
-          </p:cNvSpPr>
-          <p:nvPr>
-            <p:ph type="sldNum" sz="quarter" idx="12"/>
+      <p:pic>
+        <p:nvPicPr>
+          <p:cNvPr id="10" name="Content Placeholder 9"/>
+          <p:cNvPicPr>
+            <a:picLocks noGrp="1" noChangeAspect="1"/>
+          </p:cNvPicPr>
+          <p:nvPr>
+            <p:ph sz="quarter" idx="2"/>
+          </p:nvPr>
+        </p:nvPicPr>
+        <p:blipFill>
+          <a:blip r:embed="rId3">
+            <a:extLst>
+              <a:ext uri="{28A0092B-C50C-407E-A947-70E740481C1C}">
+                <a14:useLocalDpi xmlns:a14="http://schemas.microsoft.com/office/drawing/2010/main" val="0"/>
+              </a:ext>
+            </a:extLst>
+          </a:blip>
+          <a:stretch>
+            <a:fillRect/>
+          </a:stretch>
+        </p:blipFill>
+        <p:spPr>
+          <a:xfrm>
+            <a:off x="4402244" y="2060430"/>
+            <a:ext cx="1938069" cy="3967462"/>
+          </a:xfrm>
+        </p:spPr>
+      </p:pic>
+      <p:pic>
+        <p:nvPicPr>
+          <p:cNvPr id="11" name="Content Placeholder 10"/>
+          <p:cNvPicPr>
+            <a:picLocks noGrp="1" noChangeAspect="1"/>
+          </p:cNvPicPr>
+          <p:nvPr>
+            <p:ph sz="quarter" idx="4"/>
+          </p:nvPr>
+        </p:nvPicPr>
+        <p:blipFill>
+          <a:blip r:embed="rId4">
+            <a:extLst>
+              <a:ext uri="{28A0092B-C50C-407E-A947-70E740481C1C}">
+                <a14:useLocalDpi xmlns:a14="http://schemas.microsoft.com/office/drawing/2010/main" val="0"/>
+              </a:ext>
+            </a:extLst>
+          </a:blip>
+          <a:stretch>
+            <a:fillRect/>
+          </a:stretch>
+        </p:blipFill>
+        <p:spPr>
+          <a:xfrm>
+            <a:off x="6807477" y="2038034"/>
+            <a:ext cx="1539945" cy="3989858"/>
+          </a:xfrm>
+        </p:spPr>
+      </p:pic>
+      <p:sp>
+        <p:nvSpPr>
+          <p:cNvPr id="8" name="Slide Number Placeholder 7"/>
+          <p:cNvSpPr>
+            <a:spLocks noGrp="1"/>
+          </p:cNvSpPr>
+          <p:nvPr>
+            <p:ph type="sldNum" sz="quarter" idx="16"/>
           </p:nvPr>
         </p:nvSpPr>
         <p:spPr/>
@@ -7375,74 +10172,437 @@
       </p:sp>
       <p:sp>
         <p:nvSpPr>
-          <p:cNvPr id="5" name="Content Placeholder 4"/>
-          <p:cNvSpPr>
-            <a:spLocks noGrp="1"/>
-          </p:cNvSpPr>
-          <p:nvPr>
-            <p:ph sz="quarter" idx="1"/>
-          </p:nvPr>
-        </p:nvSpPr>
-        <p:spPr/>
+          <p:cNvPr id="3" name="Text Placeholder 2"/>
+          <p:cNvSpPr>
+            <a:spLocks noGrp="1"/>
+          </p:cNvSpPr>
+          <p:nvPr>
+            <p:ph type="body" sz="quarter" idx="1"/>
+          </p:nvPr>
+        </p:nvSpPr>
+        <p:spPr>
+          <a:xfrm>
+            <a:off x="3356769" y="1514765"/>
+            <a:ext cx="3886200" cy="640080"/>
+          </a:xfrm>
+          <a:ln>
+            <a:noFill/>
+          </a:ln>
+        </p:spPr>
+        <p:style>
+          <a:lnRef idx="2">
+            <a:schemeClr val="accent6"/>
+          </a:lnRef>
+          <a:fillRef idx="1">
+            <a:schemeClr val="lt1"/>
+          </a:fillRef>
+          <a:effectRef idx="0">
+            <a:schemeClr val="accent6"/>
+          </a:effectRef>
+          <a:fontRef idx="minor">
+            <a:schemeClr val="dk1"/>
+          </a:fontRef>
+        </p:style>
         <p:txBody>
           <a:bodyPr>
             <a:normAutofit/>
           </a:bodyPr>
           <a:lstStyle/>
           <a:p>
+            <a:pPr algn="ctr"/>
+            <a:r>
+              <a:rPr lang="en-US" sz="2400" b="0" dirty="0" smtClean="0">
+                <a:solidFill>
+                  <a:schemeClr val="tx1"/>
+                </a:solidFill>
+              </a:rPr>
+              <a:t>Current</a:t>
+            </a:r>
+            <a:endParaRPr lang="en-US" sz="2400" b="0" dirty="0">
+              <a:solidFill>
+                <a:schemeClr val="tx1"/>
+              </a:solidFill>
+            </a:endParaRPr>
+          </a:p>
+        </p:txBody>
+      </p:sp>
+      <p:sp>
+        <p:nvSpPr>
+          <p:cNvPr id="5" name="Text Placeholder 4"/>
+          <p:cNvSpPr>
+            <a:spLocks noGrp="1"/>
+          </p:cNvSpPr>
+          <p:nvPr>
+            <p:ph type="body" sz="quarter" idx="3"/>
+          </p:nvPr>
+        </p:nvSpPr>
+        <p:spPr>
+          <a:xfrm>
+            <a:off x="6336390" y="1512832"/>
+            <a:ext cx="2595774" cy="640080"/>
+          </a:xfrm>
+          <a:ln>
+            <a:noFill/>
+          </a:ln>
+        </p:spPr>
+        <p:style>
+          <a:lnRef idx="2">
+            <a:schemeClr val="accent6"/>
+          </a:lnRef>
+          <a:fillRef idx="1">
+            <a:schemeClr val="lt1"/>
+          </a:fillRef>
+          <a:effectRef idx="0">
+            <a:schemeClr val="accent6"/>
+          </a:effectRef>
+          <a:fontRef idx="minor">
+            <a:schemeClr val="dk1"/>
+          </a:fontRef>
+        </p:style>
+        <p:txBody>
+          <a:bodyPr>
+            <a:normAutofit/>
+          </a:bodyPr>
+          <a:lstStyle/>
+          <a:p>
+            <a:pPr algn="ctr"/>
+            <a:r>
+              <a:rPr lang="en-US" sz="2400" b="0" dirty="0" smtClean="0">
+                <a:solidFill>
+                  <a:srgbClr val="000000"/>
+                </a:solidFill>
+              </a:rPr>
+              <a:t>Proposed</a:t>
+            </a:r>
+            <a:endParaRPr lang="en-US" sz="2400" b="0" dirty="0">
+              <a:solidFill>
+                <a:srgbClr val="000000"/>
+              </a:solidFill>
+            </a:endParaRPr>
+          </a:p>
+        </p:txBody>
+      </p:sp>
+      <p:sp>
+        <p:nvSpPr>
+          <p:cNvPr id="13" name="Content Placeholder 2"/>
+          <p:cNvSpPr txBox="1">
+            <a:spLocks/>
+          </p:cNvSpPr>
+          <p:nvPr/>
+        </p:nvSpPr>
+        <p:spPr>
+          <a:xfrm>
+            <a:off x="-193269" y="672187"/>
+            <a:ext cx="4790290" cy="4057966"/>
+          </a:xfrm>
+          <a:prstGeom prst="rect">
+            <a:avLst/>
+          </a:prstGeom>
+          <a:noFill/>
+        </p:spPr>
+        <p:txBody>
+          <a:bodyPr vert="horz" rtlCol="0" anchor="ctr">
+            <a:normAutofit/>
+          </a:bodyPr>
+          <a:lstStyle>
+            <a:lvl1pPr marL="0" indent="0" algn="l" rtl="0" eaLnBrk="1" latinLnBrk="0" hangingPunct="1">
+              <a:spcBef>
+                <a:spcPts val="700"/>
+              </a:spcBef>
+              <a:buClr>
+                <a:schemeClr val="accent2"/>
+              </a:buClr>
+              <a:buSzPct val="60000"/>
+              <a:buFontTx/>
+              <a:buNone/>
+              <a:defRPr kumimoji="0" sz="2000" b="1" kern="1200">
+                <a:solidFill>
+                  <a:srgbClr val="FFFFFF"/>
+                </a:solidFill>
+                <a:latin typeface="+mn-lt"/>
+                <a:ea typeface="+mn-ea"/>
+                <a:cs typeface="+mn-cs"/>
+              </a:defRPr>
+            </a:lvl1pPr>
+            <a:lvl2pPr marL="640080" indent="-274320" algn="l" rtl="0" eaLnBrk="1" latinLnBrk="0" hangingPunct="1">
+              <a:spcBef>
+                <a:spcPts val="550"/>
+              </a:spcBef>
+              <a:buClr>
+                <a:schemeClr val="accent1"/>
+              </a:buClr>
+              <a:buSzPct val="70000"/>
+              <a:buFont typeface="Wingdings 2"/>
+              <a:buChar char=""/>
+              <a:defRPr kumimoji="0" sz="2600" kern="1200">
+                <a:solidFill>
+                  <a:schemeClr val="tx1"/>
+                </a:solidFill>
+                <a:latin typeface="+mn-lt"/>
+                <a:ea typeface="+mn-ea"/>
+                <a:cs typeface="+mn-cs"/>
+              </a:defRPr>
+            </a:lvl2pPr>
+            <a:lvl3pPr marL="914400" indent="-228600" algn="l" rtl="0" eaLnBrk="1" latinLnBrk="0" hangingPunct="1">
+              <a:spcBef>
+                <a:spcPts val="500"/>
+              </a:spcBef>
+              <a:buClr>
+                <a:schemeClr val="accent2"/>
+              </a:buClr>
+              <a:buSzPct val="75000"/>
+              <a:buFont typeface="Wingdings"/>
+              <a:buChar char=""/>
+              <a:defRPr kumimoji="0" sz="2300" kern="1200">
+                <a:solidFill>
+                  <a:schemeClr val="tx1"/>
+                </a:solidFill>
+                <a:latin typeface="+mn-lt"/>
+                <a:ea typeface="+mn-ea"/>
+                <a:cs typeface="+mn-cs"/>
+              </a:defRPr>
+            </a:lvl3pPr>
+            <a:lvl4pPr marL="1371600" indent="-228600" algn="l" rtl="0" eaLnBrk="1" latinLnBrk="0" hangingPunct="1">
+              <a:spcBef>
+                <a:spcPts val="400"/>
+              </a:spcBef>
+              <a:buClr>
+                <a:schemeClr val="accent3"/>
+              </a:buClr>
+              <a:buSzPct val="75000"/>
+              <a:buFont typeface="Wingdings"/>
+              <a:buChar char=""/>
+              <a:defRPr kumimoji="0" sz="2000" kern="1200">
+                <a:solidFill>
+                  <a:schemeClr val="tx1"/>
+                </a:solidFill>
+                <a:latin typeface="+mn-lt"/>
+                <a:ea typeface="+mn-ea"/>
+                <a:cs typeface="+mn-cs"/>
+              </a:defRPr>
+            </a:lvl4pPr>
+            <a:lvl5pPr marL="1828800" indent="-228600" algn="l" rtl="0" eaLnBrk="1" latinLnBrk="0" hangingPunct="1">
+              <a:spcBef>
+                <a:spcPts val="400"/>
+              </a:spcBef>
+              <a:buClr>
+                <a:schemeClr val="accent4"/>
+              </a:buClr>
+              <a:buSzPct val="65000"/>
+              <a:buFont typeface="Wingdings"/>
+              <a:buChar char=""/>
+              <a:defRPr kumimoji="0" sz="2000" kern="1200">
+                <a:solidFill>
+                  <a:schemeClr val="tx1"/>
+                </a:solidFill>
+                <a:latin typeface="+mn-lt"/>
+                <a:ea typeface="+mn-ea"/>
+                <a:cs typeface="+mn-cs"/>
+              </a:defRPr>
+            </a:lvl5pPr>
+            <a:lvl6pPr marL="2103120" indent="-228600" algn="l" rtl="0" eaLnBrk="1" latinLnBrk="0" hangingPunct="1">
+              <a:spcBef>
+                <a:spcPct val="20000"/>
+              </a:spcBef>
+              <a:buClr>
+                <a:schemeClr val="accent1"/>
+              </a:buClr>
+              <a:buFont typeface="Wingdings"/>
+              <a:buChar char="§"/>
+              <a:defRPr kumimoji="0" sz="1800" kern="1200" baseline="0">
+                <a:solidFill>
+                  <a:schemeClr val="tx1"/>
+                </a:solidFill>
+                <a:latin typeface="+mn-lt"/>
+                <a:ea typeface="+mn-ea"/>
+                <a:cs typeface="+mn-cs"/>
+              </a:defRPr>
+            </a:lvl6pPr>
+            <a:lvl7pPr marL="2377440" indent="-228600" algn="l" rtl="0" eaLnBrk="1" latinLnBrk="0" hangingPunct="1">
+              <a:spcBef>
+                <a:spcPct val="20000"/>
+              </a:spcBef>
+              <a:buClr>
+                <a:schemeClr val="accent2"/>
+              </a:buClr>
+              <a:buFont typeface="Wingdings"/>
+              <a:buChar char="§"/>
+              <a:defRPr kumimoji="0" sz="1800" kern="1200" baseline="0">
+                <a:solidFill>
+                  <a:schemeClr val="tx1"/>
+                </a:solidFill>
+                <a:latin typeface="+mn-lt"/>
+                <a:ea typeface="+mn-ea"/>
+                <a:cs typeface="+mn-cs"/>
+              </a:defRPr>
+            </a:lvl7pPr>
+            <a:lvl8pPr marL="2651760" indent="-228600" algn="l" rtl="0" eaLnBrk="1" latinLnBrk="0" hangingPunct="1">
+              <a:spcBef>
+                <a:spcPct val="20000"/>
+              </a:spcBef>
+              <a:buClr>
+                <a:schemeClr val="accent3"/>
+              </a:buClr>
+              <a:buFont typeface="Wingdings"/>
+              <a:buChar char="§"/>
+              <a:defRPr kumimoji="0" sz="1800" kern="1200" baseline="0">
+                <a:solidFill>
+                  <a:schemeClr val="tx1"/>
+                </a:solidFill>
+                <a:latin typeface="+mn-lt"/>
+                <a:ea typeface="+mn-ea"/>
+                <a:cs typeface="+mn-cs"/>
+              </a:defRPr>
+            </a:lvl8pPr>
+            <a:lvl9pPr marL="2926080" indent="-228600" algn="l" rtl="0" eaLnBrk="1" latinLnBrk="0" hangingPunct="1">
+              <a:spcBef>
+                <a:spcPct val="20000"/>
+              </a:spcBef>
+              <a:buClr>
+                <a:schemeClr val="accent4"/>
+              </a:buClr>
+              <a:buFont typeface="Wingdings"/>
+              <a:buChar char="§"/>
+              <a:defRPr kumimoji="0" sz="1800" kern="1200" baseline="0">
+                <a:solidFill>
+                  <a:schemeClr val="tx1"/>
+                </a:solidFill>
+                <a:latin typeface="+mn-lt"/>
+                <a:ea typeface="+mn-ea"/>
+                <a:cs typeface="+mn-cs"/>
+              </a:defRPr>
+            </a:lvl9pPr>
+          </a:lstStyle>
+          <a:p>
+            <a:pPr lvl="1"/>
             <a:endParaRPr lang="en-US" sz="2800" dirty="0" smtClean="0"/>
           </a:p>
           <a:p>
+            <a:pPr lvl="1"/>
             <a:r>
               <a:rPr lang="en-US" sz="2800" dirty="0" smtClean="0"/>
-              <a:t>Several challenges</a:t>
-            </a:r>
+              <a:t>Code </a:t>
+            </a:r>
+            <a:r>
+              <a:rPr lang="en-US" sz="2800" dirty="0"/>
+              <a:t>analysis </a:t>
+            </a:r>
+            <a:r>
+              <a:rPr lang="en-US" sz="2800" dirty="0" smtClean="0">
+                <a:solidFill>
+                  <a:srgbClr val="12BB00"/>
+                </a:solidFill>
+                <a:latin typeface="Zapf Dingbats"/>
+                <a:ea typeface="Zapf Dingbats"/>
+                <a:cs typeface="Zapf Dingbats"/>
+                <a:sym typeface="Zapf Dingbats"/>
+              </a:rPr>
+              <a:t>✓</a:t>
+            </a:r>
+            <a:endParaRPr lang="en-US" sz="2800" dirty="0" smtClean="0">
+              <a:solidFill>
+                <a:srgbClr val="12BB00"/>
+              </a:solidFill>
+            </a:endParaRPr>
           </a:p>
           <a:p>
             <a:pPr lvl="1"/>
             <a:r>
-              <a:rPr lang="en-US" sz="2400" dirty="0"/>
-              <a:t>Different </a:t>
-            </a:r>
-            <a:r>
-              <a:rPr lang="en-US" sz="2400" dirty="0" smtClean="0"/>
-              <a:t>architectures</a:t>
-            </a:r>
+              <a:rPr lang="en-US" sz="2800" dirty="0" smtClean="0"/>
+              <a:t>Refactor </a:t>
+            </a:r>
+            <a:r>
+              <a:rPr lang="en-US" sz="2000" dirty="0" err="1">
+                <a:latin typeface="Lucida Console"/>
+                <a:cs typeface="Lucida Console"/>
+              </a:rPr>
+              <a:t>ttDilepKinFit</a:t>
+            </a:r>
+            <a:r>
+              <a:rPr lang="en-US" sz="2000" dirty="0">
+                <a:latin typeface="Lucida Console"/>
+                <a:cs typeface="Lucida Console"/>
+              </a:rPr>
+              <a:t> </a:t>
+            </a:r>
+            <a:r>
+              <a:rPr lang="en-US" sz="2800" dirty="0" smtClean="0">
+                <a:solidFill>
+                  <a:srgbClr val="12BB00"/>
+                </a:solidFill>
+                <a:latin typeface="Zapf Dingbats"/>
+                <a:ea typeface="Zapf Dingbats"/>
+                <a:cs typeface="Zapf Dingbats"/>
+                <a:sym typeface="Zapf Dingbats"/>
+              </a:rPr>
+              <a:t>✓</a:t>
+            </a:r>
+            <a:endParaRPr lang="en-US" sz="2800" dirty="0" smtClean="0">
+              <a:solidFill>
+                <a:srgbClr val="12BB00"/>
+              </a:solidFill>
+              <a:cs typeface="Lucida Console"/>
+            </a:endParaRPr>
           </a:p>
           <a:p>
             <a:pPr lvl="1"/>
-            <a:r>
-              <a:rPr lang="en-US" sz="2400" dirty="0" smtClean="0"/>
-              <a:t>Different programming paradigms</a:t>
-            </a:r>
-          </a:p>
-          <a:p>
-            <a:pPr lvl="1"/>
-            <a:r>
-              <a:rPr lang="en-US" sz="2400" dirty="0" smtClean="0"/>
-              <a:t>Load balancing</a:t>
-            </a:r>
-          </a:p>
-          <a:p>
-            <a:pPr lvl="1"/>
-            <a:r>
-              <a:rPr lang="en-US" sz="2400" dirty="0" smtClean="0"/>
-              <a:t>Debugging</a:t>
-            </a:r>
-            <a:endParaRPr lang="en-US" sz="2400" dirty="0"/>
+            <a:endParaRPr lang="en-US" sz="2000" dirty="0" smtClean="0">
+              <a:cs typeface="Lucida Console"/>
+            </a:endParaRPr>
+          </a:p>
+        </p:txBody>
+      </p:sp>
+      <p:sp>
+        <p:nvSpPr>
+          <p:cNvPr id="4" name="TextBox 3"/>
+          <p:cNvSpPr txBox="1"/>
+          <p:nvPr/>
+        </p:nvSpPr>
+        <p:spPr>
+          <a:xfrm>
+            <a:off x="5383557" y="6027892"/>
+            <a:ext cx="2264412" cy="369332"/>
+          </a:xfrm>
+          <a:prstGeom prst="rect">
+            <a:avLst/>
+          </a:prstGeom>
+          <a:noFill/>
+        </p:spPr>
+        <p:txBody>
+          <a:bodyPr wrap="none" rtlCol="0">
+            <a:spAutoFit/>
+          </a:bodyPr>
+          <a:lstStyle/>
+          <a:p>
+            <a:r>
+              <a:rPr lang="en-US" dirty="0" err="1" smtClean="0"/>
+              <a:t>ttDilepKinFit</a:t>
+            </a:r>
+            <a:r>
+              <a:rPr lang="en-US" dirty="0" smtClean="0"/>
+              <a:t> workflows</a:t>
+            </a:r>
+            <a:endParaRPr lang="en-US" dirty="0"/>
           </a:p>
         </p:txBody>
       </p:sp>
     </p:spTree>
     <p:extLst>
       <p:ext uri="{BB962C8B-B14F-4D97-AF65-F5344CB8AC3E}">
-        <p14:creationId xmlns:p14="http://schemas.microsoft.com/office/powerpoint/2010/main" val="4181152848"/>
+        <p14:creationId xmlns:p14="http://schemas.microsoft.com/office/powerpoint/2010/main" val="4115983798"/>
       </p:ext>
     </p:extLst>
   </p:cSld>
   <p:clrMapOvr>
     <a:masterClrMapping/>
   </p:clrMapOvr>
+  <p:timing>
+    <p:tnLst>
+      <p:par>
+        <p:cTn xmlns:p14="http://schemas.microsoft.com/office/powerpoint/2010/main" id="1" dur="indefinite" restart="never" nodeType="tmRoot"/>
+      </p:par>
+    </p:tnLst>
+  </p:timing>
 </p:sld>
 </file>
 
@@ -7484,7 +10644,7 @@
                   <a:srgbClr val="1F497D"/>
                 </a:solidFill>
               </a:rPr>
-              <a:t>Accelerator Devices</a:t>
+              <a:t>Proposed Work</a:t>
             </a:r>
             <a:endParaRPr lang="en-US" dirty="0">
               <a:solidFill>
@@ -7550,108 +10710,104 @@
         </p:nvSpPr>
         <p:spPr/>
         <p:txBody>
-          <a:bodyPr>
-            <a:normAutofit/>
-          </a:bodyPr>
-          <a:lstStyle/>
-          <a:p>
+          <a:bodyPr/>
+          <a:lstStyle/>
+          <a:p>
+            <a:pPr marL="0" indent="0">
+              <a:buNone/>
+            </a:pPr>
             <a:endParaRPr lang="en-US" sz="2800" dirty="0" smtClean="0"/>
           </a:p>
           <a:p>
             <a:r>
               <a:rPr lang="en-US" sz="2800" dirty="0" smtClean="0"/>
-              <a:t>Usually based on the SIMD model</a:t>
-            </a:r>
-          </a:p>
-          <a:p>
-            <a:r>
-              <a:rPr lang="en-US" sz="2800" b="1" dirty="0" smtClean="0"/>
-              <a:t>G</a:t>
+              <a:t>Parallelization on </a:t>
+            </a:r>
+            <a:r>
+              <a:rPr lang="en-US" sz="2800" dirty="0"/>
+              <a:t>heterogeneous </a:t>
             </a:r>
             <a:r>
               <a:rPr lang="en-US" sz="2800" dirty="0" smtClean="0"/>
-              <a:t>raphics </a:t>
-            </a:r>
-            <a:r>
-              <a:rPr lang="en-US" sz="2800" b="1" dirty="0" smtClean="0"/>
-              <a:t>P</a:t>
-            </a:r>
-            <a:r>
-              <a:rPr lang="en-US" sz="2800" dirty="0" smtClean="0"/>
-              <a:t>rocessing </a:t>
-            </a:r>
-            <a:r>
-              <a:rPr lang="en-US" sz="2800" b="1" dirty="0" smtClean="0"/>
-              <a:t>U</a:t>
-            </a:r>
-            <a:r>
-              <a:rPr lang="en-US" sz="2800" dirty="0" smtClean="0"/>
-              <a:t>nits architectures</a:t>
-            </a:r>
+              <a:t>platforms</a:t>
+            </a:r>
+            <a:endParaRPr lang="en-US" sz="2500" dirty="0" smtClean="0"/>
           </a:p>
           <a:p>
             <a:pPr lvl="1"/>
             <a:r>
               <a:rPr lang="en-US" sz="2400" dirty="0" smtClean="0"/>
-              <a:t>NVidia Fermi</a:t>
-            </a:r>
-          </a:p>
-          <a:p>
-            <a:pPr lvl="1"/>
-            <a:r>
-              <a:rPr lang="en-US" sz="2400" dirty="0" smtClean="0"/>
-              <a:t>NVidia Kepler</a:t>
-            </a:r>
-          </a:p>
-          <a:p>
-            <a:r>
-              <a:rPr lang="en-US" sz="2800" dirty="0" smtClean="0"/>
-              <a:t>Intel </a:t>
-            </a:r>
-            <a:r>
-              <a:rPr lang="en-US" sz="2800" b="1" dirty="0" smtClean="0"/>
-              <a:t>M</a:t>
-            </a:r>
-            <a:r>
-              <a:rPr lang="en-US" sz="2800" dirty="0" smtClean="0"/>
-              <a:t>any </a:t>
-            </a:r>
-            <a:r>
-              <a:rPr lang="en-US" sz="2800" b="1" dirty="0" smtClean="0"/>
-              <a:t>I</a:t>
-            </a:r>
-            <a:r>
-              <a:rPr lang="en-US" sz="2800" dirty="0" smtClean="0"/>
-              <a:t>ntegrated </a:t>
-            </a:r>
-            <a:r>
-              <a:rPr lang="en-US" sz="2800" b="1" dirty="0" smtClean="0"/>
-              <a:t>C</a:t>
-            </a:r>
-            <a:r>
-              <a:rPr lang="en-US" sz="2800" dirty="0" smtClean="0"/>
-              <a:t>ore architecture</a:t>
-            </a:r>
-          </a:p>
-          <a:p>
-            <a:pPr lvl="1"/>
-            <a:r>
-              <a:rPr lang="en-US" sz="2400" dirty="0" smtClean="0"/>
-              <a:t>Intel Xeon Phi</a:t>
-            </a:r>
+              <a:t>Comparison of the accelerator devices used</a:t>
+            </a:r>
+          </a:p>
+          <a:p>
+            <a:r>
+              <a:rPr lang="en-US" sz="2800" dirty="0" err="1" smtClean="0">
+                <a:solidFill>
+                  <a:schemeClr val="bg1">
+                    <a:lumMod val="75000"/>
+                  </a:schemeClr>
+                </a:solidFill>
+              </a:rPr>
+              <a:t>OpenACC</a:t>
+            </a:r>
+            <a:r>
+              <a:rPr lang="en-US" sz="2800" dirty="0" smtClean="0">
+                <a:solidFill>
+                  <a:schemeClr val="bg1">
+                    <a:lumMod val="75000"/>
+                  </a:schemeClr>
+                </a:solidFill>
+              </a:rPr>
+              <a:t> </a:t>
+            </a:r>
+            <a:r>
+              <a:rPr lang="en-US" sz="2800" dirty="0" err="1" smtClean="0">
+                <a:solidFill>
+                  <a:schemeClr val="bg1">
+                    <a:lumMod val="75000"/>
+                  </a:schemeClr>
+                </a:solidFill>
+              </a:rPr>
+              <a:t>vs</a:t>
+            </a:r>
+            <a:r>
+              <a:rPr lang="en-US" sz="2800" dirty="0" smtClean="0">
+                <a:solidFill>
+                  <a:schemeClr val="bg1">
+                    <a:lumMod val="75000"/>
+                  </a:schemeClr>
+                </a:solidFill>
+              </a:rPr>
+              <a:t> GAMA</a:t>
+            </a:r>
+            <a:endParaRPr lang="en-US" sz="2800" dirty="0">
+              <a:solidFill>
+                <a:schemeClr val="bg1">
+                  <a:lumMod val="75000"/>
+                </a:schemeClr>
+              </a:solidFill>
+            </a:endParaRPr>
           </a:p>
         </p:txBody>
       </p:sp>
     </p:spTree>
     <p:extLst>
       <p:ext uri="{BB962C8B-B14F-4D97-AF65-F5344CB8AC3E}">
-        <p14:creationId xmlns:p14="http://schemas.microsoft.com/office/powerpoint/2010/main" val="2811149403"/>
+        <p14:creationId xmlns:p14="http://schemas.microsoft.com/office/powerpoint/2010/main" val="1880283775"/>
       </p:ext>
     </p:extLst>
   </p:cSld>
   <p:clrMapOvr>
     <a:masterClrMapping/>
   </p:clrMapOvr>
+  <p:timing>
+    <p:tnLst>
+      <p:par>
+        <p:cTn xmlns:p14="http://schemas.microsoft.com/office/powerpoint/2010/main" id="1" dur="indefinite" restart="never" nodeType="tmRoot"/>
+      </p:par>
+    </p:tnLst>
+  </p:timing>
 </p:sld>
 </file>
 
@@ -7688,24 +10844,16 @@
           <a:lstStyle/>
           <a:p>
             <a:r>
-              <a:rPr lang="en-US" dirty="0" smtClean="0">
-                <a:solidFill>
-                  <a:srgbClr val="1F497D"/>
-                </a:solidFill>
-              </a:rPr>
-              <a:t>Development Frameworks</a:t>
-            </a:r>
-            <a:endParaRPr lang="en-US" dirty="0">
-              <a:solidFill>
-                <a:srgbClr val="1F497D"/>
-              </a:solidFill>
-            </a:endParaRPr>
-          </a:p>
-        </p:txBody>
-      </p:sp>
-      <p:sp>
-        <p:nvSpPr>
-          <p:cNvPr id="4" name="Footer Placeholder 3"/>
+              <a:rPr lang="en-US" dirty="0" smtClean="0"/>
+              <a:t>Heterogeneous Platforms</a:t>
+            </a:r>
+            <a:endParaRPr lang="en-US" dirty="0"/>
+          </a:p>
+        </p:txBody>
+      </p:sp>
+      <p:sp>
+        <p:nvSpPr>
+          <p:cNvPr id="3" name="Footer Placeholder 2"/>
           <p:cNvSpPr>
             <a:spLocks noGrp="1"/>
           </p:cNvSpPr>
@@ -7724,7 +10872,7 @@
       </p:sp>
       <p:sp>
         <p:nvSpPr>
-          <p:cNvPr id="5" name="Slide Number Placeholder 4"/>
+          <p:cNvPr id="4" name="Slide Number Placeholder 3"/>
           <p:cNvSpPr>
             <a:spLocks noGrp="1"/>
           </p:cNvSpPr>
@@ -7749,7 +10897,7 @@
       </p:sp>
       <p:sp>
         <p:nvSpPr>
-          <p:cNvPr id="3" name="Content Placeholder 2"/>
+          <p:cNvPr id="5" name="Content Placeholder 4"/>
           <p:cNvSpPr>
             <a:spLocks noGrp="1"/>
           </p:cNvSpPr>
@@ -7757,7 +10905,12 @@
             <p:ph sz="quarter" idx="1"/>
           </p:nvPr>
         </p:nvSpPr>
-        <p:spPr/>
+        <p:spPr>
+          <a:xfrm>
+            <a:off x="612648" y="1600200"/>
+            <a:ext cx="3626233" cy="4495800"/>
+          </a:xfrm>
+        </p:spPr>
         <p:txBody>
           <a:bodyPr>
             <a:normAutofit/>
@@ -7769,50 +10922,62 @@
           <a:p>
             <a:r>
               <a:rPr lang="en-US" sz="2800" dirty="0" smtClean="0"/>
-              <a:t>Available frameworks</a:t>
-            </a:r>
+              <a:t>Specific details</a:t>
+            </a:r>
+            <a:endParaRPr lang="en-US" sz="2800" dirty="0" smtClean="0"/>
           </a:p>
           <a:p>
             <a:pPr lvl="1"/>
             <a:r>
-              <a:rPr lang="en-US" sz="2400" dirty="0" err="1" smtClean="0"/>
-              <a:t>OpenMP</a:t>
+              <a:rPr lang="en-US" sz="2400" dirty="0"/>
+              <a:t>Different </a:t>
             </a:r>
             <a:r>
               <a:rPr lang="en-US" sz="2400" dirty="0" smtClean="0"/>
-              <a:t> (Homogeneous Platforms)</a:t>
+              <a:t>architectures</a:t>
             </a:r>
           </a:p>
           <a:p>
             <a:pPr lvl="1"/>
             <a:r>
-              <a:rPr lang="en-US" sz="2400" dirty="0" err="1" smtClean="0"/>
-              <a:t>OpenACC</a:t>
-            </a:r>
-            <a:r>
               <a:rPr lang="en-US" sz="2400" dirty="0" smtClean="0"/>
-              <a:t> (Heterogeneous Platforms)</a:t>
+              <a:t>Different programming models</a:t>
             </a:r>
           </a:p>
           <a:p>
             <a:pPr lvl="1"/>
             <a:r>
               <a:rPr lang="en-US" sz="2400" dirty="0" smtClean="0"/>
-              <a:t>GAMA (Heterogeneous Platforms only with GPUs)</a:t>
-            </a:r>
+              <a:t>Load balancing</a:t>
+            </a:r>
+          </a:p>
+          <a:p>
+            <a:pPr lvl="1"/>
+            <a:r>
+              <a:rPr lang="en-US" sz="2400" dirty="0" smtClean="0"/>
+              <a:t>Debugging</a:t>
+            </a:r>
+            <a:endParaRPr lang="en-US" sz="2400" dirty="0"/>
           </a:p>
         </p:txBody>
       </p:sp>
     </p:spTree>
     <p:extLst>
       <p:ext uri="{BB962C8B-B14F-4D97-AF65-F5344CB8AC3E}">
-        <p14:creationId xmlns:p14="http://schemas.microsoft.com/office/powerpoint/2010/main" val="2550810025"/>
+        <p14:creationId xmlns:p14="http://schemas.microsoft.com/office/powerpoint/2010/main" val="4181152848"/>
       </p:ext>
     </p:extLst>
   </p:cSld>
   <p:clrMapOvr>
     <a:masterClrMapping/>
   </p:clrMapOvr>
+  <p:timing>
+    <p:tnLst>
+      <p:par>
+        <p:cTn xmlns:p14="http://schemas.microsoft.com/office/powerpoint/2010/main" id="1" dur="indefinite" restart="never" nodeType="tmRoot"/>
+      </p:par>
+    </p:tnLst>
+  </p:timing>
 </p:sld>
 </file>
 
@@ -7845,25 +11010,12 @@
         </p:nvSpPr>
         <p:spPr/>
         <p:txBody>
-          <a:bodyPr>
-            <a:normAutofit fontScale="90000"/>
-          </a:bodyPr>
+          <a:bodyPr/>
           <a:lstStyle/>
           <a:p>
             <a:r>
               <a:rPr lang="en-US" dirty="0" smtClean="0"/>
-              <a:t>The </a:t>
-            </a:r>
-            <a:r>
-              <a:rPr lang="en-US" sz="4000" dirty="0" err="1" smtClean="0">
-                <a:latin typeface="Lucida Console"/>
-                <a:cs typeface="Lucida Console"/>
-              </a:rPr>
-              <a:t>ttH_dilep</a:t>
-            </a:r>
-            <a:r>
-              <a:rPr lang="en-US" dirty="0" smtClean="0"/>
-              <a:t> Analysis Application</a:t>
+              <a:t>Heterogeneous Platforms</a:t>
             </a:r>
             <a:endParaRPr lang="en-US" dirty="0"/>
           </a:p>
@@ -7871,7 +11023,7 @@
       </p:sp>
       <p:sp>
         <p:nvSpPr>
-          <p:cNvPr id="4" name="Footer Placeholder 3"/>
+          <p:cNvPr id="3" name="Footer Placeholder 2"/>
           <p:cNvSpPr>
             <a:spLocks noGrp="1"/>
           </p:cNvSpPr>
@@ -7890,7 +11042,7 @@
       </p:sp>
       <p:sp>
         <p:nvSpPr>
-          <p:cNvPr id="5" name="Slide Number Placeholder 4"/>
+          <p:cNvPr id="4" name="Slide Number Placeholder 3"/>
           <p:cNvSpPr>
             <a:spLocks noGrp="1"/>
           </p:cNvSpPr>
@@ -7915,7 +11067,7 @@
       </p:sp>
       <p:sp>
         <p:nvSpPr>
-          <p:cNvPr id="3" name="Content Placeholder 2"/>
+          <p:cNvPr id="5" name="Content Placeholder 4"/>
           <p:cNvSpPr>
             <a:spLocks noGrp="1"/>
           </p:cNvSpPr>
@@ -7925,8 +11077,8 @@
         </p:nvSpPr>
         <p:spPr>
           <a:xfrm>
-            <a:off x="685801" y="1869141"/>
-            <a:ext cx="4918976" cy="4257022"/>
+            <a:off x="612648" y="1600200"/>
+            <a:ext cx="4091258" cy="4495800"/>
           </a:xfrm>
         </p:spPr>
         <p:txBody>
@@ -7935,55 +11087,53 @@
           </a:bodyPr>
           <a:lstStyle/>
           <a:p>
-            <a:pPr algn="just"/>
             <a:endParaRPr lang="en-US" sz="2800" dirty="0" smtClean="0"/>
           </a:p>
           <a:p>
-            <a:pPr algn="just"/>
             <a:r>
               <a:rPr lang="en-US" sz="2800" dirty="0" smtClean="0"/>
-              <a:t>Series of filters applied to the events;</a:t>
-            </a:r>
-          </a:p>
-          <a:p>
-            <a:pPr algn="just"/>
-            <a:r>
-              <a:rPr lang="en-US" sz="2800" dirty="0"/>
-              <a:t>Reconstruct the </a:t>
-            </a:r>
-            <a:r>
-              <a:rPr lang="en-US" sz="2800" dirty="0" err="1"/>
-              <a:t>ttbar</a:t>
-            </a:r>
-            <a:r>
-              <a:rPr lang="en-US" sz="2800" dirty="0"/>
-              <a:t> system and Higgs bosons</a:t>
-            </a:r>
-            <a:r>
-              <a:rPr lang="en-US" sz="2800" dirty="0" smtClean="0"/>
-              <a:t>;</a:t>
-            </a:r>
+              <a:t>Specific details</a:t>
+            </a:r>
+            <a:endParaRPr lang="en-US" sz="2800" dirty="0" smtClean="0"/>
           </a:p>
           <a:p>
             <a:pPr lvl="1"/>
             <a:r>
+              <a:rPr lang="en-US" sz="2400" dirty="0"/>
+              <a:t>Different </a:t>
+            </a:r>
+            <a:r>
               <a:rPr lang="en-US" sz="2400" dirty="0" smtClean="0"/>
-              <a:t>Critical region: </a:t>
-            </a:r>
-            <a:r>
-              <a:rPr lang="en-US" sz="1600" dirty="0" err="1" smtClean="0">
-                <a:latin typeface="Lucida Console"/>
-                <a:cs typeface="Lucida Console"/>
-              </a:rPr>
-              <a:t>ttDilepKinFit</a:t>
-            </a:r>
-            <a:endParaRPr lang="en-US" sz="2400" dirty="0" smtClean="0"/>
+              <a:t>architectures</a:t>
+            </a:r>
+          </a:p>
+          <a:p>
+            <a:pPr lvl="1"/>
+            <a:r>
+              <a:rPr lang="en-US" sz="2400" dirty="0" smtClean="0"/>
+              <a:t>Different programming models</a:t>
+            </a:r>
+          </a:p>
+          <a:p>
+            <a:pPr lvl="1"/>
+            <a:r>
+              <a:rPr lang="en-US" sz="2400" dirty="0" smtClean="0"/>
+              <a:t>Load balancing</a:t>
+            </a:r>
+          </a:p>
+          <a:p>
+            <a:pPr lvl="1"/>
+            <a:r>
+              <a:rPr lang="en-US" sz="2400" dirty="0" smtClean="0"/>
+              <a:t>Debugging</a:t>
+            </a:r>
+            <a:endParaRPr lang="en-US" sz="2400" dirty="0"/>
           </a:p>
         </p:txBody>
       </p:sp>
       <p:pic>
         <p:nvPicPr>
-          <p:cNvPr id="6" name="Picture 5" descr="no-pipeline.png"/>
+          <p:cNvPr id="7" name="Picture 6" descr="hetplats2.png"/>
           <p:cNvPicPr>
             <a:picLocks noChangeAspect="1"/>
           </p:cNvPicPr>
@@ -8003,8 +11153,8 @@
         </p:blipFill>
         <p:spPr>
           <a:xfrm>
-            <a:off x="5639615" y="1708897"/>
-            <a:ext cx="2816998" cy="4647453"/>
+            <a:off x="3077619" y="1430137"/>
+            <a:ext cx="6424092" cy="4818069"/>
           </a:xfrm>
           <a:prstGeom prst="rect">
             <a:avLst/>
@@ -8014,7 +11164,7 @@
     </p:spTree>
     <p:extLst>
       <p:ext uri="{BB962C8B-B14F-4D97-AF65-F5344CB8AC3E}">
-        <p14:creationId xmlns:p14="http://schemas.microsoft.com/office/powerpoint/2010/main" val="2770156148"/>
+        <p14:creationId xmlns:p14="http://schemas.microsoft.com/office/powerpoint/2010/main" val="1957198153"/>
       </p:ext>
     </p:extLst>
   </p:cSld>

--- a/doc/pre-thesis/presentation/pre-thesis_presentation.pptx
+++ b/doc/pre-thesis/presentation/pre-thesis_presentation.pptx
@@ -5,10 +5,10 @@
     <p:sldMasterId id="2147483766" r:id="rId1"/>
   </p:sldMasterIdLst>
   <p:notesMasterIdLst>
-    <p:notesMasterId r:id="rId16"/>
+    <p:notesMasterId r:id="rId15"/>
   </p:notesMasterIdLst>
   <p:handoutMasterIdLst>
-    <p:handoutMasterId r:id="rId17"/>
+    <p:handoutMasterId r:id="rId16"/>
   </p:handoutMasterIdLst>
   <p:sldIdLst>
     <p:sldId id="256" r:id="rId2"/>
@@ -20,11 +20,10 @@
     <p:sldId id="266" r:id="rId8"/>
     <p:sldId id="271" r:id="rId9"/>
     <p:sldId id="276" r:id="rId10"/>
-    <p:sldId id="277" r:id="rId11"/>
-    <p:sldId id="265" r:id="rId12"/>
-    <p:sldId id="275" r:id="rId13"/>
-    <p:sldId id="264" r:id="rId14"/>
-    <p:sldId id="278" r:id="rId15"/>
+    <p:sldId id="265" r:id="rId11"/>
+    <p:sldId id="275" r:id="rId12"/>
+    <p:sldId id="264" r:id="rId13"/>
+    <p:sldId id="278" r:id="rId14"/>
   </p:sldIdLst>
   <p:sldSz cx="9144000" cy="6858000" type="screen4x3"/>
   <p:notesSz cx="6858000" cy="9144000"/>
@@ -687,7 +686,107 @@
           <a:bodyPr/>
           <a:lstStyle/>
           <a:p>
-            <a:endParaRPr lang="en-US"/>
+            <a:r>
+              <a:rPr lang="en-US" dirty="0" err="1" smtClean="0"/>
+              <a:t>Bom</a:t>
+            </a:r>
+            <a:r>
+              <a:rPr lang="en-US" dirty="0" smtClean="0"/>
+              <a:t> </a:t>
+            </a:r>
+            <a:r>
+              <a:rPr lang="en-US" dirty="0" err="1" smtClean="0"/>
+              <a:t>dia</a:t>
+            </a:r>
+            <a:r>
+              <a:rPr lang="en-US" dirty="0" smtClean="0"/>
+              <a:t>, </a:t>
+            </a:r>
+            <a:r>
+              <a:rPr lang="en-US" dirty="0" err="1" smtClean="0"/>
+              <a:t>vou</a:t>
+            </a:r>
+            <a:r>
+              <a:rPr lang="en-US" dirty="0" smtClean="0"/>
+              <a:t> </a:t>
+            </a:r>
+            <a:r>
+              <a:rPr lang="en-US" dirty="0" err="1" smtClean="0"/>
+              <a:t>falar</a:t>
+            </a:r>
+            <a:r>
+              <a:rPr lang="en-US" dirty="0" smtClean="0"/>
+              <a:t> do</a:t>
+            </a:r>
+            <a:r>
+              <a:rPr lang="en-US" baseline="0" dirty="0" smtClean="0"/>
+              <a:t> </a:t>
+            </a:r>
+            <a:r>
+              <a:rPr lang="en-US" baseline="0" dirty="0" err="1" smtClean="0"/>
+              <a:t>processamento</a:t>
+            </a:r>
+            <a:r>
+              <a:rPr lang="en-US" baseline="0" dirty="0" smtClean="0"/>
+              <a:t> </a:t>
+            </a:r>
+            <a:r>
+              <a:rPr lang="en-US" baseline="0" dirty="0" err="1" smtClean="0"/>
+              <a:t>eficiente</a:t>
+            </a:r>
+            <a:r>
+              <a:rPr lang="en-US" baseline="0" dirty="0" smtClean="0"/>
+              <a:t> de </a:t>
+            </a:r>
+            <a:r>
+              <a:rPr lang="en-US" baseline="0" dirty="0" err="1" smtClean="0"/>
+              <a:t>an</a:t>
+            </a:r>
+            <a:r>
+              <a:rPr lang="en-US" baseline="0" dirty="0" err="1" smtClean="0"/>
+              <a:t>álise</a:t>
+            </a:r>
+            <a:r>
+              <a:rPr lang="en-US" baseline="0" dirty="0" smtClean="0"/>
+              <a:t> de </a:t>
+            </a:r>
+            <a:r>
+              <a:rPr lang="en-US" baseline="0" dirty="0" err="1" smtClean="0"/>
+              <a:t>eventos</a:t>
+            </a:r>
+            <a:r>
+              <a:rPr lang="en-US" baseline="0" dirty="0" smtClean="0"/>
+              <a:t> do </a:t>
+            </a:r>
+            <a:r>
+              <a:rPr lang="en-US" baseline="0" dirty="0" err="1" smtClean="0"/>
+              <a:t>projecto</a:t>
+            </a:r>
+            <a:r>
+              <a:rPr lang="en-US" baseline="0" dirty="0" smtClean="0"/>
+              <a:t> ATLAS </a:t>
+            </a:r>
+            <a:r>
+              <a:rPr lang="en-US" baseline="0" dirty="0" err="1" smtClean="0"/>
+              <a:t>em</a:t>
+            </a:r>
+            <a:r>
+              <a:rPr lang="en-US" baseline="0" dirty="0" smtClean="0"/>
+              <a:t> </a:t>
+            </a:r>
+            <a:r>
+              <a:rPr lang="en-US" baseline="0" dirty="0" err="1" smtClean="0"/>
+              <a:t>plataformas</a:t>
+            </a:r>
+            <a:r>
+              <a:rPr lang="en-US" baseline="0" dirty="0" smtClean="0"/>
+              <a:t> com </a:t>
+            </a:r>
+            <a:r>
+              <a:rPr lang="en-US" baseline="0" dirty="0" err="1" smtClean="0"/>
+              <a:t>aceleradores</a:t>
+            </a:r>
+            <a:endParaRPr lang="en-US" dirty="0"/>
           </a:p>
         </p:txBody>
       </p:sp>
@@ -775,20 +874,8 @@
               <a:buAutoNum type="arabicPeriod"/>
             </a:pPr>
             <a:r>
-              <a:rPr lang="en-US" baseline="0" dirty="0" smtClean="0"/>
-              <a:t>2 </a:t>
-            </a:r>
-            <a:r>
-              <a:rPr lang="en-US" baseline="0" dirty="0" err="1" smtClean="0"/>
-              <a:t>tipos</a:t>
-            </a:r>
-            <a:r>
-              <a:rPr lang="en-US" baseline="0" dirty="0" smtClean="0"/>
-              <a:t> de </a:t>
-            </a:r>
-            <a:r>
-              <a:rPr lang="en-US" baseline="0" dirty="0" err="1" smtClean="0"/>
-              <a:t>aceleradores</a:t>
+              <a:rPr lang="en-US" baseline="0" dirty="0" err="1" smtClean="0"/>
+              <a:t>Implementações</a:t>
             </a:r>
             <a:r>
               <a:rPr lang="en-US" baseline="0" dirty="0" smtClean="0"/>
@@ -796,7 +883,7 @@
             </a:r>
             <a:r>
               <a:rPr lang="en-US" baseline="0" dirty="0" err="1" smtClean="0"/>
-              <a:t>que</a:t>
+              <a:t>alternativas</a:t>
             </a:r>
             <a:r>
               <a:rPr lang="en-US" baseline="0" dirty="0" smtClean="0"/>
@@ -804,11 +891,23 @@
             </a:r>
             <a:r>
               <a:rPr lang="en-US" baseline="0" dirty="0" err="1" smtClean="0"/>
-              <a:t>ser</a:t>
-            </a:r>
-            <a:r>
-              <a:rPr lang="en-US" baseline="0" dirty="0" err="1" smtClean="0"/>
-              <a:t>ão</a:t>
+              <a:t>usando</a:t>
+            </a:r>
+            <a:r>
+              <a:rPr lang="en-US" baseline="0" dirty="0" smtClean="0"/>
+              <a:t> as frameworks </a:t>
+            </a:r>
+            <a:r>
+              <a:rPr lang="en-US" baseline="0" dirty="0" err="1" smtClean="0"/>
+              <a:t>openacc</a:t>
+            </a:r>
+            <a:r>
+              <a:rPr lang="en-US" baseline="0" dirty="0" smtClean="0"/>
+              <a:t> e </a:t>
+            </a:r>
+            <a:r>
+              <a:rPr lang="en-US" baseline="0" dirty="0" err="1" smtClean="0"/>
+              <a:t>gama</a:t>
             </a:r>
             <a:r>
               <a:rPr lang="en-US" baseline="0" dirty="0" smtClean="0"/>
@@ -816,21 +915,7 @@
             </a:r>
             <a:r>
               <a:rPr lang="en-US" baseline="0" dirty="0" err="1" smtClean="0"/>
-              <a:t>estudados</a:t>
-            </a:r>
-            <a:endParaRPr lang="en-US" baseline="0" dirty="0" smtClean="0"/>
-          </a:p>
-          <a:p>
-            <a:pPr marL="228600" indent="-228600">
-              <a:buAutoNum type="arabicPeriod"/>
-            </a:pPr>
-            <a:r>
-              <a:rPr lang="en-US" dirty="0" smtClean="0"/>
-              <a:t>GPUs</a:t>
-            </a:r>
-            <a:r>
-              <a:rPr lang="en-US" dirty="0" smtClean="0"/>
-              <a:t>: NVidia</a:t>
+              <a:t>para</a:t>
             </a:r>
             <a:r>
               <a:rPr lang="en-US" baseline="0" dirty="0" smtClean="0"/>
@@ -838,7 +923,15 @@
             </a:r>
             <a:r>
               <a:rPr lang="en-US" baseline="0" dirty="0" err="1" smtClean="0"/>
-              <a:t>oferece</a:t>
+              <a:t>avaliar</a:t>
+            </a:r>
+            <a:r>
+              <a:rPr lang="en-US" baseline="0" dirty="0" smtClean="0"/>
+              <a:t> a </a:t>
+            </a:r>
+            <a:r>
+              <a:rPr lang="en-US" baseline="0" dirty="0" err="1" smtClean="0"/>
+              <a:t>sua</a:t>
             </a:r>
             <a:r>
               <a:rPr lang="en-US" baseline="0" dirty="0" smtClean="0"/>
@@ -846,185 +939,11 @@
             </a:r>
             <a:r>
               <a:rPr lang="en-US" baseline="0" dirty="0" err="1" smtClean="0"/>
-              <a:t>arquitecturas</a:t>
-            </a:r>
-            <a:r>
-              <a:rPr lang="en-US" dirty="0" smtClean="0"/>
-              <a:t> com </a:t>
-            </a:r>
-            <a:r>
-              <a:rPr lang="en-US" dirty="0" err="1" smtClean="0"/>
-              <a:t>aceleradores</a:t>
-            </a:r>
-            <a:r>
-              <a:rPr lang="en-US" dirty="0" smtClean="0"/>
-              <a:t> </a:t>
-            </a:r>
-            <a:r>
-              <a:rPr lang="en-US" dirty="0" err="1" smtClean="0"/>
-              <a:t>orientados</a:t>
-            </a:r>
-            <a:r>
-              <a:rPr lang="en-US" dirty="0" smtClean="0"/>
-              <a:t> </a:t>
-            </a:r>
-            <a:r>
-              <a:rPr lang="en-US" dirty="0" err="1" smtClean="0"/>
-              <a:t>para</a:t>
-            </a:r>
-            <a:r>
-              <a:rPr lang="en-US" dirty="0" smtClean="0"/>
-              <a:t> scientific computing; </a:t>
-            </a:r>
-            <a:r>
-              <a:rPr lang="en-US" dirty="0" err="1" smtClean="0"/>
-              <a:t>bons</a:t>
-            </a:r>
-            <a:r>
-              <a:rPr lang="en-US" dirty="0" smtClean="0"/>
-              <a:t> </a:t>
-            </a:r>
-            <a:r>
-              <a:rPr lang="en-US" dirty="0" err="1" smtClean="0"/>
-              <a:t>para</a:t>
-            </a:r>
-            <a:r>
-              <a:rPr lang="en-US" dirty="0" smtClean="0"/>
-              <a:t> </a:t>
-            </a:r>
-            <a:r>
-              <a:rPr lang="en-US" dirty="0" err="1" smtClean="0"/>
-              <a:t>problemas</a:t>
-            </a:r>
-            <a:r>
-              <a:rPr lang="en-US" dirty="0" smtClean="0"/>
-              <a:t> compute bound</a:t>
-            </a:r>
-          </a:p>
-          <a:p>
-            <a:r>
-              <a:rPr lang="en-US" dirty="0" smtClean="0"/>
-              <a:t>4.  MIC: </a:t>
-            </a:r>
-            <a:r>
-              <a:rPr lang="en-US" dirty="0" err="1" smtClean="0"/>
-              <a:t>resposta</a:t>
-            </a:r>
-            <a:r>
-              <a:rPr lang="en-US" dirty="0" smtClean="0"/>
-              <a:t> da Intel, um</a:t>
-            </a:r>
-            <a:r>
-              <a:rPr lang="en-US" baseline="0" dirty="0" smtClean="0"/>
-              <a:t> </a:t>
-            </a:r>
-            <a:r>
-              <a:rPr lang="en-US" baseline="0" dirty="0" err="1" smtClean="0"/>
-              <a:t>pouco</a:t>
-            </a:r>
-            <a:r>
-              <a:rPr lang="en-US" baseline="0" dirty="0" smtClean="0"/>
-              <a:t> </a:t>
-            </a:r>
-            <a:r>
-              <a:rPr lang="en-US" baseline="0" dirty="0" err="1" smtClean="0"/>
-              <a:t>diferente</a:t>
-            </a:r>
-            <a:r>
-              <a:rPr lang="en-US" baseline="0" dirty="0" smtClean="0"/>
-              <a:t> </a:t>
-            </a:r>
-            <a:r>
-              <a:rPr lang="en-US" baseline="0" dirty="0" err="1" smtClean="0"/>
-              <a:t>já</a:t>
-            </a:r>
-            <a:r>
-              <a:rPr lang="en-US" baseline="0" dirty="0" smtClean="0"/>
-              <a:t> </a:t>
-            </a:r>
-            <a:r>
-              <a:rPr lang="en-US" baseline="0" dirty="0" err="1" smtClean="0"/>
-              <a:t>que</a:t>
-            </a:r>
-            <a:r>
-              <a:rPr lang="en-US" baseline="0" dirty="0" smtClean="0"/>
-              <a:t> </a:t>
-            </a:r>
-            <a:r>
-              <a:rPr lang="en-US" baseline="0" dirty="0" err="1" smtClean="0"/>
-              <a:t>não</a:t>
-            </a:r>
-            <a:r>
-              <a:rPr lang="en-US" baseline="0" dirty="0" smtClean="0"/>
-              <a:t> </a:t>
-            </a:r>
-            <a:r>
-              <a:rPr lang="en-US" baseline="0" dirty="0" err="1" smtClean="0"/>
-              <a:t>oferece</a:t>
-            </a:r>
-            <a:r>
-              <a:rPr lang="en-US" baseline="0" dirty="0" smtClean="0"/>
-              <a:t> um </a:t>
-            </a:r>
-            <a:r>
-              <a:rPr lang="en-US" baseline="0" dirty="0" err="1" smtClean="0"/>
-              <a:t>grau</a:t>
-            </a:r>
-            <a:r>
-              <a:rPr lang="en-US" baseline="0" dirty="0" smtClean="0"/>
-              <a:t> </a:t>
-            </a:r>
-            <a:r>
-              <a:rPr lang="en-US" baseline="0" dirty="0" err="1" smtClean="0"/>
-              <a:t>tão</a:t>
-            </a:r>
-            <a:r>
-              <a:rPr lang="en-US" baseline="0" dirty="0" smtClean="0"/>
-              <a:t> </a:t>
-            </a:r>
-            <a:r>
-              <a:rPr lang="en-US" baseline="0" dirty="0" err="1" smtClean="0"/>
-              <a:t>grande</a:t>
-            </a:r>
-            <a:r>
-              <a:rPr lang="en-US" baseline="0" dirty="0" smtClean="0"/>
-              <a:t> de </a:t>
-            </a:r>
-            <a:r>
-              <a:rPr lang="en-US" baseline="0" dirty="0" err="1" smtClean="0"/>
-              <a:t>paralelismo</a:t>
-            </a:r>
-            <a:r>
-              <a:rPr lang="en-US" baseline="0" dirty="0" smtClean="0"/>
-              <a:t>, </a:t>
-            </a:r>
-            <a:r>
-              <a:rPr lang="en-US" baseline="0" dirty="0" err="1" smtClean="0"/>
-              <a:t>apenas</a:t>
-            </a:r>
-            <a:r>
-              <a:rPr lang="en-US" baseline="0" dirty="0" smtClean="0"/>
-              <a:t> um </a:t>
-            </a:r>
-            <a:r>
-              <a:rPr lang="en-US" baseline="0" dirty="0" err="1" smtClean="0"/>
-              <a:t>acelerador</a:t>
-            </a:r>
-            <a:r>
-              <a:rPr lang="en-US" baseline="0" dirty="0" smtClean="0"/>
-              <a:t> </a:t>
-            </a:r>
-            <a:r>
-              <a:rPr lang="en-US" baseline="0" dirty="0" err="1" smtClean="0"/>
-              <a:t>para</a:t>
-            </a:r>
-            <a:r>
-              <a:rPr lang="en-US" baseline="0" dirty="0" smtClean="0"/>
-              <a:t> memory bound </a:t>
-            </a:r>
-            <a:r>
-              <a:rPr lang="en-US" baseline="0" dirty="0" smtClean="0"/>
-              <a:t>problems</a:t>
+              <a:t>usabilidade</a:t>
+            </a:r>
+            <a:r>
+              <a:rPr lang="en-US" baseline="0" dirty="0" smtClean="0"/>
+              <a:t> e performance</a:t>
             </a:r>
             <a:endParaRPr lang="en-US" baseline="0" dirty="0" smtClean="0"/>
           </a:p>
@@ -1056,7 +975,7 @@
     </p:spTree>
     <p:extLst>
       <p:ext uri="{BB962C8B-B14F-4D97-AF65-F5344CB8AC3E}">
-        <p14:creationId xmlns:p14="http://schemas.microsoft.com/office/powerpoint/2010/main" val="2247672862"/>
+        <p14:creationId xmlns:p14="http://schemas.microsoft.com/office/powerpoint/2010/main" val="604166467"/>
       </p:ext>
     </p:extLst>
   </p:cSld>
@@ -1114,62 +1033,166 @@
               <a:buAutoNum type="arabicPeriod"/>
             </a:pPr>
             <a:r>
-              <a:rPr lang="en-US" baseline="0" dirty="0" err="1" smtClean="0"/>
-              <a:t>Implementações</a:t>
-            </a:r>
-            <a:r>
-              <a:rPr lang="en-US" baseline="0" dirty="0" smtClean="0"/>
+              <a:rPr lang="en-US" b="1" dirty="0" err="1" smtClean="0"/>
+              <a:t>Objectivo</a:t>
+            </a:r>
+            <a:r>
+              <a:rPr lang="en-US" b="1" dirty="0" smtClean="0"/>
               <a:t> </a:t>
             </a:r>
             <a:r>
-              <a:rPr lang="en-US" baseline="0" dirty="0" err="1" smtClean="0"/>
-              <a:t>alternativas</a:t>
-            </a:r>
-            <a:r>
-              <a:rPr lang="en-US" baseline="0" dirty="0" smtClean="0"/>
+              <a:rPr lang="en-US" b="1" dirty="0" smtClean="0"/>
+              <a:t>de </a:t>
+            </a:r>
+            <a:r>
+              <a:rPr lang="en-US" b="1" dirty="0" err="1" smtClean="0"/>
+              <a:t>abstrair</a:t>
+            </a:r>
+            <a:r>
+              <a:rPr lang="en-US" b="1" dirty="0" smtClean="0"/>
+              <a:t> as </a:t>
+            </a:r>
+            <a:r>
+              <a:rPr lang="en-US" b="1" dirty="0" err="1" smtClean="0"/>
+              <a:t>complexidades</a:t>
+            </a:r>
+            <a:r>
+              <a:rPr lang="en-US" b="1" dirty="0" smtClean="0"/>
+              <a:t> das </a:t>
+            </a:r>
+            <a:r>
+              <a:rPr lang="en-US" b="1" dirty="0" err="1" smtClean="0"/>
+              <a:t>arquitecturas</a:t>
+            </a:r>
+            <a:r>
+              <a:rPr lang="en-US" b="1" dirty="0" smtClean="0"/>
+              <a:t>, </a:t>
+            </a:r>
+            <a:r>
+              <a:rPr lang="en-US" b="1" dirty="0" err="1" smtClean="0"/>
+              <a:t>facilitando</a:t>
+            </a:r>
+            <a:r>
+              <a:rPr lang="en-US" b="1" dirty="0" smtClean="0"/>
+              <a:t> a </a:t>
+            </a:r>
+            <a:r>
+              <a:rPr lang="en-US" b="1" dirty="0" err="1" smtClean="0"/>
+              <a:t>tarefa</a:t>
+            </a:r>
+            <a:r>
+              <a:rPr lang="en-US" b="1" dirty="0" smtClean="0"/>
+              <a:t> dos </a:t>
+            </a:r>
+            <a:r>
+              <a:rPr lang="en-US" b="1" dirty="0" err="1" smtClean="0"/>
+              <a:t>programadores</a:t>
+            </a:r>
+            <a:r>
+              <a:rPr lang="en-US" b="1" dirty="0" smtClean="0"/>
               <a:t> </a:t>
             </a:r>
             <a:r>
-              <a:rPr lang="en-US" baseline="0" dirty="0" err="1" smtClean="0"/>
-              <a:t>usando</a:t>
-            </a:r>
-            <a:r>
-              <a:rPr lang="en-US" baseline="0" dirty="0" smtClean="0"/>
-              <a:t> as frameworks </a:t>
-            </a:r>
-            <a:r>
-              <a:rPr lang="en-US" baseline="0" dirty="0" err="1" smtClean="0"/>
-              <a:t>openacc</a:t>
-            </a:r>
-            <a:r>
-              <a:rPr lang="en-US" baseline="0" dirty="0" smtClean="0"/>
+              <a:rPr lang="en-US" b="1" dirty="0" err="1" smtClean="0"/>
+              <a:t>inexperientes</a:t>
+            </a:r>
+            <a:r>
+              <a:rPr lang="en-US" b="1" dirty="0" smtClean="0"/>
               <a:t> e </a:t>
             </a:r>
             <a:r>
-              <a:rPr lang="en-US" baseline="0" dirty="0" err="1" smtClean="0"/>
-              <a:t>gama</a:t>
-            </a:r>
-            <a:r>
-              <a:rPr lang="en-US" baseline="0" dirty="0" smtClean="0"/>
+              <a:rPr lang="en-US" b="1" dirty="0" err="1" smtClean="0"/>
+              <a:t>aumentar</a:t>
+            </a:r>
+            <a:r>
+              <a:rPr lang="en-US" b="1" dirty="0" smtClean="0"/>
+              <a:t> a</a:t>
+            </a:r>
+            <a:r>
+              <a:rPr lang="en-US" b="1" baseline="0" dirty="0" smtClean="0"/>
               <a:t> </a:t>
             </a:r>
             <a:r>
-              <a:rPr lang="en-US" baseline="0" dirty="0" err="1" smtClean="0"/>
+              <a:rPr lang="en-US" b="1" baseline="0" dirty="0" err="1" smtClean="0"/>
+              <a:t>productividade</a:t>
+            </a:r>
+            <a:endParaRPr lang="en-US" b="1" dirty="0" smtClean="0"/>
+          </a:p>
+          <a:p>
+            <a:pPr marL="228600" indent="-228600">
+              <a:buAutoNum type="arabicPeriod"/>
+            </a:pPr>
+            <a:r>
+              <a:rPr lang="en-US" dirty="0" err="1" smtClean="0"/>
+              <a:t>Primeiras</a:t>
+            </a:r>
+            <a:r>
+              <a:rPr lang="en-US" dirty="0" smtClean="0"/>
+              <a:t> </a:t>
+            </a:r>
+            <a:r>
+              <a:rPr lang="en-US" dirty="0" err="1" smtClean="0"/>
               <a:t>para</a:t>
             </a:r>
             <a:r>
-              <a:rPr lang="en-US" baseline="0" dirty="0" smtClean="0"/>
+              <a:rPr lang="en-US" dirty="0" smtClean="0"/>
               <a:t> </a:t>
             </a:r>
             <a:r>
-              <a:rPr lang="en-US" baseline="0" dirty="0" err="1" smtClean="0"/>
-              <a:t>avaliar</a:t>
-            </a:r>
-            <a:r>
-              <a:rPr lang="en-US" baseline="0" dirty="0" smtClean="0"/>
+              <a:rPr lang="en-US" dirty="0" err="1" smtClean="0"/>
+              <a:t>obter</a:t>
+            </a:r>
+            <a:r>
+              <a:rPr lang="en-US" dirty="0" smtClean="0"/>
               <a:t> a </a:t>
             </a:r>
             <a:r>
+              <a:rPr lang="en-US" dirty="0" err="1" smtClean="0"/>
+              <a:t>melhor</a:t>
+            </a:r>
+            <a:r>
+              <a:rPr lang="en-US" dirty="0" smtClean="0"/>
+              <a:t> </a:t>
+            </a:r>
+            <a:r>
+              <a:rPr lang="en-US" dirty="0" err="1" smtClean="0"/>
+              <a:t>implementaç</a:t>
+            </a:r>
+            <a:r>
+              <a:rPr lang="en-US" dirty="0" err="1" smtClean="0"/>
+              <a:t>ão</a:t>
+            </a:r>
+            <a:r>
+              <a:rPr lang="en-US" dirty="0" smtClean="0"/>
+              <a:t> </a:t>
+            </a:r>
+            <a:r>
+              <a:rPr lang="en-US" dirty="0" err="1" smtClean="0"/>
+              <a:t>híbrida</a:t>
+            </a:r>
+            <a:r>
+              <a:rPr lang="en-US" dirty="0" smtClean="0"/>
+              <a:t> </a:t>
+            </a:r>
+            <a:r>
+              <a:rPr lang="en-US" dirty="0" err="1" smtClean="0"/>
+              <a:t>possível</a:t>
+            </a:r>
+            <a:endParaRPr lang="en-US" dirty="0" smtClean="0"/>
+          </a:p>
+          <a:p>
+            <a:pPr marL="228600" indent="-228600">
+              <a:buAutoNum type="arabicPeriod"/>
+            </a:pPr>
+            <a:r>
+              <a:rPr lang="en-US" baseline="0" dirty="0" err="1" smtClean="0"/>
+              <a:t>Avaliar</a:t>
+            </a:r>
+            <a:r>
+              <a:rPr lang="en-US" baseline="0" dirty="0" smtClean="0"/>
+              <a:t> a </a:t>
+            </a:r>
+            <a:r>
               <a:rPr lang="en-US" baseline="0" dirty="0" err="1" smtClean="0"/>
               <a:t>sua</a:t>
             </a:r>
@@ -1183,7 +1206,27 @@
             </a:r>
             <a:r>
               <a:rPr lang="en-US" baseline="0" dirty="0" smtClean="0"/>
-              <a:t> e performance</a:t>
+              <a:t> e performance </a:t>
+            </a:r>
+            <a:r>
+              <a:rPr lang="en-US" baseline="0" dirty="0" err="1" smtClean="0"/>
+              <a:t>comparando</a:t>
+            </a:r>
+            <a:r>
+              <a:rPr lang="en-US" baseline="0" dirty="0" smtClean="0"/>
+              <a:t> com a </a:t>
+            </a:r>
+            <a:r>
+              <a:rPr lang="en-US" baseline="0" dirty="0" err="1" smtClean="0"/>
+              <a:t>implementação</a:t>
+            </a:r>
+            <a:r>
+              <a:rPr lang="en-US" baseline="0" dirty="0" smtClean="0"/>
+              <a:t> </a:t>
+            </a:r>
+            <a:r>
+              <a:rPr lang="en-US" baseline="0" dirty="0" err="1" smtClean="0"/>
+              <a:t>optimizada</a:t>
             </a:r>
             <a:endParaRPr lang="en-US" baseline="0" dirty="0" smtClean="0"/>
           </a:p>
@@ -1215,7 +1258,7 @@
     </p:spTree>
     <p:extLst>
       <p:ext uri="{BB962C8B-B14F-4D97-AF65-F5344CB8AC3E}">
-        <p14:creationId xmlns:p14="http://schemas.microsoft.com/office/powerpoint/2010/main" val="604166467"/>
+        <p14:creationId xmlns:p14="http://schemas.microsoft.com/office/powerpoint/2010/main" val="1259879322"/>
       </p:ext>
     </p:extLst>
   </p:cSld>
@@ -1269,476 +1312,7 @@
           <a:bodyPr/>
           <a:lstStyle/>
           <a:p>
-            <a:pPr marL="228600" indent="-228600">
-              <a:buAutoNum type="arabicPeriod"/>
-            </a:pPr>
-            <a:r>
-              <a:rPr lang="en-US" dirty="0" err="1" smtClean="0"/>
-              <a:t>Objectivo</a:t>
-            </a:r>
-            <a:r>
-              <a:rPr lang="en-US" dirty="0" smtClean="0"/>
-              <a:t> </a:t>
-            </a:r>
-            <a:r>
-              <a:rPr lang="en-US" dirty="0" smtClean="0"/>
-              <a:t>de </a:t>
-            </a:r>
-            <a:r>
-              <a:rPr lang="en-US" dirty="0" err="1" smtClean="0"/>
-              <a:t>abstrair</a:t>
-            </a:r>
-            <a:r>
-              <a:rPr lang="en-US" dirty="0" smtClean="0"/>
-              <a:t> as </a:t>
-            </a:r>
-            <a:r>
-              <a:rPr lang="en-US" dirty="0" err="1" smtClean="0"/>
-              <a:t>complexidades</a:t>
-            </a:r>
-            <a:r>
-              <a:rPr lang="en-US" dirty="0" smtClean="0"/>
-              <a:t> das </a:t>
-            </a:r>
-            <a:r>
-              <a:rPr lang="en-US" dirty="0" err="1" smtClean="0"/>
-              <a:t>arquitecturas</a:t>
-            </a:r>
-            <a:r>
-              <a:rPr lang="en-US" dirty="0" smtClean="0"/>
-              <a:t>, </a:t>
-            </a:r>
-            <a:r>
-              <a:rPr lang="en-US" dirty="0" err="1" smtClean="0"/>
-              <a:t>facilitando</a:t>
-            </a:r>
-            <a:r>
-              <a:rPr lang="en-US" dirty="0" smtClean="0"/>
-              <a:t> a </a:t>
-            </a:r>
-            <a:r>
-              <a:rPr lang="en-US" dirty="0" err="1" smtClean="0"/>
-              <a:t>tarefa</a:t>
-            </a:r>
-            <a:r>
-              <a:rPr lang="en-US" dirty="0" smtClean="0"/>
-              <a:t> dos </a:t>
-            </a:r>
-            <a:r>
-              <a:rPr lang="en-US" dirty="0" err="1" smtClean="0"/>
-              <a:t>programadores</a:t>
-            </a:r>
-            <a:r>
-              <a:rPr lang="en-US" dirty="0" smtClean="0"/>
-              <a:t> </a:t>
-            </a:r>
-            <a:r>
-              <a:rPr lang="en-US" dirty="0" err="1" smtClean="0"/>
-              <a:t>inexperientes</a:t>
-            </a:r>
-            <a:r>
-              <a:rPr lang="en-US" dirty="0" smtClean="0"/>
-              <a:t> e </a:t>
-            </a:r>
-            <a:r>
-              <a:rPr lang="en-US" dirty="0" err="1" smtClean="0"/>
-              <a:t>aumentar</a:t>
-            </a:r>
-            <a:r>
-              <a:rPr lang="en-US" dirty="0" smtClean="0"/>
-              <a:t> a</a:t>
-            </a:r>
-            <a:r>
-              <a:rPr lang="en-US" baseline="0" dirty="0" smtClean="0"/>
-              <a:t> </a:t>
-            </a:r>
-            <a:r>
-              <a:rPr lang="en-US" baseline="0" dirty="0" err="1" smtClean="0"/>
-              <a:t>productividade</a:t>
-            </a:r>
-            <a:endParaRPr lang="en-US" dirty="0" smtClean="0"/>
-          </a:p>
-          <a:p>
-            <a:pPr marL="228600" indent="-228600">
-              <a:buAutoNum type="arabicPeriod"/>
-            </a:pPr>
-            <a:r>
-              <a:rPr lang="en-US" dirty="0" err="1" smtClean="0"/>
-              <a:t>OpenMP</a:t>
-            </a:r>
-            <a:r>
-              <a:rPr lang="en-US" dirty="0" smtClean="0"/>
-              <a:t>:</a:t>
-            </a:r>
-            <a:r>
-              <a:rPr lang="en-US" baseline="0" dirty="0" smtClean="0"/>
-              <a:t> Open Multi-Processing, framework </a:t>
-            </a:r>
-            <a:r>
-              <a:rPr lang="en-US" baseline="0" dirty="0" err="1" smtClean="0"/>
-              <a:t>baseada</a:t>
-            </a:r>
-            <a:r>
-              <a:rPr lang="en-US" baseline="0" dirty="0" smtClean="0"/>
-              <a:t> </a:t>
-            </a:r>
-            <a:r>
-              <a:rPr lang="en-US" baseline="0" dirty="0" err="1" smtClean="0"/>
-              <a:t>em</a:t>
-            </a:r>
-            <a:r>
-              <a:rPr lang="en-US" baseline="0" dirty="0" smtClean="0"/>
-              <a:t> pragmas </a:t>
-            </a:r>
-            <a:r>
-              <a:rPr lang="en-US" baseline="0" dirty="0" err="1" smtClean="0"/>
-              <a:t>para</a:t>
-            </a:r>
-            <a:r>
-              <a:rPr lang="en-US" baseline="0" dirty="0" smtClean="0"/>
-              <a:t> </a:t>
-            </a:r>
-            <a:r>
-              <a:rPr lang="en-US" baseline="0" dirty="0" err="1" smtClean="0"/>
-              <a:t>paralelizaçao</a:t>
-            </a:r>
-            <a:r>
-              <a:rPr lang="en-US" baseline="0" dirty="0" smtClean="0"/>
-              <a:t> de </a:t>
-            </a:r>
-            <a:r>
-              <a:rPr lang="en-US" baseline="0" dirty="0" err="1" smtClean="0"/>
-              <a:t>tarefas</a:t>
-            </a:r>
-            <a:r>
-              <a:rPr lang="en-US" baseline="0" dirty="0" smtClean="0"/>
-              <a:t> </a:t>
-            </a:r>
-            <a:r>
-              <a:rPr lang="en-US" baseline="0" dirty="0" err="1" smtClean="0"/>
-              <a:t>em</a:t>
-            </a:r>
-            <a:r>
-              <a:rPr lang="en-US" baseline="0" dirty="0" smtClean="0"/>
-              <a:t> </a:t>
-            </a:r>
-            <a:r>
-              <a:rPr lang="en-US" baseline="0" dirty="0" err="1" smtClean="0"/>
-              <a:t>ambientes</a:t>
-            </a:r>
-            <a:r>
-              <a:rPr lang="en-US" baseline="0" dirty="0" smtClean="0"/>
-              <a:t> shared memory entre cores de 1 </a:t>
-            </a:r>
-            <a:r>
-              <a:rPr lang="en-US" baseline="0" dirty="0" err="1" smtClean="0"/>
-              <a:t>ou</a:t>
-            </a:r>
-            <a:r>
-              <a:rPr lang="en-US" baseline="0" dirty="0" smtClean="0"/>
-              <a:t> </a:t>
-            </a:r>
-            <a:r>
-              <a:rPr lang="en-US" baseline="0" dirty="0" err="1" smtClean="0"/>
-              <a:t>mais</a:t>
-            </a:r>
-            <a:r>
-              <a:rPr lang="en-US" baseline="0" dirty="0" smtClean="0"/>
-              <a:t> </a:t>
-            </a:r>
-            <a:r>
-              <a:rPr lang="en-US" baseline="0" dirty="0" smtClean="0"/>
-              <a:t>CPUs</a:t>
-            </a:r>
-          </a:p>
-          <a:p>
-            <a:pPr marL="228600" indent="-228600">
-              <a:buAutoNum type="arabicPeriod" startAt="4"/>
-            </a:pPr>
-            <a:r>
-              <a:rPr lang="en-US" baseline="0" dirty="0" smtClean="0"/>
-              <a:t>CUDA: Compute Unified Device Architecture, </a:t>
-            </a:r>
-            <a:r>
-              <a:rPr lang="en-US" baseline="0" dirty="0" err="1" smtClean="0"/>
-              <a:t>linguagem</a:t>
-            </a:r>
-            <a:r>
-              <a:rPr lang="en-US" baseline="0" dirty="0" smtClean="0"/>
-              <a:t> </a:t>
-            </a:r>
-            <a:r>
-              <a:rPr lang="en-US" baseline="0" dirty="0" err="1" smtClean="0"/>
-              <a:t>criada</a:t>
-            </a:r>
-            <a:r>
-              <a:rPr lang="en-US" baseline="0" dirty="0" smtClean="0"/>
-              <a:t> </a:t>
-            </a:r>
-            <a:r>
-              <a:rPr lang="en-US" baseline="0" dirty="0" err="1" smtClean="0"/>
-              <a:t>pela</a:t>
-            </a:r>
-            <a:r>
-              <a:rPr lang="en-US" baseline="0" dirty="0" smtClean="0"/>
-              <a:t> NVidia </a:t>
-            </a:r>
-            <a:r>
-              <a:rPr lang="en-US" baseline="0" dirty="0" err="1" smtClean="0"/>
-              <a:t>para</a:t>
-            </a:r>
-            <a:r>
-              <a:rPr lang="en-US" baseline="0" dirty="0" smtClean="0"/>
-              <a:t> </a:t>
-            </a:r>
-            <a:r>
-              <a:rPr lang="en-US" baseline="0" dirty="0" err="1" smtClean="0"/>
-              <a:t>programação</a:t>
-            </a:r>
-            <a:r>
-              <a:rPr lang="en-US" baseline="0" dirty="0" smtClean="0"/>
-              <a:t> </a:t>
-            </a:r>
-            <a:r>
-              <a:rPr lang="en-US" baseline="0" dirty="0" err="1" smtClean="0"/>
-              <a:t>para</a:t>
-            </a:r>
-            <a:r>
-              <a:rPr lang="en-US" baseline="0" dirty="0" smtClean="0"/>
-              <a:t> </a:t>
-            </a:r>
-            <a:r>
-              <a:rPr lang="en-US" baseline="0" dirty="0" err="1" smtClean="0"/>
-              <a:t>os</a:t>
-            </a:r>
-            <a:r>
-              <a:rPr lang="en-US" baseline="0" dirty="0" smtClean="0"/>
-              <a:t> </a:t>
-            </a:r>
-            <a:r>
-              <a:rPr lang="en-US" baseline="0" dirty="0" err="1" smtClean="0"/>
-              <a:t>seus</a:t>
-            </a:r>
-            <a:r>
-              <a:rPr lang="en-US" baseline="0" dirty="0" smtClean="0"/>
-              <a:t> GPUs</a:t>
-            </a:r>
-            <a:endParaRPr lang="en-US" baseline="0" dirty="0" smtClean="0"/>
-          </a:p>
-          <a:p>
-            <a:r>
-              <a:rPr lang="en-US" baseline="0" dirty="0" smtClean="0"/>
-              <a:t>3.  </a:t>
-            </a:r>
-            <a:r>
-              <a:rPr lang="en-US" baseline="0" dirty="0" err="1" smtClean="0"/>
-              <a:t>OpenACC</a:t>
-            </a:r>
-            <a:r>
-              <a:rPr lang="en-US" baseline="0" dirty="0" smtClean="0"/>
-              <a:t>: Open Accelerator, </a:t>
-            </a:r>
-            <a:r>
-              <a:rPr lang="en-US" baseline="0" dirty="0" err="1" smtClean="0"/>
-              <a:t>também</a:t>
-            </a:r>
-            <a:r>
-              <a:rPr lang="en-US" baseline="0" dirty="0" smtClean="0"/>
-              <a:t> </a:t>
-            </a:r>
-            <a:r>
-              <a:rPr lang="en-US" baseline="0" dirty="0" err="1" smtClean="0"/>
-              <a:t>baseada</a:t>
-            </a:r>
-            <a:r>
-              <a:rPr lang="en-US" baseline="0" dirty="0" smtClean="0"/>
-              <a:t> </a:t>
-            </a:r>
-            <a:r>
-              <a:rPr lang="en-US" baseline="0" dirty="0" err="1" smtClean="0"/>
-              <a:t>em</a:t>
-            </a:r>
-            <a:r>
-              <a:rPr lang="en-US" baseline="0" dirty="0" smtClean="0"/>
-              <a:t> pragmas </a:t>
-            </a:r>
-            <a:r>
-              <a:rPr lang="en-US" baseline="0" dirty="0" err="1" smtClean="0"/>
-              <a:t>para</a:t>
-            </a:r>
-            <a:r>
-              <a:rPr lang="en-US" baseline="0" dirty="0" smtClean="0"/>
-              <a:t> </a:t>
-            </a:r>
-            <a:r>
-              <a:rPr lang="en-US" baseline="0" dirty="0" err="1" smtClean="0"/>
-              <a:t>paralelização</a:t>
-            </a:r>
-            <a:r>
-              <a:rPr lang="en-US" baseline="0" dirty="0" smtClean="0"/>
-              <a:t> de </a:t>
-            </a:r>
-            <a:r>
-              <a:rPr lang="en-US" baseline="0" dirty="0" err="1" smtClean="0"/>
-              <a:t>tarefas</a:t>
-            </a:r>
-            <a:r>
-              <a:rPr lang="en-US" baseline="0" dirty="0" smtClean="0"/>
-              <a:t> </a:t>
-            </a:r>
-            <a:r>
-              <a:rPr lang="en-US" baseline="0" dirty="0" err="1" smtClean="0"/>
-              <a:t>em</a:t>
-            </a:r>
-            <a:r>
-              <a:rPr lang="en-US" baseline="0" dirty="0" smtClean="0"/>
-              <a:t> </a:t>
-            </a:r>
-            <a:r>
-              <a:rPr lang="en-US" baseline="0" dirty="0" err="1" smtClean="0"/>
-              <a:t>ambientes</a:t>
-            </a:r>
-            <a:r>
-              <a:rPr lang="en-US" baseline="0" dirty="0" smtClean="0"/>
-              <a:t> </a:t>
-            </a:r>
-            <a:r>
-              <a:rPr lang="en-US" baseline="0" dirty="0" err="1" smtClean="0"/>
-              <a:t>heterogeneos</a:t>
-            </a:r>
-            <a:r>
-              <a:rPr lang="en-US" baseline="0" dirty="0" smtClean="0"/>
-              <a:t>, </a:t>
-            </a:r>
-            <a:r>
-              <a:rPr lang="en-US" baseline="0" dirty="0" err="1" smtClean="0"/>
-              <a:t>para</a:t>
-            </a:r>
-            <a:r>
-              <a:rPr lang="en-US" baseline="0" dirty="0" smtClean="0"/>
-              <a:t> </a:t>
-            </a:r>
-            <a:r>
-              <a:rPr lang="en-US" baseline="0" dirty="0" err="1" smtClean="0"/>
-              <a:t>ja</a:t>
-            </a:r>
-            <a:r>
-              <a:rPr lang="en-US" baseline="0" dirty="0" smtClean="0"/>
-              <a:t> </a:t>
-            </a:r>
-            <a:r>
-              <a:rPr lang="en-US" baseline="0" dirty="0" err="1" smtClean="0"/>
-              <a:t>apenas</a:t>
-            </a:r>
-            <a:r>
-              <a:rPr lang="en-US" baseline="0" dirty="0" smtClean="0"/>
-              <a:t> com GPUs</a:t>
-            </a:r>
-          </a:p>
-          <a:p>
-            <a:pPr marL="228600" indent="-228600">
-              <a:buAutoNum type="arabicPeriod" startAt="4"/>
-            </a:pPr>
-            <a:r>
-              <a:rPr lang="en-US" baseline="0" dirty="0" smtClean="0"/>
-              <a:t>GAMA: GPU and Multicore Aware, </a:t>
-            </a:r>
-            <a:r>
-              <a:rPr lang="en-US" baseline="0" dirty="0" smtClean="0"/>
-              <a:t>framework in-house </a:t>
-            </a:r>
-            <a:r>
-              <a:rPr lang="en-US" baseline="0" dirty="0" err="1" smtClean="0"/>
-              <a:t>mais</a:t>
-            </a:r>
-            <a:r>
-              <a:rPr lang="en-US" baseline="0" dirty="0" smtClean="0"/>
-              <a:t> “low-level” </a:t>
-            </a:r>
-            <a:r>
-              <a:rPr lang="en-US" baseline="0" dirty="0" err="1" smtClean="0"/>
-              <a:t>que</a:t>
-            </a:r>
-            <a:r>
-              <a:rPr lang="en-US" baseline="0" dirty="0" smtClean="0"/>
-              <a:t> as </a:t>
-            </a:r>
-            <a:r>
-              <a:rPr lang="en-US" baseline="0" dirty="0" err="1" smtClean="0"/>
-              <a:t>restantes</a:t>
-            </a:r>
-            <a:r>
-              <a:rPr lang="en-US" baseline="0" dirty="0" smtClean="0"/>
-              <a:t>, com </a:t>
-            </a:r>
-            <a:r>
-              <a:rPr lang="en-US" baseline="0" dirty="0" err="1" smtClean="0"/>
-              <a:t>uma</a:t>
-            </a:r>
-            <a:r>
-              <a:rPr lang="en-US" baseline="0" dirty="0" smtClean="0"/>
-              <a:t> </a:t>
-            </a:r>
-            <a:r>
-              <a:rPr lang="en-US" baseline="0" dirty="0" err="1" smtClean="0"/>
-              <a:t>curva</a:t>
-            </a:r>
-            <a:r>
-              <a:rPr lang="en-US" baseline="0" dirty="0" smtClean="0"/>
-              <a:t> de </a:t>
-            </a:r>
-            <a:r>
-              <a:rPr lang="en-US" baseline="0" dirty="0" err="1" smtClean="0"/>
-              <a:t>aprendizagem</a:t>
-            </a:r>
-            <a:r>
-              <a:rPr lang="en-US" baseline="0" dirty="0" smtClean="0"/>
-              <a:t> </a:t>
-            </a:r>
-            <a:r>
-              <a:rPr lang="en-US" baseline="0" dirty="0" err="1" smtClean="0"/>
-              <a:t>maior</a:t>
-            </a:r>
-            <a:r>
-              <a:rPr lang="en-US" baseline="0" dirty="0" smtClean="0"/>
-              <a:t> mas </a:t>
-            </a:r>
-            <a:r>
-              <a:rPr lang="en-US" baseline="0" dirty="0" err="1" smtClean="0"/>
-              <a:t>que</a:t>
-            </a:r>
-            <a:r>
-              <a:rPr lang="en-US" baseline="0" dirty="0" smtClean="0"/>
-              <a:t> </a:t>
-            </a:r>
-            <a:r>
-              <a:rPr lang="en-US" baseline="0" dirty="0" err="1" smtClean="0"/>
-              <a:t>teoricamente</a:t>
-            </a:r>
-            <a:r>
-              <a:rPr lang="en-US" baseline="0" dirty="0" smtClean="0"/>
-              <a:t> </a:t>
-            </a:r>
-            <a:r>
-              <a:rPr lang="en-US" baseline="0" dirty="0" err="1" smtClean="0"/>
-              <a:t>oferece</a:t>
-            </a:r>
-            <a:r>
-              <a:rPr lang="en-US" baseline="0" dirty="0" smtClean="0"/>
-              <a:t> </a:t>
-            </a:r>
-            <a:r>
-              <a:rPr lang="en-US" baseline="0" dirty="0" err="1" smtClean="0"/>
-              <a:t>melhor</a:t>
-            </a:r>
-            <a:r>
-              <a:rPr lang="en-US" baseline="0" dirty="0" smtClean="0"/>
-              <a:t> </a:t>
-            </a:r>
-            <a:r>
-              <a:rPr lang="en-US" baseline="0" dirty="0" smtClean="0"/>
-              <a:t>performance</a:t>
-            </a:r>
+            <a:endParaRPr lang="en-US"/>
           </a:p>
         </p:txBody>
       </p:sp>
@@ -1760,90 +1334,6 @@
             <a:fld id="{A9A0AF8B-7AB8-1E42-BD6E-C06D71D719CD}" type="slidenum">
               <a:rPr lang="en-US" smtClean="0"/>
               <a:t>13</a:t>
-            </a:fld>
-            <a:endParaRPr lang="en-US"/>
-          </a:p>
-        </p:txBody>
-      </p:sp>
-    </p:spTree>
-    <p:extLst>
-      <p:ext uri="{BB962C8B-B14F-4D97-AF65-F5344CB8AC3E}">
-        <p14:creationId xmlns:p14="http://schemas.microsoft.com/office/powerpoint/2010/main" val="1259879322"/>
-      </p:ext>
-    </p:extLst>
-  </p:cSld>
-  <p:clrMapOvr>
-    <a:masterClrMapping/>
-  </p:clrMapOvr>
-</p:notes>
-</file>
-
-<file path=ppt/notesSlides/notesSlide13.xml><?xml version="1.0" encoding="utf-8"?>
-<p:notes xmlns:a="http://schemas.openxmlformats.org/drawingml/2006/main" xmlns:r="http://schemas.openxmlformats.org/officeDocument/2006/relationships" xmlns:p="http://schemas.openxmlformats.org/presentationml/2006/main">
-  <p:cSld>
-    <p:spTree>
-      <p:nvGrpSpPr>
-        <p:cNvPr id="1" name=""/>
-        <p:cNvGrpSpPr/>
-        <p:nvPr/>
-      </p:nvGrpSpPr>
-      <p:grpSpPr>
-        <a:xfrm>
-          <a:off x="0" y="0"/>
-          <a:ext cx="0" cy="0"/>
-          <a:chOff x="0" y="0"/>
-          <a:chExt cx="0" cy="0"/>
-        </a:xfrm>
-      </p:grpSpPr>
-      <p:sp>
-        <p:nvSpPr>
-          <p:cNvPr id="2" name="Slide Image Placeholder 1"/>
-          <p:cNvSpPr>
-            <a:spLocks noGrp="1" noRot="1" noChangeAspect="1"/>
-          </p:cNvSpPr>
-          <p:nvPr>
-            <p:ph type="sldImg"/>
-          </p:nvPr>
-        </p:nvSpPr>
-        <p:spPr/>
-      </p:sp>
-      <p:sp>
-        <p:nvSpPr>
-          <p:cNvPr id="3" name="Notes Placeholder 2"/>
-          <p:cNvSpPr>
-            <a:spLocks noGrp="1"/>
-          </p:cNvSpPr>
-          <p:nvPr>
-            <p:ph type="body" idx="1"/>
-          </p:nvPr>
-        </p:nvSpPr>
-        <p:spPr/>
-        <p:txBody>
-          <a:bodyPr/>
-          <a:lstStyle/>
-          <a:p>
-            <a:endParaRPr lang="en-US"/>
-          </a:p>
-        </p:txBody>
-      </p:sp>
-      <p:sp>
-        <p:nvSpPr>
-          <p:cNvPr id="4" name="Slide Number Placeholder 3"/>
-          <p:cNvSpPr>
-            <a:spLocks noGrp="1"/>
-          </p:cNvSpPr>
-          <p:nvPr>
-            <p:ph type="sldNum" sz="quarter" idx="10"/>
-          </p:nvPr>
-        </p:nvSpPr>
-        <p:spPr/>
-        <p:txBody>
-          <a:bodyPr/>
-          <a:lstStyle/>
-          <a:p>
-            <a:fld id="{A9A0AF8B-7AB8-1E42-BD6E-C06D71D719CD}" type="slidenum">
-              <a:rPr lang="en-US" smtClean="0"/>
-              <a:t>14</a:t>
             </a:fld>
             <a:endParaRPr lang="en-US"/>
           </a:p>
@@ -2561,10 +2051,14 @@
             <a:endParaRPr lang="en-US" baseline="0" dirty="0" smtClean="0"/>
           </a:p>
           <a:p>
-            <a:pPr marL="628650" lvl="1" indent="-171450">
+            <a:pPr marL="457200" lvl="1" indent="0">
               <a:buFontTx/>
-              <a:buChar char="-"/>
+              <a:buNone/>
             </a:pPr>
+            <a:r>
+              <a:rPr lang="en-US" baseline="0" dirty="0" smtClean="0"/>
+              <a:t>- </a:t>
+            </a:r>
             <a:r>
               <a:rPr lang="en-US" baseline="0" dirty="0" err="1" smtClean="0"/>
               <a:t>ttDilepKinFit</a:t>
@@ -3162,203 +2656,6 @@
               <a:rPr lang="en-US" dirty="0" err="1" smtClean="0"/>
               <a:t>heterogeneos</a:t>
             </a:r>
-            <a:endParaRPr lang="en-US" dirty="0" smtClean="0"/>
-          </a:p>
-          <a:p>
-            <a:pPr marL="228600" indent="-228600">
-              <a:buAutoNum type="arabicPeriod"/>
-            </a:pPr>
-            <a:r>
-              <a:rPr lang="en-US" baseline="0" dirty="0" err="1" smtClean="0"/>
-              <a:t>Obter</a:t>
-            </a:r>
-            <a:r>
-              <a:rPr lang="en-US" baseline="0" dirty="0" smtClean="0"/>
-              <a:t> a </a:t>
-            </a:r>
-            <a:r>
-              <a:rPr lang="en-US" baseline="0" dirty="0" err="1" smtClean="0"/>
-              <a:t>implementação</a:t>
-            </a:r>
-            <a:r>
-              <a:rPr lang="en-US" baseline="0" dirty="0" smtClean="0"/>
-              <a:t> </a:t>
-            </a:r>
-            <a:r>
-              <a:rPr lang="en-US" baseline="0" dirty="0" err="1" smtClean="0"/>
-              <a:t>mais</a:t>
-            </a:r>
-            <a:r>
-              <a:rPr lang="en-US" baseline="0" dirty="0" smtClean="0"/>
-              <a:t> </a:t>
-            </a:r>
-            <a:r>
-              <a:rPr lang="en-US" baseline="0" dirty="0" err="1" smtClean="0"/>
-              <a:t>eficiente</a:t>
-            </a:r>
-            <a:r>
-              <a:rPr lang="en-US" baseline="0" dirty="0" smtClean="0"/>
-              <a:t> </a:t>
-            </a:r>
-            <a:r>
-              <a:rPr lang="en-US" baseline="0" dirty="0" err="1" smtClean="0"/>
-              <a:t>possível</a:t>
-            </a:r>
-            <a:r>
-              <a:rPr lang="en-US" baseline="0" dirty="0" smtClean="0"/>
-              <a:t> </a:t>
-            </a:r>
-            <a:r>
-              <a:rPr lang="en-US" baseline="0" dirty="0" err="1" smtClean="0"/>
-              <a:t>hibrida</a:t>
-            </a:r>
-            <a:r>
-              <a:rPr lang="en-US" baseline="0" dirty="0" smtClean="0"/>
-              <a:t> </a:t>
-            </a:r>
-            <a:r>
-              <a:rPr lang="en-US" baseline="0" dirty="0" err="1" smtClean="0"/>
-              <a:t>para</a:t>
-            </a:r>
-            <a:r>
-              <a:rPr lang="en-US" baseline="0" dirty="0" smtClean="0"/>
-              <a:t> </a:t>
-            </a:r>
-            <a:r>
-              <a:rPr lang="en-US" baseline="0" dirty="0" err="1" smtClean="0"/>
-              <a:t>os</a:t>
-            </a:r>
-            <a:r>
-              <a:rPr lang="en-US" baseline="0" dirty="0" smtClean="0"/>
-              <a:t> </a:t>
-            </a:r>
-            <a:r>
-              <a:rPr lang="en-US" baseline="0" dirty="0" err="1" smtClean="0"/>
-              <a:t>diversos</a:t>
-            </a:r>
-            <a:r>
-              <a:rPr lang="en-US" baseline="0" dirty="0" smtClean="0"/>
-              <a:t> </a:t>
-            </a:r>
-            <a:r>
-              <a:rPr lang="en-US" baseline="0" dirty="0" err="1" smtClean="0"/>
-              <a:t>aceleradores</a:t>
-            </a:r>
-            <a:r>
-              <a:rPr lang="en-US" baseline="0" dirty="0" smtClean="0"/>
-              <a:t> </a:t>
-            </a:r>
-            <a:r>
-              <a:rPr lang="en-US" baseline="0" dirty="0" err="1" smtClean="0"/>
-              <a:t>usando</a:t>
-            </a:r>
-            <a:r>
-              <a:rPr lang="en-US" baseline="0" dirty="0" smtClean="0"/>
-              <a:t> </a:t>
-            </a:r>
-            <a:r>
-              <a:rPr lang="en-US" baseline="0" dirty="0" err="1" smtClean="0"/>
-              <a:t>openmp</a:t>
-            </a:r>
-            <a:r>
-              <a:rPr lang="en-US" baseline="0" dirty="0" smtClean="0"/>
-              <a:t> e </a:t>
-            </a:r>
-            <a:r>
-              <a:rPr lang="en-US" baseline="0" dirty="0" err="1" smtClean="0"/>
-              <a:t>cuda</a:t>
-            </a:r>
-            <a:endParaRPr lang="en-US" baseline="0" dirty="0" smtClean="0"/>
-          </a:p>
-          <a:p>
-            <a:pPr marL="228600" indent="-228600">
-              <a:buAutoNum type="arabicPeriod"/>
-            </a:pPr>
-            <a:r>
-              <a:rPr lang="en-US" baseline="0" dirty="0" err="1" smtClean="0"/>
-              <a:t>Comparar</a:t>
-            </a:r>
-            <a:r>
-              <a:rPr lang="en-US" baseline="0" dirty="0" smtClean="0"/>
-              <a:t> a </a:t>
-            </a:r>
-            <a:r>
-              <a:rPr lang="en-US" baseline="0" dirty="0" err="1" smtClean="0"/>
-              <a:t>sua</a:t>
-            </a:r>
-            <a:r>
-              <a:rPr lang="en-US" baseline="0" dirty="0" smtClean="0"/>
-              <a:t> performance</a:t>
-            </a:r>
-          </a:p>
-          <a:p>
-            <a:pPr marL="228600" indent="-228600">
-              <a:buAutoNum type="arabicPeriod"/>
-            </a:pPr>
-            <a:r>
-              <a:rPr lang="en-US" baseline="0" dirty="0" err="1" smtClean="0"/>
-              <a:t>Implementações</a:t>
-            </a:r>
-            <a:r>
-              <a:rPr lang="en-US" baseline="0" dirty="0" smtClean="0"/>
-              <a:t> </a:t>
-            </a:r>
-            <a:r>
-              <a:rPr lang="en-US" baseline="0" dirty="0" err="1" smtClean="0"/>
-              <a:t>usando</a:t>
-            </a:r>
-            <a:r>
-              <a:rPr lang="en-US" baseline="0" dirty="0" smtClean="0"/>
-              <a:t> as frameworks </a:t>
-            </a:r>
-            <a:r>
-              <a:rPr lang="en-US" baseline="0" dirty="0" err="1" smtClean="0"/>
-              <a:t>openacc</a:t>
-            </a:r>
-            <a:r>
-              <a:rPr lang="en-US" baseline="0" dirty="0" smtClean="0"/>
-              <a:t> e </a:t>
-            </a:r>
-            <a:r>
-              <a:rPr lang="en-US" baseline="0" dirty="0" err="1" smtClean="0"/>
-              <a:t>gama</a:t>
-            </a:r>
-            <a:r>
-              <a:rPr lang="en-US" baseline="0" dirty="0" smtClean="0"/>
-              <a:t> </a:t>
-            </a:r>
-            <a:r>
-              <a:rPr lang="en-US" baseline="0" dirty="0" err="1" smtClean="0"/>
-              <a:t>para</a:t>
-            </a:r>
-            <a:r>
-              <a:rPr lang="en-US" baseline="0" dirty="0" smtClean="0"/>
-              <a:t> </a:t>
-            </a:r>
-            <a:r>
-              <a:rPr lang="en-US" baseline="0" dirty="0" err="1" smtClean="0"/>
-              <a:t>avaliar</a:t>
-            </a:r>
-            <a:r>
-              <a:rPr lang="en-US" baseline="0" dirty="0" smtClean="0"/>
-              <a:t> a </a:t>
-            </a:r>
-            <a:r>
-              <a:rPr lang="en-US" baseline="0" dirty="0" err="1" smtClean="0"/>
-              <a:t>sua</a:t>
-            </a:r>
-            <a:r>
-              <a:rPr lang="en-US" baseline="0" dirty="0" smtClean="0"/>
-              <a:t> </a:t>
-            </a:r>
-            <a:r>
-              <a:rPr lang="en-US" baseline="0" dirty="0" err="1" smtClean="0"/>
-              <a:t>usabilidade</a:t>
-            </a:r>
-            <a:r>
-              <a:rPr lang="en-US" baseline="0" dirty="0" smtClean="0"/>
-              <a:t> e performance</a:t>
-            </a:r>
             <a:endParaRPr lang="en-US" baseline="0" dirty="0" smtClean="0"/>
           </a:p>
         </p:txBody>
@@ -3717,6 +3014,16 @@
             </a:r>
             <a:endParaRPr lang="en-US" baseline="0" dirty="0" smtClean="0"/>
           </a:p>
+          <a:p>
+            <a:pPr marL="228600" indent="-228600">
+              <a:buAutoNum type="arabicPeriod"/>
+            </a:pPr>
+            <a:r>
+              <a:rPr lang="en-US" baseline="0" dirty="0" smtClean="0"/>
+              <a:t>Debugging</a:t>
+            </a:r>
+            <a:endParaRPr lang="en-US" baseline="0" dirty="0" smtClean="0"/>
+          </a:p>
         </p:txBody>
       </p:sp>
       <p:sp>
@@ -3804,19 +3111,19 @@
             </a:pPr>
             <a:r>
               <a:rPr lang="en-US" baseline="0" dirty="0" smtClean="0"/>
-              <a:t>Debugging </a:t>
-            </a:r>
-            <a:r>
-              <a:rPr lang="en-US" baseline="0" dirty="0" err="1" smtClean="0"/>
-              <a:t>complexo</a:t>
-            </a:r>
-            <a:r>
-              <a:rPr lang="en-US" baseline="0" dirty="0" smtClean="0"/>
-              <a:t> e </a:t>
-            </a:r>
-            <a:r>
-              <a:rPr lang="en-US" baseline="0" dirty="0" err="1" smtClean="0"/>
-              <a:t>limitado</a:t>
+              <a:t>2 </a:t>
+            </a:r>
+            <a:r>
+              <a:rPr lang="en-US" baseline="0" dirty="0" err="1" smtClean="0"/>
+              <a:t>tipos</a:t>
+            </a:r>
+            <a:r>
+              <a:rPr lang="en-US" baseline="0" dirty="0" smtClean="0"/>
+              <a:t> de </a:t>
+            </a:r>
+            <a:r>
+              <a:rPr lang="en-US" baseline="0" dirty="0" err="1" smtClean="0"/>
+              <a:t>aceleradores</a:t>
             </a:r>
             <a:r>
               <a:rPr lang="en-US" baseline="0" dirty="0" smtClean="0"/>
@@ -3824,15 +3131,7 @@
             </a:r>
             <a:r>
               <a:rPr lang="en-US" baseline="0" dirty="0" err="1" smtClean="0"/>
-              <a:t>quando</a:t>
-            </a:r>
-            <a:r>
-              <a:rPr lang="en-US" baseline="0" dirty="0" smtClean="0"/>
-              <a:t> se </a:t>
-            </a:r>
-            <a:r>
-              <a:rPr lang="en-US" baseline="0" dirty="0" err="1" smtClean="0"/>
-              <a:t>usa</a:t>
+              <a:t>que</a:t>
             </a:r>
             <a:r>
               <a:rPr lang="en-US" baseline="0" dirty="0" smtClean="0"/>
@@ -3840,11 +3139,151 @@
             </a:r>
             <a:r>
               <a:rPr lang="en-US" baseline="0" dirty="0" err="1" smtClean="0"/>
-              <a:t>vários</a:t>
-            </a:r>
-            <a:r>
-              <a:rPr lang="en-US" baseline="0" dirty="0" smtClean="0"/>
-              <a:t> cores e </a:t>
+              <a:t>ser</a:t>
+            </a:r>
+            <a:r>
+              <a:rPr lang="en-US" baseline="0" dirty="0" err="1" smtClean="0"/>
+              <a:t>ão</a:t>
+            </a:r>
+            <a:r>
+              <a:rPr lang="en-US" baseline="0" dirty="0" smtClean="0"/>
+              <a:t> </a:t>
+            </a:r>
+            <a:r>
+              <a:rPr lang="en-US" baseline="0" dirty="0" err="1" smtClean="0"/>
+              <a:t>estudados</a:t>
+            </a:r>
+            <a:endParaRPr lang="en-US" baseline="0" dirty="0" smtClean="0"/>
+          </a:p>
+          <a:p>
+            <a:pPr marL="228600" indent="-228600">
+              <a:buAutoNum type="arabicPeriod"/>
+            </a:pPr>
+            <a:r>
+              <a:rPr lang="en-US" dirty="0" smtClean="0"/>
+              <a:t>GPUs</a:t>
+            </a:r>
+            <a:r>
+              <a:rPr lang="en-US" dirty="0" smtClean="0"/>
+              <a:t>: NVidia</a:t>
+            </a:r>
+            <a:r>
+              <a:rPr lang="en-US" baseline="0" dirty="0" smtClean="0"/>
+              <a:t> </a:t>
+            </a:r>
+            <a:r>
+              <a:rPr lang="en-US" baseline="0" dirty="0" err="1" smtClean="0"/>
+              <a:t>oferece</a:t>
+            </a:r>
+            <a:r>
+              <a:rPr lang="en-US" baseline="0" dirty="0" smtClean="0"/>
+              <a:t> </a:t>
+            </a:r>
+            <a:r>
+              <a:rPr lang="en-US" baseline="0" dirty="0" err="1" smtClean="0"/>
+              <a:t>arquitecturas</a:t>
+            </a:r>
+            <a:r>
+              <a:rPr lang="en-US" dirty="0" smtClean="0"/>
+              <a:t> com </a:t>
+            </a:r>
+            <a:r>
+              <a:rPr lang="en-US" dirty="0" err="1" smtClean="0"/>
+              <a:t>aceleradores</a:t>
+            </a:r>
+            <a:r>
+              <a:rPr lang="en-US" dirty="0" smtClean="0"/>
+              <a:t> </a:t>
+            </a:r>
+            <a:r>
+              <a:rPr lang="en-US" dirty="0" err="1" smtClean="0"/>
+              <a:t>orientados</a:t>
+            </a:r>
+            <a:r>
+              <a:rPr lang="en-US" dirty="0" smtClean="0"/>
+              <a:t> </a:t>
+            </a:r>
+            <a:r>
+              <a:rPr lang="en-US" dirty="0" err="1" smtClean="0"/>
+              <a:t>para</a:t>
+            </a:r>
+            <a:r>
+              <a:rPr lang="en-US" dirty="0" smtClean="0"/>
+              <a:t> scientific computing; </a:t>
+            </a:r>
+            <a:r>
+              <a:rPr lang="en-US" dirty="0" err="1" smtClean="0"/>
+              <a:t>bons</a:t>
+            </a:r>
+            <a:r>
+              <a:rPr lang="en-US" dirty="0" smtClean="0"/>
+              <a:t> </a:t>
+            </a:r>
+            <a:r>
+              <a:rPr lang="en-US" dirty="0" err="1" smtClean="0"/>
+              <a:t>para</a:t>
+            </a:r>
+            <a:r>
+              <a:rPr lang="en-US" dirty="0" smtClean="0"/>
+              <a:t> </a:t>
+            </a:r>
+            <a:r>
+              <a:rPr lang="en-US" dirty="0" err="1" smtClean="0"/>
+              <a:t>problemas</a:t>
+            </a:r>
+            <a:r>
+              <a:rPr lang="en-US" dirty="0" smtClean="0"/>
+              <a:t> compute bound</a:t>
+            </a:r>
+          </a:p>
+          <a:p>
+            <a:r>
+              <a:rPr lang="en-US" dirty="0" smtClean="0"/>
+              <a:t>4.  MIC: </a:t>
+            </a:r>
+            <a:r>
+              <a:rPr lang="en-US" dirty="0" err="1" smtClean="0"/>
+              <a:t>resposta</a:t>
+            </a:r>
+            <a:r>
+              <a:rPr lang="en-US" dirty="0" smtClean="0"/>
+              <a:t> da Intel, um</a:t>
+            </a:r>
+            <a:r>
+              <a:rPr lang="en-US" baseline="0" dirty="0" smtClean="0"/>
+              <a:t> </a:t>
+            </a:r>
+            <a:r>
+              <a:rPr lang="en-US" baseline="0" dirty="0" err="1" smtClean="0"/>
+              <a:t>pouco</a:t>
+            </a:r>
+            <a:r>
+              <a:rPr lang="en-US" baseline="0" dirty="0" smtClean="0"/>
+              <a:t> </a:t>
+            </a:r>
+            <a:r>
+              <a:rPr lang="en-US" baseline="0" dirty="0" err="1" smtClean="0"/>
+              <a:t>diferente</a:t>
+            </a:r>
+            <a:r>
+              <a:rPr lang="en-US" baseline="0" dirty="0" smtClean="0"/>
+              <a:t> </a:t>
+            </a:r>
+            <a:r>
+              <a:rPr lang="en-US" baseline="0" dirty="0" err="1" smtClean="0"/>
+              <a:t>já</a:t>
+            </a:r>
+            <a:r>
+              <a:rPr lang="en-US" baseline="0" dirty="0" smtClean="0"/>
+              <a:t> </a:t>
+            </a:r>
+            <a:r>
+              <a:rPr lang="en-US" baseline="0" dirty="0" err="1" smtClean="0"/>
+              <a:t>que</a:t>
+            </a:r>
+            <a:r>
+              <a:rPr lang="en-US" baseline="0" dirty="0" smtClean="0"/>
+              <a:t> </a:t>
             </a:r>
             <a:r>
               <a:rPr lang="en-US" baseline="0" dirty="0" err="1" smtClean="0"/>
@@ -3856,7 +3295,15 @@
             </a:r>
             <a:r>
               <a:rPr lang="en-US" baseline="0" dirty="0" err="1" smtClean="0"/>
-              <a:t>existem</a:t>
+              <a:t>oferece</a:t>
+            </a:r>
+            <a:r>
+              <a:rPr lang="en-US" baseline="0" dirty="0" smtClean="0"/>
+              <a:t> um </a:t>
+            </a:r>
+            <a:r>
+              <a:rPr lang="en-US" baseline="0" dirty="0" err="1" smtClean="0"/>
+              <a:t>grau</a:t>
             </a:r>
             <a:r>
               <a:rPr lang="en-US" baseline="0" dirty="0" smtClean="0"/>
@@ -3864,7 +3311,7 @@
             </a:r>
             <a:r>
               <a:rPr lang="en-US" baseline="0" dirty="0" err="1" smtClean="0"/>
-              <a:t>ferramentas</a:t>
+              <a:t>tão</a:t>
             </a:r>
             <a:r>
               <a:rPr lang="en-US" baseline="0" dirty="0" smtClean="0"/>
@@ -3872,7 +3319,31 @@
             </a:r>
             <a:r>
               <a:rPr lang="en-US" baseline="0" dirty="0" err="1" smtClean="0"/>
-              <a:t>úteis</a:t>
+              <a:t>grande</a:t>
+            </a:r>
+            <a:r>
+              <a:rPr lang="en-US" baseline="0" dirty="0" smtClean="0"/>
+              <a:t> de </a:t>
+            </a:r>
+            <a:r>
+              <a:rPr lang="en-US" baseline="0" dirty="0" err="1" smtClean="0"/>
+              <a:t>paralelismo</a:t>
+            </a:r>
+            <a:r>
+              <a:rPr lang="en-US" baseline="0" dirty="0" smtClean="0"/>
+              <a:t>, </a:t>
+            </a:r>
+            <a:r>
+              <a:rPr lang="en-US" baseline="0" dirty="0" err="1" smtClean="0"/>
+              <a:t>apenas</a:t>
+            </a:r>
+            <a:r>
+              <a:rPr lang="en-US" baseline="0" dirty="0" smtClean="0"/>
+              <a:t> um </a:t>
+            </a:r>
+            <a:r>
+              <a:rPr lang="en-US" baseline="0" dirty="0" err="1" smtClean="0"/>
+              <a:t>acelerador</a:t>
             </a:r>
             <a:r>
               <a:rPr lang="en-US" baseline="0" dirty="0" smtClean="0"/>
@@ -3884,19 +3355,23 @@
             </a:r>
             <a:r>
               <a:rPr lang="en-US" baseline="0" dirty="0" smtClean="0"/>
-              <a:t> </a:t>
-            </a:r>
-            <a:r>
-              <a:rPr lang="en-US" baseline="0" dirty="0" err="1" smtClean="0"/>
-              <a:t>auxiliar</a:t>
-            </a:r>
-            <a:r>
-              <a:rPr lang="en-US" baseline="0" dirty="0" smtClean="0"/>
-              <a:t> o </a:t>
-            </a:r>
-            <a:r>
-              <a:rPr lang="en-US" baseline="0" dirty="0" err="1" smtClean="0"/>
-              <a:t>processo</a:t>
+              <a:t> memory bound </a:t>
+            </a:r>
+            <a:r>
+              <a:rPr lang="en-US" baseline="0" dirty="0" smtClean="0"/>
+              <a:t>problems</a:t>
+            </a:r>
+          </a:p>
+          <a:p>
+            <a:r>
+              <a:rPr lang="en-US" baseline="0" dirty="0" smtClean="0"/>
+              <a:t>----- Meeting Notes (19/02/13 09:57) -----</a:t>
+            </a:r>
+          </a:p>
+          <a:p>
+            <a:r>
+              <a:rPr lang="en-US" baseline="0" dirty="0" smtClean="0"/>
+              <a:t>actualmente presentes no top500</a:t>
             </a:r>
             <a:endParaRPr lang="en-US" baseline="0" dirty="0" smtClean="0"/>
           </a:p>
@@ -3928,7 +3403,7 @@
     </p:spTree>
     <p:extLst>
       <p:ext uri="{BB962C8B-B14F-4D97-AF65-F5344CB8AC3E}">
-        <p14:creationId xmlns:p14="http://schemas.microsoft.com/office/powerpoint/2010/main" val="96697361"/>
+        <p14:creationId xmlns:p14="http://schemas.microsoft.com/office/powerpoint/2010/main" val="2247672862"/>
       </p:ext>
     </p:extLst>
   </p:cSld>
@@ -7803,16 +7278,24 @@
           <a:lstStyle/>
           <a:p>
             <a:r>
-              <a:rPr lang="en-US" dirty="0" smtClean="0"/>
-              <a:t>Heterogeneous Platforms</a:t>
-            </a:r>
-            <a:endParaRPr lang="en-US" dirty="0"/>
-          </a:p>
-        </p:txBody>
-      </p:sp>
-      <p:sp>
-        <p:nvSpPr>
-          <p:cNvPr id="3" name="Footer Placeholder 2"/>
+              <a:rPr lang="en-US" dirty="0" smtClean="0">
+                <a:solidFill>
+                  <a:srgbClr val="1F497D"/>
+                </a:solidFill>
+              </a:rPr>
+              <a:t>Accelerator Devices</a:t>
+            </a:r>
+            <a:endParaRPr lang="en-US" dirty="0">
+              <a:solidFill>
+                <a:srgbClr val="1F497D"/>
+              </a:solidFill>
+            </a:endParaRPr>
+          </a:p>
+        </p:txBody>
+      </p:sp>
+      <p:sp>
+        <p:nvSpPr>
+          <p:cNvPr id="4" name="Footer Placeholder 3"/>
           <p:cNvSpPr>
             <a:spLocks noGrp="1"/>
           </p:cNvSpPr>
@@ -7831,7 +7314,7 @@
       </p:sp>
       <p:sp>
         <p:nvSpPr>
-          <p:cNvPr id="4" name="Slide Number Placeholder 3"/>
+          <p:cNvPr id="5" name="Slide Number Placeholder 4"/>
           <p:cNvSpPr>
             <a:spLocks noGrp="1"/>
           </p:cNvSpPr>
@@ -7856,7 +7339,7 @@
       </p:sp>
       <p:sp>
         <p:nvSpPr>
-          <p:cNvPr id="5" name="Content Placeholder 4"/>
+          <p:cNvPr id="3" name="Content Placeholder 2"/>
           <p:cNvSpPr>
             <a:spLocks noGrp="1"/>
           </p:cNvSpPr>
@@ -7864,66 +7347,101 @@
             <p:ph sz="quarter" idx="1"/>
           </p:nvPr>
         </p:nvSpPr>
-        <p:spPr>
-          <a:xfrm>
-            <a:off x="612648" y="1600200"/>
-            <a:ext cx="3626233" cy="4495800"/>
-          </a:xfrm>
-        </p:spPr>
+        <p:spPr/>
         <p:txBody>
           <a:bodyPr>
             <a:normAutofit/>
           </a:bodyPr>
           <a:lstStyle/>
           <a:p>
+            <a:pPr marL="0" indent="0">
+              <a:buNone/>
+            </a:pPr>
             <a:endParaRPr lang="en-US" sz="2800" dirty="0" smtClean="0"/>
           </a:p>
           <a:p>
             <a:r>
+              <a:rPr lang="en-US" sz="2800" b="1" dirty="0" smtClean="0"/>
+              <a:t>G</a:t>
+            </a:r>
+            <a:r>
               <a:rPr lang="en-US" sz="2800" dirty="0" smtClean="0"/>
-              <a:t>Specific details</a:t>
-            </a:r>
-            <a:endParaRPr lang="en-US" sz="2800" dirty="0" smtClean="0"/>
+              <a:t>raphics </a:t>
+            </a:r>
+            <a:r>
+              <a:rPr lang="en-US" sz="2800" b="1" dirty="0" smtClean="0"/>
+              <a:t>P</a:t>
+            </a:r>
+            <a:r>
+              <a:rPr lang="en-US" sz="2800" dirty="0" smtClean="0"/>
+              <a:t>rocessing </a:t>
+            </a:r>
+            <a:r>
+              <a:rPr lang="en-US" sz="2800" b="1" dirty="0" smtClean="0"/>
+              <a:t>U</a:t>
+            </a:r>
+            <a:r>
+              <a:rPr lang="en-US" sz="2800" dirty="0" smtClean="0"/>
+              <a:t>nits architectures</a:t>
+            </a:r>
           </a:p>
           <a:p>
             <a:pPr lvl="1"/>
             <a:r>
-              <a:rPr lang="en-US" sz="2400" dirty="0"/>
-              <a:t>Different </a:t>
-            </a:r>
-            <a:r>
               <a:rPr lang="en-US" sz="2400" dirty="0" smtClean="0"/>
-              <a:t>architectures</a:t>
+              <a:t>NVidia Fermi</a:t>
             </a:r>
           </a:p>
           <a:p>
             <a:pPr lvl="1"/>
             <a:r>
               <a:rPr lang="en-US" sz="2400" dirty="0" smtClean="0"/>
-              <a:t>Different programming models</a:t>
+              <a:t>NVidia Kepler</a:t>
+            </a:r>
+          </a:p>
+          <a:p>
+            <a:r>
+              <a:rPr lang="en-US" sz="2800" dirty="0" smtClean="0"/>
+              <a:t>Intel </a:t>
+            </a:r>
+            <a:r>
+              <a:rPr lang="en-US" sz="2800" b="1" dirty="0" smtClean="0"/>
+              <a:t>M</a:t>
+            </a:r>
+            <a:r>
+              <a:rPr lang="en-US" sz="2800" dirty="0" smtClean="0"/>
+              <a:t>any </a:t>
+            </a:r>
+            <a:r>
+              <a:rPr lang="en-US" sz="2800" b="1" dirty="0" smtClean="0"/>
+              <a:t>I</a:t>
+            </a:r>
+            <a:r>
+              <a:rPr lang="en-US" sz="2800" dirty="0" smtClean="0"/>
+              <a:t>ntegrated </a:t>
+            </a:r>
+            <a:r>
+              <a:rPr lang="en-US" sz="2800" b="1" dirty="0" smtClean="0"/>
+              <a:t>C</a:t>
+            </a:r>
+            <a:r>
+              <a:rPr lang="en-US" sz="2800" dirty="0" smtClean="0"/>
+              <a:t>ore architecture</a:t>
             </a:r>
           </a:p>
           <a:p>
             <a:pPr lvl="1"/>
             <a:r>
               <a:rPr lang="en-US" sz="2400" dirty="0" smtClean="0"/>
-              <a:t>Load balancing</a:t>
-            </a:r>
-          </a:p>
-          <a:p>
-            <a:pPr lvl="1"/>
-            <a:r>
-              <a:rPr lang="en-US" sz="2400" dirty="0" smtClean="0"/>
-              <a:t>Debugging</a:t>
-            </a:r>
-            <a:endParaRPr lang="en-US" sz="2400" dirty="0"/>
+              <a:t>Intel Xeon Phi</a:t>
+            </a:r>
           </a:p>
         </p:txBody>
       </p:sp>
     </p:spTree>
     <p:extLst>
       <p:ext uri="{BB962C8B-B14F-4D97-AF65-F5344CB8AC3E}">
-        <p14:creationId xmlns:p14="http://schemas.microsoft.com/office/powerpoint/2010/main" val="2075040760"/>
+        <p14:creationId xmlns:p14="http://schemas.microsoft.com/office/powerpoint/2010/main" val="2811149403"/>
       </p:ext>
     </p:extLst>
   </p:cSld>
@@ -7978,7 +7496,7 @@
                   <a:srgbClr val="1F497D"/>
                 </a:solidFill>
               </a:rPr>
-              <a:t>Accelerator Devices</a:t>
+              <a:t>Proposed Work</a:t>
             </a:r>
             <a:endParaRPr lang="en-US" dirty="0">
               <a:solidFill>
@@ -8044,9 +7562,7 @@
         </p:nvSpPr>
         <p:spPr/>
         <p:txBody>
-          <a:bodyPr>
-            <a:normAutofit/>
-          </a:bodyPr>
+          <a:bodyPr/>
           <a:lstStyle/>
           <a:p>
             <a:pPr marL="0" indent="0">
@@ -8056,87 +7572,62 @@
           </a:p>
           <a:p>
             <a:r>
-              <a:rPr lang="en-US" sz="2800" b="1" dirty="0" smtClean="0"/>
-              <a:t>G</a:t>
-            </a:r>
+              <a:rPr lang="en-US" sz="2800" dirty="0" smtClean="0">
+                <a:solidFill>
+                  <a:srgbClr val="BFBFBF"/>
+                </a:solidFill>
+              </a:rPr>
+              <a:t>Parallelization on </a:t>
+            </a:r>
+            <a:r>
+              <a:rPr lang="en-US" sz="2800" dirty="0">
+                <a:solidFill>
+                  <a:srgbClr val="BFBFBF"/>
+                </a:solidFill>
+              </a:rPr>
+              <a:t>heterogeneous </a:t>
+            </a:r>
+            <a:r>
+              <a:rPr lang="en-US" sz="2800" dirty="0" smtClean="0">
+                <a:solidFill>
+                  <a:srgbClr val="BFBFBF"/>
+                </a:solidFill>
+              </a:rPr>
+              <a:t>platforms</a:t>
+            </a:r>
+          </a:p>
+          <a:p>
+            <a:pPr lvl="1"/>
+            <a:r>
+              <a:rPr lang="en-US" sz="2400" dirty="0" smtClean="0">
+                <a:solidFill>
+                  <a:srgbClr val="BFBFBF"/>
+                </a:solidFill>
+              </a:rPr>
+              <a:t>Comparison </a:t>
+            </a:r>
+            <a:r>
+              <a:rPr lang="en-US" sz="2400" dirty="0" smtClean="0">
+                <a:solidFill>
+                  <a:srgbClr val="BFBFBF"/>
+                </a:solidFill>
+              </a:rPr>
+              <a:t>of the accelerator devices used</a:t>
+            </a:r>
+          </a:p>
+          <a:p>
             <a:r>
               <a:rPr lang="en-US" sz="2800" dirty="0" smtClean="0"/>
-              <a:t>raphics </a:t>
-            </a:r>
-            <a:r>
-              <a:rPr lang="en-US" sz="2800" b="1" dirty="0" smtClean="0"/>
-              <a:t>P</a:t>
-            </a:r>
-            <a:r>
-              <a:rPr lang="en-US" sz="2800" dirty="0" smtClean="0"/>
-              <a:t>rocessing </a:t>
-            </a:r>
-            <a:r>
-              <a:rPr lang="en-US" sz="2800" b="1" dirty="0" smtClean="0"/>
-              <a:t>U</a:t>
-            </a:r>
-            <a:r>
-              <a:rPr lang="en-US" sz="2800" dirty="0" smtClean="0"/>
-              <a:t>nits architectures</a:t>
-            </a:r>
-          </a:p>
-          <a:p>
-            <a:pPr lvl="1"/>
-            <a:r>
-              <a:rPr lang="en-US" sz="2400" dirty="0" smtClean="0"/>
-              <a:t>NVidia Fermi</a:t>
-            </a:r>
-          </a:p>
-          <a:p>
-            <a:pPr lvl="1"/>
-            <a:r>
-              <a:rPr lang="en-US" sz="2400" dirty="0" smtClean="0"/>
-              <a:t>NVidia Kepler</a:t>
-            </a:r>
-          </a:p>
-          <a:p>
-            <a:r>
-              <a:rPr lang="en-US" sz="2800" dirty="0" smtClean="0"/>
-              <a:t>Intel </a:t>
-            </a:r>
-            <a:r>
-              <a:rPr lang="en-US" sz="2800" b="1" dirty="0" smtClean="0"/>
-              <a:t>M</a:t>
-            </a:r>
-            <a:r>
-              <a:rPr lang="en-US" sz="2800" dirty="0" smtClean="0"/>
-              <a:t>any </a:t>
-            </a:r>
-            <a:r>
-              <a:rPr lang="en-US" sz="2800" b="1" dirty="0" smtClean="0"/>
-              <a:t>I</a:t>
-            </a:r>
-            <a:r>
-              <a:rPr lang="en-US" sz="2800" dirty="0" smtClean="0"/>
-              <a:t>ntegrated </a:t>
-            </a:r>
-            <a:r>
-              <a:rPr lang="en-US" sz="2800" b="1" dirty="0" smtClean="0"/>
-              <a:t>C</a:t>
-            </a:r>
-            <a:r>
-              <a:rPr lang="en-US" sz="2800" dirty="0" smtClean="0"/>
-              <a:t>ore architecture</a:t>
-            </a:r>
-          </a:p>
-          <a:p>
-            <a:pPr lvl="1"/>
-            <a:r>
-              <a:rPr lang="en-US" sz="2400" dirty="0" smtClean="0"/>
-              <a:t>Intel Xeon Phi</a:t>
-            </a:r>
+              <a:t>Framework comparison</a:t>
+            </a:r>
+            <a:endParaRPr lang="en-US" sz="2800" dirty="0"/>
           </a:p>
         </p:txBody>
       </p:sp>
     </p:spTree>
     <p:extLst>
       <p:ext uri="{BB962C8B-B14F-4D97-AF65-F5344CB8AC3E}">
-        <p14:creationId xmlns:p14="http://schemas.microsoft.com/office/powerpoint/2010/main" val="2811149403"/>
+        <p14:creationId xmlns:p14="http://schemas.microsoft.com/office/powerpoint/2010/main" val="1500472278"/>
       </p:ext>
     </p:extLst>
   </p:cSld>
@@ -8191,7 +7682,7 @@
                   <a:srgbClr val="1F497D"/>
                 </a:solidFill>
               </a:rPr>
-              <a:t>Proposed Work</a:t>
+              <a:t>Development Frameworks</a:t>
             </a:r>
             <a:endParaRPr lang="en-US" dirty="0">
               <a:solidFill>
@@ -8257,219 +7748,17 @@
         </p:nvSpPr>
         <p:spPr/>
         <p:txBody>
-          <a:bodyPr/>
-          <a:lstStyle/>
-          <a:p>
-            <a:pPr marL="0" indent="0">
-              <a:buNone/>
-            </a:pPr>
-            <a:endParaRPr lang="en-US" sz="2800" dirty="0" smtClean="0"/>
-          </a:p>
-          <a:p>
-            <a:r>
-              <a:rPr lang="en-US" sz="2800" dirty="0" smtClean="0">
-                <a:solidFill>
-                  <a:srgbClr val="BFBFBF"/>
-                </a:solidFill>
-              </a:rPr>
-              <a:t>Parallelization on </a:t>
-            </a:r>
-            <a:r>
-              <a:rPr lang="en-US" sz="2800" dirty="0">
-                <a:solidFill>
-                  <a:srgbClr val="BFBFBF"/>
-                </a:solidFill>
-              </a:rPr>
-              <a:t>heterogeneous </a:t>
-            </a:r>
-            <a:r>
-              <a:rPr lang="en-US" sz="2800" dirty="0" smtClean="0">
-                <a:solidFill>
-                  <a:srgbClr val="BFBFBF"/>
-                </a:solidFill>
-              </a:rPr>
-              <a:t>platforms</a:t>
-            </a:r>
-          </a:p>
-          <a:p>
-            <a:pPr lvl="1"/>
-            <a:r>
-              <a:rPr lang="en-US" sz="2400" dirty="0" smtClean="0">
-                <a:solidFill>
-                  <a:srgbClr val="BFBFBF"/>
-                </a:solidFill>
-              </a:rPr>
-              <a:t>Comparison </a:t>
-            </a:r>
-            <a:r>
-              <a:rPr lang="en-US" sz="2400" dirty="0" smtClean="0">
-                <a:solidFill>
-                  <a:srgbClr val="BFBFBF"/>
-                </a:solidFill>
-              </a:rPr>
-              <a:t>of the accelerator devices used</a:t>
-            </a:r>
-          </a:p>
-          <a:p>
-            <a:r>
-              <a:rPr lang="en-US" sz="2800" dirty="0" err="1" smtClean="0"/>
-              <a:t>OpenACC</a:t>
-            </a:r>
-            <a:r>
-              <a:rPr lang="en-US" sz="2800" dirty="0" smtClean="0"/>
-              <a:t> </a:t>
-            </a:r>
-            <a:r>
-              <a:rPr lang="en-US" sz="2800" dirty="0" err="1" smtClean="0"/>
-              <a:t>vs</a:t>
-            </a:r>
-            <a:r>
-              <a:rPr lang="en-US" sz="2800" dirty="0" smtClean="0"/>
-              <a:t> GAMA</a:t>
-            </a:r>
-            <a:endParaRPr lang="en-US" sz="2800" dirty="0"/>
-          </a:p>
-        </p:txBody>
-      </p:sp>
-    </p:spTree>
-    <p:extLst>
-      <p:ext uri="{BB962C8B-B14F-4D97-AF65-F5344CB8AC3E}">
-        <p14:creationId xmlns:p14="http://schemas.microsoft.com/office/powerpoint/2010/main" val="1500472278"/>
-      </p:ext>
-    </p:extLst>
-  </p:cSld>
-  <p:clrMapOvr>
-    <a:masterClrMapping/>
-  </p:clrMapOvr>
-  <p:timing>
-    <p:tnLst>
-      <p:par>
-        <p:cTn xmlns:p14="http://schemas.microsoft.com/office/powerpoint/2010/main" id="1" dur="indefinite" restart="never" nodeType="tmRoot"/>
-      </p:par>
-    </p:tnLst>
-  </p:timing>
-</p:sld>
-</file>
-
-<file path=ppt/slides/slide13.xml><?xml version="1.0" encoding="utf-8"?>
-<p:sld xmlns:a="http://schemas.openxmlformats.org/drawingml/2006/main" xmlns:r="http://schemas.openxmlformats.org/officeDocument/2006/relationships" xmlns:p="http://schemas.openxmlformats.org/presentationml/2006/main">
-  <p:cSld>
-    <p:spTree>
-      <p:nvGrpSpPr>
-        <p:cNvPr id="1" name=""/>
-        <p:cNvGrpSpPr/>
-        <p:nvPr/>
-      </p:nvGrpSpPr>
-      <p:grpSpPr>
-        <a:xfrm>
-          <a:off x="0" y="0"/>
-          <a:ext cx="0" cy="0"/>
-          <a:chOff x="0" y="0"/>
-          <a:chExt cx="0" cy="0"/>
-        </a:xfrm>
-      </p:grpSpPr>
-      <p:sp>
-        <p:nvSpPr>
-          <p:cNvPr id="2" name="Title 1"/>
-          <p:cNvSpPr>
-            <a:spLocks noGrp="1"/>
-          </p:cNvSpPr>
-          <p:nvPr>
-            <p:ph type="title"/>
-          </p:nvPr>
-        </p:nvSpPr>
-        <p:spPr/>
-        <p:txBody>
-          <a:bodyPr/>
-          <a:lstStyle/>
-          <a:p>
-            <a:r>
-              <a:rPr lang="en-US" dirty="0" smtClean="0">
-                <a:solidFill>
-                  <a:srgbClr val="1F497D"/>
-                </a:solidFill>
-              </a:rPr>
-              <a:t>Development Frameworks</a:t>
-            </a:r>
-            <a:endParaRPr lang="en-US" dirty="0">
-              <a:solidFill>
-                <a:srgbClr val="1F497D"/>
-              </a:solidFill>
-            </a:endParaRPr>
-          </a:p>
-        </p:txBody>
-      </p:sp>
-      <p:sp>
-        <p:nvSpPr>
-          <p:cNvPr id="4" name="Footer Placeholder 3"/>
-          <p:cNvSpPr>
-            <a:spLocks noGrp="1"/>
-          </p:cNvSpPr>
-          <p:nvPr>
-            <p:ph type="ftr" sz="quarter" idx="11"/>
-          </p:nvPr>
-        </p:nvSpPr>
-        <p:spPr/>
-        <p:txBody>
-          <a:bodyPr/>
-          <a:lstStyle/>
-          <a:p>
-            <a:endParaRPr lang="en-US"/>
-          </a:p>
-        </p:txBody>
-      </p:sp>
-      <p:sp>
-        <p:nvSpPr>
-          <p:cNvPr id="5" name="Slide Number Placeholder 4"/>
-          <p:cNvSpPr>
-            <a:spLocks noGrp="1"/>
-          </p:cNvSpPr>
-          <p:nvPr>
-            <p:ph type="sldNum" sz="quarter" idx="12"/>
-          </p:nvPr>
-        </p:nvSpPr>
-        <p:spPr/>
-        <p:txBody>
-          <a:bodyPr>
-            <a:normAutofit fontScale="85000" lnSpcReduction="20000"/>
-          </a:bodyPr>
-          <a:lstStyle/>
-          <a:p>
-            <a:fld id="{9C1F5A0A-F6FC-4FFD-9B49-0DA8697211D9}" type="slidenum">
-              <a:rPr lang="en-US" smtClean="0"/>
-              <a:t>13</a:t>
-            </a:fld>
-            <a:endParaRPr lang="en-US"/>
-          </a:p>
-        </p:txBody>
-      </p:sp>
-      <p:sp>
-        <p:nvSpPr>
-          <p:cNvPr id="3" name="Content Placeholder 2"/>
-          <p:cNvSpPr>
-            <a:spLocks noGrp="1"/>
-          </p:cNvSpPr>
-          <p:nvPr>
-            <p:ph sz="quarter" idx="1"/>
-          </p:nvPr>
-        </p:nvSpPr>
-        <p:spPr/>
-        <p:txBody>
           <a:bodyPr>
             <a:normAutofit/>
           </a:bodyPr>
           <a:lstStyle/>
           <a:p>
-            <a:endParaRPr lang="en-US" sz="2800" smtClean="0"/>
-          </a:p>
-          <a:p>
-            <a:r>
-              <a:rPr lang="en-US" sz="2800" smtClean="0"/>
-              <a:t>CPU</a:t>
-            </a:r>
+            <a:endParaRPr lang="en-US" sz="2800" dirty="0" smtClean="0"/>
+          </a:p>
+          <a:p>
             <a:r>
               <a:rPr lang="en-US" sz="2800" dirty="0" smtClean="0"/>
-              <a:t>/Accelerator specific</a:t>
+              <a:t>CPU/Accelerator specific</a:t>
             </a:r>
             <a:endParaRPr lang="en-US" sz="3200" dirty="0" smtClean="0"/>
           </a:p>
@@ -8518,8 +7807,16 @@
               <a:t>OpenACC</a:t>
             </a:r>
             <a:r>
+              <a:rPr lang="en-US" sz="2500" dirty="0"/>
+              <a:t> </a:t>
+            </a:r>
+            <a:r>
               <a:rPr lang="en-US" sz="2500" dirty="0" smtClean="0"/>
-              <a:t>, …</a:t>
+              <a:t>(stable frameworks)</a:t>
+            </a:r>
+            <a:r>
+              <a:rPr lang="en-US" sz="2500" dirty="0" smtClean="0"/>
+              <a:t> </a:t>
             </a:r>
             <a:endParaRPr lang="en-US" sz="2500" dirty="0" smtClean="0"/>
           </a:p>
@@ -8527,7 +7824,14 @@
             <a:pPr lvl="1"/>
             <a:r>
               <a:rPr lang="en-US" sz="2500" dirty="0" smtClean="0"/>
-              <a:t>GAMA, …</a:t>
+              <a:t>GAMA (in-house, currently in development)</a:t>
+            </a:r>
+          </a:p>
+          <a:p>
+            <a:pPr lvl="1"/>
+            <a:r>
+              <a:rPr lang="en-US" sz="2500" dirty="0" smtClean="0"/>
+              <a:t>…</a:t>
             </a:r>
             <a:endParaRPr lang="en-US" sz="2500" dirty="0" smtClean="0"/>
           </a:p>
@@ -8553,7 +7857,7 @@
 </p:sld>
 </file>
 
-<file path=ppt/slides/slide14.xml><?xml version="1.0" encoding="utf-8"?>
+<file path=ppt/slides/slide13.xml><?xml version="1.0" encoding="utf-8"?>
 <p:sld xmlns:a="http://schemas.openxmlformats.org/drawingml/2006/main" xmlns:r="http://schemas.openxmlformats.org/officeDocument/2006/relationships" xmlns:p="http://schemas.openxmlformats.org/presentationml/2006/main">
   <p:cSld>
     <p:spTree>
@@ -9103,7 +8407,7 @@
       </p:sp>
       <p:pic>
         <p:nvPicPr>
-          <p:cNvPr id="6" name="Content Placeholder 5" descr="ttbar_higgs.png"/>
+          <p:cNvPr id="6" name="Content Placeholder 5"/>
           <p:cNvPicPr>
             <a:picLocks noGrp="1" noChangeAspect="1"/>
           </p:cNvPicPr>
@@ -9119,15 +8423,14 @@
               </a:ext>
             </a:extLst>
           </a:blip>
-          <a:srcRect l="-9939" r="-9939"/>
           <a:stretch>
             <a:fillRect/>
           </a:stretch>
         </p:blipFill>
         <p:spPr>
           <a:xfrm>
-            <a:off x="483362" y="1550893"/>
-            <a:ext cx="8282686" cy="4537437"/>
+            <a:off x="1170065" y="1550893"/>
+            <a:ext cx="6909279" cy="4537437"/>
           </a:xfrm>
           <a:prstGeom prst="rect">
             <a:avLst/>
@@ -9390,7 +8693,7 @@
       </p:cxnSp>
       <p:pic>
         <p:nvPicPr>
-          <p:cNvPr id="10" name="Picture 9" descr="no-pipeline.png"/>
+          <p:cNvPr id="10" name="Picture 9"/>
           <p:cNvPicPr>
             <a:picLocks noChangeAspect="1"/>
           </p:cNvPicPr>
@@ -9454,7 +8757,7 @@
       </p:sp>
       <p:pic>
         <p:nvPicPr>
-          <p:cNvPr id="12" name="Content Placeholder 5" descr="ttbar_higgs.png"/>
+          <p:cNvPr id="12" name="Content Placeholder 5"/>
           <p:cNvPicPr>
             <a:picLocks noChangeAspect="1"/>
           </p:cNvPicPr>
@@ -9468,15 +8771,14 @@
               </a:ext>
             </a:extLst>
           </a:blip>
-          <a:srcRect l="-9939" r="-9939"/>
           <a:stretch>
             <a:fillRect/>
           </a:stretch>
         </p:blipFill>
         <p:spPr>
           <a:xfrm>
-            <a:off x="303458" y="2931944"/>
-            <a:ext cx="6053540" cy="3316262"/>
+            <a:off x="805347" y="2931944"/>
+            <a:ext cx="5049762" cy="3316262"/>
           </a:xfrm>
           <a:prstGeom prst="rect">
             <a:avLst/>
@@ -9573,14 +8875,15 @@
               </a:ext>
             </a:extLst>
           </a:blip>
+          <a:srcRect/>
           <a:stretch>
             <a:fillRect/>
           </a:stretch>
         </p:blipFill>
         <p:spPr>
           <a:xfrm>
-            <a:off x="4402244" y="2060430"/>
-            <a:ext cx="1938069" cy="3967462"/>
+            <a:off x="4402244" y="2154844"/>
+            <a:ext cx="1938069" cy="3873047"/>
           </a:xfrm>
         </p:spPr>
       </p:pic>
@@ -10111,8 +9414,8 @@
         </p:blipFill>
         <p:spPr>
           <a:xfrm>
-            <a:off x="4402244" y="2060430"/>
-            <a:ext cx="1938069" cy="3967462"/>
+            <a:off x="4402244" y="2154845"/>
+            <a:ext cx="1938069" cy="3873046"/>
           </a:xfrm>
         </p:spPr>
       </p:pic>
@@ -10742,16 +10045,6 @@
           </a:p>
           <a:p>
             <a:r>
-              <a:rPr lang="en-US" sz="2800" dirty="0" err="1" smtClean="0">
-                <a:solidFill>
-                  <a:schemeClr val="bg1">
-                    <a:lumMod val="75000"/>
-                  </a:schemeClr>
-                </a:solidFill>
-              </a:rPr>
-              <a:t>OpenACC</a:t>
-            </a:r>
-            <a:r>
               <a:rPr lang="en-US" sz="2800" dirty="0" smtClean="0">
                 <a:solidFill>
                   <a:schemeClr val="bg1">
@@ -10759,27 +10052,7 @@
                   </a:schemeClr>
                 </a:solidFill>
               </a:rPr>
-              <a:t> </a:t>
-            </a:r>
-            <a:r>
-              <a:rPr lang="en-US" sz="2800" dirty="0" err="1" smtClean="0">
-                <a:solidFill>
-                  <a:schemeClr val="bg1">
-                    <a:lumMod val="75000"/>
-                  </a:schemeClr>
-                </a:solidFill>
-              </a:rPr>
-              <a:t>vs</a:t>
-            </a:r>
-            <a:r>
-              <a:rPr lang="en-US" sz="2800" dirty="0" smtClean="0">
-                <a:solidFill>
-                  <a:schemeClr val="bg1">
-                    <a:lumMod val="75000"/>
-                  </a:schemeClr>
-                </a:solidFill>
-              </a:rPr>
-              <a:t> GAMA</a:t>
+              <a:t>Framework comparison</a:t>
             </a:r>
             <a:endParaRPr lang="en-US" sz="2800" dirty="0">
               <a:solidFill>
@@ -10908,7 +10181,7 @@
         <p:spPr>
           <a:xfrm>
             <a:off x="612648" y="1600200"/>
-            <a:ext cx="3626233" cy="4495800"/>
+            <a:ext cx="3805089" cy="4495800"/>
           </a:xfrm>
         </p:spPr>
         <p:txBody>
@@ -10921,43 +10194,30 @@
           </a:p>
           <a:p>
             <a:r>
-              <a:rPr lang="en-US" sz="2800" dirty="0" smtClean="0"/>
-              <a:t>Specific details</a:t>
-            </a:r>
-            <a:endParaRPr lang="en-US" sz="2800" dirty="0" smtClean="0"/>
-          </a:p>
-          <a:p>
-            <a:pPr lvl="1"/>
-            <a:r>
-              <a:rPr lang="en-US" sz="2400" dirty="0"/>
+              <a:rPr lang="en-US" sz="2700" dirty="0" smtClean="0"/>
               <a:t>Different </a:t>
             </a:r>
             <a:r>
-              <a:rPr lang="en-US" sz="2400" dirty="0" smtClean="0"/>
+              <a:rPr lang="en-US" sz="2700" dirty="0" smtClean="0"/>
               <a:t>architectures</a:t>
             </a:r>
           </a:p>
           <a:p>
-            <a:pPr lvl="1"/>
-            <a:r>
-              <a:rPr lang="en-US" sz="2400" dirty="0" smtClean="0"/>
+            <a:r>
+              <a:rPr lang="en-US" sz="2700" dirty="0" smtClean="0"/>
               <a:t>Different programming models</a:t>
             </a:r>
           </a:p>
           <a:p>
-            <a:pPr lvl="1"/>
-            <a:r>
-              <a:rPr lang="en-US" sz="2400" dirty="0" smtClean="0"/>
-              <a:t>Load balancing</a:t>
-            </a:r>
-          </a:p>
-          <a:p>
-            <a:pPr lvl="1"/>
-            <a:r>
-              <a:rPr lang="en-US" sz="2400" dirty="0" smtClean="0"/>
-              <a:t>Debugging</a:t>
-            </a:r>
-            <a:endParaRPr lang="en-US" sz="2400" dirty="0"/>
+            <a:r>
+              <a:rPr lang="en-US" sz="2700" dirty="0" smtClean="0"/>
+              <a:t>Load </a:t>
+            </a:r>
+            <a:r>
+              <a:rPr lang="en-US" sz="2700" dirty="0" smtClean="0"/>
+              <a:t>balancing</a:t>
+            </a:r>
+            <a:endParaRPr lang="en-US" sz="2700" dirty="0" smtClean="0"/>
           </a:p>
         </p:txBody>
       </p:sp>
@@ -11091,43 +10351,30 @@
           </a:p>
           <a:p>
             <a:r>
-              <a:rPr lang="en-US" sz="2800" dirty="0" smtClean="0"/>
-              <a:t>Specific details</a:t>
-            </a:r>
-            <a:endParaRPr lang="en-US" sz="2800" dirty="0" smtClean="0"/>
-          </a:p>
-          <a:p>
-            <a:pPr lvl="1"/>
-            <a:r>
-              <a:rPr lang="en-US" sz="2400" dirty="0"/>
+              <a:rPr lang="en-US" sz="2700" dirty="0" smtClean="0"/>
               <a:t>Different </a:t>
             </a:r>
             <a:r>
-              <a:rPr lang="en-US" sz="2400" dirty="0" smtClean="0"/>
+              <a:rPr lang="en-US" sz="2700" dirty="0" smtClean="0"/>
               <a:t>architectures</a:t>
             </a:r>
           </a:p>
           <a:p>
-            <a:pPr lvl="1"/>
-            <a:r>
-              <a:rPr lang="en-US" sz="2400" dirty="0" smtClean="0"/>
+            <a:r>
+              <a:rPr lang="en-US" sz="2700" dirty="0" smtClean="0"/>
               <a:t>Different programming models</a:t>
             </a:r>
           </a:p>
           <a:p>
-            <a:pPr lvl="1"/>
-            <a:r>
-              <a:rPr lang="en-US" sz="2400" dirty="0" smtClean="0"/>
-              <a:t>Load balancing</a:t>
-            </a:r>
-          </a:p>
-          <a:p>
-            <a:pPr lvl="1"/>
-            <a:r>
-              <a:rPr lang="en-US" sz="2400" dirty="0" smtClean="0"/>
-              <a:t>Debugging</a:t>
-            </a:r>
-            <a:endParaRPr lang="en-US" sz="2400" dirty="0"/>
+            <a:r>
+              <a:rPr lang="en-US" sz="2700" dirty="0" smtClean="0"/>
+              <a:t>Load </a:t>
+            </a:r>
+            <a:r>
+              <a:rPr lang="en-US" sz="2700" dirty="0" smtClean="0"/>
+              <a:t>balancing</a:t>
+            </a:r>
+            <a:endParaRPr lang="en-US" sz="2700" dirty="0" smtClean="0"/>
           </a:p>
         </p:txBody>
       </p:sp>

--- a/doc/pre-thesis/presentation/pre-thesis_presentation.pptx
+++ b/doc/pre-thesis/presentation/pre-thesis_presentation.pptx
@@ -3153,6 +3153,34 @@
               <a:rPr lang="en-US" baseline="0" dirty="0" err="1" smtClean="0"/>
               <a:t>estudados</a:t>
             </a:r>
+            <a:r>
+              <a:rPr lang="en-US" baseline="0" dirty="0" smtClean="0"/>
+              <a:t> </a:t>
+            </a:r>
+            <a:r>
+              <a:rPr lang="en-US" baseline="0" dirty="0" err="1" smtClean="0"/>
+              <a:t>presentes</a:t>
+            </a:r>
+            <a:r>
+              <a:rPr lang="en-US" baseline="0" dirty="0" smtClean="0"/>
+              <a:t> </a:t>
+            </a:r>
+            <a:r>
+              <a:rPr lang="en-US" baseline="0" dirty="0" err="1" smtClean="0"/>
+              <a:t>em</a:t>
+            </a:r>
+            <a:r>
+              <a:rPr lang="en-US" baseline="0" dirty="0" smtClean="0"/>
+              <a:t> 10% dos super </a:t>
+            </a:r>
+            <a:r>
+              <a:rPr lang="en-US" baseline="0" dirty="0" err="1" smtClean="0"/>
+              <a:t>computadores</a:t>
+            </a:r>
+            <a:r>
+              <a:rPr lang="en-US" baseline="0" dirty="0" smtClean="0"/>
+              <a:t> do top500</a:t>
+            </a:r>
             <a:endParaRPr lang="en-US" baseline="0" dirty="0" smtClean="0"/>
           </a:p>
           <a:p>
@@ -3237,9 +3265,16 @@
             </a:r>
           </a:p>
           <a:p>
+            <a:pPr marL="228600" indent="-228600">
+              <a:buAutoNum type="arabicPeriod" startAt="4"/>
+            </a:pPr>
             <a:r>
               <a:rPr lang="en-US" dirty="0" smtClean="0"/>
-              <a:t>4.  MIC: </a:t>
+              <a:t>MIC</a:t>
+            </a:r>
+            <a:r>
+              <a:rPr lang="en-US" dirty="0" smtClean="0"/>
+              <a:t>: </a:t>
             </a:r>
             <a:r>
               <a:rPr lang="en-US" dirty="0" err="1" smtClean="0"/>
@@ -3355,23 +3390,15 @@
             </a:r>
             <a:r>
               <a:rPr lang="en-US" baseline="0" dirty="0" smtClean="0"/>
-              <a:t> memory bound </a:t>
-            </a:r>
-            <a:r>
-              <a:rPr lang="en-US" baseline="0" dirty="0" smtClean="0"/>
+              <a:t> memory </a:t>
+            </a:r>
+            <a:r>
+              <a:rPr lang="en-US" baseline="0" smtClean="0"/>
+              <a:t>bound </a:t>
+            </a:r>
+            <a:r>
+              <a:rPr lang="en-US" baseline="0" smtClean="0"/>
               <a:t>problems</a:t>
-            </a:r>
-          </a:p>
-          <a:p>
-            <a:r>
-              <a:rPr lang="en-US" baseline="0" dirty="0" smtClean="0"/>
-              <a:t>----- Meeting Notes (19/02/13 09:57) -----</a:t>
-            </a:r>
-          </a:p>
-          <a:p>
-            <a:r>
-              <a:rPr lang="en-US" baseline="0" dirty="0" smtClean="0"/>
-              <a:t>actualmente presentes no top500</a:t>
             </a:r>
             <a:endParaRPr lang="en-US" baseline="0" dirty="0" smtClean="0"/>
           </a:p>
